--- a/Document/2조 김용선, 박세영, 정아인.pptx
+++ b/Document/2조 김용선, 박세영, 정아인.pptx
@@ -15,7 +15,22 @@
     <p:sldId id="266" r:id="rId9"/>
     <p:sldId id="263" r:id="rId10"/>
     <p:sldId id="256" r:id="rId11"/>
-    <p:sldId id="268" r:id="rId12"/>
+    <p:sldId id="269" r:id="rId12"/>
+    <p:sldId id="268" r:id="rId13"/>
+    <p:sldId id="271" r:id="rId14"/>
+    <p:sldId id="280" r:id="rId15"/>
+    <p:sldId id="277" r:id="rId16"/>
+    <p:sldId id="276" r:id="rId17"/>
+    <p:sldId id="274" r:id="rId18"/>
+    <p:sldId id="272" r:id="rId19"/>
+    <p:sldId id="275" r:id="rId20"/>
+    <p:sldId id="273" r:id="rId21"/>
+    <p:sldId id="284" r:id="rId22"/>
+    <p:sldId id="281" r:id="rId23"/>
+    <p:sldId id="279" r:id="rId24"/>
+    <p:sldId id="283" r:id="rId25"/>
+    <p:sldId id="278" r:id="rId26"/>
+    <p:sldId id="282" r:id="rId27"/>
   </p:sldIdLst>
   <p:sldSz cx="12192000" cy="6858000"/>
   <p:notesSz cx="6858000" cy="9144000"/>
@@ -253,7 +268,7 @@
           <a:p>
             <a:fld id="{3AF7B712-D0C1-4524-9AB7-ED61D349829E}" type="datetimeFigureOut">
               <a:rPr lang="ko-KR" altLang="en-US" smtClean="0"/>
-              <a:t>2020-05-21</a:t>
+              <a:t>2020-05-22</a:t>
             </a:fld>
             <a:endParaRPr lang="ko-KR" altLang="en-US"/>
           </a:p>
@@ -423,7 +438,7 @@
           <a:p>
             <a:fld id="{3AF7B712-D0C1-4524-9AB7-ED61D349829E}" type="datetimeFigureOut">
               <a:rPr lang="ko-KR" altLang="en-US" smtClean="0"/>
-              <a:t>2020-05-21</a:t>
+              <a:t>2020-05-22</a:t>
             </a:fld>
             <a:endParaRPr lang="ko-KR" altLang="en-US"/>
           </a:p>
@@ -603,7 +618,7 @@
           <a:p>
             <a:fld id="{3AF7B712-D0C1-4524-9AB7-ED61D349829E}" type="datetimeFigureOut">
               <a:rPr lang="ko-KR" altLang="en-US" smtClean="0"/>
-              <a:t>2020-05-21</a:t>
+              <a:t>2020-05-22</a:t>
             </a:fld>
             <a:endParaRPr lang="ko-KR" altLang="en-US"/>
           </a:p>
@@ -773,7 +788,7 @@
           <a:p>
             <a:fld id="{3AF7B712-D0C1-4524-9AB7-ED61D349829E}" type="datetimeFigureOut">
               <a:rPr lang="ko-KR" altLang="en-US" smtClean="0"/>
-              <a:t>2020-05-21</a:t>
+              <a:t>2020-05-22</a:t>
             </a:fld>
             <a:endParaRPr lang="ko-KR" altLang="en-US"/>
           </a:p>
@@ -1019,7 +1034,7 @@
           <a:p>
             <a:fld id="{3AF7B712-D0C1-4524-9AB7-ED61D349829E}" type="datetimeFigureOut">
               <a:rPr lang="ko-KR" altLang="en-US" smtClean="0"/>
-              <a:t>2020-05-21</a:t>
+              <a:t>2020-05-22</a:t>
             </a:fld>
             <a:endParaRPr lang="ko-KR" altLang="en-US"/>
           </a:p>
@@ -1251,7 +1266,7 @@
           <a:p>
             <a:fld id="{3AF7B712-D0C1-4524-9AB7-ED61D349829E}" type="datetimeFigureOut">
               <a:rPr lang="ko-KR" altLang="en-US" smtClean="0"/>
-              <a:t>2020-05-21</a:t>
+              <a:t>2020-05-22</a:t>
             </a:fld>
             <a:endParaRPr lang="ko-KR" altLang="en-US"/>
           </a:p>
@@ -1618,7 +1633,7 @@
           <a:p>
             <a:fld id="{3AF7B712-D0C1-4524-9AB7-ED61D349829E}" type="datetimeFigureOut">
               <a:rPr lang="ko-KR" altLang="en-US" smtClean="0"/>
-              <a:t>2020-05-21</a:t>
+              <a:t>2020-05-22</a:t>
             </a:fld>
             <a:endParaRPr lang="ko-KR" altLang="en-US"/>
           </a:p>
@@ -1736,7 +1751,7 @@
           <a:p>
             <a:fld id="{3AF7B712-D0C1-4524-9AB7-ED61D349829E}" type="datetimeFigureOut">
               <a:rPr lang="ko-KR" altLang="en-US" smtClean="0"/>
-              <a:t>2020-05-21</a:t>
+              <a:t>2020-05-22</a:t>
             </a:fld>
             <a:endParaRPr lang="ko-KR" altLang="en-US"/>
           </a:p>
@@ -1831,7 +1846,7 @@
           <a:p>
             <a:fld id="{3AF7B712-D0C1-4524-9AB7-ED61D349829E}" type="datetimeFigureOut">
               <a:rPr lang="ko-KR" altLang="en-US" smtClean="0"/>
-              <a:t>2020-05-21</a:t>
+              <a:t>2020-05-22</a:t>
             </a:fld>
             <a:endParaRPr lang="ko-KR" altLang="en-US"/>
           </a:p>
@@ -2108,7 +2123,7 @@
           <a:p>
             <a:fld id="{3AF7B712-D0C1-4524-9AB7-ED61D349829E}" type="datetimeFigureOut">
               <a:rPr lang="ko-KR" altLang="en-US" smtClean="0"/>
-              <a:t>2020-05-21</a:t>
+              <a:t>2020-05-22</a:t>
             </a:fld>
             <a:endParaRPr lang="ko-KR" altLang="en-US"/>
           </a:p>
@@ -2361,7 +2376,7 @@
           <a:p>
             <a:fld id="{3AF7B712-D0C1-4524-9AB7-ED61D349829E}" type="datetimeFigureOut">
               <a:rPr lang="ko-KR" altLang="en-US" smtClean="0"/>
-              <a:t>2020-05-21</a:t>
+              <a:t>2020-05-22</a:t>
             </a:fld>
             <a:endParaRPr lang="ko-KR" altLang="en-US"/>
           </a:p>
@@ -2574,7 +2589,7 @@
           <a:p>
             <a:fld id="{3AF7B712-D0C1-4524-9AB7-ED61D349829E}" type="datetimeFigureOut">
               <a:rPr lang="ko-KR" altLang="en-US" smtClean="0"/>
-              <a:t>2020-05-21</a:t>
+              <a:t>2020-05-22</a:t>
             </a:fld>
             <a:endParaRPr lang="ko-KR" altLang="en-US"/>
           </a:p>
@@ -4720,6 +4735,13 @@
   <p:clrMapOvr>
     <a:masterClrMapping/>
   </p:clrMapOvr>
+  <p:timing>
+    <p:tnLst>
+      <p:par>
+        <p:cTn id="1" dur="indefinite" restart="never" nodeType="tmRoot"/>
+      </p:par>
+    </p:tnLst>
+  </p:timing>
 </p:sld>
 </file>
 
@@ -8318,10 +8340,341 @@
   <p:clrMapOvr>
     <a:masterClrMapping/>
   </p:clrMapOvr>
+  <p:timing>
+    <p:tnLst>
+      <p:par>
+        <p:cTn id="1" dur="indefinite" restart="never" nodeType="tmRoot"/>
+      </p:par>
+    </p:tnLst>
+  </p:timing>
 </p:sld>
 </file>
 
 <file path=ppt/slides/slide11.xml><?xml version="1.0" encoding="utf-8"?>
+<p:sld xmlns:a="http://schemas.openxmlformats.org/drawingml/2006/main" xmlns:r="http://schemas.openxmlformats.org/officeDocument/2006/relationships" xmlns:p="http://schemas.openxmlformats.org/presentationml/2006/main">
+  <p:cSld>
+    <p:spTree>
+      <p:nvGrpSpPr>
+        <p:cNvPr id="1" name=""/>
+        <p:cNvGrpSpPr/>
+        <p:nvPr/>
+      </p:nvGrpSpPr>
+      <p:grpSpPr>
+        <a:xfrm>
+          <a:off x="0" y="0"/>
+          <a:ext cx="0" cy="0"/>
+          <a:chOff x="0" y="0"/>
+          <a:chExt cx="0" cy="0"/>
+        </a:xfrm>
+      </p:grpSpPr>
+      <p:sp>
+        <p:nvSpPr>
+          <p:cNvPr id="9" name="직사각형 8"/>
+          <p:cNvSpPr/>
+          <p:nvPr/>
+        </p:nvSpPr>
+        <p:spPr>
+          <a:xfrm>
+            <a:off x="0" y="0"/>
+            <a:ext cx="12192000" cy="434649"/>
+          </a:xfrm>
+          <a:prstGeom prst="rect">
+            <a:avLst/>
+          </a:prstGeom>
+          <a:solidFill>
+            <a:srgbClr val="00B0F0"/>
+          </a:solidFill>
+          <a:ln>
+            <a:noFill/>
+          </a:ln>
+        </p:spPr>
+        <p:style>
+          <a:lnRef idx="2">
+            <a:schemeClr val="accent1">
+              <a:shade val="50000"/>
+            </a:schemeClr>
+          </a:lnRef>
+          <a:fillRef idx="1">
+            <a:schemeClr val="accent1"/>
+          </a:fillRef>
+          <a:effectRef idx="0">
+            <a:schemeClr val="accent1"/>
+          </a:effectRef>
+          <a:fontRef idx="minor">
+            <a:schemeClr val="lt1"/>
+          </a:fontRef>
+        </p:style>
+        <p:txBody>
+          <a:bodyPr rtlCol="0" anchor="ctr"/>
+          <a:lstStyle/>
+          <a:p>
+            <a:pPr algn="ctr"/>
+            <a:endParaRPr lang="ko-KR" altLang="en-US"/>
+          </a:p>
+        </p:txBody>
+      </p:sp>
+      <p:sp>
+        <p:nvSpPr>
+          <p:cNvPr id="7" name="TextBox 6"/>
+          <p:cNvSpPr txBox="1"/>
+          <p:nvPr/>
+        </p:nvSpPr>
+        <p:spPr>
+          <a:xfrm>
+            <a:off x="1168967" y="1007272"/>
+            <a:ext cx="9854067" cy="3200876"/>
+          </a:xfrm>
+          <a:prstGeom prst="rect">
+            <a:avLst/>
+          </a:prstGeom>
+          <a:noFill/>
+        </p:spPr>
+        <p:txBody>
+          <a:bodyPr wrap="square" rtlCol="0">
+            <a:spAutoFit/>
+          </a:bodyPr>
+          <a:lstStyle/>
+          <a:p>
+            <a:r>
+              <a:rPr lang="ko-KR" altLang="en-US" sz="2000" b="1" dirty="0" smtClean="0"/>
+              <a:t>사용자 요구사항</a:t>
+            </a:r>
+            <a:endParaRPr lang="en-US" altLang="ko-KR" sz="2000" b="1" dirty="0" smtClean="0"/>
+          </a:p>
+          <a:p>
+            <a:endParaRPr lang="en-US" altLang="ko-KR" sz="2000" b="1" dirty="0" smtClean="0"/>
+          </a:p>
+          <a:p>
+            <a:pPr marL="342900" indent="-342900">
+              <a:buAutoNum type="arabicPeriod"/>
+            </a:pPr>
+            <a:r>
+              <a:rPr lang="ko-KR" altLang="en-US" dirty="0" smtClean="0"/>
+              <a:t>구매 서비스 기능</a:t>
+            </a:r>
+            <a:endParaRPr lang="en-US" altLang="ko-KR" dirty="0"/>
+          </a:p>
+          <a:p>
+            <a:pPr marL="342900" indent="-342900">
+              <a:buAutoNum type="arabicPeriod"/>
+            </a:pPr>
+            <a:r>
+              <a:rPr lang="ko-KR" altLang="en-US" dirty="0" smtClean="0"/>
+              <a:t>대여 서비스 기능</a:t>
+            </a:r>
+            <a:endParaRPr lang="en-US" altLang="ko-KR" dirty="0" smtClean="0"/>
+          </a:p>
+          <a:p>
+            <a:pPr marL="342900" indent="-342900">
+              <a:buAutoNum type="arabicPeriod"/>
+            </a:pPr>
+            <a:r>
+              <a:rPr lang="ko-KR" altLang="en-US" dirty="0" smtClean="0"/>
+              <a:t>장바구니 기능</a:t>
+            </a:r>
+            <a:endParaRPr lang="en-US" altLang="ko-KR" dirty="0" smtClean="0"/>
+          </a:p>
+          <a:p>
+            <a:pPr marL="342900" indent="-342900">
+              <a:buAutoNum type="arabicPeriod"/>
+            </a:pPr>
+            <a:r>
+              <a:rPr lang="ko-KR" altLang="en-US" dirty="0" smtClean="0"/>
+              <a:t>구매</a:t>
+            </a:r>
+            <a:r>
+              <a:rPr lang="en-US" altLang="ko-KR" dirty="0" smtClean="0"/>
+              <a:t>, </a:t>
+            </a:r>
+            <a:r>
+              <a:rPr lang="ko-KR" altLang="en-US" dirty="0" smtClean="0"/>
+              <a:t>내역</a:t>
+            </a:r>
+            <a:r>
+              <a:rPr lang="ko-KR" altLang="en-US" dirty="0" smtClean="0"/>
+              <a:t> 데이터 기반 추천도서 </a:t>
+            </a:r>
+            <a:r>
+              <a:rPr lang="ko-KR" altLang="en-US" dirty="0" smtClean="0"/>
+              <a:t>기능</a:t>
+            </a:r>
+            <a:endParaRPr lang="en-US" altLang="ko-KR" dirty="0" smtClean="0"/>
+          </a:p>
+          <a:p>
+            <a:pPr marL="342900" indent="-342900">
+              <a:buAutoNum type="arabicPeriod"/>
+            </a:pPr>
+            <a:r>
+              <a:rPr lang="ko-KR" altLang="en-US" dirty="0" smtClean="0"/>
+              <a:t>고객 데이터 기반 </a:t>
+            </a:r>
+            <a:r>
+              <a:rPr lang="ko-KR" altLang="en-US" dirty="0" smtClean="0"/>
+              <a:t>독서패턴 기능</a:t>
+            </a:r>
+            <a:endParaRPr lang="en-US" altLang="ko-KR" dirty="0"/>
+          </a:p>
+          <a:p>
+            <a:pPr marL="342900" indent="-342900">
+              <a:buAutoNum type="arabicPeriod"/>
+            </a:pPr>
+            <a:r>
+              <a:rPr lang="ko-KR" altLang="en-US" dirty="0" smtClean="0"/>
+              <a:t>리뷰 기능 서비스 기능</a:t>
+            </a:r>
+            <a:endParaRPr lang="en-US" altLang="ko-KR" dirty="0" smtClean="0"/>
+          </a:p>
+          <a:p>
+            <a:pPr marL="342900" indent="-342900">
+              <a:buAutoNum type="arabicPeriod"/>
+            </a:pPr>
+            <a:r>
+              <a:rPr lang="ko-KR" altLang="en-US" dirty="0" err="1" smtClean="0"/>
+              <a:t>검색창</a:t>
+            </a:r>
+            <a:r>
+              <a:rPr lang="ko-KR" altLang="en-US" dirty="0" err="1" smtClean="0"/>
+              <a:t>에서</a:t>
+            </a:r>
+            <a:r>
+              <a:rPr lang="ko-KR" altLang="en-US" dirty="0" smtClean="0"/>
+              <a:t> 장바구니로 넘길 수 있는 기능</a:t>
+            </a:r>
+            <a:endParaRPr lang="en-US" altLang="ko-KR" dirty="0" smtClean="0"/>
+          </a:p>
+          <a:p>
+            <a:pPr marL="342900" indent="-342900">
+              <a:buAutoNum type="arabicPeriod"/>
+            </a:pPr>
+            <a:r>
+              <a:rPr lang="ko-KR" altLang="en-US" dirty="0" err="1" smtClean="0"/>
+              <a:t>메인페이지에</a:t>
+            </a:r>
+            <a:r>
+              <a:rPr lang="ko-KR" altLang="en-US" dirty="0" smtClean="0"/>
+              <a:t> </a:t>
+            </a:r>
+            <a:r>
+              <a:rPr lang="en-US" altLang="ko-KR" dirty="0" err="1" smtClean="0"/>
+              <a:t>BestSeller</a:t>
+            </a:r>
+            <a:r>
+              <a:rPr lang="en-US" altLang="ko-KR" dirty="0" smtClean="0"/>
+              <a:t> </a:t>
+            </a:r>
+            <a:r>
+              <a:rPr lang="ko-KR" altLang="en-US" dirty="0" smtClean="0"/>
+              <a:t>리스트 노출</a:t>
+            </a:r>
+            <a:endParaRPr lang="en-US" altLang="ko-KR" dirty="0" smtClean="0"/>
+          </a:p>
+          <a:p>
+            <a:pPr marL="342900" indent="-342900">
+              <a:buAutoNum type="arabicPeriod"/>
+            </a:pPr>
+            <a:r>
+              <a:rPr lang="ko-KR" altLang="en-US" dirty="0" smtClean="0"/>
+              <a:t>포인트</a:t>
+            </a:r>
+            <a:r>
+              <a:rPr lang="en-US" altLang="ko-KR" dirty="0"/>
+              <a:t> </a:t>
+            </a:r>
+            <a:r>
+              <a:rPr lang="ko-KR" altLang="en-US" dirty="0" smtClean="0"/>
+              <a:t>제도</a:t>
+            </a:r>
+            <a:r>
+              <a:rPr lang="en-US" altLang="ko-KR" dirty="0" smtClean="0"/>
+              <a:t>(</a:t>
+            </a:r>
+            <a:r>
+              <a:rPr lang="ko-KR" altLang="en-US" dirty="0" smtClean="0"/>
+              <a:t>구매</a:t>
+            </a:r>
+            <a:r>
+              <a:rPr lang="en-US" altLang="ko-KR" dirty="0" smtClean="0"/>
+              <a:t>, </a:t>
+            </a:r>
+            <a:r>
+              <a:rPr lang="ko-KR" altLang="en-US" dirty="0" smtClean="0"/>
+              <a:t>대여 금액의 </a:t>
+            </a:r>
+            <a:r>
+              <a:rPr lang="en-US" altLang="ko-KR" dirty="0" smtClean="0"/>
+              <a:t>5% / </a:t>
+            </a:r>
+            <a:r>
+              <a:rPr lang="ko-KR" altLang="en-US" dirty="0" smtClean="0"/>
+              <a:t>리뷰 </a:t>
+            </a:r>
+            <a:r>
+              <a:rPr lang="en-US" altLang="ko-KR" dirty="0" smtClean="0"/>
+              <a:t>500point)</a:t>
+            </a:r>
+          </a:p>
+        </p:txBody>
+      </p:sp>
+      <p:sp>
+        <p:nvSpPr>
+          <p:cNvPr id="8" name="TextBox 7"/>
+          <p:cNvSpPr txBox="1"/>
+          <p:nvPr/>
+        </p:nvSpPr>
+        <p:spPr>
+          <a:xfrm>
+            <a:off x="139965" y="65317"/>
+            <a:ext cx="4413379" cy="369332"/>
+          </a:xfrm>
+          <a:prstGeom prst="rect">
+            <a:avLst/>
+          </a:prstGeom>
+          <a:noFill/>
+        </p:spPr>
+        <p:txBody>
+          <a:bodyPr wrap="square" rtlCol="0">
+            <a:spAutoFit/>
+          </a:bodyPr>
+          <a:lstStyle/>
+          <a:p>
+            <a:r>
+              <a:rPr lang="en-US" altLang="ko-KR" dirty="0" smtClean="0">
+                <a:solidFill>
+                  <a:schemeClr val="bg1"/>
+                </a:solidFill>
+              </a:rPr>
+              <a:t>1. </a:t>
+            </a:r>
+            <a:r>
+              <a:rPr lang="ko-KR" altLang="en-US" dirty="0" smtClean="0">
+                <a:solidFill>
+                  <a:schemeClr val="bg1"/>
+                </a:solidFill>
+              </a:rPr>
+              <a:t>사용자 요구사항</a:t>
+            </a:r>
+            <a:endParaRPr lang="ko-KR" altLang="en-US" dirty="0">
+              <a:solidFill>
+                <a:schemeClr val="bg1"/>
+              </a:solidFill>
+            </a:endParaRPr>
+          </a:p>
+        </p:txBody>
+      </p:sp>
+    </p:spTree>
+    <p:extLst>
+      <p:ext uri="{BB962C8B-B14F-4D97-AF65-F5344CB8AC3E}">
+        <p14:creationId xmlns:p14="http://schemas.microsoft.com/office/powerpoint/2010/main" val="1020366418"/>
+      </p:ext>
+    </p:extLst>
+  </p:cSld>
+  <p:clrMapOvr>
+    <a:masterClrMapping/>
+  </p:clrMapOvr>
+</p:sld>
+</file>
+
+<file path=ppt/slides/slide12.xml><?xml version="1.0" encoding="utf-8"?>
 <p:sld xmlns:a="http://schemas.openxmlformats.org/drawingml/2006/main" xmlns:r="http://schemas.openxmlformats.org/officeDocument/2006/relationships" xmlns:p="http://schemas.openxmlformats.org/presentationml/2006/main">
   <p:cSld>
     <p:spTree>
@@ -9758,6 +10111,2757 @@
 </p:sld>
 </file>
 
+<file path=ppt/slides/slide13.xml><?xml version="1.0" encoding="utf-8"?>
+<p:sld xmlns:a="http://schemas.openxmlformats.org/drawingml/2006/main" xmlns:r="http://schemas.openxmlformats.org/officeDocument/2006/relationships" xmlns:p="http://schemas.openxmlformats.org/presentationml/2006/main">
+  <p:cSld>
+    <p:spTree>
+      <p:nvGrpSpPr>
+        <p:cNvPr id="1" name=""/>
+        <p:cNvGrpSpPr/>
+        <p:nvPr/>
+      </p:nvGrpSpPr>
+      <p:grpSpPr>
+        <a:xfrm>
+          <a:off x="0" y="0"/>
+          <a:ext cx="0" cy="0"/>
+          <a:chOff x="0" y="0"/>
+          <a:chExt cx="0" cy="0"/>
+        </a:xfrm>
+      </p:grpSpPr>
+      <p:sp>
+        <p:nvSpPr>
+          <p:cNvPr id="9" name="직사각형 8"/>
+          <p:cNvSpPr/>
+          <p:nvPr/>
+        </p:nvSpPr>
+        <p:spPr>
+          <a:xfrm>
+            <a:off x="0" y="0"/>
+            <a:ext cx="12192000" cy="434649"/>
+          </a:xfrm>
+          <a:prstGeom prst="rect">
+            <a:avLst/>
+          </a:prstGeom>
+          <a:solidFill>
+            <a:srgbClr val="00B0F0"/>
+          </a:solidFill>
+          <a:ln>
+            <a:noFill/>
+          </a:ln>
+        </p:spPr>
+        <p:style>
+          <a:lnRef idx="2">
+            <a:schemeClr val="accent1">
+              <a:shade val="50000"/>
+            </a:schemeClr>
+          </a:lnRef>
+          <a:fillRef idx="1">
+            <a:schemeClr val="accent1"/>
+          </a:fillRef>
+          <a:effectRef idx="0">
+            <a:schemeClr val="accent1"/>
+          </a:effectRef>
+          <a:fontRef idx="minor">
+            <a:schemeClr val="lt1"/>
+          </a:fontRef>
+        </p:style>
+        <p:txBody>
+          <a:bodyPr rtlCol="0" anchor="ctr"/>
+          <a:lstStyle/>
+          <a:p>
+            <a:pPr algn="ctr"/>
+            <a:endParaRPr lang="ko-KR" altLang="en-US"/>
+          </a:p>
+        </p:txBody>
+      </p:sp>
+      <p:sp>
+        <p:nvSpPr>
+          <p:cNvPr id="8" name="TextBox 7"/>
+          <p:cNvSpPr txBox="1"/>
+          <p:nvPr/>
+        </p:nvSpPr>
+        <p:spPr>
+          <a:xfrm>
+            <a:off x="139965" y="65317"/>
+            <a:ext cx="4413379" cy="369332"/>
+          </a:xfrm>
+          <a:prstGeom prst="rect">
+            <a:avLst/>
+          </a:prstGeom>
+          <a:noFill/>
+        </p:spPr>
+        <p:txBody>
+          <a:bodyPr wrap="square" rtlCol="0">
+            <a:spAutoFit/>
+          </a:bodyPr>
+          <a:lstStyle/>
+          <a:p>
+            <a:r>
+              <a:rPr lang="en-US" altLang="ko-KR" dirty="0" smtClean="0">
+                <a:solidFill>
+                  <a:schemeClr val="bg1"/>
+                </a:solidFill>
+              </a:rPr>
+              <a:t>2. </a:t>
+            </a:r>
+            <a:r>
+              <a:rPr lang="ko-KR" altLang="en-US" dirty="0" smtClean="0">
+                <a:solidFill>
+                  <a:schemeClr val="bg1"/>
+                </a:solidFill>
+              </a:rPr>
+              <a:t>화면 설계서</a:t>
+            </a:r>
+            <a:endParaRPr lang="ko-KR" altLang="en-US" dirty="0">
+              <a:solidFill>
+                <a:schemeClr val="bg1"/>
+              </a:solidFill>
+            </a:endParaRPr>
+          </a:p>
+        </p:txBody>
+      </p:sp>
+      <p:sp>
+        <p:nvSpPr>
+          <p:cNvPr id="5" name="TextBox 4"/>
+          <p:cNvSpPr txBox="1"/>
+          <p:nvPr/>
+        </p:nvSpPr>
+        <p:spPr>
+          <a:xfrm>
+            <a:off x="1168967" y="1007272"/>
+            <a:ext cx="9854067" cy="5324535"/>
+          </a:xfrm>
+          <a:prstGeom prst="rect">
+            <a:avLst/>
+          </a:prstGeom>
+          <a:noFill/>
+        </p:spPr>
+        <p:txBody>
+          <a:bodyPr wrap="square" rtlCol="0">
+            <a:spAutoFit/>
+          </a:bodyPr>
+          <a:lstStyle/>
+          <a:p>
+            <a:pPr marL="457200" indent="-457200">
+              <a:buFontTx/>
+              <a:buAutoNum type="arabicPeriod"/>
+            </a:pPr>
+            <a:r>
+              <a:rPr lang="en-US" altLang="ko-KR" sz="2000" b="1" dirty="0" smtClean="0"/>
+              <a:t>Web Cover </a:t>
+            </a:r>
+            <a:r>
+              <a:rPr lang="ko-KR" altLang="en-US" sz="2000" b="1" dirty="0" smtClean="0"/>
+              <a:t>페이지</a:t>
+            </a:r>
+            <a:r>
+              <a:rPr lang="en-US" altLang="ko-KR" sz="2000" b="1" dirty="0" smtClean="0"/>
+              <a:t>—</a:t>
+            </a:r>
+            <a:r>
+              <a:rPr lang="ko-KR" altLang="en-US" sz="2000" b="1" dirty="0" smtClean="0"/>
+              <a:t>용선님 </a:t>
+            </a:r>
+            <a:r>
+              <a:rPr lang="en-US" altLang="ko-KR" sz="2000" b="1" dirty="0" smtClean="0"/>
+              <a:t>O</a:t>
+            </a:r>
+            <a:endParaRPr lang="en-US" altLang="ko-KR" sz="2000" b="1" dirty="0" smtClean="0"/>
+          </a:p>
+          <a:p>
+            <a:pPr marL="457200" indent="-457200">
+              <a:buFontTx/>
+              <a:buAutoNum type="arabicPeriod"/>
+            </a:pPr>
+            <a:r>
+              <a:rPr lang="en-US" altLang="ko-KR" sz="2000" b="1" dirty="0" smtClean="0"/>
+              <a:t>Main </a:t>
+            </a:r>
+            <a:r>
+              <a:rPr lang="ko-KR" altLang="en-US" sz="2000" b="1" dirty="0" smtClean="0"/>
+              <a:t>페이지</a:t>
+            </a:r>
+            <a:r>
+              <a:rPr lang="en-US" altLang="ko-KR" sz="2000" b="1" dirty="0" smtClean="0"/>
+              <a:t>(</a:t>
+            </a:r>
+            <a:r>
+              <a:rPr lang="ko-KR" altLang="en-US" sz="2000" b="1" dirty="0" smtClean="0"/>
+              <a:t>베스트셀러 리스트 노출</a:t>
+            </a:r>
+            <a:r>
+              <a:rPr lang="en-US" altLang="ko-KR" sz="2000" b="1" dirty="0" smtClean="0"/>
+              <a:t>, </a:t>
+            </a:r>
+            <a:r>
+              <a:rPr lang="ko-KR" altLang="en-US" sz="2000" b="1" dirty="0" smtClean="0"/>
+              <a:t>신작리스트</a:t>
+            </a:r>
+            <a:r>
+              <a:rPr lang="en-US" altLang="ko-KR" sz="2000" b="1" dirty="0" smtClean="0"/>
+              <a:t>)—</a:t>
+            </a:r>
+            <a:r>
+              <a:rPr lang="ko-KR" altLang="en-US" sz="2000" b="1" dirty="0" err="1" smtClean="0"/>
+              <a:t>아인상</a:t>
+            </a:r>
+            <a:r>
+              <a:rPr lang="ko-KR" altLang="en-US" sz="2000" b="1" dirty="0" smtClean="0"/>
+              <a:t> </a:t>
+            </a:r>
+            <a:r>
+              <a:rPr lang="en-US" altLang="ko-KR" sz="2000" b="1" dirty="0" smtClean="0"/>
+              <a:t>O</a:t>
+            </a:r>
+          </a:p>
+          <a:p>
+            <a:r>
+              <a:rPr lang="en-US" altLang="ko-KR" sz="2000" b="1" dirty="0"/>
+              <a:t>	</a:t>
+            </a:r>
+            <a:r>
+              <a:rPr lang="ko-KR" altLang="en-US" sz="2000" b="1" dirty="0" err="1" smtClean="0"/>
+              <a:t>해더</a:t>
+            </a:r>
+            <a:r>
+              <a:rPr lang="en-US" altLang="ko-KR" sz="2000" b="1" dirty="0" smtClean="0"/>
+              <a:t>:</a:t>
+            </a:r>
+            <a:r>
+              <a:rPr lang="ko-KR" altLang="en-US" sz="2000" b="1" dirty="0"/>
+              <a:t> 로그인 회원가입 </a:t>
+            </a:r>
+            <a:r>
+              <a:rPr lang="en-US" altLang="ko-KR" sz="2000" b="1" dirty="0"/>
+              <a:t>/ </a:t>
+            </a:r>
+            <a:r>
+              <a:rPr lang="ko-KR" altLang="en-US" sz="2000" b="1" dirty="0"/>
+              <a:t>로그아웃 </a:t>
+            </a:r>
+            <a:r>
+              <a:rPr lang="ko-KR" altLang="en-US" sz="2000" b="1" dirty="0" err="1"/>
+              <a:t>마이페이지</a:t>
+            </a:r>
+            <a:r>
+              <a:rPr lang="ko-KR" altLang="en-US" sz="2000" b="1" dirty="0"/>
+              <a:t> </a:t>
+            </a:r>
+            <a:r>
+              <a:rPr lang="ko-KR" altLang="en-US" sz="2000" b="1" dirty="0" smtClean="0"/>
+              <a:t>장바구니</a:t>
+            </a:r>
+            <a:r>
+              <a:rPr lang="en-US" altLang="ko-KR" sz="2000" b="1" dirty="0" smtClean="0"/>
+              <a:t>(import)</a:t>
+            </a:r>
+          </a:p>
+          <a:p>
+            <a:r>
+              <a:rPr lang="en-US" altLang="ko-KR" sz="2000" b="1" dirty="0"/>
+              <a:t>	</a:t>
+            </a:r>
+            <a:r>
+              <a:rPr lang="ko-KR" altLang="en-US" sz="2000" b="1" dirty="0" err="1" smtClean="0"/>
+              <a:t>검색창</a:t>
+            </a:r>
+            <a:r>
+              <a:rPr lang="en-US" altLang="ko-KR" sz="2000" b="1" dirty="0" smtClean="0"/>
+              <a:t>(import)</a:t>
+            </a:r>
+          </a:p>
+          <a:p>
+            <a:r>
+              <a:rPr lang="en-US" altLang="ko-KR" sz="2000" b="1" dirty="0" smtClean="0"/>
+              <a:t>	</a:t>
+            </a:r>
+            <a:r>
+              <a:rPr lang="ko-KR" altLang="en-US" sz="2000" b="1" dirty="0" err="1" smtClean="0"/>
+              <a:t>네비게이션</a:t>
+            </a:r>
+            <a:r>
+              <a:rPr lang="en-US" altLang="ko-KR" sz="2000" b="1" dirty="0" smtClean="0"/>
+              <a:t>bar: </a:t>
+            </a:r>
+            <a:r>
+              <a:rPr lang="en-US" altLang="ko-KR" sz="2000" b="1" dirty="0" err="1"/>
+              <a:t>MyReadingRhythm</a:t>
+            </a:r>
+            <a:r>
+              <a:rPr lang="en-US" altLang="ko-KR" sz="2000" b="1" dirty="0" smtClean="0"/>
+              <a:t>, </a:t>
+            </a:r>
+            <a:r>
+              <a:rPr lang="ko-KR" altLang="en-US" sz="2000" b="1" dirty="0" smtClean="0"/>
+              <a:t>구매</a:t>
+            </a:r>
+            <a:r>
+              <a:rPr lang="en-US" altLang="ko-KR" sz="2000" b="1" dirty="0"/>
+              <a:t>/</a:t>
+            </a:r>
+            <a:r>
+              <a:rPr lang="ko-KR" altLang="en-US" sz="2000" b="1" dirty="0" smtClean="0"/>
+              <a:t>대여</a:t>
+            </a:r>
+            <a:r>
+              <a:rPr lang="en-US" altLang="ko-KR" sz="2000" b="1" dirty="0" smtClean="0"/>
+              <a:t>, </a:t>
+            </a:r>
+            <a:r>
+              <a:rPr lang="ko-KR" altLang="en-US" sz="2000" b="1" dirty="0" smtClean="0"/>
+              <a:t>고객센터</a:t>
+            </a:r>
+            <a:r>
+              <a:rPr lang="en-US" altLang="ko-KR" sz="2000" b="1" dirty="0" smtClean="0"/>
+              <a:t>(</a:t>
+            </a:r>
+            <a:r>
+              <a:rPr lang="ko-KR" altLang="en-US" sz="2000" b="1" dirty="0" smtClean="0"/>
+              <a:t>문의</a:t>
+            </a:r>
+            <a:r>
+              <a:rPr lang="en-US" altLang="ko-KR" sz="2000" b="1" dirty="0" smtClean="0"/>
+              <a:t>)(import)</a:t>
+            </a:r>
+          </a:p>
+          <a:p>
+            <a:pPr marL="457200" indent="-457200">
+              <a:buFontTx/>
+              <a:buAutoNum type="arabicPeriod" startAt="3"/>
+            </a:pPr>
+            <a:r>
+              <a:rPr lang="en-US" altLang="ko-KR" sz="2000" b="1" dirty="0" smtClean="0"/>
+              <a:t>Login </a:t>
+            </a:r>
+            <a:r>
+              <a:rPr lang="ko-KR" altLang="en-US" sz="2000" b="1" dirty="0" smtClean="0"/>
+              <a:t>페이지</a:t>
+            </a:r>
+            <a:r>
+              <a:rPr lang="en-US" altLang="ko-KR" sz="2000" b="1" dirty="0" smtClean="0"/>
+              <a:t>—</a:t>
+            </a:r>
+            <a:r>
+              <a:rPr lang="ko-KR" altLang="en-US" sz="2000" b="1" dirty="0" smtClean="0"/>
+              <a:t>용선님 </a:t>
+            </a:r>
+            <a:r>
+              <a:rPr lang="en-US" altLang="ko-KR" sz="2000" b="1" dirty="0" smtClean="0"/>
+              <a:t>O</a:t>
+            </a:r>
+            <a:endParaRPr lang="en-US" altLang="ko-KR" sz="2000" b="1" dirty="0"/>
+          </a:p>
+          <a:p>
+            <a:pPr marL="457200" indent="-457200">
+              <a:buFontTx/>
+              <a:buAutoNum type="arabicPeriod" startAt="3"/>
+            </a:pPr>
+            <a:r>
+              <a:rPr lang="ko-KR" altLang="en-US" sz="2000" b="1" dirty="0" smtClean="0"/>
+              <a:t>회원가입 페이지</a:t>
+            </a:r>
+            <a:r>
+              <a:rPr lang="en-US" altLang="ko-KR" sz="2000" b="1" dirty="0" smtClean="0"/>
+              <a:t>—</a:t>
+            </a:r>
+            <a:r>
+              <a:rPr lang="ko-KR" altLang="en-US" sz="2000" b="1" dirty="0" smtClean="0"/>
+              <a:t>용선님 </a:t>
+            </a:r>
+            <a:r>
+              <a:rPr lang="en-US" altLang="ko-KR" sz="2000" b="1" dirty="0" smtClean="0"/>
+              <a:t>O</a:t>
+            </a:r>
+            <a:endParaRPr lang="en-US" altLang="ko-KR" sz="2000" b="1" dirty="0"/>
+          </a:p>
+          <a:p>
+            <a:pPr marL="457200" indent="-457200">
+              <a:buAutoNum type="arabicPeriod" startAt="3"/>
+            </a:pPr>
+            <a:r>
+              <a:rPr lang="en-US" altLang="ko-KR" sz="2000" b="1" dirty="0" err="1" smtClean="0"/>
+              <a:t>MyReadingRhythm</a:t>
+            </a:r>
+            <a:r>
+              <a:rPr lang="en-US" altLang="ko-KR" sz="2000" b="1" dirty="0" smtClean="0"/>
+              <a:t>(</a:t>
+            </a:r>
+            <a:r>
+              <a:rPr lang="ko-KR" altLang="en-US" sz="2000" b="1" dirty="0" smtClean="0"/>
+              <a:t>가제</a:t>
+            </a:r>
+            <a:r>
+              <a:rPr lang="en-US" altLang="ko-KR" sz="2000" b="1" dirty="0" smtClean="0"/>
+              <a:t>)(</a:t>
+            </a:r>
+            <a:r>
+              <a:rPr lang="ko-KR" altLang="en-US" sz="2000" b="1" dirty="0" smtClean="0"/>
+              <a:t>독서 패턴 및 추천도서 노출화면</a:t>
+            </a:r>
+            <a:r>
+              <a:rPr lang="en-US" altLang="ko-KR" sz="2000" b="1" dirty="0" smtClean="0"/>
+              <a:t>)—</a:t>
+            </a:r>
+            <a:r>
+              <a:rPr lang="ko-KR" altLang="en-US" sz="2000" b="1" dirty="0" err="1" smtClean="0"/>
+              <a:t>아인상</a:t>
+            </a:r>
+            <a:endParaRPr lang="en-US" altLang="ko-KR" sz="2000" b="1" dirty="0"/>
+          </a:p>
+          <a:p>
+            <a:pPr marL="457200" indent="-457200">
+              <a:buFontTx/>
+              <a:buAutoNum type="arabicPeriod" startAt="3"/>
+            </a:pPr>
+            <a:r>
+              <a:rPr lang="ko-KR" altLang="en-US" sz="2000" b="1" dirty="0" smtClean="0"/>
+              <a:t>구매대상 페이지</a:t>
+            </a:r>
+            <a:r>
+              <a:rPr lang="en-US" altLang="ko-KR" sz="2000" b="1" dirty="0" smtClean="0"/>
+              <a:t>—</a:t>
+            </a:r>
+            <a:r>
+              <a:rPr lang="ko-KR" altLang="en-US" sz="2000" b="1" dirty="0" err="1" smtClean="0"/>
+              <a:t>아인상</a:t>
+            </a:r>
+            <a:r>
+              <a:rPr lang="ko-KR" altLang="en-US" sz="2000" b="1" dirty="0" smtClean="0"/>
+              <a:t> </a:t>
+            </a:r>
+            <a:r>
+              <a:rPr lang="en-US" altLang="ko-KR" sz="2000" b="1" dirty="0" smtClean="0"/>
+              <a:t>O</a:t>
+            </a:r>
+            <a:endParaRPr lang="en-US" altLang="ko-KR" sz="2000" dirty="0"/>
+          </a:p>
+          <a:p>
+            <a:pPr marL="457200" indent="-457200">
+              <a:buFontTx/>
+              <a:buAutoNum type="arabicPeriod" startAt="3"/>
+            </a:pPr>
+            <a:r>
+              <a:rPr lang="ko-KR" altLang="en-US" sz="2000" b="1" dirty="0" smtClean="0"/>
+              <a:t>대여대상 페이지</a:t>
+            </a:r>
+            <a:r>
+              <a:rPr lang="en-US" altLang="ko-KR" sz="2000" b="1" dirty="0" smtClean="0"/>
+              <a:t>—</a:t>
+            </a:r>
+            <a:r>
+              <a:rPr lang="ko-KR" altLang="en-US" sz="2000" b="1" dirty="0" err="1" smtClean="0"/>
+              <a:t>아인상</a:t>
+            </a:r>
+            <a:r>
+              <a:rPr lang="ko-KR" altLang="en-US" sz="2000" b="1" dirty="0" smtClean="0"/>
+              <a:t> </a:t>
+            </a:r>
+            <a:r>
+              <a:rPr lang="en-US" altLang="ko-KR" sz="2000" b="1" dirty="0" smtClean="0"/>
+              <a:t>O</a:t>
+            </a:r>
+          </a:p>
+          <a:p>
+            <a:pPr marL="457200" indent="-457200">
+              <a:buAutoNum type="arabicPeriod" startAt="3"/>
+            </a:pPr>
+            <a:r>
+              <a:rPr lang="ko-KR" altLang="en-US" sz="2000" b="1" dirty="0" smtClean="0"/>
+              <a:t>구매</a:t>
+            </a:r>
+            <a:r>
+              <a:rPr lang="en-US" altLang="ko-KR" sz="2000" b="1" dirty="0" smtClean="0"/>
+              <a:t>/</a:t>
+            </a:r>
+            <a:r>
+              <a:rPr lang="ko-KR" altLang="en-US" sz="2000" b="1" dirty="0" smtClean="0"/>
+              <a:t>대여  </a:t>
+            </a:r>
+            <a:r>
+              <a:rPr lang="en-US" altLang="ko-KR" sz="2000" b="1" dirty="0" smtClean="0"/>
+              <a:t>list </a:t>
+            </a:r>
+            <a:r>
+              <a:rPr lang="ko-KR" altLang="en-US" sz="2000" b="1" dirty="0" smtClean="0"/>
+              <a:t>페이지</a:t>
+            </a:r>
+            <a:r>
+              <a:rPr lang="en-US" altLang="ko-KR" sz="2000" b="1" dirty="0" smtClean="0"/>
+              <a:t>--</a:t>
+            </a:r>
+            <a:r>
+              <a:rPr lang="ko-KR" altLang="en-US" sz="2000" b="1" dirty="0" smtClean="0"/>
+              <a:t>세영님 </a:t>
+            </a:r>
+            <a:r>
+              <a:rPr lang="en-US" altLang="ko-KR" sz="2000" b="1" dirty="0" smtClean="0"/>
+              <a:t>O</a:t>
+            </a:r>
+            <a:endParaRPr lang="en-US" altLang="ko-KR" sz="2000" b="1" dirty="0"/>
+          </a:p>
+          <a:p>
+            <a:pPr marL="457200" indent="-457200">
+              <a:buFontTx/>
+              <a:buAutoNum type="arabicPeriod" startAt="3"/>
+            </a:pPr>
+            <a:r>
+              <a:rPr lang="ko-KR" altLang="en-US" sz="2000" b="1" dirty="0" err="1" smtClean="0"/>
+              <a:t>검색창</a:t>
+            </a:r>
+            <a:r>
+              <a:rPr lang="ko-KR" altLang="en-US" sz="2000" b="1" dirty="0" smtClean="0"/>
+              <a:t> 모듈</a:t>
+            </a:r>
+            <a:r>
+              <a:rPr lang="en-US" altLang="ko-KR" sz="2000" b="1" dirty="0" smtClean="0"/>
+              <a:t>/ </a:t>
+            </a:r>
+            <a:r>
+              <a:rPr lang="ko-KR" altLang="en-US" sz="2000" b="1" dirty="0" err="1" smtClean="0"/>
+              <a:t>네비게이션</a:t>
+            </a:r>
+            <a:r>
+              <a:rPr lang="en-US" altLang="ko-KR" sz="2000" b="1" dirty="0" smtClean="0"/>
+              <a:t>bar </a:t>
+            </a:r>
+            <a:r>
+              <a:rPr lang="ko-KR" altLang="en-US" sz="2000" b="1" dirty="0" smtClean="0"/>
+              <a:t>모듈</a:t>
+            </a:r>
+            <a:r>
+              <a:rPr lang="en-US" altLang="ko-KR" sz="2000" b="1" dirty="0" smtClean="0"/>
+              <a:t>/ </a:t>
+            </a:r>
+            <a:r>
+              <a:rPr lang="en-US" altLang="ko-KR" sz="2000" b="1" dirty="0"/>
+              <a:t>--</a:t>
+            </a:r>
+            <a:r>
+              <a:rPr lang="ko-KR" altLang="en-US" sz="2000" b="1" dirty="0" smtClean="0"/>
+              <a:t>세영님 </a:t>
+            </a:r>
+            <a:endParaRPr lang="en-US" altLang="ko-KR" sz="2000" b="1" dirty="0" smtClean="0"/>
+          </a:p>
+          <a:p>
+            <a:pPr marL="457200" indent="-457200">
+              <a:buFontTx/>
+              <a:buAutoNum type="arabicPeriod" startAt="3"/>
+            </a:pPr>
+            <a:r>
+              <a:rPr lang="ko-KR" altLang="en-US" sz="2000" b="1" dirty="0" err="1" smtClean="0"/>
+              <a:t>해더모듈</a:t>
+            </a:r>
+            <a:r>
+              <a:rPr lang="en-US" altLang="ko-KR" sz="2000" b="1" dirty="0" smtClean="0"/>
+              <a:t>(</a:t>
+            </a:r>
+            <a:r>
+              <a:rPr lang="ko-KR" altLang="en-US" sz="2000" b="1" dirty="0" smtClean="0"/>
+              <a:t>로그인 회원가입 </a:t>
+            </a:r>
+            <a:r>
+              <a:rPr lang="en-US" altLang="ko-KR" sz="2000" b="1" dirty="0" smtClean="0"/>
+              <a:t>/ </a:t>
+            </a:r>
+            <a:r>
+              <a:rPr lang="ko-KR" altLang="en-US" sz="2000" b="1" dirty="0" smtClean="0"/>
+              <a:t>로그아웃 </a:t>
+            </a:r>
+            <a:r>
+              <a:rPr lang="ko-KR" altLang="en-US" sz="2000" b="1" dirty="0" err="1" smtClean="0"/>
+              <a:t>마이페이지</a:t>
+            </a:r>
+            <a:r>
+              <a:rPr lang="ko-KR" altLang="en-US" sz="2000" b="1" dirty="0" smtClean="0"/>
+              <a:t> 장바구니</a:t>
+            </a:r>
+            <a:r>
+              <a:rPr lang="en-US" altLang="ko-KR" sz="2000" b="1" dirty="0" smtClean="0"/>
+              <a:t>) –</a:t>
+            </a:r>
+            <a:r>
+              <a:rPr lang="ko-KR" altLang="en-US" sz="2000" b="1" dirty="0" err="1" smtClean="0"/>
+              <a:t>아인상</a:t>
+            </a:r>
+            <a:r>
+              <a:rPr lang="ko-KR" altLang="en-US" sz="2000" b="1" dirty="0" smtClean="0"/>
+              <a:t> </a:t>
+            </a:r>
+            <a:r>
+              <a:rPr lang="en-US" altLang="ko-KR" sz="2000" b="1" dirty="0" smtClean="0"/>
+              <a:t>O</a:t>
+            </a:r>
+          </a:p>
+          <a:p>
+            <a:pPr marL="457200" indent="-457200">
+              <a:buFontTx/>
+              <a:buAutoNum type="arabicPeriod" startAt="3"/>
+            </a:pPr>
+            <a:r>
+              <a:rPr lang="ko-KR" altLang="en-US" sz="2000" b="1" dirty="0" smtClean="0"/>
+              <a:t>모듈기업정보</a:t>
+            </a:r>
+            <a:r>
+              <a:rPr lang="en-US" altLang="ko-KR" sz="2000" b="1" dirty="0" smtClean="0"/>
+              <a:t>(footer)—</a:t>
+            </a:r>
+            <a:r>
+              <a:rPr lang="ko-KR" altLang="en-US" sz="2000" b="1" dirty="0" smtClean="0"/>
+              <a:t>세영님 </a:t>
+            </a:r>
+            <a:r>
+              <a:rPr lang="en-US" altLang="ko-KR" sz="2000" b="1" dirty="0" smtClean="0"/>
+              <a:t>O</a:t>
+            </a:r>
+            <a:endParaRPr lang="en-US" altLang="ko-KR" sz="2000" b="1" dirty="0"/>
+          </a:p>
+          <a:p>
+            <a:pPr marL="457200" indent="-457200">
+              <a:buFontTx/>
+              <a:buAutoNum type="arabicPeriod" startAt="3"/>
+            </a:pPr>
+            <a:r>
+              <a:rPr lang="ko-KR" altLang="en-US" sz="2000" b="1" dirty="0" smtClean="0"/>
+              <a:t>대여 시 직접 수령할 지점 위치제공 페이지</a:t>
+            </a:r>
+            <a:r>
+              <a:rPr lang="en-US" altLang="ko-KR" sz="2000" b="1" dirty="0" smtClean="0"/>
+              <a:t>—</a:t>
+            </a:r>
+            <a:r>
+              <a:rPr lang="ko-KR" altLang="en-US" sz="2000" b="1" dirty="0" smtClean="0"/>
+              <a:t>용선님 </a:t>
+            </a:r>
+            <a:r>
+              <a:rPr lang="en-US" altLang="ko-KR" sz="2000" b="1" dirty="0" smtClean="0"/>
+              <a:t>O</a:t>
+            </a:r>
+          </a:p>
+          <a:p>
+            <a:pPr marL="457200" indent="-457200">
+              <a:buFontTx/>
+              <a:buAutoNum type="arabicPeriod" startAt="3"/>
+            </a:pPr>
+            <a:r>
+              <a:rPr lang="ko-KR" altLang="en-US" sz="2000" b="1" dirty="0" smtClean="0"/>
+              <a:t>장바구니 페이지</a:t>
+            </a:r>
+            <a:endParaRPr lang="en-US" altLang="ko-KR" sz="2000" b="1" dirty="0" smtClean="0"/>
+          </a:p>
+          <a:p>
+            <a:pPr marL="457200" indent="-457200">
+              <a:buAutoNum type="arabicPeriod"/>
+            </a:pPr>
+            <a:endParaRPr lang="en-US" altLang="ko-KR" sz="2000" b="1" dirty="0" smtClean="0"/>
+          </a:p>
+        </p:txBody>
+      </p:sp>
+    </p:spTree>
+    <p:extLst>
+      <p:ext uri="{BB962C8B-B14F-4D97-AF65-F5344CB8AC3E}">
+        <p14:creationId xmlns:p14="http://schemas.microsoft.com/office/powerpoint/2010/main" val="773952316"/>
+      </p:ext>
+    </p:extLst>
+  </p:cSld>
+  <p:clrMapOvr>
+    <a:masterClrMapping/>
+  </p:clrMapOvr>
+</p:sld>
+</file>
+
+<file path=ppt/slides/slide14.xml><?xml version="1.0" encoding="utf-8"?>
+<p:sld xmlns:a="http://schemas.openxmlformats.org/drawingml/2006/main" xmlns:r="http://schemas.openxmlformats.org/officeDocument/2006/relationships" xmlns:p="http://schemas.openxmlformats.org/presentationml/2006/main">
+  <p:cSld>
+    <p:spTree>
+      <p:nvGrpSpPr>
+        <p:cNvPr id="1" name=""/>
+        <p:cNvGrpSpPr/>
+        <p:nvPr/>
+      </p:nvGrpSpPr>
+      <p:grpSpPr>
+        <a:xfrm>
+          <a:off x="0" y="0"/>
+          <a:ext cx="0" cy="0"/>
+          <a:chOff x="0" y="0"/>
+          <a:chExt cx="0" cy="0"/>
+        </a:xfrm>
+      </p:grpSpPr>
+      <p:sp>
+        <p:nvSpPr>
+          <p:cNvPr id="9" name="직사각형 8"/>
+          <p:cNvSpPr/>
+          <p:nvPr/>
+        </p:nvSpPr>
+        <p:spPr>
+          <a:xfrm>
+            <a:off x="0" y="0"/>
+            <a:ext cx="12192000" cy="434649"/>
+          </a:xfrm>
+          <a:prstGeom prst="rect">
+            <a:avLst/>
+          </a:prstGeom>
+          <a:solidFill>
+            <a:srgbClr val="00B0F0"/>
+          </a:solidFill>
+          <a:ln>
+            <a:noFill/>
+          </a:ln>
+        </p:spPr>
+        <p:style>
+          <a:lnRef idx="2">
+            <a:schemeClr val="accent1">
+              <a:shade val="50000"/>
+            </a:schemeClr>
+          </a:lnRef>
+          <a:fillRef idx="1">
+            <a:schemeClr val="accent1"/>
+          </a:fillRef>
+          <a:effectRef idx="0">
+            <a:schemeClr val="accent1"/>
+          </a:effectRef>
+          <a:fontRef idx="minor">
+            <a:schemeClr val="lt1"/>
+          </a:fontRef>
+        </p:style>
+        <p:txBody>
+          <a:bodyPr rtlCol="0" anchor="ctr"/>
+          <a:lstStyle/>
+          <a:p>
+            <a:pPr algn="ctr"/>
+            <a:endParaRPr lang="ko-KR" altLang="en-US"/>
+          </a:p>
+        </p:txBody>
+      </p:sp>
+      <p:sp>
+        <p:nvSpPr>
+          <p:cNvPr id="8" name="TextBox 7"/>
+          <p:cNvSpPr txBox="1"/>
+          <p:nvPr/>
+        </p:nvSpPr>
+        <p:spPr>
+          <a:xfrm>
+            <a:off x="139965" y="65317"/>
+            <a:ext cx="4413379" cy="369332"/>
+          </a:xfrm>
+          <a:prstGeom prst="rect">
+            <a:avLst/>
+          </a:prstGeom>
+          <a:noFill/>
+        </p:spPr>
+        <p:txBody>
+          <a:bodyPr wrap="square" rtlCol="0">
+            <a:spAutoFit/>
+          </a:bodyPr>
+          <a:lstStyle/>
+          <a:p>
+            <a:r>
+              <a:rPr lang="en-US" altLang="ko-KR" dirty="0" smtClean="0">
+                <a:solidFill>
+                  <a:schemeClr val="bg1"/>
+                </a:solidFill>
+              </a:rPr>
+              <a:t>2. </a:t>
+            </a:r>
+            <a:r>
+              <a:rPr lang="ko-KR" altLang="en-US" dirty="0" smtClean="0">
+                <a:solidFill>
+                  <a:schemeClr val="bg1"/>
+                </a:solidFill>
+              </a:rPr>
+              <a:t>화면 설계서</a:t>
+            </a:r>
+            <a:r>
+              <a:rPr lang="en-US" altLang="ko-KR" sz="1200" dirty="0" smtClean="0">
+                <a:solidFill>
+                  <a:schemeClr val="bg1"/>
+                </a:solidFill>
+              </a:rPr>
+              <a:t>2</a:t>
+            </a:r>
+            <a:r>
+              <a:rPr lang="en-US" altLang="ko-KR" sz="1200" dirty="0" smtClean="0">
+                <a:solidFill>
+                  <a:schemeClr val="bg1"/>
+                </a:solidFill>
+              </a:rPr>
+              <a:t>-1 </a:t>
+            </a:r>
+            <a:r>
+              <a:rPr lang="ko-KR" altLang="en-US" sz="1200" dirty="0" err="1" smtClean="0">
+                <a:solidFill>
+                  <a:schemeClr val="bg1"/>
+                </a:solidFill>
+              </a:rPr>
+              <a:t>웹커버</a:t>
+            </a:r>
+            <a:r>
+              <a:rPr lang="ko-KR" altLang="en-US" sz="1200" dirty="0" smtClean="0">
+                <a:solidFill>
+                  <a:schemeClr val="bg1"/>
+                </a:solidFill>
+              </a:rPr>
+              <a:t> 페이지</a:t>
+            </a:r>
+            <a:endParaRPr lang="ko-KR" altLang="en-US" dirty="0">
+              <a:solidFill>
+                <a:schemeClr val="bg1"/>
+              </a:solidFill>
+            </a:endParaRPr>
+          </a:p>
+        </p:txBody>
+      </p:sp>
+      <p:pic>
+        <p:nvPicPr>
+          <p:cNvPr id="4" name="그림 3"/>
+          <p:cNvPicPr>
+            <a:picLocks noChangeAspect="1"/>
+          </p:cNvPicPr>
+          <p:nvPr/>
+        </p:nvPicPr>
+        <p:blipFill>
+          <a:blip r:embed="rId2"/>
+          <a:stretch>
+            <a:fillRect/>
+          </a:stretch>
+        </p:blipFill>
+        <p:spPr>
+          <a:xfrm>
+            <a:off x="486033" y="648976"/>
+            <a:ext cx="11269362" cy="5894344"/>
+          </a:xfrm>
+          <a:prstGeom prst="rect">
+            <a:avLst/>
+          </a:prstGeom>
+        </p:spPr>
+      </p:pic>
+      <p:grpSp>
+        <p:nvGrpSpPr>
+          <p:cNvPr id="7" name="그룹 6"/>
+          <p:cNvGrpSpPr/>
+          <p:nvPr/>
+        </p:nvGrpSpPr>
+        <p:grpSpPr>
+          <a:xfrm>
+            <a:off x="1897735" y="2669059"/>
+            <a:ext cx="4595793" cy="2719222"/>
+            <a:chOff x="3817152" y="2743200"/>
+            <a:chExt cx="4595793" cy="2719222"/>
+          </a:xfrm>
+        </p:grpSpPr>
+        <p:sp>
+          <p:nvSpPr>
+            <p:cNvPr id="3" name="육각형 2"/>
+            <p:cNvSpPr/>
+            <p:nvPr/>
+          </p:nvSpPr>
+          <p:spPr>
+            <a:xfrm>
+              <a:off x="4923198" y="3080952"/>
+              <a:ext cx="2350749" cy="2026507"/>
+            </a:xfrm>
+            <a:prstGeom prst="hexagon">
+              <a:avLst/>
+            </a:prstGeom>
+            <a:solidFill>
+              <a:schemeClr val="bg1">
+                <a:lumMod val="95000"/>
+              </a:schemeClr>
+            </a:solidFill>
+            <a:ln>
+              <a:solidFill>
+                <a:schemeClr val="tx1">
+                  <a:lumMod val="65000"/>
+                  <a:lumOff val="35000"/>
+                </a:schemeClr>
+              </a:solidFill>
+            </a:ln>
+          </p:spPr>
+          <p:style>
+            <a:lnRef idx="2">
+              <a:schemeClr val="accent1">
+                <a:shade val="50000"/>
+              </a:schemeClr>
+            </a:lnRef>
+            <a:fillRef idx="1">
+              <a:schemeClr val="accent1"/>
+            </a:fillRef>
+            <a:effectRef idx="0">
+              <a:schemeClr val="accent1"/>
+            </a:effectRef>
+            <a:fontRef idx="minor">
+              <a:schemeClr val="lt1"/>
+            </a:fontRef>
+          </p:style>
+          <p:txBody>
+            <a:bodyPr rtlCol="0" anchor="ctr"/>
+            <a:lstStyle/>
+            <a:p>
+              <a:pPr algn="ctr"/>
+              <a:endParaRPr lang="ko-KR" altLang="en-US"/>
+            </a:p>
+          </p:txBody>
+        </p:sp>
+        <p:sp>
+          <p:nvSpPr>
+            <p:cNvPr id="6" name="TextBox 5"/>
+            <p:cNvSpPr txBox="1"/>
+            <p:nvPr/>
+          </p:nvSpPr>
+          <p:spPr>
+            <a:xfrm>
+              <a:off x="4553344" y="2743200"/>
+              <a:ext cx="1328472" cy="276999"/>
+            </a:xfrm>
+            <a:prstGeom prst="rect">
+              <a:avLst/>
+            </a:prstGeom>
+            <a:noFill/>
+          </p:spPr>
+          <p:txBody>
+            <a:bodyPr wrap="square" rtlCol="0">
+              <a:spAutoFit/>
+            </a:bodyPr>
+            <a:lstStyle/>
+            <a:p>
+              <a:pPr algn="ctr"/>
+              <a:r>
+                <a:rPr lang="ko-KR" altLang="en-US" sz="1200" dirty="0" smtClean="0"/>
+                <a:t>역사</a:t>
+              </a:r>
+              <a:r>
+                <a:rPr lang="en-US" altLang="ko-KR" sz="1200" dirty="0" smtClean="0"/>
+                <a:t>/</a:t>
+              </a:r>
+              <a:r>
+                <a:rPr lang="ko-KR" altLang="en-US" sz="1200" dirty="0" smtClean="0"/>
+                <a:t>문화</a:t>
+              </a:r>
+              <a:r>
+                <a:rPr lang="en-US" altLang="ko-KR" sz="1200" dirty="0" smtClean="0"/>
+                <a:t>/</a:t>
+              </a:r>
+              <a:r>
+                <a:rPr lang="ko-KR" altLang="en-US" sz="1200" dirty="0" smtClean="0"/>
+                <a:t>종교</a:t>
+              </a:r>
+              <a:endParaRPr lang="ko-KR" altLang="en-US" sz="1200" dirty="0"/>
+            </a:p>
+          </p:txBody>
+        </p:sp>
+        <p:sp>
+          <p:nvSpPr>
+            <p:cNvPr id="10" name="TextBox 9"/>
+            <p:cNvSpPr txBox="1"/>
+            <p:nvPr/>
+          </p:nvSpPr>
+          <p:spPr>
+            <a:xfrm>
+              <a:off x="6324479" y="2743200"/>
+              <a:ext cx="1328472" cy="276999"/>
+            </a:xfrm>
+            <a:prstGeom prst="rect">
+              <a:avLst/>
+            </a:prstGeom>
+            <a:noFill/>
+          </p:spPr>
+          <p:txBody>
+            <a:bodyPr wrap="square" rtlCol="0">
+              <a:spAutoFit/>
+            </a:bodyPr>
+            <a:lstStyle/>
+            <a:p>
+              <a:pPr algn="ctr"/>
+              <a:r>
+                <a:rPr lang="ko-KR" altLang="en-US" sz="1200" dirty="0" smtClean="0"/>
+                <a:t>예술</a:t>
+              </a:r>
+              <a:r>
+                <a:rPr lang="en-US" altLang="ko-KR" sz="1200" dirty="0" smtClean="0"/>
+                <a:t>/</a:t>
+              </a:r>
+              <a:r>
+                <a:rPr lang="ko-KR" altLang="en-US" sz="1200" dirty="0" smtClean="0"/>
+                <a:t>대중문화</a:t>
+              </a:r>
+              <a:endParaRPr lang="ko-KR" altLang="en-US" sz="1200" dirty="0"/>
+            </a:p>
+          </p:txBody>
+        </p:sp>
+        <p:sp>
+          <p:nvSpPr>
+            <p:cNvPr id="11" name="TextBox 10"/>
+            <p:cNvSpPr txBox="1"/>
+            <p:nvPr/>
+          </p:nvSpPr>
+          <p:spPr>
+            <a:xfrm>
+              <a:off x="7084473" y="3955705"/>
+              <a:ext cx="1328472" cy="276999"/>
+            </a:xfrm>
+            <a:prstGeom prst="rect">
+              <a:avLst/>
+            </a:prstGeom>
+            <a:noFill/>
+          </p:spPr>
+          <p:txBody>
+            <a:bodyPr wrap="square" rtlCol="0">
+              <a:spAutoFit/>
+            </a:bodyPr>
+            <a:lstStyle/>
+            <a:p>
+              <a:pPr algn="ctr"/>
+              <a:r>
+                <a:rPr lang="ko-KR" altLang="en-US" sz="1200" dirty="0" smtClean="0"/>
+                <a:t>정치</a:t>
+              </a:r>
+              <a:r>
+                <a:rPr lang="en-US" altLang="ko-KR" sz="1200" dirty="0" smtClean="0"/>
+                <a:t>/</a:t>
+              </a:r>
+              <a:r>
+                <a:rPr lang="ko-KR" altLang="en-US" sz="1200" dirty="0" smtClean="0"/>
+                <a:t>사회</a:t>
+              </a:r>
+              <a:endParaRPr lang="ko-KR" altLang="en-US" sz="1200" dirty="0"/>
+            </a:p>
+          </p:txBody>
+        </p:sp>
+        <p:sp>
+          <p:nvSpPr>
+            <p:cNvPr id="12" name="TextBox 11"/>
+            <p:cNvSpPr txBox="1"/>
+            <p:nvPr/>
+          </p:nvSpPr>
+          <p:spPr>
+            <a:xfrm>
+              <a:off x="3817152" y="3955705"/>
+              <a:ext cx="1328472" cy="276999"/>
+            </a:xfrm>
+            <a:prstGeom prst="rect">
+              <a:avLst/>
+            </a:prstGeom>
+            <a:noFill/>
+          </p:spPr>
+          <p:txBody>
+            <a:bodyPr wrap="square" rtlCol="0">
+              <a:spAutoFit/>
+            </a:bodyPr>
+            <a:lstStyle/>
+            <a:p>
+              <a:pPr algn="ctr"/>
+              <a:r>
+                <a:rPr lang="ko-KR" altLang="en-US" sz="1200" dirty="0" smtClean="0"/>
+                <a:t>소설</a:t>
+              </a:r>
+              <a:r>
+                <a:rPr lang="en-US" altLang="ko-KR" sz="1200" dirty="0" smtClean="0"/>
+                <a:t>/</a:t>
+              </a:r>
+              <a:r>
+                <a:rPr lang="ko-KR" altLang="en-US" sz="1200" dirty="0" smtClean="0"/>
+                <a:t>시</a:t>
+              </a:r>
+              <a:endParaRPr lang="ko-KR" altLang="en-US" sz="1200" dirty="0"/>
+            </a:p>
+          </p:txBody>
+        </p:sp>
+        <p:sp>
+          <p:nvSpPr>
+            <p:cNvPr id="13" name="TextBox 12"/>
+            <p:cNvSpPr txBox="1"/>
+            <p:nvPr/>
+          </p:nvSpPr>
+          <p:spPr>
+            <a:xfrm>
+              <a:off x="4553344" y="5185423"/>
+              <a:ext cx="1328472" cy="276999"/>
+            </a:xfrm>
+            <a:prstGeom prst="rect">
+              <a:avLst/>
+            </a:prstGeom>
+            <a:noFill/>
+          </p:spPr>
+          <p:txBody>
+            <a:bodyPr wrap="square" rtlCol="0">
+              <a:spAutoFit/>
+            </a:bodyPr>
+            <a:lstStyle/>
+            <a:p>
+              <a:pPr algn="ctr"/>
+              <a:r>
+                <a:rPr lang="ko-KR" altLang="en-US" sz="1200" dirty="0" smtClean="0"/>
+                <a:t>과학</a:t>
+              </a:r>
+              <a:r>
+                <a:rPr lang="en-US" altLang="ko-KR" sz="1200" dirty="0" smtClean="0"/>
+                <a:t>/</a:t>
+              </a:r>
+              <a:r>
+                <a:rPr lang="ko-KR" altLang="en-US" sz="1200" dirty="0" smtClean="0"/>
+                <a:t>기술</a:t>
+              </a:r>
+              <a:endParaRPr lang="ko-KR" altLang="en-US" sz="1200" dirty="0"/>
+            </a:p>
+          </p:txBody>
+        </p:sp>
+        <p:sp>
+          <p:nvSpPr>
+            <p:cNvPr id="14" name="TextBox 13"/>
+            <p:cNvSpPr txBox="1"/>
+            <p:nvPr/>
+          </p:nvSpPr>
+          <p:spPr>
+            <a:xfrm>
+              <a:off x="6324479" y="5185423"/>
+              <a:ext cx="1328472" cy="276999"/>
+            </a:xfrm>
+            <a:prstGeom prst="rect">
+              <a:avLst/>
+            </a:prstGeom>
+            <a:noFill/>
+          </p:spPr>
+          <p:txBody>
+            <a:bodyPr wrap="square" rtlCol="0">
+              <a:spAutoFit/>
+            </a:bodyPr>
+            <a:lstStyle/>
+            <a:p>
+              <a:pPr algn="ctr"/>
+              <a:r>
+                <a:rPr lang="ko-KR" altLang="en-US" sz="1200" dirty="0" smtClean="0"/>
+                <a:t>경제</a:t>
+              </a:r>
+              <a:r>
+                <a:rPr lang="en-US" altLang="ko-KR" sz="1200" dirty="0" smtClean="0"/>
+                <a:t>/</a:t>
+              </a:r>
+              <a:r>
+                <a:rPr lang="ko-KR" altLang="en-US" sz="1200" dirty="0" smtClean="0"/>
+                <a:t>경영</a:t>
+              </a:r>
+              <a:endParaRPr lang="ko-KR" altLang="en-US" sz="1200" dirty="0"/>
+            </a:p>
+          </p:txBody>
+        </p:sp>
+      </p:grpSp>
+      <p:sp>
+        <p:nvSpPr>
+          <p:cNvPr id="15" name="TextBox 14"/>
+          <p:cNvSpPr txBox="1"/>
+          <p:nvPr/>
+        </p:nvSpPr>
+        <p:spPr>
+          <a:xfrm>
+            <a:off x="7043351" y="2792627"/>
+            <a:ext cx="3270422" cy="2308324"/>
+          </a:xfrm>
+          <a:prstGeom prst="rect">
+            <a:avLst/>
+          </a:prstGeom>
+          <a:noFill/>
+        </p:spPr>
+        <p:txBody>
+          <a:bodyPr wrap="square" rtlCol="0">
+            <a:spAutoFit/>
+          </a:bodyPr>
+          <a:lstStyle/>
+          <a:p>
+            <a:r>
+              <a:rPr lang="en-US" altLang="ko-KR" dirty="0" smtClean="0"/>
+              <a:t>OOO</a:t>
+            </a:r>
+            <a:r>
+              <a:rPr lang="ko-KR" altLang="en-US" dirty="0" smtClean="0"/>
+              <a:t>님의</a:t>
+            </a:r>
+            <a:r>
+              <a:rPr lang="en-US" altLang="ko-KR" dirty="0" smtClean="0"/>
+              <a:t> </a:t>
+            </a:r>
+            <a:r>
+              <a:rPr lang="ko-KR" altLang="en-US" dirty="0" smtClean="0"/>
+              <a:t>독서리듬</a:t>
+            </a:r>
+            <a:endParaRPr lang="en-US" altLang="ko-KR" dirty="0" smtClean="0"/>
+          </a:p>
+          <a:p>
+            <a:endParaRPr lang="en-US" altLang="ko-KR" dirty="0"/>
+          </a:p>
+          <a:p>
+            <a:endParaRPr lang="en-US" altLang="ko-KR" dirty="0" smtClean="0"/>
+          </a:p>
+          <a:p>
+            <a:r>
+              <a:rPr lang="ko-KR" altLang="en-US" dirty="0" smtClean="0"/>
+              <a:t>권당 평균 독서시간  </a:t>
+            </a:r>
+            <a:r>
+              <a:rPr lang="en-US" altLang="ko-KR" dirty="0" smtClean="0"/>
+              <a:t>2.1</a:t>
+            </a:r>
+            <a:r>
+              <a:rPr lang="ko-KR" altLang="en-US" dirty="0" smtClean="0"/>
+              <a:t>일</a:t>
+            </a:r>
+            <a:endParaRPr lang="en-US" altLang="ko-KR" dirty="0" smtClean="0"/>
+          </a:p>
+          <a:p>
+            <a:endParaRPr lang="en-US" altLang="ko-KR" dirty="0"/>
+          </a:p>
+          <a:p>
+            <a:r>
+              <a:rPr lang="ko-KR" altLang="en-US" dirty="0" smtClean="0"/>
+              <a:t>올해 예상 독서량 </a:t>
+            </a:r>
+            <a:r>
+              <a:rPr lang="en-US" altLang="ko-KR" dirty="0" smtClean="0"/>
+              <a:t>xxx</a:t>
+            </a:r>
+            <a:r>
+              <a:rPr lang="ko-KR" altLang="en-US" dirty="0" smtClean="0"/>
+              <a:t>일</a:t>
+            </a:r>
+            <a:endParaRPr lang="en-US" altLang="ko-KR" dirty="0" smtClean="0"/>
+          </a:p>
+          <a:p>
+            <a:endParaRPr lang="en-US" altLang="ko-KR" dirty="0"/>
+          </a:p>
+          <a:p>
+            <a:r>
+              <a:rPr lang="ko-KR" altLang="en-US" dirty="0" smtClean="0"/>
+              <a:t>선호 도서</a:t>
+            </a:r>
+            <a:endParaRPr lang="ko-KR" altLang="en-US" dirty="0"/>
+          </a:p>
+        </p:txBody>
+      </p:sp>
+      <p:pic>
+        <p:nvPicPr>
+          <p:cNvPr id="2" name="그림 1"/>
+          <p:cNvPicPr>
+            <a:picLocks noChangeAspect="1"/>
+          </p:cNvPicPr>
+          <p:nvPr/>
+        </p:nvPicPr>
+        <p:blipFill>
+          <a:blip r:embed="rId3">
+            <a:extLst>
+              <a:ext uri="{28A0092B-C50C-407E-A947-70E740481C1C}">
+                <a14:useLocalDpi xmlns:a14="http://schemas.microsoft.com/office/drawing/2010/main" val="0"/>
+              </a:ext>
+            </a:extLst>
+          </a:blip>
+          <a:stretch>
+            <a:fillRect/>
+          </a:stretch>
+        </p:blipFill>
+        <p:spPr>
+          <a:xfrm>
+            <a:off x="508564" y="711647"/>
+            <a:ext cx="11189165" cy="5755055"/>
+          </a:xfrm>
+          <a:prstGeom prst="rect">
+            <a:avLst/>
+          </a:prstGeom>
+        </p:spPr>
+      </p:pic>
+      <p:pic>
+        <p:nvPicPr>
+          <p:cNvPr id="5" name="그림 4"/>
+          <p:cNvPicPr>
+            <a:picLocks noChangeAspect="1"/>
+          </p:cNvPicPr>
+          <p:nvPr/>
+        </p:nvPicPr>
+        <p:blipFill>
+          <a:blip r:embed="rId4">
+            <a:extLst>
+              <a:ext uri="{28A0092B-C50C-407E-A947-70E740481C1C}">
+                <a14:useLocalDpi xmlns:a14="http://schemas.microsoft.com/office/drawing/2010/main" val="0"/>
+              </a:ext>
+            </a:extLst>
+          </a:blip>
+          <a:stretch>
+            <a:fillRect/>
+          </a:stretch>
+        </p:blipFill>
+        <p:spPr>
+          <a:xfrm>
+            <a:off x="508563" y="713602"/>
+            <a:ext cx="11189165" cy="5790523"/>
+          </a:xfrm>
+          <a:prstGeom prst="rect">
+            <a:avLst/>
+          </a:prstGeom>
+        </p:spPr>
+      </p:pic>
+      <p:pic>
+        <p:nvPicPr>
+          <p:cNvPr id="16" name="그림 15"/>
+          <p:cNvPicPr>
+            <a:picLocks noChangeAspect="1"/>
+          </p:cNvPicPr>
+          <p:nvPr/>
+        </p:nvPicPr>
+        <p:blipFill>
+          <a:blip r:embed="rId5">
+            <a:extLst>
+              <a:ext uri="{28A0092B-C50C-407E-A947-70E740481C1C}">
+                <a14:useLocalDpi xmlns:a14="http://schemas.microsoft.com/office/drawing/2010/main" val="0"/>
+              </a:ext>
+            </a:extLst>
+          </a:blip>
+          <a:stretch>
+            <a:fillRect/>
+          </a:stretch>
+        </p:blipFill>
+        <p:spPr>
+          <a:xfrm>
+            <a:off x="508562" y="693912"/>
+            <a:ext cx="11189166" cy="5790524"/>
+          </a:xfrm>
+          <a:prstGeom prst="rect">
+            <a:avLst/>
+          </a:prstGeom>
+        </p:spPr>
+      </p:pic>
+    </p:spTree>
+    <p:extLst>
+      <p:ext uri="{BB962C8B-B14F-4D97-AF65-F5344CB8AC3E}">
+        <p14:creationId xmlns:p14="http://schemas.microsoft.com/office/powerpoint/2010/main" val="357751448"/>
+      </p:ext>
+    </p:extLst>
+  </p:cSld>
+  <p:clrMapOvr>
+    <a:masterClrMapping/>
+  </p:clrMapOvr>
+</p:sld>
+</file>
+
+<file path=ppt/slides/slide15.xml><?xml version="1.0" encoding="utf-8"?>
+<p:sld xmlns:a="http://schemas.openxmlformats.org/drawingml/2006/main" xmlns:r="http://schemas.openxmlformats.org/officeDocument/2006/relationships" xmlns:p="http://schemas.openxmlformats.org/presentationml/2006/main">
+  <p:cSld>
+    <p:spTree>
+      <p:nvGrpSpPr>
+        <p:cNvPr id="1" name=""/>
+        <p:cNvGrpSpPr/>
+        <p:nvPr/>
+      </p:nvGrpSpPr>
+      <p:grpSpPr>
+        <a:xfrm>
+          <a:off x="0" y="0"/>
+          <a:ext cx="0" cy="0"/>
+          <a:chOff x="0" y="0"/>
+          <a:chExt cx="0" cy="0"/>
+        </a:xfrm>
+      </p:grpSpPr>
+      <p:sp>
+        <p:nvSpPr>
+          <p:cNvPr id="9" name="직사각형 8"/>
+          <p:cNvSpPr/>
+          <p:nvPr/>
+        </p:nvSpPr>
+        <p:spPr>
+          <a:xfrm>
+            <a:off x="0" y="0"/>
+            <a:ext cx="12192000" cy="434649"/>
+          </a:xfrm>
+          <a:prstGeom prst="rect">
+            <a:avLst/>
+          </a:prstGeom>
+          <a:solidFill>
+            <a:srgbClr val="00B0F0"/>
+          </a:solidFill>
+          <a:ln>
+            <a:noFill/>
+          </a:ln>
+        </p:spPr>
+        <p:style>
+          <a:lnRef idx="2">
+            <a:schemeClr val="accent1">
+              <a:shade val="50000"/>
+            </a:schemeClr>
+          </a:lnRef>
+          <a:fillRef idx="1">
+            <a:schemeClr val="accent1"/>
+          </a:fillRef>
+          <a:effectRef idx="0">
+            <a:schemeClr val="accent1"/>
+          </a:effectRef>
+          <a:fontRef idx="minor">
+            <a:schemeClr val="lt1"/>
+          </a:fontRef>
+        </p:style>
+        <p:txBody>
+          <a:bodyPr rtlCol="0" anchor="ctr"/>
+          <a:lstStyle/>
+          <a:p>
+            <a:pPr algn="ctr"/>
+            <a:endParaRPr lang="ko-KR" altLang="en-US"/>
+          </a:p>
+        </p:txBody>
+      </p:sp>
+      <p:sp>
+        <p:nvSpPr>
+          <p:cNvPr id="8" name="TextBox 7"/>
+          <p:cNvSpPr txBox="1"/>
+          <p:nvPr/>
+        </p:nvSpPr>
+        <p:spPr>
+          <a:xfrm>
+            <a:off x="139965" y="65317"/>
+            <a:ext cx="4413379" cy="646331"/>
+          </a:xfrm>
+          <a:prstGeom prst="rect">
+            <a:avLst/>
+          </a:prstGeom>
+          <a:noFill/>
+        </p:spPr>
+        <p:txBody>
+          <a:bodyPr wrap="square" rtlCol="0">
+            <a:spAutoFit/>
+          </a:bodyPr>
+          <a:lstStyle/>
+          <a:p>
+            <a:r>
+              <a:rPr lang="en-US" altLang="ko-KR" dirty="0" smtClean="0">
+                <a:solidFill>
+                  <a:schemeClr val="bg1"/>
+                </a:solidFill>
+              </a:rPr>
+              <a:t>2. </a:t>
+            </a:r>
+            <a:r>
+              <a:rPr lang="ko-KR" altLang="en-US" dirty="0" smtClean="0">
+                <a:solidFill>
+                  <a:schemeClr val="bg1"/>
+                </a:solidFill>
+              </a:rPr>
+              <a:t>화면 설계서</a:t>
+            </a:r>
+            <a:r>
+              <a:rPr lang="en-US" altLang="ko-KR" sz="1200" dirty="0" smtClean="0">
+                <a:solidFill>
+                  <a:schemeClr val="bg1"/>
+                </a:solidFill>
+              </a:rPr>
+              <a:t>2</a:t>
+            </a:r>
+            <a:r>
+              <a:rPr lang="en-US" altLang="ko-KR" sz="1200" dirty="0" smtClean="0">
+                <a:solidFill>
+                  <a:schemeClr val="bg1"/>
+                </a:solidFill>
+              </a:rPr>
+              <a:t>-2 </a:t>
+            </a:r>
+            <a:r>
+              <a:rPr lang="ko-KR" altLang="en-US" sz="1200" dirty="0" smtClean="0">
+                <a:solidFill>
+                  <a:schemeClr val="bg1"/>
+                </a:solidFill>
+              </a:rPr>
+              <a:t>메인</a:t>
+            </a:r>
+            <a:r>
+              <a:rPr lang="en-US" altLang="ko-KR" sz="1200" dirty="0" smtClean="0">
+                <a:solidFill>
+                  <a:schemeClr val="bg1"/>
+                </a:solidFill>
+              </a:rPr>
+              <a:t> </a:t>
+            </a:r>
+            <a:r>
+              <a:rPr lang="ko-KR" altLang="en-US" sz="1200" dirty="0" smtClean="0">
+                <a:solidFill>
+                  <a:schemeClr val="bg1"/>
+                </a:solidFill>
+              </a:rPr>
+              <a:t>페이지</a:t>
+            </a:r>
+            <a:endParaRPr lang="ko-KR" altLang="en-US" sz="1200" dirty="0">
+              <a:solidFill>
+                <a:schemeClr val="bg1"/>
+              </a:solidFill>
+            </a:endParaRPr>
+          </a:p>
+          <a:p>
+            <a:endParaRPr lang="ko-KR" altLang="en-US" dirty="0">
+              <a:solidFill>
+                <a:schemeClr val="bg1"/>
+              </a:solidFill>
+            </a:endParaRPr>
+          </a:p>
+        </p:txBody>
+      </p:sp>
+      <p:pic>
+        <p:nvPicPr>
+          <p:cNvPr id="2" name="그림 1"/>
+          <p:cNvPicPr>
+            <a:picLocks noChangeAspect="1"/>
+          </p:cNvPicPr>
+          <p:nvPr/>
+        </p:nvPicPr>
+        <p:blipFill>
+          <a:blip r:embed="rId2">
+            <a:extLst>
+              <a:ext uri="{28A0092B-C50C-407E-A947-70E740481C1C}">
+                <a14:useLocalDpi xmlns:a14="http://schemas.microsoft.com/office/drawing/2010/main" val="0"/>
+              </a:ext>
+            </a:extLst>
+          </a:blip>
+          <a:stretch>
+            <a:fillRect/>
+          </a:stretch>
+        </p:blipFill>
+        <p:spPr>
+          <a:xfrm>
+            <a:off x="1099751" y="1173205"/>
+            <a:ext cx="9992497" cy="5151171"/>
+          </a:xfrm>
+          <a:prstGeom prst="rect">
+            <a:avLst/>
+          </a:prstGeom>
+        </p:spPr>
+      </p:pic>
+    </p:spTree>
+    <p:extLst>
+      <p:ext uri="{BB962C8B-B14F-4D97-AF65-F5344CB8AC3E}">
+        <p14:creationId xmlns:p14="http://schemas.microsoft.com/office/powerpoint/2010/main" val="729316677"/>
+      </p:ext>
+    </p:extLst>
+  </p:cSld>
+  <p:clrMapOvr>
+    <a:masterClrMapping/>
+  </p:clrMapOvr>
+</p:sld>
+</file>
+
+<file path=ppt/slides/slide16.xml><?xml version="1.0" encoding="utf-8"?>
+<p:sld xmlns:a="http://schemas.openxmlformats.org/drawingml/2006/main" xmlns:r="http://schemas.openxmlformats.org/officeDocument/2006/relationships" xmlns:p="http://schemas.openxmlformats.org/presentationml/2006/main">
+  <p:cSld>
+    <p:spTree>
+      <p:nvGrpSpPr>
+        <p:cNvPr id="1" name=""/>
+        <p:cNvGrpSpPr/>
+        <p:nvPr/>
+      </p:nvGrpSpPr>
+      <p:grpSpPr>
+        <a:xfrm>
+          <a:off x="0" y="0"/>
+          <a:ext cx="0" cy="0"/>
+          <a:chOff x="0" y="0"/>
+          <a:chExt cx="0" cy="0"/>
+        </a:xfrm>
+      </p:grpSpPr>
+      <p:sp>
+        <p:nvSpPr>
+          <p:cNvPr id="9" name="직사각형 8"/>
+          <p:cNvSpPr/>
+          <p:nvPr/>
+        </p:nvSpPr>
+        <p:spPr>
+          <a:xfrm>
+            <a:off x="0" y="0"/>
+            <a:ext cx="12192000" cy="434649"/>
+          </a:xfrm>
+          <a:prstGeom prst="rect">
+            <a:avLst/>
+          </a:prstGeom>
+          <a:solidFill>
+            <a:srgbClr val="00B0F0"/>
+          </a:solidFill>
+          <a:ln>
+            <a:noFill/>
+          </a:ln>
+        </p:spPr>
+        <p:style>
+          <a:lnRef idx="2">
+            <a:schemeClr val="accent1">
+              <a:shade val="50000"/>
+            </a:schemeClr>
+          </a:lnRef>
+          <a:fillRef idx="1">
+            <a:schemeClr val="accent1"/>
+          </a:fillRef>
+          <a:effectRef idx="0">
+            <a:schemeClr val="accent1"/>
+          </a:effectRef>
+          <a:fontRef idx="minor">
+            <a:schemeClr val="lt1"/>
+          </a:fontRef>
+        </p:style>
+        <p:txBody>
+          <a:bodyPr rtlCol="0" anchor="ctr"/>
+          <a:lstStyle/>
+          <a:p>
+            <a:pPr algn="ctr"/>
+            <a:endParaRPr lang="ko-KR" altLang="en-US"/>
+          </a:p>
+        </p:txBody>
+      </p:sp>
+      <p:sp>
+        <p:nvSpPr>
+          <p:cNvPr id="8" name="TextBox 7"/>
+          <p:cNvSpPr txBox="1"/>
+          <p:nvPr/>
+        </p:nvSpPr>
+        <p:spPr>
+          <a:xfrm>
+            <a:off x="139965" y="65317"/>
+            <a:ext cx="4413379" cy="646331"/>
+          </a:xfrm>
+          <a:prstGeom prst="rect">
+            <a:avLst/>
+          </a:prstGeom>
+          <a:noFill/>
+        </p:spPr>
+        <p:txBody>
+          <a:bodyPr wrap="square" rtlCol="0">
+            <a:spAutoFit/>
+          </a:bodyPr>
+          <a:lstStyle/>
+          <a:p>
+            <a:r>
+              <a:rPr lang="en-US" altLang="ko-KR" dirty="0" smtClean="0">
+                <a:solidFill>
+                  <a:schemeClr val="bg1"/>
+                </a:solidFill>
+              </a:rPr>
+              <a:t>2. </a:t>
+            </a:r>
+            <a:r>
+              <a:rPr lang="ko-KR" altLang="en-US" dirty="0" smtClean="0">
+                <a:solidFill>
+                  <a:schemeClr val="bg1"/>
+                </a:solidFill>
+              </a:rPr>
+              <a:t>화면 설계서</a:t>
+            </a:r>
+            <a:r>
+              <a:rPr lang="en-US" altLang="ko-KR" sz="1200" dirty="0" smtClean="0">
+                <a:solidFill>
+                  <a:schemeClr val="bg1"/>
+                </a:solidFill>
+              </a:rPr>
+              <a:t>2</a:t>
+            </a:r>
+            <a:r>
+              <a:rPr lang="en-US" altLang="ko-KR" sz="1200" dirty="0" smtClean="0">
+                <a:solidFill>
+                  <a:schemeClr val="bg1"/>
+                </a:solidFill>
+              </a:rPr>
+              <a:t>-3 </a:t>
+            </a:r>
+            <a:r>
+              <a:rPr lang="ko-KR" altLang="en-US" sz="1200" dirty="0" smtClean="0">
+                <a:solidFill>
+                  <a:schemeClr val="bg1"/>
+                </a:solidFill>
+              </a:rPr>
+              <a:t>로그인 페이지</a:t>
+            </a:r>
+            <a:endParaRPr lang="ko-KR" altLang="en-US" sz="1200" dirty="0">
+              <a:solidFill>
+                <a:schemeClr val="bg1"/>
+              </a:solidFill>
+            </a:endParaRPr>
+          </a:p>
+          <a:p>
+            <a:endParaRPr lang="ko-KR" altLang="en-US" dirty="0">
+              <a:solidFill>
+                <a:schemeClr val="bg1"/>
+              </a:solidFill>
+            </a:endParaRPr>
+          </a:p>
+        </p:txBody>
+      </p:sp>
+      <p:pic>
+        <p:nvPicPr>
+          <p:cNvPr id="5" name="그림 4"/>
+          <p:cNvPicPr>
+            <a:picLocks noChangeAspect="1"/>
+          </p:cNvPicPr>
+          <p:nvPr/>
+        </p:nvPicPr>
+        <p:blipFill>
+          <a:blip r:embed="rId2">
+            <a:extLst>
+              <a:ext uri="{28A0092B-C50C-407E-A947-70E740481C1C}">
+                <a14:useLocalDpi xmlns:a14="http://schemas.microsoft.com/office/drawing/2010/main" val="0"/>
+              </a:ext>
+            </a:extLst>
+          </a:blip>
+          <a:stretch>
+            <a:fillRect/>
+          </a:stretch>
+        </p:blipFill>
+        <p:spPr>
+          <a:xfrm>
+            <a:off x="807308" y="945834"/>
+            <a:ext cx="10577384" cy="5452682"/>
+          </a:xfrm>
+          <a:prstGeom prst="rect">
+            <a:avLst/>
+          </a:prstGeom>
+        </p:spPr>
+      </p:pic>
+      <p:pic>
+        <p:nvPicPr>
+          <p:cNvPr id="17" name="그림 16"/>
+          <p:cNvPicPr>
+            <a:picLocks noChangeAspect="1"/>
+          </p:cNvPicPr>
+          <p:nvPr/>
+        </p:nvPicPr>
+        <p:blipFill>
+          <a:blip r:embed="rId3">
+            <a:extLst>
+              <a:ext uri="{28A0092B-C50C-407E-A947-70E740481C1C}">
+                <a14:useLocalDpi xmlns:a14="http://schemas.microsoft.com/office/drawing/2010/main" val="0"/>
+              </a:ext>
+            </a:extLst>
+          </a:blip>
+          <a:stretch>
+            <a:fillRect/>
+          </a:stretch>
+        </p:blipFill>
+        <p:spPr>
+          <a:xfrm>
+            <a:off x="807308" y="945834"/>
+            <a:ext cx="10577384" cy="5452682"/>
+          </a:xfrm>
+          <a:prstGeom prst="rect">
+            <a:avLst/>
+          </a:prstGeom>
+        </p:spPr>
+      </p:pic>
+      <p:pic>
+        <p:nvPicPr>
+          <p:cNvPr id="2" name="그림 1"/>
+          <p:cNvPicPr>
+            <a:picLocks noChangeAspect="1"/>
+          </p:cNvPicPr>
+          <p:nvPr/>
+        </p:nvPicPr>
+        <p:blipFill>
+          <a:blip r:embed="rId4">
+            <a:extLst>
+              <a:ext uri="{28A0092B-C50C-407E-A947-70E740481C1C}">
+                <a14:useLocalDpi xmlns:a14="http://schemas.microsoft.com/office/drawing/2010/main" val="0"/>
+              </a:ext>
+            </a:extLst>
+          </a:blip>
+          <a:stretch>
+            <a:fillRect/>
+          </a:stretch>
+        </p:blipFill>
+        <p:spPr>
+          <a:xfrm>
+            <a:off x="807308" y="945834"/>
+            <a:ext cx="10577384" cy="5452682"/>
+          </a:xfrm>
+          <a:prstGeom prst="rect">
+            <a:avLst/>
+          </a:prstGeom>
+        </p:spPr>
+      </p:pic>
+    </p:spTree>
+    <p:extLst>
+      <p:ext uri="{BB962C8B-B14F-4D97-AF65-F5344CB8AC3E}">
+        <p14:creationId xmlns:p14="http://schemas.microsoft.com/office/powerpoint/2010/main" val="779578252"/>
+      </p:ext>
+    </p:extLst>
+  </p:cSld>
+  <p:clrMapOvr>
+    <a:masterClrMapping/>
+  </p:clrMapOvr>
+</p:sld>
+</file>
+
+<file path=ppt/slides/slide17.xml><?xml version="1.0" encoding="utf-8"?>
+<p:sld xmlns:a="http://schemas.openxmlformats.org/drawingml/2006/main" xmlns:r="http://schemas.openxmlformats.org/officeDocument/2006/relationships" xmlns:p="http://schemas.openxmlformats.org/presentationml/2006/main">
+  <p:cSld>
+    <p:spTree>
+      <p:nvGrpSpPr>
+        <p:cNvPr id="1" name=""/>
+        <p:cNvGrpSpPr/>
+        <p:nvPr/>
+      </p:nvGrpSpPr>
+      <p:grpSpPr>
+        <a:xfrm>
+          <a:off x="0" y="0"/>
+          <a:ext cx="0" cy="0"/>
+          <a:chOff x="0" y="0"/>
+          <a:chExt cx="0" cy="0"/>
+        </a:xfrm>
+      </p:grpSpPr>
+      <p:sp>
+        <p:nvSpPr>
+          <p:cNvPr id="9" name="직사각형 8"/>
+          <p:cNvSpPr/>
+          <p:nvPr/>
+        </p:nvSpPr>
+        <p:spPr>
+          <a:xfrm>
+            <a:off x="0" y="0"/>
+            <a:ext cx="12192000" cy="434649"/>
+          </a:xfrm>
+          <a:prstGeom prst="rect">
+            <a:avLst/>
+          </a:prstGeom>
+          <a:solidFill>
+            <a:srgbClr val="00B0F0"/>
+          </a:solidFill>
+          <a:ln>
+            <a:noFill/>
+          </a:ln>
+        </p:spPr>
+        <p:style>
+          <a:lnRef idx="2">
+            <a:schemeClr val="accent1">
+              <a:shade val="50000"/>
+            </a:schemeClr>
+          </a:lnRef>
+          <a:fillRef idx="1">
+            <a:schemeClr val="accent1"/>
+          </a:fillRef>
+          <a:effectRef idx="0">
+            <a:schemeClr val="accent1"/>
+          </a:effectRef>
+          <a:fontRef idx="minor">
+            <a:schemeClr val="lt1"/>
+          </a:fontRef>
+        </p:style>
+        <p:txBody>
+          <a:bodyPr rtlCol="0" anchor="ctr"/>
+          <a:lstStyle/>
+          <a:p>
+            <a:pPr algn="ctr"/>
+            <a:endParaRPr lang="ko-KR" altLang="en-US"/>
+          </a:p>
+        </p:txBody>
+      </p:sp>
+      <p:sp>
+        <p:nvSpPr>
+          <p:cNvPr id="8" name="TextBox 7"/>
+          <p:cNvSpPr txBox="1"/>
+          <p:nvPr/>
+        </p:nvSpPr>
+        <p:spPr>
+          <a:xfrm>
+            <a:off x="139965" y="65317"/>
+            <a:ext cx="4413379" cy="646331"/>
+          </a:xfrm>
+          <a:prstGeom prst="rect">
+            <a:avLst/>
+          </a:prstGeom>
+          <a:noFill/>
+        </p:spPr>
+        <p:txBody>
+          <a:bodyPr wrap="square" rtlCol="0">
+            <a:spAutoFit/>
+          </a:bodyPr>
+          <a:lstStyle/>
+          <a:p>
+            <a:r>
+              <a:rPr lang="en-US" altLang="ko-KR" dirty="0" smtClean="0">
+                <a:solidFill>
+                  <a:schemeClr val="bg1"/>
+                </a:solidFill>
+              </a:rPr>
+              <a:t>2. </a:t>
+            </a:r>
+            <a:r>
+              <a:rPr lang="ko-KR" altLang="en-US" dirty="0" smtClean="0">
+                <a:solidFill>
+                  <a:schemeClr val="bg1"/>
+                </a:solidFill>
+              </a:rPr>
+              <a:t>화면 설계서</a:t>
+            </a:r>
+            <a:r>
+              <a:rPr lang="en-US" altLang="ko-KR" sz="1200" dirty="0" smtClean="0">
+                <a:solidFill>
+                  <a:schemeClr val="bg1"/>
+                </a:solidFill>
+              </a:rPr>
+              <a:t>2</a:t>
+            </a:r>
+            <a:r>
+              <a:rPr lang="en-US" altLang="ko-KR" sz="1200" dirty="0" smtClean="0">
+                <a:solidFill>
+                  <a:schemeClr val="bg1"/>
+                </a:solidFill>
+              </a:rPr>
+              <a:t>-4 </a:t>
+            </a:r>
+            <a:r>
+              <a:rPr lang="ko-KR" altLang="en-US" sz="1200" dirty="0" smtClean="0">
+                <a:solidFill>
+                  <a:schemeClr val="bg1"/>
+                </a:solidFill>
+              </a:rPr>
+              <a:t>회원가입</a:t>
+            </a:r>
+            <a:endParaRPr lang="ko-KR" altLang="en-US" sz="1200" dirty="0">
+              <a:solidFill>
+                <a:schemeClr val="bg1"/>
+              </a:solidFill>
+            </a:endParaRPr>
+          </a:p>
+          <a:p>
+            <a:endParaRPr lang="ko-KR" altLang="en-US" dirty="0">
+              <a:solidFill>
+                <a:schemeClr val="bg1"/>
+              </a:solidFill>
+            </a:endParaRPr>
+          </a:p>
+        </p:txBody>
+      </p:sp>
+      <p:pic>
+        <p:nvPicPr>
+          <p:cNvPr id="2" name="그림 1"/>
+          <p:cNvPicPr>
+            <a:picLocks noChangeAspect="1"/>
+          </p:cNvPicPr>
+          <p:nvPr/>
+        </p:nvPicPr>
+        <p:blipFill>
+          <a:blip r:embed="rId2">
+            <a:extLst>
+              <a:ext uri="{28A0092B-C50C-407E-A947-70E740481C1C}">
+                <a14:useLocalDpi xmlns:a14="http://schemas.microsoft.com/office/drawing/2010/main" val="0"/>
+              </a:ext>
+            </a:extLst>
+          </a:blip>
+          <a:stretch>
+            <a:fillRect/>
+          </a:stretch>
+        </p:blipFill>
+        <p:spPr>
+          <a:xfrm>
+            <a:off x="1099751" y="1173205"/>
+            <a:ext cx="9992497" cy="5151171"/>
+          </a:xfrm>
+          <a:prstGeom prst="rect">
+            <a:avLst/>
+          </a:prstGeom>
+        </p:spPr>
+      </p:pic>
+      <p:pic>
+        <p:nvPicPr>
+          <p:cNvPr id="3" name="그림 2"/>
+          <p:cNvPicPr>
+            <a:picLocks noChangeAspect="1"/>
+          </p:cNvPicPr>
+          <p:nvPr/>
+        </p:nvPicPr>
+        <p:blipFill>
+          <a:blip r:embed="rId3">
+            <a:extLst>
+              <a:ext uri="{28A0092B-C50C-407E-A947-70E740481C1C}">
+                <a14:useLocalDpi xmlns:a14="http://schemas.microsoft.com/office/drawing/2010/main" val="0"/>
+              </a:ext>
+            </a:extLst>
+          </a:blip>
+          <a:stretch>
+            <a:fillRect/>
+          </a:stretch>
+        </p:blipFill>
+        <p:spPr>
+          <a:xfrm>
+            <a:off x="1099751" y="1173205"/>
+            <a:ext cx="9992497" cy="5151171"/>
+          </a:xfrm>
+          <a:prstGeom prst="rect">
+            <a:avLst/>
+          </a:prstGeom>
+        </p:spPr>
+      </p:pic>
+    </p:spTree>
+    <p:extLst>
+      <p:ext uri="{BB962C8B-B14F-4D97-AF65-F5344CB8AC3E}">
+        <p14:creationId xmlns:p14="http://schemas.microsoft.com/office/powerpoint/2010/main" val="3484249147"/>
+      </p:ext>
+    </p:extLst>
+  </p:cSld>
+  <p:clrMapOvr>
+    <a:masterClrMapping/>
+  </p:clrMapOvr>
+</p:sld>
+</file>
+
+<file path=ppt/slides/slide18.xml><?xml version="1.0" encoding="utf-8"?>
+<p:sld xmlns:a="http://schemas.openxmlformats.org/drawingml/2006/main" xmlns:r="http://schemas.openxmlformats.org/officeDocument/2006/relationships" xmlns:p="http://schemas.openxmlformats.org/presentationml/2006/main">
+  <p:cSld>
+    <p:spTree>
+      <p:nvGrpSpPr>
+        <p:cNvPr id="1" name=""/>
+        <p:cNvGrpSpPr/>
+        <p:nvPr/>
+      </p:nvGrpSpPr>
+      <p:grpSpPr>
+        <a:xfrm>
+          <a:off x="0" y="0"/>
+          <a:ext cx="0" cy="0"/>
+          <a:chOff x="0" y="0"/>
+          <a:chExt cx="0" cy="0"/>
+        </a:xfrm>
+      </p:grpSpPr>
+      <p:sp>
+        <p:nvSpPr>
+          <p:cNvPr id="9" name="직사각형 8"/>
+          <p:cNvSpPr/>
+          <p:nvPr/>
+        </p:nvSpPr>
+        <p:spPr>
+          <a:xfrm>
+            <a:off x="0" y="0"/>
+            <a:ext cx="12192000" cy="434649"/>
+          </a:xfrm>
+          <a:prstGeom prst="rect">
+            <a:avLst/>
+          </a:prstGeom>
+          <a:solidFill>
+            <a:srgbClr val="00B0F0"/>
+          </a:solidFill>
+          <a:ln>
+            <a:noFill/>
+          </a:ln>
+        </p:spPr>
+        <p:style>
+          <a:lnRef idx="2">
+            <a:schemeClr val="accent1">
+              <a:shade val="50000"/>
+            </a:schemeClr>
+          </a:lnRef>
+          <a:fillRef idx="1">
+            <a:schemeClr val="accent1"/>
+          </a:fillRef>
+          <a:effectRef idx="0">
+            <a:schemeClr val="accent1"/>
+          </a:effectRef>
+          <a:fontRef idx="minor">
+            <a:schemeClr val="lt1"/>
+          </a:fontRef>
+        </p:style>
+        <p:txBody>
+          <a:bodyPr rtlCol="0" anchor="ctr"/>
+          <a:lstStyle/>
+          <a:p>
+            <a:pPr algn="ctr"/>
+            <a:endParaRPr lang="ko-KR" altLang="en-US"/>
+          </a:p>
+        </p:txBody>
+      </p:sp>
+      <p:sp>
+        <p:nvSpPr>
+          <p:cNvPr id="8" name="TextBox 7"/>
+          <p:cNvSpPr txBox="1"/>
+          <p:nvPr/>
+        </p:nvSpPr>
+        <p:spPr>
+          <a:xfrm>
+            <a:off x="139965" y="65317"/>
+            <a:ext cx="4413379" cy="646331"/>
+          </a:xfrm>
+          <a:prstGeom prst="rect">
+            <a:avLst/>
+          </a:prstGeom>
+          <a:noFill/>
+        </p:spPr>
+        <p:txBody>
+          <a:bodyPr wrap="square" rtlCol="0">
+            <a:spAutoFit/>
+          </a:bodyPr>
+          <a:lstStyle/>
+          <a:p>
+            <a:r>
+              <a:rPr lang="en-US" altLang="ko-KR" dirty="0" smtClean="0">
+                <a:solidFill>
+                  <a:schemeClr val="bg1"/>
+                </a:solidFill>
+              </a:rPr>
+              <a:t>2. </a:t>
+            </a:r>
+            <a:r>
+              <a:rPr lang="ko-KR" altLang="en-US" dirty="0" smtClean="0">
+                <a:solidFill>
+                  <a:schemeClr val="bg1"/>
+                </a:solidFill>
+              </a:rPr>
+              <a:t>화면 설계서</a:t>
+            </a:r>
+            <a:r>
+              <a:rPr lang="en-US" altLang="ko-KR" sz="1200" dirty="0" smtClean="0">
+                <a:solidFill>
+                  <a:schemeClr val="bg1"/>
+                </a:solidFill>
+              </a:rPr>
+              <a:t>2</a:t>
+            </a:r>
+            <a:r>
+              <a:rPr lang="en-US" altLang="ko-KR" sz="1200" dirty="0" smtClean="0">
+                <a:solidFill>
+                  <a:schemeClr val="bg1"/>
+                </a:solidFill>
+              </a:rPr>
+              <a:t>-5 My Reading Rhythm</a:t>
+            </a:r>
+            <a:endParaRPr lang="ko-KR" altLang="en-US" sz="1200" dirty="0">
+              <a:solidFill>
+                <a:schemeClr val="bg1"/>
+              </a:solidFill>
+            </a:endParaRPr>
+          </a:p>
+          <a:p>
+            <a:endParaRPr lang="ko-KR" altLang="en-US" dirty="0">
+              <a:solidFill>
+                <a:schemeClr val="bg1"/>
+              </a:solidFill>
+            </a:endParaRPr>
+          </a:p>
+        </p:txBody>
+      </p:sp>
+      <p:pic>
+        <p:nvPicPr>
+          <p:cNvPr id="4" name="그림 3"/>
+          <p:cNvPicPr>
+            <a:picLocks noChangeAspect="1"/>
+          </p:cNvPicPr>
+          <p:nvPr/>
+        </p:nvPicPr>
+        <p:blipFill>
+          <a:blip r:embed="rId2"/>
+          <a:stretch>
+            <a:fillRect/>
+          </a:stretch>
+        </p:blipFill>
+        <p:spPr>
+          <a:xfrm>
+            <a:off x="486033" y="648976"/>
+            <a:ext cx="11269362" cy="5894344"/>
+          </a:xfrm>
+          <a:prstGeom prst="rect">
+            <a:avLst/>
+          </a:prstGeom>
+        </p:spPr>
+      </p:pic>
+      <p:grpSp>
+        <p:nvGrpSpPr>
+          <p:cNvPr id="7" name="그룹 6"/>
+          <p:cNvGrpSpPr/>
+          <p:nvPr/>
+        </p:nvGrpSpPr>
+        <p:grpSpPr>
+          <a:xfrm>
+            <a:off x="1897735" y="2669059"/>
+            <a:ext cx="4595793" cy="2719222"/>
+            <a:chOff x="3817152" y="2743200"/>
+            <a:chExt cx="4595793" cy="2719222"/>
+          </a:xfrm>
+        </p:grpSpPr>
+        <p:sp>
+          <p:nvSpPr>
+            <p:cNvPr id="3" name="육각형 2"/>
+            <p:cNvSpPr/>
+            <p:nvPr/>
+          </p:nvSpPr>
+          <p:spPr>
+            <a:xfrm>
+              <a:off x="4923198" y="3080952"/>
+              <a:ext cx="2350749" cy="2026507"/>
+            </a:xfrm>
+            <a:prstGeom prst="hexagon">
+              <a:avLst/>
+            </a:prstGeom>
+            <a:solidFill>
+              <a:schemeClr val="bg1">
+                <a:lumMod val="95000"/>
+              </a:schemeClr>
+            </a:solidFill>
+            <a:ln>
+              <a:solidFill>
+                <a:schemeClr val="tx1">
+                  <a:lumMod val="65000"/>
+                  <a:lumOff val="35000"/>
+                </a:schemeClr>
+              </a:solidFill>
+            </a:ln>
+          </p:spPr>
+          <p:style>
+            <a:lnRef idx="2">
+              <a:schemeClr val="accent1">
+                <a:shade val="50000"/>
+              </a:schemeClr>
+            </a:lnRef>
+            <a:fillRef idx="1">
+              <a:schemeClr val="accent1"/>
+            </a:fillRef>
+            <a:effectRef idx="0">
+              <a:schemeClr val="accent1"/>
+            </a:effectRef>
+            <a:fontRef idx="minor">
+              <a:schemeClr val="lt1"/>
+            </a:fontRef>
+          </p:style>
+          <p:txBody>
+            <a:bodyPr rtlCol="0" anchor="ctr"/>
+            <a:lstStyle/>
+            <a:p>
+              <a:pPr algn="ctr"/>
+              <a:endParaRPr lang="ko-KR" altLang="en-US"/>
+            </a:p>
+          </p:txBody>
+        </p:sp>
+        <p:sp>
+          <p:nvSpPr>
+            <p:cNvPr id="6" name="TextBox 5"/>
+            <p:cNvSpPr txBox="1"/>
+            <p:nvPr/>
+          </p:nvSpPr>
+          <p:spPr>
+            <a:xfrm>
+              <a:off x="4553344" y="2743200"/>
+              <a:ext cx="1328472" cy="276999"/>
+            </a:xfrm>
+            <a:prstGeom prst="rect">
+              <a:avLst/>
+            </a:prstGeom>
+            <a:noFill/>
+          </p:spPr>
+          <p:txBody>
+            <a:bodyPr wrap="square" rtlCol="0">
+              <a:spAutoFit/>
+            </a:bodyPr>
+            <a:lstStyle/>
+            <a:p>
+              <a:pPr algn="ctr"/>
+              <a:r>
+                <a:rPr lang="ko-KR" altLang="en-US" sz="1200" dirty="0" smtClean="0"/>
+                <a:t>역사</a:t>
+              </a:r>
+              <a:r>
+                <a:rPr lang="en-US" altLang="ko-KR" sz="1200" dirty="0" smtClean="0"/>
+                <a:t>/</a:t>
+              </a:r>
+              <a:r>
+                <a:rPr lang="ko-KR" altLang="en-US" sz="1200" dirty="0" smtClean="0"/>
+                <a:t>문화</a:t>
+              </a:r>
+              <a:r>
+                <a:rPr lang="en-US" altLang="ko-KR" sz="1200" dirty="0" smtClean="0"/>
+                <a:t>/</a:t>
+              </a:r>
+              <a:r>
+                <a:rPr lang="ko-KR" altLang="en-US" sz="1200" dirty="0" smtClean="0"/>
+                <a:t>종교</a:t>
+              </a:r>
+              <a:endParaRPr lang="ko-KR" altLang="en-US" sz="1200" dirty="0"/>
+            </a:p>
+          </p:txBody>
+        </p:sp>
+        <p:sp>
+          <p:nvSpPr>
+            <p:cNvPr id="10" name="TextBox 9"/>
+            <p:cNvSpPr txBox="1"/>
+            <p:nvPr/>
+          </p:nvSpPr>
+          <p:spPr>
+            <a:xfrm>
+              <a:off x="6324479" y="2743200"/>
+              <a:ext cx="1328472" cy="276999"/>
+            </a:xfrm>
+            <a:prstGeom prst="rect">
+              <a:avLst/>
+            </a:prstGeom>
+            <a:noFill/>
+          </p:spPr>
+          <p:txBody>
+            <a:bodyPr wrap="square" rtlCol="0">
+              <a:spAutoFit/>
+            </a:bodyPr>
+            <a:lstStyle/>
+            <a:p>
+              <a:pPr algn="ctr"/>
+              <a:r>
+                <a:rPr lang="ko-KR" altLang="en-US" sz="1200" dirty="0" smtClean="0"/>
+                <a:t>예술</a:t>
+              </a:r>
+              <a:r>
+                <a:rPr lang="en-US" altLang="ko-KR" sz="1200" dirty="0" smtClean="0"/>
+                <a:t>/</a:t>
+              </a:r>
+              <a:r>
+                <a:rPr lang="ko-KR" altLang="en-US" sz="1200" dirty="0" smtClean="0"/>
+                <a:t>대중문화</a:t>
+              </a:r>
+              <a:endParaRPr lang="ko-KR" altLang="en-US" sz="1200" dirty="0"/>
+            </a:p>
+          </p:txBody>
+        </p:sp>
+        <p:sp>
+          <p:nvSpPr>
+            <p:cNvPr id="11" name="TextBox 10"/>
+            <p:cNvSpPr txBox="1"/>
+            <p:nvPr/>
+          </p:nvSpPr>
+          <p:spPr>
+            <a:xfrm>
+              <a:off x="7084473" y="3955705"/>
+              <a:ext cx="1328472" cy="276999"/>
+            </a:xfrm>
+            <a:prstGeom prst="rect">
+              <a:avLst/>
+            </a:prstGeom>
+            <a:noFill/>
+          </p:spPr>
+          <p:txBody>
+            <a:bodyPr wrap="square" rtlCol="0">
+              <a:spAutoFit/>
+            </a:bodyPr>
+            <a:lstStyle/>
+            <a:p>
+              <a:pPr algn="ctr"/>
+              <a:r>
+                <a:rPr lang="ko-KR" altLang="en-US" sz="1200" dirty="0" smtClean="0"/>
+                <a:t>정치</a:t>
+              </a:r>
+              <a:r>
+                <a:rPr lang="en-US" altLang="ko-KR" sz="1200" dirty="0" smtClean="0"/>
+                <a:t>/</a:t>
+              </a:r>
+              <a:r>
+                <a:rPr lang="ko-KR" altLang="en-US" sz="1200" dirty="0" smtClean="0"/>
+                <a:t>사회</a:t>
+              </a:r>
+              <a:endParaRPr lang="ko-KR" altLang="en-US" sz="1200" dirty="0"/>
+            </a:p>
+          </p:txBody>
+        </p:sp>
+        <p:sp>
+          <p:nvSpPr>
+            <p:cNvPr id="12" name="TextBox 11"/>
+            <p:cNvSpPr txBox="1"/>
+            <p:nvPr/>
+          </p:nvSpPr>
+          <p:spPr>
+            <a:xfrm>
+              <a:off x="3817152" y="3955705"/>
+              <a:ext cx="1328472" cy="276999"/>
+            </a:xfrm>
+            <a:prstGeom prst="rect">
+              <a:avLst/>
+            </a:prstGeom>
+            <a:noFill/>
+          </p:spPr>
+          <p:txBody>
+            <a:bodyPr wrap="square" rtlCol="0">
+              <a:spAutoFit/>
+            </a:bodyPr>
+            <a:lstStyle/>
+            <a:p>
+              <a:pPr algn="ctr"/>
+              <a:r>
+                <a:rPr lang="ko-KR" altLang="en-US" sz="1200" dirty="0" smtClean="0"/>
+                <a:t>소설</a:t>
+              </a:r>
+              <a:r>
+                <a:rPr lang="en-US" altLang="ko-KR" sz="1200" dirty="0" smtClean="0"/>
+                <a:t>/</a:t>
+              </a:r>
+              <a:r>
+                <a:rPr lang="ko-KR" altLang="en-US" sz="1200" dirty="0" smtClean="0"/>
+                <a:t>시</a:t>
+              </a:r>
+              <a:endParaRPr lang="ko-KR" altLang="en-US" sz="1200" dirty="0"/>
+            </a:p>
+          </p:txBody>
+        </p:sp>
+        <p:sp>
+          <p:nvSpPr>
+            <p:cNvPr id="13" name="TextBox 12"/>
+            <p:cNvSpPr txBox="1"/>
+            <p:nvPr/>
+          </p:nvSpPr>
+          <p:spPr>
+            <a:xfrm>
+              <a:off x="4553344" y="5185423"/>
+              <a:ext cx="1328472" cy="276999"/>
+            </a:xfrm>
+            <a:prstGeom prst="rect">
+              <a:avLst/>
+            </a:prstGeom>
+            <a:noFill/>
+          </p:spPr>
+          <p:txBody>
+            <a:bodyPr wrap="square" rtlCol="0">
+              <a:spAutoFit/>
+            </a:bodyPr>
+            <a:lstStyle/>
+            <a:p>
+              <a:pPr algn="ctr"/>
+              <a:r>
+                <a:rPr lang="ko-KR" altLang="en-US" sz="1200" dirty="0" smtClean="0"/>
+                <a:t>과학</a:t>
+              </a:r>
+              <a:r>
+                <a:rPr lang="en-US" altLang="ko-KR" sz="1200" dirty="0" smtClean="0"/>
+                <a:t>/</a:t>
+              </a:r>
+              <a:r>
+                <a:rPr lang="ko-KR" altLang="en-US" sz="1200" dirty="0" smtClean="0"/>
+                <a:t>기술</a:t>
+              </a:r>
+              <a:endParaRPr lang="ko-KR" altLang="en-US" sz="1200" dirty="0"/>
+            </a:p>
+          </p:txBody>
+        </p:sp>
+        <p:sp>
+          <p:nvSpPr>
+            <p:cNvPr id="14" name="TextBox 13"/>
+            <p:cNvSpPr txBox="1"/>
+            <p:nvPr/>
+          </p:nvSpPr>
+          <p:spPr>
+            <a:xfrm>
+              <a:off x="6324479" y="5185423"/>
+              <a:ext cx="1328472" cy="276999"/>
+            </a:xfrm>
+            <a:prstGeom prst="rect">
+              <a:avLst/>
+            </a:prstGeom>
+            <a:noFill/>
+          </p:spPr>
+          <p:txBody>
+            <a:bodyPr wrap="square" rtlCol="0">
+              <a:spAutoFit/>
+            </a:bodyPr>
+            <a:lstStyle/>
+            <a:p>
+              <a:pPr algn="ctr"/>
+              <a:r>
+                <a:rPr lang="ko-KR" altLang="en-US" sz="1200" dirty="0" smtClean="0"/>
+                <a:t>경제</a:t>
+              </a:r>
+              <a:r>
+                <a:rPr lang="en-US" altLang="ko-KR" sz="1200" dirty="0" smtClean="0"/>
+                <a:t>/</a:t>
+              </a:r>
+              <a:r>
+                <a:rPr lang="ko-KR" altLang="en-US" sz="1200" dirty="0" smtClean="0"/>
+                <a:t>경영</a:t>
+              </a:r>
+              <a:endParaRPr lang="ko-KR" altLang="en-US" sz="1200" dirty="0"/>
+            </a:p>
+          </p:txBody>
+        </p:sp>
+      </p:grpSp>
+      <p:sp>
+        <p:nvSpPr>
+          <p:cNvPr id="15" name="TextBox 14"/>
+          <p:cNvSpPr txBox="1"/>
+          <p:nvPr/>
+        </p:nvSpPr>
+        <p:spPr>
+          <a:xfrm>
+            <a:off x="7043351" y="2792627"/>
+            <a:ext cx="3270422" cy="2308324"/>
+          </a:xfrm>
+          <a:prstGeom prst="rect">
+            <a:avLst/>
+          </a:prstGeom>
+          <a:noFill/>
+        </p:spPr>
+        <p:txBody>
+          <a:bodyPr wrap="square" rtlCol="0">
+            <a:spAutoFit/>
+          </a:bodyPr>
+          <a:lstStyle/>
+          <a:p>
+            <a:r>
+              <a:rPr lang="en-US" altLang="ko-KR" dirty="0" smtClean="0"/>
+              <a:t>OOO</a:t>
+            </a:r>
+            <a:r>
+              <a:rPr lang="ko-KR" altLang="en-US" dirty="0" smtClean="0"/>
+              <a:t>님의</a:t>
+            </a:r>
+            <a:r>
+              <a:rPr lang="en-US" altLang="ko-KR" dirty="0" smtClean="0"/>
+              <a:t> </a:t>
+            </a:r>
+            <a:r>
+              <a:rPr lang="ko-KR" altLang="en-US" dirty="0" smtClean="0"/>
+              <a:t>독서리듬</a:t>
+            </a:r>
+            <a:endParaRPr lang="en-US" altLang="ko-KR" dirty="0" smtClean="0"/>
+          </a:p>
+          <a:p>
+            <a:endParaRPr lang="en-US" altLang="ko-KR" dirty="0"/>
+          </a:p>
+          <a:p>
+            <a:endParaRPr lang="en-US" altLang="ko-KR" dirty="0" smtClean="0"/>
+          </a:p>
+          <a:p>
+            <a:r>
+              <a:rPr lang="ko-KR" altLang="en-US" dirty="0" smtClean="0"/>
+              <a:t>권당 평균 독서시간  </a:t>
+            </a:r>
+            <a:r>
+              <a:rPr lang="en-US" altLang="ko-KR" dirty="0" smtClean="0"/>
+              <a:t>2.1</a:t>
+            </a:r>
+            <a:r>
+              <a:rPr lang="ko-KR" altLang="en-US" dirty="0" smtClean="0"/>
+              <a:t>일</a:t>
+            </a:r>
+            <a:endParaRPr lang="en-US" altLang="ko-KR" dirty="0" smtClean="0"/>
+          </a:p>
+          <a:p>
+            <a:endParaRPr lang="en-US" altLang="ko-KR" dirty="0"/>
+          </a:p>
+          <a:p>
+            <a:r>
+              <a:rPr lang="ko-KR" altLang="en-US" dirty="0" smtClean="0"/>
+              <a:t>올해 예상 독서량 </a:t>
+            </a:r>
+            <a:r>
+              <a:rPr lang="en-US" altLang="ko-KR" dirty="0" smtClean="0"/>
+              <a:t>xxx</a:t>
+            </a:r>
+            <a:r>
+              <a:rPr lang="ko-KR" altLang="en-US" dirty="0" smtClean="0"/>
+              <a:t>일</a:t>
+            </a:r>
+            <a:endParaRPr lang="en-US" altLang="ko-KR" dirty="0" smtClean="0"/>
+          </a:p>
+          <a:p>
+            <a:endParaRPr lang="en-US" altLang="ko-KR" dirty="0"/>
+          </a:p>
+          <a:p>
+            <a:r>
+              <a:rPr lang="ko-KR" altLang="en-US" dirty="0" smtClean="0"/>
+              <a:t>선호 도서</a:t>
+            </a:r>
+            <a:endParaRPr lang="ko-KR" altLang="en-US" dirty="0"/>
+          </a:p>
+        </p:txBody>
+      </p:sp>
+    </p:spTree>
+    <p:extLst>
+      <p:ext uri="{BB962C8B-B14F-4D97-AF65-F5344CB8AC3E}">
+        <p14:creationId xmlns:p14="http://schemas.microsoft.com/office/powerpoint/2010/main" val="1924566862"/>
+      </p:ext>
+    </p:extLst>
+  </p:cSld>
+  <p:clrMapOvr>
+    <a:masterClrMapping/>
+  </p:clrMapOvr>
+</p:sld>
+</file>
+
+<file path=ppt/slides/slide19.xml><?xml version="1.0" encoding="utf-8"?>
+<p:sld xmlns:a="http://schemas.openxmlformats.org/drawingml/2006/main" xmlns:r="http://schemas.openxmlformats.org/officeDocument/2006/relationships" xmlns:p="http://schemas.openxmlformats.org/presentationml/2006/main">
+  <p:cSld>
+    <p:spTree>
+      <p:nvGrpSpPr>
+        <p:cNvPr id="1" name=""/>
+        <p:cNvGrpSpPr/>
+        <p:nvPr/>
+      </p:nvGrpSpPr>
+      <p:grpSpPr>
+        <a:xfrm>
+          <a:off x="0" y="0"/>
+          <a:ext cx="0" cy="0"/>
+          <a:chOff x="0" y="0"/>
+          <a:chExt cx="0" cy="0"/>
+        </a:xfrm>
+      </p:grpSpPr>
+      <p:sp>
+        <p:nvSpPr>
+          <p:cNvPr id="9" name="직사각형 8"/>
+          <p:cNvSpPr/>
+          <p:nvPr/>
+        </p:nvSpPr>
+        <p:spPr>
+          <a:xfrm>
+            <a:off x="0" y="0"/>
+            <a:ext cx="12192000" cy="434649"/>
+          </a:xfrm>
+          <a:prstGeom prst="rect">
+            <a:avLst/>
+          </a:prstGeom>
+          <a:solidFill>
+            <a:srgbClr val="00B0F0"/>
+          </a:solidFill>
+          <a:ln>
+            <a:noFill/>
+          </a:ln>
+        </p:spPr>
+        <p:style>
+          <a:lnRef idx="2">
+            <a:schemeClr val="accent1">
+              <a:shade val="50000"/>
+            </a:schemeClr>
+          </a:lnRef>
+          <a:fillRef idx="1">
+            <a:schemeClr val="accent1"/>
+          </a:fillRef>
+          <a:effectRef idx="0">
+            <a:schemeClr val="accent1"/>
+          </a:effectRef>
+          <a:fontRef idx="minor">
+            <a:schemeClr val="lt1"/>
+          </a:fontRef>
+        </p:style>
+        <p:txBody>
+          <a:bodyPr rtlCol="0" anchor="ctr"/>
+          <a:lstStyle/>
+          <a:p>
+            <a:pPr algn="ctr"/>
+            <a:endParaRPr lang="ko-KR" altLang="en-US"/>
+          </a:p>
+        </p:txBody>
+      </p:sp>
+      <p:sp>
+        <p:nvSpPr>
+          <p:cNvPr id="8" name="TextBox 7"/>
+          <p:cNvSpPr txBox="1"/>
+          <p:nvPr/>
+        </p:nvSpPr>
+        <p:spPr>
+          <a:xfrm>
+            <a:off x="139965" y="65317"/>
+            <a:ext cx="4413379" cy="646331"/>
+          </a:xfrm>
+          <a:prstGeom prst="rect">
+            <a:avLst/>
+          </a:prstGeom>
+          <a:noFill/>
+        </p:spPr>
+        <p:txBody>
+          <a:bodyPr wrap="square" rtlCol="0">
+            <a:spAutoFit/>
+          </a:bodyPr>
+          <a:lstStyle/>
+          <a:p>
+            <a:r>
+              <a:rPr lang="en-US" altLang="ko-KR" dirty="0" smtClean="0">
+                <a:solidFill>
+                  <a:schemeClr val="bg1"/>
+                </a:solidFill>
+              </a:rPr>
+              <a:t>2. </a:t>
+            </a:r>
+            <a:r>
+              <a:rPr lang="ko-KR" altLang="en-US" dirty="0" smtClean="0">
+                <a:solidFill>
+                  <a:schemeClr val="bg1"/>
+                </a:solidFill>
+              </a:rPr>
+              <a:t>화면 설계서</a:t>
+            </a:r>
+            <a:r>
+              <a:rPr lang="en-US" altLang="ko-KR" sz="1200" dirty="0" smtClean="0">
+                <a:solidFill>
+                  <a:schemeClr val="bg1"/>
+                </a:solidFill>
+              </a:rPr>
+              <a:t>2</a:t>
+            </a:r>
+            <a:r>
+              <a:rPr lang="en-US" altLang="ko-KR" sz="1200" dirty="0" smtClean="0">
+                <a:solidFill>
+                  <a:schemeClr val="bg1"/>
+                </a:solidFill>
+              </a:rPr>
+              <a:t>-6 </a:t>
+            </a:r>
+            <a:r>
+              <a:rPr lang="ko-KR" altLang="en-US" sz="1200" dirty="0" smtClean="0">
+                <a:solidFill>
+                  <a:schemeClr val="bg1"/>
+                </a:solidFill>
+              </a:rPr>
+              <a:t>구매</a:t>
+            </a:r>
+            <a:r>
+              <a:rPr lang="en-US" altLang="ko-KR" sz="1200" dirty="0" smtClean="0">
+                <a:solidFill>
+                  <a:schemeClr val="bg1"/>
+                </a:solidFill>
+              </a:rPr>
+              <a:t> </a:t>
+            </a:r>
+            <a:r>
+              <a:rPr lang="ko-KR" altLang="en-US" sz="1200" dirty="0" smtClean="0">
+                <a:solidFill>
+                  <a:schemeClr val="bg1"/>
+                </a:solidFill>
+              </a:rPr>
+              <a:t>페이지</a:t>
+            </a:r>
+            <a:endParaRPr lang="ko-KR" altLang="en-US" sz="1200" dirty="0">
+              <a:solidFill>
+                <a:schemeClr val="bg1"/>
+              </a:solidFill>
+            </a:endParaRPr>
+          </a:p>
+          <a:p>
+            <a:endParaRPr lang="ko-KR" altLang="en-US" dirty="0">
+              <a:solidFill>
+                <a:schemeClr val="bg1"/>
+              </a:solidFill>
+            </a:endParaRPr>
+          </a:p>
+        </p:txBody>
+      </p:sp>
+      <p:pic>
+        <p:nvPicPr>
+          <p:cNvPr id="5" name="그림 4"/>
+          <p:cNvPicPr>
+            <a:picLocks noChangeAspect="1"/>
+          </p:cNvPicPr>
+          <p:nvPr/>
+        </p:nvPicPr>
+        <p:blipFill>
+          <a:blip r:embed="rId2">
+            <a:extLst>
+              <a:ext uri="{28A0092B-C50C-407E-A947-70E740481C1C}">
+                <a14:useLocalDpi xmlns:a14="http://schemas.microsoft.com/office/drawing/2010/main" val="0"/>
+              </a:ext>
+            </a:extLst>
+          </a:blip>
+          <a:stretch>
+            <a:fillRect/>
+          </a:stretch>
+        </p:blipFill>
+        <p:spPr>
+          <a:xfrm>
+            <a:off x="807308" y="945834"/>
+            <a:ext cx="10577384" cy="5452682"/>
+          </a:xfrm>
+          <a:prstGeom prst="rect">
+            <a:avLst/>
+          </a:prstGeom>
+        </p:spPr>
+      </p:pic>
+    </p:spTree>
+    <p:extLst>
+      <p:ext uri="{BB962C8B-B14F-4D97-AF65-F5344CB8AC3E}">
+        <p14:creationId xmlns:p14="http://schemas.microsoft.com/office/powerpoint/2010/main" val="1967775275"/>
+      </p:ext>
+    </p:extLst>
+  </p:cSld>
+  <p:clrMapOvr>
+    <a:masterClrMapping/>
+  </p:clrMapOvr>
+</p:sld>
+</file>
+
 <file path=ppt/slides/slide2.xml><?xml version="1.0" encoding="utf-8"?>
 <p:sld xmlns:a="http://schemas.openxmlformats.org/drawingml/2006/main" xmlns:r="http://schemas.openxmlformats.org/officeDocument/2006/relationships" xmlns:p="http://schemas.openxmlformats.org/presentationml/2006/main">
   <p:cSld>
@@ -10606,6 +13710,4316 @@
     <p:extLst>
       <p:ext uri="{BB962C8B-B14F-4D97-AF65-F5344CB8AC3E}">
         <p14:creationId xmlns:p14="http://schemas.microsoft.com/office/powerpoint/2010/main" val="1549871437"/>
+      </p:ext>
+    </p:extLst>
+  </p:cSld>
+  <p:clrMapOvr>
+    <a:masterClrMapping/>
+  </p:clrMapOvr>
+  <p:timing>
+    <p:tnLst>
+      <p:par>
+        <p:cTn id="1" dur="indefinite" restart="never" nodeType="tmRoot"/>
+      </p:par>
+    </p:tnLst>
+  </p:timing>
+</p:sld>
+</file>
+
+<file path=ppt/slides/slide20.xml><?xml version="1.0" encoding="utf-8"?>
+<p:sld xmlns:a="http://schemas.openxmlformats.org/drawingml/2006/main" xmlns:r="http://schemas.openxmlformats.org/officeDocument/2006/relationships" xmlns:p="http://schemas.openxmlformats.org/presentationml/2006/main">
+  <p:cSld>
+    <p:spTree>
+      <p:nvGrpSpPr>
+        <p:cNvPr id="1" name=""/>
+        <p:cNvGrpSpPr/>
+        <p:nvPr/>
+      </p:nvGrpSpPr>
+      <p:grpSpPr>
+        <a:xfrm>
+          <a:off x="0" y="0"/>
+          <a:ext cx="0" cy="0"/>
+          <a:chOff x="0" y="0"/>
+          <a:chExt cx="0" cy="0"/>
+        </a:xfrm>
+      </p:grpSpPr>
+      <p:sp>
+        <p:nvSpPr>
+          <p:cNvPr id="9" name="직사각형 8"/>
+          <p:cNvSpPr/>
+          <p:nvPr/>
+        </p:nvSpPr>
+        <p:spPr>
+          <a:xfrm>
+            <a:off x="0" y="0"/>
+            <a:ext cx="12192000" cy="434649"/>
+          </a:xfrm>
+          <a:prstGeom prst="rect">
+            <a:avLst/>
+          </a:prstGeom>
+          <a:solidFill>
+            <a:srgbClr val="00B0F0"/>
+          </a:solidFill>
+          <a:ln>
+            <a:noFill/>
+          </a:ln>
+        </p:spPr>
+        <p:style>
+          <a:lnRef idx="2">
+            <a:schemeClr val="accent1">
+              <a:shade val="50000"/>
+            </a:schemeClr>
+          </a:lnRef>
+          <a:fillRef idx="1">
+            <a:schemeClr val="accent1"/>
+          </a:fillRef>
+          <a:effectRef idx="0">
+            <a:schemeClr val="accent1"/>
+          </a:effectRef>
+          <a:fontRef idx="minor">
+            <a:schemeClr val="lt1"/>
+          </a:fontRef>
+        </p:style>
+        <p:txBody>
+          <a:bodyPr rtlCol="0" anchor="ctr"/>
+          <a:lstStyle/>
+          <a:p>
+            <a:pPr algn="ctr"/>
+            <a:endParaRPr lang="ko-KR" altLang="en-US"/>
+          </a:p>
+        </p:txBody>
+      </p:sp>
+      <p:sp>
+        <p:nvSpPr>
+          <p:cNvPr id="8" name="TextBox 7"/>
+          <p:cNvSpPr txBox="1"/>
+          <p:nvPr/>
+        </p:nvSpPr>
+        <p:spPr>
+          <a:xfrm>
+            <a:off x="139965" y="65317"/>
+            <a:ext cx="4413379" cy="646331"/>
+          </a:xfrm>
+          <a:prstGeom prst="rect">
+            <a:avLst/>
+          </a:prstGeom>
+          <a:noFill/>
+        </p:spPr>
+        <p:txBody>
+          <a:bodyPr wrap="square" rtlCol="0">
+            <a:spAutoFit/>
+          </a:bodyPr>
+          <a:lstStyle/>
+          <a:p>
+            <a:r>
+              <a:rPr lang="en-US" altLang="ko-KR" dirty="0" smtClean="0">
+                <a:solidFill>
+                  <a:schemeClr val="bg1"/>
+                </a:solidFill>
+              </a:rPr>
+              <a:t>2. </a:t>
+            </a:r>
+            <a:r>
+              <a:rPr lang="ko-KR" altLang="en-US" dirty="0" smtClean="0">
+                <a:solidFill>
+                  <a:schemeClr val="bg1"/>
+                </a:solidFill>
+              </a:rPr>
+              <a:t>화면 설계서</a:t>
+            </a:r>
+            <a:r>
+              <a:rPr lang="en-US" altLang="ko-KR" sz="1200" dirty="0" smtClean="0">
+                <a:solidFill>
+                  <a:schemeClr val="bg1"/>
+                </a:solidFill>
+              </a:rPr>
+              <a:t>2</a:t>
+            </a:r>
+            <a:r>
+              <a:rPr lang="en-US" altLang="ko-KR" sz="1200" dirty="0" smtClean="0">
+                <a:solidFill>
+                  <a:schemeClr val="bg1"/>
+                </a:solidFill>
+              </a:rPr>
+              <a:t>-7 </a:t>
+            </a:r>
+            <a:r>
+              <a:rPr lang="ko-KR" altLang="en-US" sz="1200" dirty="0" smtClean="0">
+                <a:solidFill>
+                  <a:schemeClr val="bg1"/>
+                </a:solidFill>
+              </a:rPr>
+              <a:t>대여</a:t>
+            </a:r>
+            <a:r>
+              <a:rPr lang="en-US" altLang="ko-KR" sz="1200" dirty="0" smtClean="0">
+                <a:solidFill>
+                  <a:schemeClr val="bg1"/>
+                </a:solidFill>
+              </a:rPr>
+              <a:t> </a:t>
+            </a:r>
+            <a:r>
+              <a:rPr lang="ko-KR" altLang="en-US" sz="1200" dirty="0" smtClean="0">
+                <a:solidFill>
+                  <a:schemeClr val="bg1"/>
+                </a:solidFill>
+              </a:rPr>
+              <a:t>페이지</a:t>
+            </a:r>
+            <a:endParaRPr lang="ko-KR" altLang="en-US" sz="1200" dirty="0">
+              <a:solidFill>
+                <a:schemeClr val="bg1"/>
+              </a:solidFill>
+            </a:endParaRPr>
+          </a:p>
+          <a:p>
+            <a:endParaRPr lang="ko-KR" altLang="en-US" dirty="0">
+              <a:solidFill>
+                <a:schemeClr val="bg1"/>
+              </a:solidFill>
+            </a:endParaRPr>
+          </a:p>
+        </p:txBody>
+      </p:sp>
+      <p:pic>
+        <p:nvPicPr>
+          <p:cNvPr id="5" name="그림 4"/>
+          <p:cNvPicPr>
+            <a:picLocks noChangeAspect="1"/>
+          </p:cNvPicPr>
+          <p:nvPr/>
+        </p:nvPicPr>
+        <p:blipFill>
+          <a:blip r:embed="rId2">
+            <a:extLst>
+              <a:ext uri="{28A0092B-C50C-407E-A947-70E740481C1C}">
+                <a14:useLocalDpi xmlns:a14="http://schemas.microsoft.com/office/drawing/2010/main" val="0"/>
+              </a:ext>
+            </a:extLst>
+          </a:blip>
+          <a:stretch>
+            <a:fillRect/>
+          </a:stretch>
+        </p:blipFill>
+        <p:spPr>
+          <a:xfrm>
+            <a:off x="807308" y="945834"/>
+            <a:ext cx="10577384" cy="5452682"/>
+          </a:xfrm>
+          <a:prstGeom prst="rect">
+            <a:avLst/>
+          </a:prstGeom>
+        </p:spPr>
+      </p:pic>
+      <p:pic>
+        <p:nvPicPr>
+          <p:cNvPr id="17" name="그림 16"/>
+          <p:cNvPicPr>
+            <a:picLocks noChangeAspect="1"/>
+          </p:cNvPicPr>
+          <p:nvPr/>
+        </p:nvPicPr>
+        <p:blipFill>
+          <a:blip r:embed="rId3">
+            <a:extLst>
+              <a:ext uri="{28A0092B-C50C-407E-A947-70E740481C1C}">
+                <a14:useLocalDpi xmlns:a14="http://schemas.microsoft.com/office/drawing/2010/main" val="0"/>
+              </a:ext>
+            </a:extLst>
+          </a:blip>
+          <a:stretch>
+            <a:fillRect/>
+          </a:stretch>
+        </p:blipFill>
+        <p:spPr>
+          <a:xfrm>
+            <a:off x="807308" y="945834"/>
+            <a:ext cx="10577384" cy="5452682"/>
+          </a:xfrm>
+          <a:prstGeom prst="rect">
+            <a:avLst/>
+          </a:prstGeom>
+        </p:spPr>
+      </p:pic>
+    </p:spTree>
+    <p:extLst>
+      <p:ext uri="{BB962C8B-B14F-4D97-AF65-F5344CB8AC3E}">
+        <p14:creationId xmlns:p14="http://schemas.microsoft.com/office/powerpoint/2010/main" val="2684959512"/>
+      </p:ext>
+    </p:extLst>
+  </p:cSld>
+  <p:clrMapOvr>
+    <a:masterClrMapping/>
+  </p:clrMapOvr>
+</p:sld>
+</file>
+
+<file path=ppt/slides/slide21.xml><?xml version="1.0" encoding="utf-8"?>
+<p:sld xmlns:a="http://schemas.openxmlformats.org/drawingml/2006/main" xmlns:r="http://schemas.openxmlformats.org/officeDocument/2006/relationships" xmlns:p="http://schemas.openxmlformats.org/presentationml/2006/main">
+  <p:cSld>
+    <p:spTree>
+      <p:nvGrpSpPr>
+        <p:cNvPr id="1" name=""/>
+        <p:cNvGrpSpPr/>
+        <p:nvPr/>
+      </p:nvGrpSpPr>
+      <p:grpSpPr>
+        <a:xfrm>
+          <a:off x="0" y="0"/>
+          <a:ext cx="0" cy="0"/>
+          <a:chOff x="0" y="0"/>
+          <a:chExt cx="0" cy="0"/>
+        </a:xfrm>
+      </p:grpSpPr>
+      <p:sp>
+        <p:nvSpPr>
+          <p:cNvPr id="9" name="직사각형 8"/>
+          <p:cNvSpPr/>
+          <p:nvPr/>
+        </p:nvSpPr>
+        <p:spPr>
+          <a:xfrm>
+            <a:off x="0" y="0"/>
+            <a:ext cx="12192000" cy="434649"/>
+          </a:xfrm>
+          <a:prstGeom prst="rect">
+            <a:avLst/>
+          </a:prstGeom>
+          <a:solidFill>
+            <a:srgbClr val="00B0F0"/>
+          </a:solidFill>
+          <a:ln>
+            <a:noFill/>
+          </a:ln>
+        </p:spPr>
+        <p:style>
+          <a:lnRef idx="2">
+            <a:schemeClr val="accent1">
+              <a:shade val="50000"/>
+            </a:schemeClr>
+          </a:lnRef>
+          <a:fillRef idx="1">
+            <a:schemeClr val="accent1"/>
+          </a:fillRef>
+          <a:effectRef idx="0">
+            <a:schemeClr val="accent1"/>
+          </a:effectRef>
+          <a:fontRef idx="minor">
+            <a:schemeClr val="lt1"/>
+          </a:fontRef>
+        </p:style>
+        <p:txBody>
+          <a:bodyPr rtlCol="0" anchor="ctr"/>
+          <a:lstStyle/>
+          <a:p>
+            <a:pPr algn="ctr"/>
+            <a:endParaRPr lang="ko-KR" altLang="en-US"/>
+          </a:p>
+        </p:txBody>
+      </p:sp>
+      <p:sp>
+        <p:nvSpPr>
+          <p:cNvPr id="8" name="TextBox 7"/>
+          <p:cNvSpPr txBox="1"/>
+          <p:nvPr/>
+        </p:nvSpPr>
+        <p:spPr>
+          <a:xfrm>
+            <a:off x="139965" y="65317"/>
+            <a:ext cx="4413379" cy="369332"/>
+          </a:xfrm>
+          <a:prstGeom prst="rect">
+            <a:avLst/>
+          </a:prstGeom>
+          <a:noFill/>
+        </p:spPr>
+        <p:txBody>
+          <a:bodyPr wrap="square" rtlCol="0">
+            <a:spAutoFit/>
+          </a:bodyPr>
+          <a:lstStyle/>
+          <a:p>
+            <a:r>
+              <a:rPr lang="en-US" altLang="ko-KR" dirty="0" smtClean="0">
+                <a:solidFill>
+                  <a:schemeClr val="bg1"/>
+                </a:solidFill>
+              </a:rPr>
+              <a:t>2. </a:t>
+            </a:r>
+            <a:r>
+              <a:rPr lang="ko-KR" altLang="en-US" dirty="0" smtClean="0">
+                <a:solidFill>
+                  <a:schemeClr val="bg1"/>
+                </a:solidFill>
+              </a:rPr>
+              <a:t>화면 설계서</a:t>
+            </a:r>
+            <a:r>
+              <a:rPr lang="en-US" altLang="ko-KR" sz="1200" dirty="0" smtClean="0">
+                <a:solidFill>
+                  <a:schemeClr val="bg1"/>
+                </a:solidFill>
+              </a:rPr>
+              <a:t>2</a:t>
+            </a:r>
+            <a:r>
+              <a:rPr lang="en-US" altLang="ko-KR" sz="1200" dirty="0" smtClean="0">
+                <a:solidFill>
+                  <a:schemeClr val="bg1"/>
+                </a:solidFill>
+              </a:rPr>
+              <a:t>-8 </a:t>
+            </a:r>
+            <a:r>
+              <a:rPr lang="ko-KR" altLang="en-US" sz="1200" dirty="0" smtClean="0">
+                <a:solidFill>
+                  <a:schemeClr val="bg1"/>
+                </a:solidFill>
+              </a:rPr>
+              <a:t>구매</a:t>
+            </a:r>
+            <a:r>
+              <a:rPr lang="en-US" altLang="ko-KR" sz="1200" dirty="0" smtClean="0">
+                <a:solidFill>
+                  <a:schemeClr val="bg1"/>
+                </a:solidFill>
+              </a:rPr>
+              <a:t>/ </a:t>
+            </a:r>
+            <a:r>
+              <a:rPr lang="ko-KR" altLang="en-US" sz="1200" dirty="0" smtClean="0">
+                <a:solidFill>
+                  <a:schemeClr val="bg1"/>
+                </a:solidFill>
+              </a:rPr>
+              <a:t>대여 리스트 페이지</a:t>
+            </a:r>
+            <a:endParaRPr lang="ko-KR" altLang="en-US" dirty="0">
+              <a:solidFill>
+                <a:schemeClr val="bg1"/>
+              </a:solidFill>
+            </a:endParaRPr>
+          </a:p>
+        </p:txBody>
+      </p:sp>
+      <p:pic>
+        <p:nvPicPr>
+          <p:cNvPr id="4" name="그림 3"/>
+          <p:cNvPicPr>
+            <a:picLocks noChangeAspect="1"/>
+          </p:cNvPicPr>
+          <p:nvPr/>
+        </p:nvPicPr>
+        <p:blipFill>
+          <a:blip r:embed="rId2"/>
+          <a:stretch>
+            <a:fillRect/>
+          </a:stretch>
+        </p:blipFill>
+        <p:spPr>
+          <a:xfrm>
+            <a:off x="486033" y="648976"/>
+            <a:ext cx="11269362" cy="5894344"/>
+          </a:xfrm>
+          <a:prstGeom prst="rect">
+            <a:avLst/>
+          </a:prstGeom>
+        </p:spPr>
+      </p:pic>
+      <p:grpSp>
+        <p:nvGrpSpPr>
+          <p:cNvPr id="7" name="그룹 6"/>
+          <p:cNvGrpSpPr/>
+          <p:nvPr/>
+        </p:nvGrpSpPr>
+        <p:grpSpPr>
+          <a:xfrm>
+            <a:off x="1897735" y="2669059"/>
+            <a:ext cx="4595793" cy="2719222"/>
+            <a:chOff x="3817152" y="2743200"/>
+            <a:chExt cx="4595793" cy="2719222"/>
+          </a:xfrm>
+        </p:grpSpPr>
+        <p:sp>
+          <p:nvSpPr>
+            <p:cNvPr id="3" name="육각형 2"/>
+            <p:cNvSpPr/>
+            <p:nvPr/>
+          </p:nvSpPr>
+          <p:spPr>
+            <a:xfrm>
+              <a:off x="4923198" y="3080952"/>
+              <a:ext cx="2350749" cy="2026507"/>
+            </a:xfrm>
+            <a:prstGeom prst="hexagon">
+              <a:avLst/>
+            </a:prstGeom>
+            <a:solidFill>
+              <a:schemeClr val="bg1">
+                <a:lumMod val="95000"/>
+              </a:schemeClr>
+            </a:solidFill>
+            <a:ln>
+              <a:solidFill>
+                <a:schemeClr val="tx1">
+                  <a:lumMod val="65000"/>
+                  <a:lumOff val="35000"/>
+                </a:schemeClr>
+              </a:solidFill>
+            </a:ln>
+          </p:spPr>
+          <p:style>
+            <a:lnRef idx="2">
+              <a:schemeClr val="accent1">
+                <a:shade val="50000"/>
+              </a:schemeClr>
+            </a:lnRef>
+            <a:fillRef idx="1">
+              <a:schemeClr val="accent1"/>
+            </a:fillRef>
+            <a:effectRef idx="0">
+              <a:schemeClr val="accent1"/>
+            </a:effectRef>
+            <a:fontRef idx="minor">
+              <a:schemeClr val="lt1"/>
+            </a:fontRef>
+          </p:style>
+          <p:txBody>
+            <a:bodyPr rtlCol="0" anchor="ctr"/>
+            <a:lstStyle/>
+            <a:p>
+              <a:pPr algn="ctr"/>
+              <a:endParaRPr lang="ko-KR" altLang="en-US"/>
+            </a:p>
+          </p:txBody>
+        </p:sp>
+        <p:sp>
+          <p:nvSpPr>
+            <p:cNvPr id="6" name="TextBox 5"/>
+            <p:cNvSpPr txBox="1"/>
+            <p:nvPr/>
+          </p:nvSpPr>
+          <p:spPr>
+            <a:xfrm>
+              <a:off x="4553344" y="2743200"/>
+              <a:ext cx="1328472" cy="276999"/>
+            </a:xfrm>
+            <a:prstGeom prst="rect">
+              <a:avLst/>
+            </a:prstGeom>
+            <a:noFill/>
+          </p:spPr>
+          <p:txBody>
+            <a:bodyPr wrap="square" rtlCol="0">
+              <a:spAutoFit/>
+            </a:bodyPr>
+            <a:lstStyle/>
+            <a:p>
+              <a:pPr algn="ctr"/>
+              <a:r>
+                <a:rPr lang="ko-KR" altLang="en-US" sz="1200" dirty="0" smtClean="0"/>
+                <a:t>역사</a:t>
+              </a:r>
+              <a:r>
+                <a:rPr lang="en-US" altLang="ko-KR" sz="1200" dirty="0" smtClean="0"/>
+                <a:t>/</a:t>
+              </a:r>
+              <a:r>
+                <a:rPr lang="ko-KR" altLang="en-US" sz="1200" dirty="0" smtClean="0"/>
+                <a:t>문화</a:t>
+              </a:r>
+              <a:r>
+                <a:rPr lang="en-US" altLang="ko-KR" sz="1200" dirty="0" smtClean="0"/>
+                <a:t>/</a:t>
+              </a:r>
+              <a:r>
+                <a:rPr lang="ko-KR" altLang="en-US" sz="1200" dirty="0" smtClean="0"/>
+                <a:t>종교</a:t>
+              </a:r>
+              <a:endParaRPr lang="ko-KR" altLang="en-US" sz="1200" dirty="0"/>
+            </a:p>
+          </p:txBody>
+        </p:sp>
+        <p:sp>
+          <p:nvSpPr>
+            <p:cNvPr id="10" name="TextBox 9"/>
+            <p:cNvSpPr txBox="1"/>
+            <p:nvPr/>
+          </p:nvSpPr>
+          <p:spPr>
+            <a:xfrm>
+              <a:off x="6324479" y="2743200"/>
+              <a:ext cx="1328472" cy="276999"/>
+            </a:xfrm>
+            <a:prstGeom prst="rect">
+              <a:avLst/>
+            </a:prstGeom>
+            <a:noFill/>
+          </p:spPr>
+          <p:txBody>
+            <a:bodyPr wrap="square" rtlCol="0">
+              <a:spAutoFit/>
+            </a:bodyPr>
+            <a:lstStyle/>
+            <a:p>
+              <a:pPr algn="ctr"/>
+              <a:r>
+                <a:rPr lang="ko-KR" altLang="en-US" sz="1200" dirty="0" smtClean="0"/>
+                <a:t>예술</a:t>
+              </a:r>
+              <a:r>
+                <a:rPr lang="en-US" altLang="ko-KR" sz="1200" dirty="0" smtClean="0"/>
+                <a:t>/</a:t>
+              </a:r>
+              <a:r>
+                <a:rPr lang="ko-KR" altLang="en-US" sz="1200" dirty="0" smtClean="0"/>
+                <a:t>대중문화</a:t>
+              </a:r>
+              <a:endParaRPr lang="ko-KR" altLang="en-US" sz="1200" dirty="0"/>
+            </a:p>
+          </p:txBody>
+        </p:sp>
+        <p:sp>
+          <p:nvSpPr>
+            <p:cNvPr id="11" name="TextBox 10"/>
+            <p:cNvSpPr txBox="1"/>
+            <p:nvPr/>
+          </p:nvSpPr>
+          <p:spPr>
+            <a:xfrm>
+              <a:off x="7084473" y="3955705"/>
+              <a:ext cx="1328472" cy="276999"/>
+            </a:xfrm>
+            <a:prstGeom prst="rect">
+              <a:avLst/>
+            </a:prstGeom>
+            <a:noFill/>
+          </p:spPr>
+          <p:txBody>
+            <a:bodyPr wrap="square" rtlCol="0">
+              <a:spAutoFit/>
+            </a:bodyPr>
+            <a:lstStyle/>
+            <a:p>
+              <a:pPr algn="ctr"/>
+              <a:r>
+                <a:rPr lang="ko-KR" altLang="en-US" sz="1200" dirty="0" smtClean="0"/>
+                <a:t>정치</a:t>
+              </a:r>
+              <a:r>
+                <a:rPr lang="en-US" altLang="ko-KR" sz="1200" dirty="0" smtClean="0"/>
+                <a:t>/</a:t>
+              </a:r>
+              <a:r>
+                <a:rPr lang="ko-KR" altLang="en-US" sz="1200" dirty="0" smtClean="0"/>
+                <a:t>사회</a:t>
+              </a:r>
+              <a:endParaRPr lang="ko-KR" altLang="en-US" sz="1200" dirty="0"/>
+            </a:p>
+          </p:txBody>
+        </p:sp>
+        <p:sp>
+          <p:nvSpPr>
+            <p:cNvPr id="12" name="TextBox 11"/>
+            <p:cNvSpPr txBox="1"/>
+            <p:nvPr/>
+          </p:nvSpPr>
+          <p:spPr>
+            <a:xfrm>
+              <a:off x="3817152" y="3955705"/>
+              <a:ext cx="1328472" cy="276999"/>
+            </a:xfrm>
+            <a:prstGeom prst="rect">
+              <a:avLst/>
+            </a:prstGeom>
+            <a:noFill/>
+          </p:spPr>
+          <p:txBody>
+            <a:bodyPr wrap="square" rtlCol="0">
+              <a:spAutoFit/>
+            </a:bodyPr>
+            <a:lstStyle/>
+            <a:p>
+              <a:pPr algn="ctr"/>
+              <a:r>
+                <a:rPr lang="ko-KR" altLang="en-US" sz="1200" dirty="0" smtClean="0"/>
+                <a:t>소설</a:t>
+              </a:r>
+              <a:r>
+                <a:rPr lang="en-US" altLang="ko-KR" sz="1200" dirty="0" smtClean="0"/>
+                <a:t>/</a:t>
+              </a:r>
+              <a:r>
+                <a:rPr lang="ko-KR" altLang="en-US" sz="1200" dirty="0" smtClean="0"/>
+                <a:t>시</a:t>
+              </a:r>
+              <a:endParaRPr lang="ko-KR" altLang="en-US" sz="1200" dirty="0"/>
+            </a:p>
+          </p:txBody>
+        </p:sp>
+        <p:sp>
+          <p:nvSpPr>
+            <p:cNvPr id="13" name="TextBox 12"/>
+            <p:cNvSpPr txBox="1"/>
+            <p:nvPr/>
+          </p:nvSpPr>
+          <p:spPr>
+            <a:xfrm>
+              <a:off x="4553344" y="5185423"/>
+              <a:ext cx="1328472" cy="276999"/>
+            </a:xfrm>
+            <a:prstGeom prst="rect">
+              <a:avLst/>
+            </a:prstGeom>
+            <a:noFill/>
+          </p:spPr>
+          <p:txBody>
+            <a:bodyPr wrap="square" rtlCol="0">
+              <a:spAutoFit/>
+            </a:bodyPr>
+            <a:lstStyle/>
+            <a:p>
+              <a:pPr algn="ctr"/>
+              <a:r>
+                <a:rPr lang="ko-KR" altLang="en-US" sz="1200" dirty="0" smtClean="0"/>
+                <a:t>과학</a:t>
+              </a:r>
+              <a:r>
+                <a:rPr lang="en-US" altLang="ko-KR" sz="1200" dirty="0" smtClean="0"/>
+                <a:t>/</a:t>
+              </a:r>
+              <a:r>
+                <a:rPr lang="ko-KR" altLang="en-US" sz="1200" dirty="0" smtClean="0"/>
+                <a:t>기술</a:t>
+              </a:r>
+              <a:endParaRPr lang="ko-KR" altLang="en-US" sz="1200" dirty="0"/>
+            </a:p>
+          </p:txBody>
+        </p:sp>
+        <p:sp>
+          <p:nvSpPr>
+            <p:cNvPr id="14" name="TextBox 13"/>
+            <p:cNvSpPr txBox="1"/>
+            <p:nvPr/>
+          </p:nvSpPr>
+          <p:spPr>
+            <a:xfrm>
+              <a:off x="6324479" y="5185423"/>
+              <a:ext cx="1328472" cy="276999"/>
+            </a:xfrm>
+            <a:prstGeom prst="rect">
+              <a:avLst/>
+            </a:prstGeom>
+            <a:noFill/>
+          </p:spPr>
+          <p:txBody>
+            <a:bodyPr wrap="square" rtlCol="0">
+              <a:spAutoFit/>
+            </a:bodyPr>
+            <a:lstStyle/>
+            <a:p>
+              <a:pPr algn="ctr"/>
+              <a:r>
+                <a:rPr lang="ko-KR" altLang="en-US" sz="1200" dirty="0" smtClean="0"/>
+                <a:t>경제</a:t>
+              </a:r>
+              <a:r>
+                <a:rPr lang="en-US" altLang="ko-KR" sz="1200" dirty="0" smtClean="0"/>
+                <a:t>/</a:t>
+              </a:r>
+              <a:r>
+                <a:rPr lang="ko-KR" altLang="en-US" sz="1200" dirty="0" smtClean="0"/>
+                <a:t>경영</a:t>
+              </a:r>
+              <a:endParaRPr lang="ko-KR" altLang="en-US" sz="1200" dirty="0"/>
+            </a:p>
+          </p:txBody>
+        </p:sp>
+      </p:grpSp>
+      <p:sp>
+        <p:nvSpPr>
+          <p:cNvPr id="15" name="TextBox 14"/>
+          <p:cNvSpPr txBox="1"/>
+          <p:nvPr/>
+        </p:nvSpPr>
+        <p:spPr>
+          <a:xfrm>
+            <a:off x="7043351" y="2792627"/>
+            <a:ext cx="3270422" cy="2308324"/>
+          </a:xfrm>
+          <a:prstGeom prst="rect">
+            <a:avLst/>
+          </a:prstGeom>
+          <a:noFill/>
+        </p:spPr>
+        <p:txBody>
+          <a:bodyPr wrap="square" rtlCol="0">
+            <a:spAutoFit/>
+          </a:bodyPr>
+          <a:lstStyle/>
+          <a:p>
+            <a:r>
+              <a:rPr lang="en-US" altLang="ko-KR" dirty="0" smtClean="0"/>
+              <a:t>OOO</a:t>
+            </a:r>
+            <a:r>
+              <a:rPr lang="ko-KR" altLang="en-US" dirty="0" smtClean="0"/>
+              <a:t>님의</a:t>
+            </a:r>
+            <a:r>
+              <a:rPr lang="en-US" altLang="ko-KR" dirty="0" smtClean="0"/>
+              <a:t> </a:t>
+            </a:r>
+            <a:r>
+              <a:rPr lang="ko-KR" altLang="en-US" dirty="0" smtClean="0"/>
+              <a:t>독서리듬</a:t>
+            </a:r>
+            <a:endParaRPr lang="en-US" altLang="ko-KR" dirty="0" smtClean="0"/>
+          </a:p>
+          <a:p>
+            <a:endParaRPr lang="en-US" altLang="ko-KR" dirty="0"/>
+          </a:p>
+          <a:p>
+            <a:endParaRPr lang="en-US" altLang="ko-KR" dirty="0" smtClean="0"/>
+          </a:p>
+          <a:p>
+            <a:r>
+              <a:rPr lang="ko-KR" altLang="en-US" dirty="0" smtClean="0"/>
+              <a:t>권당 평균 독서시간  </a:t>
+            </a:r>
+            <a:r>
+              <a:rPr lang="en-US" altLang="ko-KR" dirty="0" smtClean="0"/>
+              <a:t>2.1</a:t>
+            </a:r>
+            <a:r>
+              <a:rPr lang="ko-KR" altLang="en-US" dirty="0" smtClean="0"/>
+              <a:t>일</a:t>
+            </a:r>
+            <a:endParaRPr lang="en-US" altLang="ko-KR" dirty="0" smtClean="0"/>
+          </a:p>
+          <a:p>
+            <a:endParaRPr lang="en-US" altLang="ko-KR" dirty="0"/>
+          </a:p>
+          <a:p>
+            <a:r>
+              <a:rPr lang="ko-KR" altLang="en-US" dirty="0" smtClean="0"/>
+              <a:t>올해 예상 독서량 </a:t>
+            </a:r>
+            <a:r>
+              <a:rPr lang="en-US" altLang="ko-KR" dirty="0" smtClean="0"/>
+              <a:t>xxx</a:t>
+            </a:r>
+            <a:r>
+              <a:rPr lang="ko-KR" altLang="en-US" dirty="0" smtClean="0"/>
+              <a:t>일</a:t>
+            </a:r>
+            <a:endParaRPr lang="en-US" altLang="ko-KR" dirty="0" smtClean="0"/>
+          </a:p>
+          <a:p>
+            <a:endParaRPr lang="en-US" altLang="ko-KR" dirty="0"/>
+          </a:p>
+          <a:p>
+            <a:r>
+              <a:rPr lang="ko-KR" altLang="en-US" dirty="0" smtClean="0"/>
+              <a:t>선호 도서</a:t>
+            </a:r>
+            <a:endParaRPr lang="ko-KR" altLang="en-US" dirty="0"/>
+          </a:p>
+        </p:txBody>
+      </p:sp>
+      <p:pic>
+        <p:nvPicPr>
+          <p:cNvPr id="2" name="그림 1"/>
+          <p:cNvPicPr>
+            <a:picLocks noChangeAspect="1"/>
+          </p:cNvPicPr>
+          <p:nvPr/>
+        </p:nvPicPr>
+        <p:blipFill>
+          <a:blip r:embed="rId3">
+            <a:extLst>
+              <a:ext uri="{28A0092B-C50C-407E-A947-70E740481C1C}">
+                <a14:useLocalDpi xmlns:a14="http://schemas.microsoft.com/office/drawing/2010/main" val="0"/>
+              </a:ext>
+            </a:extLst>
+          </a:blip>
+          <a:stretch>
+            <a:fillRect/>
+          </a:stretch>
+        </p:blipFill>
+        <p:spPr>
+          <a:xfrm>
+            <a:off x="508564" y="711647"/>
+            <a:ext cx="11189165" cy="5755055"/>
+          </a:xfrm>
+          <a:prstGeom prst="rect">
+            <a:avLst/>
+          </a:prstGeom>
+        </p:spPr>
+      </p:pic>
+      <p:pic>
+        <p:nvPicPr>
+          <p:cNvPr id="5" name="그림 4"/>
+          <p:cNvPicPr>
+            <a:picLocks noChangeAspect="1"/>
+          </p:cNvPicPr>
+          <p:nvPr/>
+        </p:nvPicPr>
+        <p:blipFill>
+          <a:blip r:embed="rId4">
+            <a:extLst>
+              <a:ext uri="{28A0092B-C50C-407E-A947-70E740481C1C}">
+                <a14:useLocalDpi xmlns:a14="http://schemas.microsoft.com/office/drawing/2010/main" val="0"/>
+              </a:ext>
+            </a:extLst>
+          </a:blip>
+          <a:stretch>
+            <a:fillRect/>
+          </a:stretch>
+        </p:blipFill>
+        <p:spPr>
+          <a:xfrm>
+            <a:off x="508563" y="713602"/>
+            <a:ext cx="11189165" cy="5790523"/>
+          </a:xfrm>
+          <a:prstGeom prst="rect">
+            <a:avLst/>
+          </a:prstGeom>
+        </p:spPr>
+      </p:pic>
+      <p:pic>
+        <p:nvPicPr>
+          <p:cNvPr id="16" name="그림 15"/>
+          <p:cNvPicPr>
+            <a:picLocks noChangeAspect="1"/>
+          </p:cNvPicPr>
+          <p:nvPr/>
+        </p:nvPicPr>
+        <p:blipFill>
+          <a:blip r:embed="rId5">
+            <a:extLst>
+              <a:ext uri="{28A0092B-C50C-407E-A947-70E740481C1C}">
+                <a14:useLocalDpi xmlns:a14="http://schemas.microsoft.com/office/drawing/2010/main" val="0"/>
+              </a:ext>
+            </a:extLst>
+          </a:blip>
+          <a:stretch>
+            <a:fillRect/>
+          </a:stretch>
+        </p:blipFill>
+        <p:spPr>
+          <a:xfrm>
+            <a:off x="508562" y="693912"/>
+            <a:ext cx="11189166" cy="5790524"/>
+          </a:xfrm>
+          <a:prstGeom prst="rect">
+            <a:avLst/>
+          </a:prstGeom>
+        </p:spPr>
+      </p:pic>
+      <p:pic>
+        <p:nvPicPr>
+          <p:cNvPr id="17" name="그림 16"/>
+          <p:cNvPicPr>
+            <a:picLocks noChangeAspect="1"/>
+          </p:cNvPicPr>
+          <p:nvPr/>
+        </p:nvPicPr>
+        <p:blipFill>
+          <a:blip r:embed="rId6">
+            <a:extLst>
+              <a:ext uri="{28A0092B-C50C-407E-A947-70E740481C1C}">
+                <a14:useLocalDpi xmlns:a14="http://schemas.microsoft.com/office/drawing/2010/main" val="0"/>
+              </a:ext>
+            </a:extLst>
+          </a:blip>
+          <a:stretch>
+            <a:fillRect/>
+          </a:stretch>
+        </p:blipFill>
+        <p:spPr>
+          <a:xfrm>
+            <a:off x="508560" y="691958"/>
+            <a:ext cx="11189167" cy="5812167"/>
+          </a:xfrm>
+          <a:prstGeom prst="rect">
+            <a:avLst/>
+          </a:prstGeom>
+        </p:spPr>
+      </p:pic>
+    </p:spTree>
+    <p:extLst>
+      <p:ext uri="{BB962C8B-B14F-4D97-AF65-F5344CB8AC3E}">
+        <p14:creationId xmlns:p14="http://schemas.microsoft.com/office/powerpoint/2010/main" val="1389871611"/>
+      </p:ext>
+    </p:extLst>
+  </p:cSld>
+  <p:clrMapOvr>
+    <a:masterClrMapping/>
+  </p:clrMapOvr>
+</p:sld>
+</file>
+
+<file path=ppt/slides/slide22.xml><?xml version="1.0" encoding="utf-8"?>
+<p:sld xmlns:a="http://schemas.openxmlformats.org/drawingml/2006/main" xmlns:r="http://schemas.openxmlformats.org/officeDocument/2006/relationships" xmlns:p="http://schemas.openxmlformats.org/presentationml/2006/main">
+  <p:cSld>
+    <p:spTree>
+      <p:nvGrpSpPr>
+        <p:cNvPr id="1" name=""/>
+        <p:cNvGrpSpPr/>
+        <p:nvPr/>
+      </p:nvGrpSpPr>
+      <p:grpSpPr>
+        <a:xfrm>
+          <a:off x="0" y="0"/>
+          <a:ext cx="0" cy="0"/>
+          <a:chOff x="0" y="0"/>
+          <a:chExt cx="0" cy="0"/>
+        </a:xfrm>
+      </p:grpSpPr>
+      <p:sp>
+        <p:nvSpPr>
+          <p:cNvPr id="9" name="직사각형 8"/>
+          <p:cNvSpPr/>
+          <p:nvPr/>
+        </p:nvSpPr>
+        <p:spPr>
+          <a:xfrm>
+            <a:off x="0" y="0"/>
+            <a:ext cx="12192000" cy="434649"/>
+          </a:xfrm>
+          <a:prstGeom prst="rect">
+            <a:avLst/>
+          </a:prstGeom>
+          <a:solidFill>
+            <a:srgbClr val="00B0F0"/>
+          </a:solidFill>
+          <a:ln>
+            <a:noFill/>
+          </a:ln>
+        </p:spPr>
+        <p:style>
+          <a:lnRef idx="2">
+            <a:schemeClr val="accent1">
+              <a:shade val="50000"/>
+            </a:schemeClr>
+          </a:lnRef>
+          <a:fillRef idx="1">
+            <a:schemeClr val="accent1"/>
+          </a:fillRef>
+          <a:effectRef idx="0">
+            <a:schemeClr val="accent1"/>
+          </a:effectRef>
+          <a:fontRef idx="minor">
+            <a:schemeClr val="lt1"/>
+          </a:fontRef>
+        </p:style>
+        <p:txBody>
+          <a:bodyPr rtlCol="0" anchor="ctr"/>
+          <a:lstStyle/>
+          <a:p>
+            <a:pPr algn="ctr"/>
+            <a:endParaRPr lang="ko-KR" altLang="en-US"/>
+          </a:p>
+        </p:txBody>
+      </p:sp>
+      <p:sp>
+        <p:nvSpPr>
+          <p:cNvPr id="8" name="TextBox 7"/>
+          <p:cNvSpPr txBox="1"/>
+          <p:nvPr/>
+        </p:nvSpPr>
+        <p:spPr>
+          <a:xfrm>
+            <a:off x="139965" y="65317"/>
+            <a:ext cx="4413379" cy="369332"/>
+          </a:xfrm>
+          <a:prstGeom prst="rect">
+            <a:avLst/>
+          </a:prstGeom>
+          <a:noFill/>
+        </p:spPr>
+        <p:txBody>
+          <a:bodyPr wrap="square" rtlCol="0">
+            <a:spAutoFit/>
+          </a:bodyPr>
+          <a:lstStyle/>
+          <a:p>
+            <a:r>
+              <a:rPr lang="en-US" altLang="ko-KR" dirty="0" smtClean="0">
+                <a:solidFill>
+                  <a:schemeClr val="bg1"/>
+                </a:solidFill>
+              </a:rPr>
+              <a:t>2. </a:t>
+            </a:r>
+            <a:r>
+              <a:rPr lang="ko-KR" altLang="en-US" dirty="0" smtClean="0">
+                <a:solidFill>
+                  <a:schemeClr val="bg1"/>
+                </a:solidFill>
+              </a:rPr>
+              <a:t>화면 설계서</a:t>
+            </a:r>
+            <a:r>
+              <a:rPr lang="en-US" altLang="ko-KR" sz="1200" dirty="0" smtClean="0">
+                <a:solidFill>
+                  <a:schemeClr val="bg1"/>
+                </a:solidFill>
+              </a:rPr>
+              <a:t>2</a:t>
+            </a:r>
+            <a:r>
+              <a:rPr lang="en-US" altLang="ko-KR" sz="1200" dirty="0" smtClean="0">
+                <a:solidFill>
+                  <a:schemeClr val="bg1"/>
+                </a:solidFill>
+              </a:rPr>
+              <a:t>-9 </a:t>
+            </a:r>
+            <a:r>
+              <a:rPr lang="ko-KR" altLang="en-US" sz="1200" dirty="0" err="1" smtClean="0">
+                <a:solidFill>
+                  <a:schemeClr val="bg1"/>
+                </a:solidFill>
+              </a:rPr>
+              <a:t>검색창</a:t>
+            </a:r>
+            <a:r>
+              <a:rPr lang="en-US" altLang="ko-KR" sz="1200" dirty="0" smtClean="0">
+                <a:solidFill>
+                  <a:schemeClr val="bg1"/>
+                </a:solidFill>
+              </a:rPr>
+              <a:t>, </a:t>
+            </a:r>
+            <a:r>
+              <a:rPr lang="ko-KR" altLang="en-US" sz="1200" dirty="0" err="1" smtClean="0">
+                <a:solidFill>
+                  <a:schemeClr val="bg1"/>
+                </a:solidFill>
+              </a:rPr>
+              <a:t>네비게이션</a:t>
+            </a:r>
+            <a:r>
+              <a:rPr lang="ko-KR" altLang="en-US" sz="1200" dirty="0" smtClean="0">
+                <a:solidFill>
+                  <a:schemeClr val="bg1"/>
+                </a:solidFill>
+              </a:rPr>
+              <a:t> 모듈</a:t>
+            </a:r>
+            <a:endParaRPr lang="ko-KR" altLang="en-US" dirty="0">
+              <a:solidFill>
+                <a:schemeClr val="bg1"/>
+              </a:solidFill>
+            </a:endParaRPr>
+          </a:p>
+        </p:txBody>
+      </p:sp>
+      <p:pic>
+        <p:nvPicPr>
+          <p:cNvPr id="4" name="그림 3"/>
+          <p:cNvPicPr>
+            <a:picLocks noChangeAspect="1"/>
+          </p:cNvPicPr>
+          <p:nvPr/>
+        </p:nvPicPr>
+        <p:blipFill>
+          <a:blip r:embed="rId2"/>
+          <a:stretch>
+            <a:fillRect/>
+          </a:stretch>
+        </p:blipFill>
+        <p:spPr>
+          <a:xfrm>
+            <a:off x="486033" y="648976"/>
+            <a:ext cx="11269362" cy="5894344"/>
+          </a:xfrm>
+          <a:prstGeom prst="rect">
+            <a:avLst/>
+          </a:prstGeom>
+        </p:spPr>
+      </p:pic>
+      <p:grpSp>
+        <p:nvGrpSpPr>
+          <p:cNvPr id="7" name="그룹 6"/>
+          <p:cNvGrpSpPr/>
+          <p:nvPr/>
+        </p:nvGrpSpPr>
+        <p:grpSpPr>
+          <a:xfrm>
+            <a:off x="1897735" y="2669059"/>
+            <a:ext cx="4595793" cy="2719222"/>
+            <a:chOff x="3817152" y="2743200"/>
+            <a:chExt cx="4595793" cy="2719222"/>
+          </a:xfrm>
+        </p:grpSpPr>
+        <p:sp>
+          <p:nvSpPr>
+            <p:cNvPr id="3" name="육각형 2"/>
+            <p:cNvSpPr/>
+            <p:nvPr/>
+          </p:nvSpPr>
+          <p:spPr>
+            <a:xfrm>
+              <a:off x="4923198" y="3080952"/>
+              <a:ext cx="2350749" cy="2026507"/>
+            </a:xfrm>
+            <a:prstGeom prst="hexagon">
+              <a:avLst/>
+            </a:prstGeom>
+            <a:solidFill>
+              <a:schemeClr val="bg1">
+                <a:lumMod val="95000"/>
+              </a:schemeClr>
+            </a:solidFill>
+            <a:ln>
+              <a:solidFill>
+                <a:schemeClr val="tx1">
+                  <a:lumMod val="65000"/>
+                  <a:lumOff val="35000"/>
+                </a:schemeClr>
+              </a:solidFill>
+            </a:ln>
+          </p:spPr>
+          <p:style>
+            <a:lnRef idx="2">
+              <a:schemeClr val="accent1">
+                <a:shade val="50000"/>
+              </a:schemeClr>
+            </a:lnRef>
+            <a:fillRef idx="1">
+              <a:schemeClr val="accent1"/>
+            </a:fillRef>
+            <a:effectRef idx="0">
+              <a:schemeClr val="accent1"/>
+            </a:effectRef>
+            <a:fontRef idx="minor">
+              <a:schemeClr val="lt1"/>
+            </a:fontRef>
+          </p:style>
+          <p:txBody>
+            <a:bodyPr rtlCol="0" anchor="ctr"/>
+            <a:lstStyle/>
+            <a:p>
+              <a:pPr algn="ctr"/>
+              <a:endParaRPr lang="ko-KR" altLang="en-US"/>
+            </a:p>
+          </p:txBody>
+        </p:sp>
+        <p:sp>
+          <p:nvSpPr>
+            <p:cNvPr id="6" name="TextBox 5"/>
+            <p:cNvSpPr txBox="1"/>
+            <p:nvPr/>
+          </p:nvSpPr>
+          <p:spPr>
+            <a:xfrm>
+              <a:off x="4553344" y="2743200"/>
+              <a:ext cx="1328472" cy="276999"/>
+            </a:xfrm>
+            <a:prstGeom prst="rect">
+              <a:avLst/>
+            </a:prstGeom>
+            <a:noFill/>
+          </p:spPr>
+          <p:txBody>
+            <a:bodyPr wrap="square" rtlCol="0">
+              <a:spAutoFit/>
+            </a:bodyPr>
+            <a:lstStyle/>
+            <a:p>
+              <a:pPr algn="ctr"/>
+              <a:r>
+                <a:rPr lang="ko-KR" altLang="en-US" sz="1200" dirty="0" smtClean="0"/>
+                <a:t>역사</a:t>
+              </a:r>
+              <a:r>
+                <a:rPr lang="en-US" altLang="ko-KR" sz="1200" dirty="0" smtClean="0"/>
+                <a:t>/</a:t>
+              </a:r>
+              <a:r>
+                <a:rPr lang="ko-KR" altLang="en-US" sz="1200" dirty="0" smtClean="0"/>
+                <a:t>문화</a:t>
+              </a:r>
+              <a:r>
+                <a:rPr lang="en-US" altLang="ko-KR" sz="1200" dirty="0" smtClean="0"/>
+                <a:t>/</a:t>
+              </a:r>
+              <a:r>
+                <a:rPr lang="ko-KR" altLang="en-US" sz="1200" dirty="0" smtClean="0"/>
+                <a:t>종교</a:t>
+              </a:r>
+              <a:endParaRPr lang="ko-KR" altLang="en-US" sz="1200" dirty="0"/>
+            </a:p>
+          </p:txBody>
+        </p:sp>
+        <p:sp>
+          <p:nvSpPr>
+            <p:cNvPr id="10" name="TextBox 9"/>
+            <p:cNvSpPr txBox="1"/>
+            <p:nvPr/>
+          </p:nvSpPr>
+          <p:spPr>
+            <a:xfrm>
+              <a:off x="6324479" y="2743200"/>
+              <a:ext cx="1328472" cy="276999"/>
+            </a:xfrm>
+            <a:prstGeom prst="rect">
+              <a:avLst/>
+            </a:prstGeom>
+            <a:noFill/>
+          </p:spPr>
+          <p:txBody>
+            <a:bodyPr wrap="square" rtlCol="0">
+              <a:spAutoFit/>
+            </a:bodyPr>
+            <a:lstStyle/>
+            <a:p>
+              <a:pPr algn="ctr"/>
+              <a:r>
+                <a:rPr lang="ko-KR" altLang="en-US" sz="1200" dirty="0" smtClean="0"/>
+                <a:t>예술</a:t>
+              </a:r>
+              <a:r>
+                <a:rPr lang="en-US" altLang="ko-KR" sz="1200" dirty="0" smtClean="0"/>
+                <a:t>/</a:t>
+              </a:r>
+              <a:r>
+                <a:rPr lang="ko-KR" altLang="en-US" sz="1200" dirty="0" smtClean="0"/>
+                <a:t>대중문화</a:t>
+              </a:r>
+              <a:endParaRPr lang="ko-KR" altLang="en-US" sz="1200" dirty="0"/>
+            </a:p>
+          </p:txBody>
+        </p:sp>
+        <p:sp>
+          <p:nvSpPr>
+            <p:cNvPr id="11" name="TextBox 10"/>
+            <p:cNvSpPr txBox="1"/>
+            <p:nvPr/>
+          </p:nvSpPr>
+          <p:spPr>
+            <a:xfrm>
+              <a:off x="7084473" y="3955705"/>
+              <a:ext cx="1328472" cy="276999"/>
+            </a:xfrm>
+            <a:prstGeom prst="rect">
+              <a:avLst/>
+            </a:prstGeom>
+            <a:noFill/>
+          </p:spPr>
+          <p:txBody>
+            <a:bodyPr wrap="square" rtlCol="0">
+              <a:spAutoFit/>
+            </a:bodyPr>
+            <a:lstStyle/>
+            <a:p>
+              <a:pPr algn="ctr"/>
+              <a:r>
+                <a:rPr lang="ko-KR" altLang="en-US" sz="1200" dirty="0" smtClean="0"/>
+                <a:t>정치</a:t>
+              </a:r>
+              <a:r>
+                <a:rPr lang="en-US" altLang="ko-KR" sz="1200" dirty="0" smtClean="0"/>
+                <a:t>/</a:t>
+              </a:r>
+              <a:r>
+                <a:rPr lang="ko-KR" altLang="en-US" sz="1200" dirty="0" smtClean="0"/>
+                <a:t>사회</a:t>
+              </a:r>
+              <a:endParaRPr lang="ko-KR" altLang="en-US" sz="1200" dirty="0"/>
+            </a:p>
+          </p:txBody>
+        </p:sp>
+        <p:sp>
+          <p:nvSpPr>
+            <p:cNvPr id="12" name="TextBox 11"/>
+            <p:cNvSpPr txBox="1"/>
+            <p:nvPr/>
+          </p:nvSpPr>
+          <p:spPr>
+            <a:xfrm>
+              <a:off x="3817152" y="3955705"/>
+              <a:ext cx="1328472" cy="276999"/>
+            </a:xfrm>
+            <a:prstGeom prst="rect">
+              <a:avLst/>
+            </a:prstGeom>
+            <a:noFill/>
+          </p:spPr>
+          <p:txBody>
+            <a:bodyPr wrap="square" rtlCol="0">
+              <a:spAutoFit/>
+            </a:bodyPr>
+            <a:lstStyle/>
+            <a:p>
+              <a:pPr algn="ctr"/>
+              <a:r>
+                <a:rPr lang="ko-KR" altLang="en-US" sz="1200" dirty="0" smtClean="0"/>
+                <a:t>소설</a:t>
+              </a:r>
+              <a:r>
+                <a:rPr lang="en-US" altLang="ko-KR" sz="1200" dirty="0" smtClean="0"/>
+                <a:t>/</a:t>
+              </a:r>
+              <a:r>
+                <a:rPr lang="ko-KR" altLang="en-US" sz="1200" dirty="0" smtClean="0"/>
+                <a:t>시</a:t>
+              </a:r>
+              <a:endParaRPr lang="ko-KR" altLang="en-US" sz="1200" dirty="0"/>
+            </a:p>
+          </p:txBody>
+        </p:sp>
+        <p:sp>
+          <p:nvSpPr>
+            <p:cNvPr id="13" name="TextBox 12"/>
+            <p:cNvSpPr txBox="1"/>
+            <p:nvPr/>
+          </p:nvSpPr>
+          <p:spPr>
+            <a:xfrm>
+              <a:off x="4553344" y="5185423"/>
+              <a:ext cx="1328472" cy="276999"/>
+            </a:xfrm>
+            <a:prstGeom prst="rect">
+              <a:avLst/>
+            </a:prstGeom>
+            <a:noFill/>
+          </p:spPr>
+          <p:txBody>
+            <a:bodyPr wrap="square" rtlCol="0">
+              <a:spAutoFit/>
+            </a:bodyPr>
+            <a:lstStyle/>
+            <a:p>
+              <a:pPr algn="ctr"/>
+              <a:r>
+                <a:rPr lang="ko-KR" altLang="en-US" sz="1200" dirty="0" smtClean="0"/>
+                <a:t>과학</a:t>
+              </a:r>
+              <a:r>
+                <a:rPr lang="en-US" altLang="ko-KR" sz="1200" dirty="0" smtClean="0"/>
+                <a:t>/</a:t>
+              </a:r>
+              <a:r>
+                <a:rPr lang="ko-KR" altLang="en-US" sz="1200" dirty="0" smtClean="0"/>
+                <a:t>기술</a:t>
+              </a:r>
+              <a:endParaRPr lang="ko-KR" altLang="en-US" sz="1200" dirty="0"/>
+            </a:p>
+          </p:txBody>
+        </p:sp>
+        <p:sp>
+          <p:nvSpPr>
+            <p:cNvPr id="14" name="TextBox 13"/>
+            <p:cNvSpPr txBox="1"/>
+            <p:nvPr/>
+          </p:nvSpPr>
+          <p:spPr>
+            <a:xfrm>
+              <a:off x="6324479" y="5185423"/>
+              <a:ext cx="1328472" cy="276999"/>
+            </a:xfrm>
+            <a:prstGeom prst="rect">
+              <a:avLst/>
+            </a:prstGeom>
+            <a:noFill/>
+          </p:spPr>
+          <p:txBody>
+            <a:bodyPr wrap="square" rtlCol="0">
+              <a:spAutoFit/>
+            </a:bodyPr>
+            <a:lstStyle/>
+            <a:p>
+              <a:pPr algn="ctr"/>
+              <a:r>
+                <a:rPr lang="ko-KR" altLang="en-US" sz="1200" dirty="0" smtClean="0"/>
+                <a:t>경제</a:t>
+              </a:r>
+              <a:r>
+                <a:rPr lang="en-US" altLang="ko-KR" sz="1200" dirty="0" smtClean="0"/>
+                <a:t>/</a:t>
+              </a:r>
+              <a:r>
+                <a:rPr lang="ko-KR" altLang="en-US" sz="1200" dirty="0" smtClean="0"/>
+                <a:t>경영</a:t>
+              </a:r>
+              <a:endParaRPr lang="ko-KR" altLang="en-US" sz="1200" dirty="0"/>
+            </a:p>
+          </p:txBody>
+        </p:sp>
+      </p:grpSp>
+      <p:sp>
+        <p:nvSpPr>
+          <p:cNvPr id="15" name="TextBox 14"/>
+          <p:cNvSpPr txBox="1"/>
+          <p:nvPr/>
+        </p:nvSpPr>
+        <p:spPr>
+          <a:xfrm>
+            <a:off x="7043351" y="2792627"/>
+            <a:ext cx="3270422" cy="2308324"/>
+          </a:xfrm>
+          <a:prstGeom prst="rect">
+            <a:avLst/>
+          </a:prstGeom>
+          <a:noFill/>
+        </p:spPr>
+        <p:txBody>
+          <a:bodyPr wrap="square" rtlCol="0">
+            <a:spAutoFit/>
+          </a:bodyPr>
+          <a:lstStyle/>
+          <a:p>
+            <a:r>
+              <a:rPr lang="en-US" altLang="ko-KR" dirty="0" smtClean="0"/>
+              <a:t>OOO</a:t>
+            </a:r>
+            <a:r>
+              <a:rPr lang="ko-KR" altLang="en-US" dirty="0" smtClean="0"/>
+              <a:t>님의</a:t>
+            </a:r>
+            <a:r>
+              <a:rPr lang="en-US" altLang="ko-KR" dirty="0" smtClean="0"/>
+              <a:t> </a:t>
+            </a:r>
+            <a:r>
+              <a:rPr lang="ko-KR" altLang="en-US" dirty="0" smtClean="0"/>
+              <a:t>독서리듬</a:t>
+            </a:r>
+            <a:endParaRPr lang="en-US" altLang="ko-KR" dirty="0" smtClean="0"/>
+          </a:p>
+          <a:p>
+            <a:endParaRPr lang="en-US" altLang="ko-KR" dirty="0"/>
+          </a:p>
+          <a:p>
+            <a:endParaRPr lang="en-US" altLang="ko-KR" dirty="0" smtClean="0"/>
+          </a:p>
+          <a:p>
+            <a:r>
+              <a:rPr lang="ko-KR" altLang="en-US" dirty="0" smtClean="0"/>
+              <a:t>권당 평균 독서시간  </a:t>
+            </a:r>
+            <a:r>
+              <a:rPr lang="en-US" altLang="ko-KR" dirty="0" smtClean="0"/>
+              <a:t>2.1</a:t>
+            </a:r>
+            <a:r>
+              <a:rPr lang="ko-KR" altLang="en-US" dirty="0" smtClean="0"/>
+              <a:t>일</a:t>
+            </a:r>
+            <a:endParaRPr lang="en-US" altLang="ko-KR" dirty="0" smtClean="0"/>
+          </a:p>
+          <a:p>
+            <a:endParaRPr lang="en-US" altLang="ko-KR" dirty="0"/>
+          </a:p>
+          <a:p>
+            <a:r>
+              <a:rPr lang="ko-KR" altLang="en-US" dirty="0" smtClean="0"/>
+              <a:t>올해 예상 독서량 </a:t>
+            </a:r>
+            <a:r>
+              <a:rPr lang="en-US" altLang="ko-KR" dirty="0" smtClean="0"/>
+              <a:t>xxx</a:t>
+            </a:r>
+            <a:r>
+              <a:rPr lang="ko-KR" altLang="en-US" dirty="0" smtClean="0"/>
+              <a:t>일</a:t>
+            </a:r>
+            <a:endParaRPr lang="en-US" altLang="ko-KR" dirty="0" smtClean="0"/>
+          </a:p>
+          <a:p>
+            <a:endParaRPr lang="en-US" altLang="ko-KR" dirty="0"/>
+          </a:p>
+          <a:p>
+            <a:r>
+              <a:rPr lang="ko-KR" altLang="en-US" dirty="0" smtClean="0"/>
+              <a:t>선호 도서</a:t>
+            </a:r>
+            <a:endParaRPr lang="ko-KR" altLang="en-US" dirty="0"/>
+          </a:p>
+        </p:txBody>
+      </p:sp>
+      <p:pic>
+        <p:nvPicPr>
+          <p:cNvPr id="2" name="그림 1"/>
+          <p:cNvPicPr>
+            <a:picLocks noChangeAspect="1"/>
+          </p:cNvPicPr>
+          <p:nvPr/>
+        </p:nvPicPr>
+        <p:blipFill>
+          <a:blip r:embed="rId3">
+            <a:extLst>
+              <a:ext uri="{28A0092B-C50C-407E-A947-70E740481C1C}">
+                <a14:useLocalDpi xmlns:a14="http://schemas.microsoft.com/office/drawing/2010/main" val="0"/>
+              </a:ext>
+            </a:extLst>
+          </a:blip>
+          <a:stretch>
+            <a:fillRect/>
+          </a:stretch>
+        </p:blipFill>
+        <p:spPr>
+          <a:xfrm>
+            <a:off x="508564" y="711647"/>
+            <a:ext cx="11189165" cy="5755055"/>
+          </a:xfrm>
+          <a:prstGeom prst="rect">
+            <a:avLst/>
+          </a:prstGeom>
+        </p:spPr>
+      </p:pic>
+      <p:pic>
+        <p:nvPicPr>
+          <p:cNvPr id="5" name="그림 4"/>
+          <p:cNvPicPr>
+            <a:picLocks noChangeAspect="1"/>
+          </p:cNvPicPr>
+          <p:nvPr/>
+        </p:nvPicPr>
+        <p:blipFill>
+          <a:blip r:embed="rId4">
+            <a:extLst>
+              <a:ext uri="{28A0092B-C50C-407E-A947-70E740481C1C}">
+                <a14:useLocalDpi xmlns:a14="http://schemas.microsoft.com/office/drawing/2010/main" val="0"/>
+              </a:ext>
+            </a:extLst>
+          </a:blip>
+          <a:stretch>
+            <a:fillRect/>
+          </a:stretch>
+        </p:blipFill>
+        <p:spPr>
+          <a:xfrm>
+            <a:off x="508563" y="713602"/>
+            <a:ext cx="11189165" cy="5790523"/>
+          </a:xfrm>
+          <a:prstGeom prst="rect">
+            <a:avLst/>
+          </a:prstGeom>
+        </p:spPr>
+      </p:pic>
+      <p:pic>
+        <p:nvPicPr>
+          <p:cNvPr id="16" name="그림 15"/>
+          <p:cNvPicPr>
+            <a:picLocks noChangeAspect="1"/>
+          </p:cNvPicPr>
+          <p:nvPr/>
+        </p:nvPicPr>
+        <p:blipFill>
+          <a:blip r:embed="rId5">
+            <a:extLst>
+              <a:ext uri="{28A0092B-C50C-407E-A947-70E740481C1C}">
+                <a14:useLocalDpi xmlns:a14="http://schemas.microsoft.com/office/drawing/2010/main" val="0"/>
+              </a:ext>
+            </a:extLst>
+          </a:blip>
+          <a:stretch>
+            <a:fillRect/>
+          </a:stretch>
+        </p:blipFill>
+        <p:spPr>
+          <a:xfrm>
+            <a:off x="508562" y="693912"/>
+            <a:ext cx="11189166" cy="5790524"/>
+          </a:xfrm>
+          <a:prstGeom prst="rect">
+            <a:avLst/>
+          </a:prstGeom>
+        </p:spPr>
+      </p:pic>
+      <p:pic>
+        <p:nvPicPr>
+          <p:cNvPr id="17" name="그림 16"/>
+          <p:cNvPicPr>
+            <a:picLocks noChangeAspect="1"/>
+          </p:cNvPicPr>
+          <p:nvPr/>
+        </p:nvPicPr>
+        <p:blipFill>
+          <a:blip r:embed="rId6">
+            <a:extLst>
+              <a:ext uri="{28A0092B-C50C-407E-A947-70E740481C1C}">
+                <a14:useLocalDpi xmlns:a14="http://schemas.microsoft.com/office/drawing/2010/main" val="0"/>
+              </a:ext>
+            </a:extLst>
+          </a:blip>
+          <a:stretch>
+            <a:fillRect/>
+          </a:stretch>
+        </p:blipFill>
+        <p:spPr>
+          <a:xfrm>
+            <a:off x="508560" y="711646"/>
+            <a:ext cx="11189167" cy="5793989"/>
+          </a:xfrm>
+          <a:prstGeom prst="rect">
+            <a:avLst/>
+          </a:prstGeom>
+        </p:spPr>
+      </p:pic>
+    </p:spTree>
+    <p:extLst>
+      <p:ext uri="{BB962C8B-B14F-4D97-AF65-F5344CB8AC3E}">
+        <p14:creationId xmlns:p14="http://schemas.microsoft.com/office/powerpoint/2010/main" val="71349151"/>
+      </p:ext>
+    </p:extLst>
+  </p:cSld>
+  <p:clrMapOvr>
+    <a:masterClrMapping/>
+  </p:clrMapOvr>
+</p:sld>
+</file>
+
+<file path=ppt/slides/slide23.xml><?xml version="1.0" encoding="utf-8"?>
+<p:sld xmlns:a="http://schemas.openxmlformats.org/drawingml/2006/main" xmlns:r="http://schemas.openxmlformats.org/officeDocument/2006/relationships" xmlns:p="http://schemas.openxmlformats.org/presentationml/2006/main">
+  <p:cSld>
+    <p:spTree>
+      <p:nvGrpSpPr>
+        <p:cNvPr id="1" name=""/>
+        <p:cNvGrpSpPr/>
+        <p:nvPr/>
+      </p:nvGrpSpPr>
+      <p:grpSpPr>
+        <a:xfrm>
+          <a:off x="0" y="0"/>
+          <a:ext cx="0" cy="0"/>
+          <a:chOff x="0" y="0"/>
+          <a:chExt cx="0" cy="0"/>
+        </a:xfrm>
+      </p:grpSpPr>
+      <p:sp>
+        <p:nvSpPr>
+          <p:cNvPr id="9" name="직사각형 8"/>
+          <p:cNvSpPr/>
+          <p:nvPr/>
+        </p:nvSpPr>
+        <p:spPr>
+          <a:xfrm>
+            <a:off x="0" y="0"/>
+            <a:ext cx="12192000" cy="434649"/>
+          </a:xfrm>
+          <a:prstGeom prst="rect">
+            <a:avLst/>
+          </a:prstGeom>
+          <a:solidFill>
+            <a:srgbClr val="00B0F0"/>
+          </a:solidFill>
+          <a:ln>
+            <a:noFill/>
+          </a:ln>
+        </p:spPr>
+        <p:style>
+          <a:lnRef idx="2">
+            <a:schemeClr val="accent1">
+              <a:shade val="50000"/>
+            </a:schemeClr>
+          </a:lnRef>
+          <a:fillRef idx="1">
+            <a:schemeClr val="accent1"/>
+          </a:fillRef>
+          <a:effectRef idx="0">
+            <a:schemeClr val="accent1"/>
+          </a:effectRef>
+          <a:fontRef idx="minor">
+            <a:schemeClr val="lt1"/>
+          </a:fontRef>
+        </p:style>
+        <p:txBody>
+          <a:bodyPr rtlCol="0" anchor="ctr"/>
+          <a:lstStyle/>
+          <a:p>
+            <a:pPr algn="ctr"/>
+            <a:endParaRPr lang="ko-KR" altLang="en-US"/>
+          </a:p>
+        </p:txBody>
+      </p:sp>
+      <p:sp>
+        <p:nvSpPr>
+          <p:cNvPr id="8" name="TextBox 7"/>
+          <p:cNvSpPr txBox="1"/>
+          <p:nvPr/>
+        </p:nvSpPr>
+        <p:spPr>
+          <a:xfrm>
+            <a:off x="139965" y="65317"/>
+            <a:ext cx="4413379" cy="369332"/>
+          </a:xfrm>
+          <a:prstGeom prst="rect">
+            <a:avLst/>
+          </a:prstGeom>
+          <a:noFill/>
+        </p:spPr>
+        <p:txBody>
+          <a:bodyPr wrap="square" rtlCol="0">
+            <a:spAutoFit/>
+          </a:bodyPr>
+          <a:lstStyle/>
+          <a:p>
+            <a:r>
+              <a:rPr lang="en-US" altLang="ko-KR" dirty="0" smtClean="0">
+                <a:solidFill>
+                  <a:schemeClr val="bg1"/>
+                </a:solidFill>
+              </a:rPr>
+              <a:t>2. </a:t>
+            </a:r>
+            <a:r>
+              <a:rPr lang="ko-KR" altLang="en-US" dirty="0" smtClean="0">
+                <a:solidFill>
+                  <a:schemeClr val="bg1"/>
+                </a:solidFill>
+              </a:rPr>
+              <a:t>화면 설계서</a:t>
+            </a:r>
+            <a:r>
+              <a:rPr lang="en-US" altLang="ko-KR" sz="1200" dirty="0" smtClean="0">
+                <a:solidFill>
+                  <a:schemeClr val="bg1"/>
+                </a:solidFill>
+              </a:rPr>
+              <a:t>2</a:t>
+            </a:r>
+            <a:r>
+              <a:rPr lang="en-US" altLang="ko-KR" sz="1200" dirty="0" smtClean="0">
+                <a:solidFill>
+                  <a:schemeClr val="bg1"/>
+                </a:solidFill>
+              </a:rPr>
+              <a:t>-10 </a:t>
+            </a:r>
+            <a:r>
+              <a:rPr lang="ko-KR" altLang="en-US" sz="1200" dirty="0" err="1" smtClean="0">
+                <a:solidFill>
+                  <a:schemeClr val="bg1"/>
+                </a:solidFill>
+              </a:rPr>
+              <a:t>해더모듈</a:t>
+            </a:r>
+            <a:r>
+              <a:rPr lang="ko-KR" altLang="en-US" sz="1200" dirty="0" smtClean="0">
+                <a:solidFill>
+                  <a:schemeClr val="bg1"/>
+                </a:solidFill>
+              </a:rPr>
+              <a:t> 페이지</a:t>
+            </a:r>
+            <a:endParaRPr lang="ko-KR" altLang="en-US" dirty="0">
+              <a:solidFill>
+                <a:schemeClr val="bg1"/>
+              </a:solidFill>
+            </a:endParaRPr>
+          </a:p>
+        </p:txBody>
+      </p:sp>
+      <p:pic>
+        <p:nvPicPr>
+          <p:cNvPr id="4" name="그림 3"/>
+          <p:cNvPicPr>
+            <a:picLocks noChangeAspect="1"/>
+          </p:cNvPicPr>
+          <p:nvPr/>
+        </p:nvPicPr>
+        <p:blipFill>
+          <a:blip r:embed="rId2"/>
+          <a:stretch>
+            <a:fillRect/>
+          </a:stretch>
+        </p:blipFill>
+        <p:spPr>
+          <a:xfrm>
+            <a:off x="486033" y="648976"/>
+            <a:ext cx="11269362" cy="5894344"/>
+          </a:xfrm>
+          <a:prstGeom prst="rect">
+            <a:avLst/>
+          </a:prstGeom>
+        </p:spPr>
+      </p:pic>
+      <p:grpSp>
+        <p:nvGrpSpPr>
+          <p:cNvPr id="7" name="그룹 6"/>
+          <p:cNvGrpSpPr/>
+          <p:nvPr/>
+        </p:nvGrpSpPr>
+        <p:grpSpPr>
+          <a:xfrm>
+            <a:off x="1897735" y="2669059"/>
+            <a:ext cx="4595793" cy="2719222"/>
+            <a:chOff x="3817152" y="2743200"/>
+            <a:chExt cx="4595793" cy="2719222"/>
+          </a:xfrm>
+        </p:grpSpPr>
+        <p:sp>
+          <p:nvSpPr>
+            <p:cNvPr id="3" name="육각형 2"/>
+            <p:cNvSpPr/>
+            <p:nvPr/>
+          </p:nvSpPr>
+          <p:spPr>
+            <a:xfrm>
+              <a:off x="4923198" y="3080952"/>
+              <a:ext cx="2350749" cy="2026507"/>
+            </a:xfrm>
+            <a:prstGeom prst="hexagon">
+              <a:avLst/>
+            </a:prstGeom>
+            <a:solidFill>
+              <a:schemeClr val="bg1">
+                <a:lumMod val="95000"/>
+              </a:schemeClr>
+            </a:solidFill>
+            <a:ln>
+              <a:solidFill>
+                <a:schemeClr val="tx1">
+                  <a:lumMod val="65000"/>
+                  <a:lumOff val="35000"/>
+                </a:schemeClr>
+              </a:solidFill>
+            </a:ln>
+          </p:spPr>
+          <p:style>
+            <a:lnRef idx="2">
+              <a:schemeClr val="accent1">
+                <a:shade val="50000"/>
+              </a:schemeClr>
+            </a:lnRef>
+            <a:fillRef idx="1">
+              <a:schemeClr val="accent1"/>
+            </a:fillRef>
+            <a:effectRef idx="0">
+              <a:schemeClr val="accent1"/>
+            </a:effectRef>
+            <a:fontRef idx="minor">
+              <a:schemeClr val="lt1"/>
+            </a:fontRef>
+          </p:style>
+          <p:txBody>
+            <a:bodyPr rtlCol="0" anchor="ctr"/>
+            <a:lstStyle/>
+            <a:p>
+              <a:pPr algn="ctr"/>
+              <a:endParaRPr lang="ko-KR" altLang="en-US"/>
+            </a:p>
+          </p:txBody>
+        </p:sp>
+        <p:sp>
+          <p:nvSpPr>
+            <p:cNvPr id="6" name="TextBox 5"/>
+            <p:cNvSpPr txBox="1"/>
+            <p:nvPr/>
+          </p:nvSpPr>
+          <p:spPr>
+            <a:xfrm>
+              <a:off x="4553344" y="2743200"/>
+              <a:ext cx="1328472" cy="276999"/>
+            </a:xfrm>
+            <a:prstGeom prst="rect">
+              <a:avLst/>
+            </a:prstGeom>
+            <a:noFill/>
+          </p:spPr>
+          <p:txBody>
+            <a:bodyPr wrap="square" rtlCol="0">
+              <a:spAutoFit/>
+            </a:bodyPr>
+            <a:lstStyle/>
+            <a:p>
+              <a:pPr algn="ctr"/>
+              <a:r>
+                <a:rPr lang="ko-KR" altLang="en-US" sz="1200" dirty="0" smtClean="0"/>
+                <a:t>역사</a:t>
+              </a:r>
+              <a:r>
+                <a:rPr lang="en-US" altLang="ko-KR" sz="1200" dirty="0" smtClean="0"/>
+                <a:t>/</a:t>
+              </a:r>
+              <a:r>
+                <a:rPr lang="ko-KR" altLang="en-US" sz="1200" dirty="0" smtClean="0"/>
+                <a:t>문화</a:t>
+              </a:r>
+              <a:r>
+                <a:rPr lang="en-US" altLang="ko-KR" sz="1200" dirty="0" smtClean="0"/>
+                <a:t>/</a:t>
+              </a:r>
+              <a:r>
+                <a:rPr lang="ko-KR" altLang="en-US" sz="1200" dirty="0" smtClean="0"/>
+                <a:t>종교</a:t>
+              </a:r>
+              <a:endParaRPr lang="ko-KR" altLang="en-US" sz="1200" dirty="0"/>
+            </a:p>
+          </p:txBody>
+        </p:sp>
+        <p:sp>
+          <p:nvSpPr>
+            <p:cNvPr id="10" name="TextBox 9"/>
+            <p:cNvSpPr txBox="1"/>
+            <p:nvPr/>
+          </p:nvSpPr>
+          <p:spPr>
+            <a:xfrm>
+              <a:off x="6324479" y="2743200"/>
+              <a:ext cx="1328472" cy="276999"/>
+            </a:xfrm>
+            <a:prstGeom prst="rect">
+              <a:avLst/>
+            </a:prstGeom>
+            <a:noFill/>
+          </p:spPr>
+          <p:txBody>
+            <a:bodyPr wrap="square" rtlCol="0">
+              <a:spAutoFit/>
+            </a:bodyPr>
+            <a:lstStyle/>
+            <a:p>
+              <a:pPr algn="ctr"/>
+              <a:r>
+                <a:rPr lang="ko-KR" altLang="en-US" sz="1200" dirty="0" smtClean="0"/>
+                <a:t>예술</a:t>
+              </a:r>
+              <a:r>
+                <a:rPr lang="en-US" altLang="ko-KR" sz="1200" dirty="0" smtClean="0"/>
+                <a:t>/</a:t>
+              </a:r>
+              <a:r>
+                <a:rPr lang="ko-KR" altLang="en-US" sz="1200" dirty="0" smtClean="0"/>
+                <a:t>대중문화</a:t>
+              </a:r>
+              <a:endParaRPr lang="ko-KR" altLang="en-US" sz="1200" dirty="0"/>
+            </a:p>
+          </p:txBody>
+        </p:sp>
+        <p:sp>
+          <p:nvSpPr>
+            <p:cNvPr id="11" name="TextBox 10"/>
+            <p:cNvSpPr txBox="1"/>
+            <p:nvPr/>
+          </p:nvSpPr>
+          <p:spPr>
+            <a:xfrm>
+              <a:off x="7084473" y="3955705"/>
+              <a:ext cx="1328472" cy="276999"/>
+            </a:xfrm>
+            <a:prstGeom prst="rect">
+              <a:avLst/>
+            </a:prstGeom>
+            <a:noFill/>
+          </p:spPr>
+          <p:txBody>
+            <a:bodyPr wrap="square" rtlCol="0">
+              <a:spAutoFit/>
+            </a:bodyPr>
+            <a:lstStyle/>
+            <a:p>
+              <a:pPr algn="ctr"/>
+              <a:r>
+                <a:rPr lang="ko-KR" altLang="en-US" sz="1200" dirty="0" smtClean="0"/>
+                <a:t>정치</a:t>
+              </a:r>
+              <a:r>
+                <a:rPr lang="en-US" altLang="ko-KR" sz="1200" dirty="0" smtClean="0"/>
+                <a:t>/</a:t>
+              </a:r>
+              <a:r>
+                <a:rPr lang="ko-KR" altLang="en-US" sz="1200" dirty="0" smtClean="0"/>
+                <a:t>사회</a:t>
+              </a:r>
+              <a:endParaRPr lang="ko-KR" altLang="en-US" sz="1200" dirty="0"/>
+            </a:p>
+          </p:txBody>
+        </p:sp>
+        <p:sp>
+          <p:nvSpPr>
+            <p:cNvPr id="12" name="TextBox 11"/>
+            <p:cNvSpPr txBox="1"/>
+            <p:nvPr/>
+          </p:nvSpPr>
+          <p:spPr>
+            <a:xfrm>
+              <a:off x="3817152" y="3955705"/>
+              <a:ext cx="1328472" cy="276999"/>
+            </a:xfrm>
+            <a:prstGeom prst="rect">
+              <a:avLst/>
+            </a:prstGeom>
+            <a:noFill/>
+          </p:spPr>
+          <p:txBody>
+            <a:bodyPr wrap="square" rtlCol="0">
+              <a:spAutoFit/>
+            </a:bodyPr>
+            <a:lstStyle/>
+            <a:p>
+              <a:pPr algn="ctr"/>
+              <a:r>
+                <a:rPr lang="ko-KR" altLang="en-US" sz="1200" dirty="0" smtClean="0"/>
+                <a:t>소설</a:t>
+              </a:r>
+              <a:r>
+                <a:rPr lang="en-US" altLang="ko-KR" sz="1200" dirty="0" smtClean="0"/>
+                <a:t>/</a:t>
+              </a:r>
+              <a:r>
+                <a:rPr lang="ko-KR" altLang="en-US" sz="1200" dirty="0" smtClean="0"/>
+                <a:t>시</a:t>
+              </a:r>
+              <a:endParaRPr lang="ko-KR" altLang="en-US" sz="1200" dirty="0"/>
+            </a:p>
+          </p:txBody>
+        </p:sp>
+        <p:sp>
+          <p:nvSpPr>
+            <p:cNvPr id="13" name="TextBox 12"/>
+            <p:cNvSpPr txBox="1"/>
+            <p:nvPr/>
+          </p:nvSpPr>
+          <p:spPr>
+            <a:xfrm>
+              <a:off x="4553344" y="5185423"/>
+              <a:ext cx="1328472" cy="276999"/>
+            </a:xfrm>
+            <a:prstGeom prst="rect">
+              <a:avLst/>
+            </a:prstGeom>
+            <a:noFill/>
+          </p:spPr>
+          <p:txBody>
+            <a:bodyPr wrap="square" rtlCol="0">
+              <a:spAutoFit/>
+            </a:bodyPr>
+            <a:lstStyle/>
+            <a:p>
+              <a:pPr algn="ctr"/>
+              <a:r>
+                <a:rPr lang="ko-KR" altLang="en-US" sz="1200" dirty="0" smtClean="0"/>
+                <a:t>과학</a:t>
+              </a:r>
+              <a:r>
+                <a:rPr lang="en-US" altLang="ko-KR" sz="1200" dirty="0" smtClean="0"/>
+                <a:t>/</a:t>
+              </a:r>
+              <a:r>
+                <a:rPr lang="ko-KR" altLang="en-US" sz="1200" dirty="0" smtClean="0"/>
+                <a:t>기술</a:t>
+              </a:r>
+              <a:endParaRPr lang="ko-KR" altLang="en-US" sz="1200" dirty="0"/>
+            </a:p>
+          </p:txBody>
+        </p:sp>
+        <p:sp>
+          <p:nvSpPr>
+            <p:cNvPr id="14" name="TextBox 13"/>
+            <p:cNvSpPr txBox="1"/>
+            <p:nvPr/>
+          </p:nvSpPr>
+          <p:spPr>
+            <a:xfrm>
+              <a:off x="6324479" y="5185423"/>
+              <a:ext cx="1328472" cy="276999"/>
+            </a:xfrm>
+            <a:prstGeom prst="rect">
+              <a:avLst/>
+            </a:prstGeom>
+            <a:noFill/>
+          </p:spPr>
+          <p:txBody>
+            <a:bodyPr wrap="square" rtlCol="0">
+              <a:spAutoFit/>
+            </a:bodyPr>
+            <a:lstStyle/>
+            <a:p>
+              <a:pPr algn="ctr"/>
+              <a:r>
+                <a:rPr lang="ko-KR" altLang="en-US" sz="1200" dirty="0" smtClean="0"/>
+                <a:t>경제</a:t>
+              </a:r>
+              <a:r>
+                <a:rPr lang="en-US" altLang="ko-KR" sz="1200" dirty="0" smtClean="0"/>
+                <a:t>/</a:t>
+              </a:r>
+              <a:r>
+                <a:rPr lang="ko-KR" altLang="en-US" sz="1200" dirty="0" smtClean="0"/>
+                <a:t>경영</a:t>
+              </a:r>
+              <a:endParaRPr lang="ko-KR" altLang="en-US" sz="1200" dirty="0"/>
+            </a:p>
+          </p:txBody>
+        </p:sp>
+      </p:grpSp>
+      <p:sp>
+        <p:nvSpPr>
+          <p:cNvPr id="15" name="TextBox 14"/>
+          <p:cNvSpPr txBox="1"/>
+          <p:nvPr/>
+        </p:nvSpPr>
+        <p:spPr>
+          <a:xfrm>
+            <a:off x="7043351" y="2792627"/>
+            <a:ext cx="3270422" cy="2308324"/>
+          </a:xfrm>
+          <a:prstGeom prst="rect">
+            <a:avLst/>
+          </a:prstGeom>
+          <a:noFill/>
+        </p:spPr>
+        <p:txBody>
+          <a:bodyPr wrap="square" rtlCol="0">
+            <a:spAutoFit/>
+          </a:bodyPr>
+          <a:lstStyle/>
+          <a:p>
+            <a:r>
+              <a:rPr lang="en-US" altLang="ko-KR" dirty="0" smtClean="0"/>
+              <a:t>OOO</a:t>
+            </a:r>
+            <a:r>
+              <a:rPr lang="ko-KR" altLang="en-US" dirty="0" smtClean="0"/>
+              <a:t>님의</a:t>
+            </a:r>
+            <a:r>
+              <a:rPr lang="en-US" altLang="ko-KR" dirty="0" smtClean="0"/>
+              <a:t> </a:t>
+            </a:r>
+            <a:r>
+              <a:rPr lang="ko-KR" altLang="en-US" dirty="0" smtClean="0"/>
+              <a:t>독서리듬</a:t>
+            </a:r>
+            <a:endParaRPr lang="en-US" altLang="ko-KR" dirty="0" smtClean="0"/>
+          </a:p>
+          <a:p>
+            <a:endParaRPr lang="en-US" altLang="ko-KR" dirty="0"/>
+          </a:p>
+          <a:p>
+            <a:endParaRPr lang="en-US" altLang="ko-KR" dirty="0" smtClean="0"/>
+          </a:p>
+          <a:p>
+            <a:r>
+              <a:rPr lang="ko-KR" altLang="en-US" dirty="0" smtClean="0"/>
+              <a:t>권당 평균 독서시간  </a:t>
+            </a:r>
+            <a:r>
+              <a:rPr lang="en-US" altLang="ko-KR" dirty="0" smtClean="0"/>
+              <a:t>2.1</a:t>
+            </a:r>
+            <a:r>
+              <a:rPr lang="ko-KR" altLang="en-US" dirty="0" smtClean="0"/>
+              <a:t>일</a:t>
+            </a:r>
+            <a:endParaRPr lang="en-US" altLang="ko-KR" dirty="0" smtClean="0"/>
+          </a:p>
+          <a:p>
+            <a:endParaRPr lang="en-US" altLang="ko-KR" dirty="0"/>
+          </a:p>
+          <a:p>
+            <a:r>
+              <a:rPr lang="ko-KR" altLang="en-US" dirty="0" smtClean="0"/>
+              <a:t>올해 예상 독서량 </a:t>
+            </a:r>
+            <a:r>
+              <a:rPr lang="en-US" altLang="ko-KR" dirty="0" smtClean="0"/>
+              <a:t>xxx</a:t>
+            </a:r>
+            <a:r>
+              <a:rPr lang="ko-KR" altLang="en-US" dirty="0" smtClean="0"/>
+              <a:t>일</a:t>
+            </a:r>
+            <a:endParaRPr lang="en-US" altLang="ko-KR" dirty="0" smtClean="0"/>
+          </a:p>
+          <a:p>
+            <a:endParaRPr lang="en-US" altLang="ko-KR" dirty="0"/>
+          </a:p>
+          <a:p>
+            <a:r>
+              <a:rPr lang="ko-KR" altLang="en-US" dirty="0" smtClean="0"/>
+              <a:t>선호 도서</a:t>
+            </a:r>
+            <a:endParaRPr lang="ko-KR" altLang="en-US" dirty="0"/>
+          </a:p>
+        </p:txBody>
+      </p:sp>
+      <p:pic>
+        <p:nvPicPr>
+          <p:cNvPr id="2" name="그림 1"/>
+          <p:cNvPicPr>
+            <a:picLocks noChangeAspect="1"/>
+          </p:cNvPicPr>
+          <p:nvPr/>
+        </p:nvPicPr>
+        <p:blipFill>
+          <a:blip r:embed="rId3">
+            <a:extLst>
+              <a:ext uri="{28A0092B-C50C-407E-A947-70E740481C1C}">
+                <a14:useLocalDpi xmlns:a14="http://schemas.microsoft.com/office/drawing/2010/main" val="0"/>
+              </a:ext>
+            </a:extLst>
+          </a:blip>
+          <a:stretch>
+            <a:fillRect/>
+          </a:stretch>
+        </p:blipFill>
+        <p:spPr>
+          <a:xfrm>
+            <a:off x="508564" y="711647"/>
+            <a:ext cx="11189165" cy="5755055"/>
+          </a:xfrm>
+          <a:prstGeom prst="rect">
+            <a:avLst/>
+          </a:prstGeom>
+        </p:spPr>
+      </p:pic>
+      <p:pic>
+        <p:nvPicPr>
+          <p:cNvPr id="5" name="그림 4"/>
+          <p:cNvPicPr>
+            <a:picLocks noChangeAspect="1"/>
+          </p:cNvPicPr>
+          <p:nvPr/>
+        </p:nvPicPr>
+        <p:blipFill>
+          <a:blip r:embed="rId4">
+            <a:extLst>
+              <a:ext uri="{28A0092B-C50C-407E-A947-70E740481C1C}">
+                <a14:useLocalDpi xmlns:a14="http://schemas.microsoft.com/office/drawing/2010/main" val="0"/>
+              </a:ext>
+            </a:extLst>
+          </a:blip>
+          <a:stretch>
+            <a:fillRect/>
+          </a:stretch>
+        </p:blipFill>
+        <p:spPr>
+          <a:xfrm>
+            <a:off x="508563" y="713602"/>
+            <a:ext cx="11189165" cy="5790523"/>
+          </a:xfrm>
+          <a:prstGeom prst="rect">
+            <a:avLst/>
+          </a:prstGeom>
+        </p:spPr>
+      </p:pic>
+    </p:spTree>
+    <p:extLst>
+      <p:ext uri="{BB962C8B-B14F-4D97-AF65-F5344CB8AC3E}">
+        <p14:creationId xmlns:p14="http://schemas.microsoft.com/office/powerpoint/2010/main" val="3751660371"/>
+      </p:ext>
+    </p:extLst>
+  </p:cSld>
+  <p:clrMapOvr>
+    <a:masterClrMapping/>
+  </p:clrMapOvr>
+</p:sld>
+</file>
+
+<file path=ppt/slides/slide24.xml><?xml version="1.0" encoding="utf-8"?>
+<p:sld xmlns:a="http://schemas.openxmlformats.org/drawingml/2006/main" xmlns:r="http://schemas.openxmlformats.org/officeDocument/2006/relationships" xmlns:p="http://schemas.openxmlformats.org/presentationml/2006/main">
+  <p:cSld>
+    <p:spTree>
+      <p:nvGrpSpPr>
+        <p:cNvPr id="1" name=""/>
+        <p:cNvGrpSpPr/>
+        <p:nvPr/>
+      </p:nvGrpSpPr>
+      <p:grpSpPr>
+        <a:xfrm>
+          <a:off x="0" y="0"/>
+          <a:ext cx="0" cy="0"/>
+          <a:chOff x="0" y="0"/>
+          <a:chExt cx="0" cy="0"/>
+        </a:xfrm>
+      </p:grpSpPr>
+      <p:sp>
+        <p:nvSpPr>
+          <p:cNvPr id="9" name="직사각형 8"/>
+          <p:cNvSpPr/>
+          <p:nvPr/>
+        </p:nvSpPr>
+        <p:spPr>
+          <a:xfrm>
+            <a:off x="0" y="0"/>
+            <a:ext cx="12192000" cy="434649"/>
+          </a:xfrm>
+          <a:prstGeom prst="rect">
+            <a:avLst/>
+          </a:prstGeom>
+          <a:solidFill>
+            <a:srgbClr val="00B0F0"/>
+          </a:solidFill>
+          <a:ln>
+            <a:noFill/>
+          </a:ln>
+        </p:spPr>
+        <p:style>
+          <a:lnRef idx="2">
+            <a:schemeClr val="accent1">
+              <a:shade val="50000"/>
+            </a:schemeClr>
+          </a:lnRef>
+          <a:fillRef idx="1">
+            <a:schemeClr val="accent1"/>
+          </a:fillRef>
+          <a:effectRef idx="0">
+            <a:schemeClr val="accent1"/>
+          </a:effectRef>
+          <a:fontRef idx="minor">
+            <a:schemeClr val="lt1"/>
+          </a:fontRef>
+        </p:style>
+        <p:txBody>
+          <a:bodyPr rtlCol="0" anchor="ctr"/>
+          <a:lstStyle/>
+          <a:p>
+            <a:pPr algn="ctr"/>
+            <a:endParaRPr lang="ko-KR" altLang="en-US"/>
+          </a:p>
+        </p:txBody>
+      </p:sp>
+      <p:sp>
+        <p:nvSpPr>
+          <p:cNvPr id="8" name="TextBox 7"/>
+          <p:cNvSpPr txBox="1"/>
+          <p:nvPr/>
+        </p:nvSpPr>
+        <p:spPr>
+          <a:xfrm>
+            <a:off x="139965" y="65317"/>
+            <a:ext cx="4413379" cy="369332"/>
+          </a:xfrm>
+          <a:prstGeom prst="rect">
+            <a:avLst/>
+          </a:prstGeom>
+          <a:noFill/>
+        </p:spPr>
+        <p:txBody>
+          <a:bodyPr wrap="square" rtlCol="0">
+            <a:spAutoFit/>
+          </a:bodyPr>
+          <a:lstStyle/>
+          <a:p>
+            <a:r>
+              <a:rPr lang="en-US" altLang="ko-KR" dirty="0" smtClean="0">
+                <a:solidFill>
+                  <a:schemeClr val="bg1"/>
+                </a:solidFill>
+              </a:rPr>
+              <a:t>2. </a:t>
+            </a:r>
+            <a:r>
+              <a:rPr lang="ko-KR" altLang="en-US" dirty="0" smtClean="0">
+                <a:solidFill>
+                  <a:schemeClr val="bg1"/>
+                </a:solidFill>
+              </a:rPr>
+              <a:t>화면 설계서</a:t>
+            </a:r>
+            <a:r>
+              <a:rPr lang="en-US" altLang="ko-KR" sz="1200" dirty="0" smtClean="0">
+                <a:solidFill>
+                  <a:schemeClr val="bg1"/>
+                </a:solidFill>
+              </a:rPr>
+              <a:t>2</a:t>
+            </a:r>
+            <a:r>
+              <a:rPr lang="en-US" altLang="ko-KR" sz="1200" dirty="0" smtClean="0">
+                <a:solidFill>
+                  <a:schemeClr val="bg1"/>
+                </a:solidFill>
+              </a:rPr>
+              <a:t>-11 </a:t>
+            </a:r>
+            <a:r>
+              <a:rPr lang="ko-KR" altLang="en-US" sz="1200" dirty="0" smtClean="0">
+                <a:solidFill>
+                  <a:schemeClr val="bg1"/>
+                </a:solidFill>
+              </a:rPr>
+              <a:t>기업설명 모듈</a:t>
+            </a:r>
+            <a:endParaRPr lang="ko-KR" altLang="en-US" dirty="0">
+              <a:solidFill>
+                <a:schemeClr val="bg1"/>
+              </a:solidFill>
+            </a:endParaRPr>
+          </a:p>
+        </p:txBody>
+      </p:sp>
+      <p:pic>
+        <p:nvPicPr>
+          <p:cNvPr id="4" name="그림 3"/>
+          <p:cNvPicPr>
+            <a:picLocks noChangeAspect="1"/>
+          </p:cNvPicPr>
+          <p:nvPr/>
+        </p:nvPicPr>
+        <p:blipFill>
+          <a:blip r:embed="rId2"/>
+          <a:stretch>
+            <a:fillRect/>
+          </a:stretch>
+        </p:blipFill>
+        <p:spPr>
+          <a:xfrm>
+            <a:off x="486033" y="648976"/>
+            <a:ext cx="11269362" cy="5894344"/>
+          </a:xfrm>
+          <a:prstGeom prst="rect">
+            <a:avLst/>
+          </a:prstGeom>
+        </p:spPr>
+      </p:pic>
+      <p:grpSp>
+        <p:nvGrpSpPr>
+          <p:cNvPr id="7" name="그룹 6"/>
+          <p:cNvGrpSpPr/>
+          <p:nvPr/>
+        </p:nvGrpSpPr>
+        <p:grpSpPr>
+          <a:xfrm>
+            <a:off x="1897735" y="2669059"/>
+            <a:ext cx="4595793" cy="2719222"/>
+            <a:chOff x="3817152" y="2743200"/>
+            <a:chExt cx="4595793" cy="2719222"/>
+          </a:xfrm>
+        </p:grpSpPr>
+        <p:sp>
+          <p:nvSpPr>
+            <p:cNvPr id="3" name="육각형 2"/>
+            <p:cNvSpPr/>
+            <p:nvPr/>
+          </p:nvSpPr>
+          <p:spPr>
+            <a:xfrm>
+              <a:off x="4923198" y="3080952"/>
+              <a:ext cx="2350749" cy="2026507"/>
+            </a:xfrm>
+            <a:prstGeom prst="hexagon">
+              <a:avLst/>
+            </a:prstGeom>
+            <a:solidFill>
+              <a:schemeClr val="bg1">
+                <a:lumMod val="95000"/>
+              </a:schemeClr>
+            </a:solidFill>
+            <a:ln>
+              <a:solidFill>
+                <a:schemeClr val="tx1">
+                  <a:lumMod val="65000"/>
+                  <a:lumOff val="35000"/>
+                </a:schemeClr>
+              </a:solidFill>
+            </a:ln>
+          </p:spPr>
+          <p:style>
+            <a:lnRef idx="2">
+              <a:schemeClr val="accent1">
+                <a:shade val="50000"/>
+              </a:schemeClr>
+            </a:lnRef>
+            <a:fillRef idx="1">
+              <a:schemeClr val="accent1"/>
+            </a:fillRef>
+            <a:effectRef idx="0">
+              <a:schemeClr val="accent1"/>
+            </a:effectRef>
+            <a:fontRef idx="minor">
+              <a:schemeClr val="lt1"/>
+            </a:fontRef>
+          </p:style>
+          <p:txBody>
+            <a:bodyPr rtlCol="0" anchor="ctr"/>
+            <a:lstStyle/>
+            <a:p>
+              <a:pPr algn="ctr"/>
+              <a:endParaRPr lang="ko-KR" altLang="en-US"/>
+            </a:p>
+          </p:txBody>
+        </p:sp>
+        <p:sp>
+          <p:nvSpPr>
+            <p:cNvPr id="6" name="TextBox 5"/>
+            <p:cNvSpPr txBox="1"/>
+            <p:nvPr/>
+          </p:nvSpPr>
+          <p:spPr>
+            <a:xfrm>
+              <a:off x="4553344" y="2743200"/>
+              <a:ext cx="1328472" cy="276999"/>
+            </a:xfrm>
+            <a:prstGeom prst="rect">
+              <a:avLst/>
+            </a:prstGeom>
+            <a:noFill/>
+          </p:spPr>
+          <p:txBody>
+            <a:bodyPr wrap="square" rtlCol="0">
+              <a:spAutoFit/>
+            </a:bodyPr>
+            <a:lstStyle/>
+            <a:p>
+              <a:pPr algn="ctr"/>
+              <a:r>
+                <a:rPr lang="ko-KR" altLang="en-US" sz="1200" dirty="0" smtClean="0"/>
+                <a:t>역사</a:t>
+              </a:r>
+              <a:r>
+                <a:rPr lang="en-US" altLang="ko-KR" sz="1200" dirty="0" smtClean="0"/>
+                <a:t>/</a:t>
+              </a:r>
+              <a:r>
+                <a:rPr lang="ko-KR" altLang="en-US" sz="1200" dirty="0" smtClean="0"/>
+                <a:t>문화</a:t>
+              </a:r>
+              <a:r>
+                <a:rPr lang="en-US" altLang="ko-KR" sz="1200" dirty="0" smtClean="0"/>
+                <a:t>/</a:t>
+              </a:r>
+              <a:r>
+                <a:rPr lang="ko-KR" altLang="en-US" sz="1200" dirty="0" smtClean="0"/>
+                <a:t>종교</a:t>
+              </a:r>
+              <a:endParaRPr lang="ko-KR" altLang="en-US" sz="1200" dirty="0"/>
+            </a:p>
+          </p:txBody>
+        </p:sp>
+        <p:sp>
+          <p:nvSpPr>
+            <p:cNvPr id="10" name="TextBox 9"/>
+            <p:cNvSpPr txBox="1"/>
+            <p:nvPr/>
+          </p:nvSpPr>
+          <p:spPr>
+            <a:xfrm>
+              <a:off x="6324479" y="2743200"/>
+              <a:ext cx="1328472" cy="276999"/>
+            </a:xfrm>
+            <a:prstGeom prst="rect">
+              <a:avLst/>
+            </a:prstGeom>
+            <a:noFill/>
+          </p:spPr>
+          <p:txBody>
+            <a:bodyPr wrap="square" rtlCol="0">
+              <a:spAutoFit/>
+            </a:bodyPr>
+            <a:lstStyle/>
+            <a:p>
+              <a:pPr algn="ctr"/>
+              <a:r>
+                <a:rPr lang="ko-KR" altLang="en-US" sz="1200" dirty="0" smtClean="0"/>
+                <a:t>예술</a:t>
+              </a:r>
+              <a:r>
+                <a:rPr lang="en-US" altLang="ko-KR" sz="1200" dirty="0" smtClean="0"/>
+                <a:t>/</a:t>
+              </a:r>
+              <a:r>
+                <a:rPr lang="ko-KR" altLang="en-US" sz="1200" dirty="0" smtClean="0"/>
+                <a:t>대중문화</a:t>
+              </a:r>
+              <a:endParaRPr lang="ko-KR" altLang="en-US" sz="1200" dirty="0"/>
+            </a:p>
+          </p:txBody>
+        </p:sp>
+        <p:sp>
+          <p:nvSpPr>
+            <p:cNvPr id="11" name="TextBox 10"/>
+            <p:cNvSpPr txBox="1"/>
+            <p:nvPr/>
+          </p:nvSpPr>
+          <p:spPr>
+            <a:xfrm>
+              <a:off x="7084473" y="3955705"/>
+              <a:ext cx="1328472" cy="276999"/>
+            </a:xfrm>
+            <a:prstGeom prst="rect">
+              <a:avLst/>
+            </a:prstGeom>
+            <a:noFill/>
+          </p:spPr>
+          <p:txBody>
+            <a:bodyPr wrap="square" rtlCol="0">
+              <a:spAutoFit/>
+            </a:bodyPr>
+            <a:lstStyle/>
+            <a:p>
+              <a:pPr algn="ctr"/>
+              <a:r>
+                <a:rPr lang="ko-KR" altLang="en-US" sz="1200" dirty="0" smtClean="0"/>
+                <a:t>정치</a:t>
+              </a:r>
+              <a:r>
+                <a:rPr lang="en-US" altLang="ko-KR" sz="1200" dirty="0" smtClean="0"/>
+                <a:t>/</a:t>
+              </a:r>
+              <a:r>
+                <a:rPr lang="ko-KR" altLang="en-US" sz="1200" dirty="0" smtClean="0"/>
+                <a:t>사회</a:t>
+              </a:r>
+              <a:endParaRPr lang="ko-KR" altLang="en-US" sz="1200" dirty="0"/>
+            </a:p>
+          </p:txBody>
+        </p:sp>
+        <p:sp>
+          <p:nvSpPr>
+            <p:cNvPr id="12" name="TextBox 11"/>
+            <p:cNvSpPr txBox="1"/>
+            <p:nvPr/>
+          </p:nvSpPr>
+          <p:spPr>
+            <a:xfrm>
+              <a:off x="3817152" y="3955705"/>
+              <a:ext cx="1328472" cy="276999"/>
+            </a:xfrm>
+            <a:prstGeom prst="rect">
+              <a:avLst/>
+            </a:prstGeom>
+            <a:noFill/>
+          </p:spPr>
+          <p:txBody>
+            <a:bodyPr wrap="square" rtlCol="0">
+              <a:spAutoFit/>
+            </a:bodyPr>
+            <a:lstStyle/>
+            <a:p>
+              <a:pPr algn="ctr"/>
+              <a:r>
+                <a:rPr lang="ko-KR" altLang="en-US" sz="1200" dirty="0" smtClean="0"/>
+                <a:t>소설</a:t>
+              </a:r>
+              <a:r>
+                <a:rPr lang="en-US" altLang="ko-KR" sz="1200" dirty="0" smtClean="0"/>
+                <a:t>/</a:t>
+              </a:r>
+              <a:r>
+                <a:rPr lang="ko-KR" altLang="en-US" sz="1200" dirty="0" smtClean="0"/>
+                <a:t>시</a:t>
+              </a:r>
+              <a:endParaRPr lang="ko-KR" altLang="en-US" sz="1200" dirty="0"/>
+            </a:p>
+          </p:txBody>
+        </p:sp>
+        <p:sp>
+          <p:nvSpPr>
+            <p:cNvPr id="13" name="TextBox 12"/>
+            <p:cNvSpPr txBox="1"/>
+            <p:nvPr/>
+          </p:nvSpPr>
+          <p:spPr>
+            <a:xfrm>
+              <a:off x="4553344" y="5185423"/>
+              <a:ext cx="1328472" cy="276999"/>
+            </a:xfrm>
+            <a:prstGeom prst="rect">
+              <a:avLst/>
+            </a:prstGeom>
+            <a:noFill/>
+          </p:spPr>
+          <p:txBody>
+            <a:bodyPr wrap="square" rtlCol="0">
+              <a:spAutoFit/>
+            </a:bodyPr>
+            <a:lstStyle/>
+            <a:p>
+              <a:pPr algn="ctr"/>
+              <a:r>
+                <a:rPr lang="ko-KR" altLang="en-US" sz="1200" dirty="0" smtClean="0"/>
+                <a:t>과학</a:t>
+              </a:r>
+              <a:r>
+                <a:rPr lang="en-US" altLang="ko-KR" sz="1200" dirty="0" smtClean="0"/>
+                <a:t>/</a:t>
+              </a:r>
+              <a:r>
+                <a:rPr lang="ko-KR" altLang="en-US" sz="1200" dirty="0" smtClean="0"/>
+                <a:t>기술</a:t>
+              </a:r>
+              <a:endParaRPr lang="ko-KR" altLang="en-US" sz="1200" dirty="0"/>
+            </a:p>
+          </p:txBody>
+        </p:sp>
+        <p:sp>
+          <p:nvSpPr>
+            <p:cNvPr id="14" name="TextBox 13"/>
+            <p:cNvSpPr txBox="1"/>
+            <p:nvPr/>
+          </p:nvSpPr>
+          <p:spPr>
+            <a:xfrm>
+              <a:off x="6324479" y="5185423"/>
+              <a:ext cx="1328472" cy="276999"/>
+            </a:xfrm>
+            <a:prstGeom prst="rect">
+              <a:avLst/>
+            </a:prstGeom>
+            <a:noFill/>
+          </p:spPr>
+          <p:txBody>
+            <a:bodyPr wrap="square" rtlCol="0">
+              <a:spAutoFit/>
+            </a:bodyPr>
+            <a:lstStyle/>
+            <a:p>
+              <a:pPr algn="ctr"/>
+              <a:r>
+                <a:rPr lang="ko-KR" altLang="en-US" sz="1200" dirty="0" smtClean="0"/>
+                <a:t>경제</a:t>
+              </a:r>
+              <a:r>
+                <a:rPr lang="en-US" altLang="ko-KR" sz="1200" dirty="0" smtClean="0"/>
+                <a:t>/</a:t>
+              </a:r>
+              <a:r>
+                <a:rPr lang="ko-KR" altLang="en-US" sz="1200" dirty="0" smtClean="0"/>
+                <a:t>경영</a:t>
+              </a:r>
+              <a:endParaRPr lang="ko-KR" altLang="en-US" sz="1200" dirty="0"/>
+            </a:p>
+          </p:txBody>
+        </p:sp>
+      </p:grpSp>
+      <p:sp>
+        <p:nvSpPr>
+          <p:cNvPr id="15" name="TextBox 14"/>
+          <p:cNvSpPr txBox="1"/>
+          <p:nvPr/>
+        </p:nvSpPr>
+        <p:spPr>
+          <a:xfrm>
+            <a:off x="7043351" y="2792627"/>
+            <a:ext cx="3270422" cy="2308324"/>
+          </a:xfrm>
+          <a:prstGeom prst="rect">
+            <a:avLst/>
+          </a:prstGeom>
+          <a:noFill/>
+        </p:spPr>
+        <p:txBody>
+          <a:bodyPr wrap="square" rtlCol="0">
+            <a:spAutoFit/>
+          </a:bodyPr>
+          <a:lstStyle/>
+          <a:p>
+            <a:r>
+              <a:rPr lang="en-US" altLang="ko-KR" dirty="0" smtClean="0"/>
+              <a:t>OOO</a:t>
+            </a:r>
+            <a:r>
+              <a:rPr lang="ko-KR" altLang="en-US" dirty="0" smtClean="0"/>
+              <a:t>님의</a:t>
+            </a:r>
+            <a:r>
+              <a:rPr lang="en-US" altLang="ko-KR" dirty="0" smtClean="0"/>
+              <a:t> </a:t>
+            </a:r>
+            <a:r>
+              <a:rPr lang="ko-KR" altLang="en-US" dirty="0" smtClean="0"/>
+              <a:t>독서리듬</a:t>
+            </a:r>
+            <a:endParaRPr lang="en-US" altLang="ko-KR" dirty="0" smtClean="0"/>
+          </a:p>
+          <a:p>
+            <a:endParaRPr lang="en-US" altLang="ko-KR" dirty="0"/>
+          </a:p>
+          <a:p>
+            <a:endParaRPr lang="en-US" altLang="ko-KR" dirty="0" smtClean="0"/>
+          </a:p>
+          <a:p>
+            <a:r>
+              <a:rPr lang="ko-KR" altLang="en-US" dirty="0" smtClean="0"/>
+              <a:t>권당 평균 독서시간  </a:t>
+            </a:r>
+            <a:r>
+              <a:rPr lang="en-US" altLang="ko-KR" dirty="0" smtClean="0"/>
+              <a:t>2.1</a:t>
+            </a:r>
+            <a:r>
+              <a:rPr lang="ko-KR" altLang="en-US" dirty="0" smtClean="0"/>
+              <a:t>일</a:t>
+            </a:r>
+            <a:endParaRPr lang="en-US" altLang="ko-KR" dirty="0" smtClean="0"/>
+          </a:p>
+          <a:p>
+            <a:endParaRPr lang="en-US" altLang="ko-KR" dirty="0"/>
+          </a:p>
+          <a:p>
+            <a:r>
+              <a:rPr lang="ko-KR" altLang="en-US" dirty="0" smtClean="0"/>
+              <a:t>올해 예상 독서량 </a:t>
+            </a:r>
+            <a:r>
+              <a:rPr lang="en-US" altLang="ko-KR" dirty="0" smtClean="0"/>
+              <a:t>xxx</a:t>
+            </a:r>
+            <a:r>
+              <a:rPr lang="ko-KR" altLang="en-US" dirty="0" smtClean="0"/>
+              <a:t>일</a:t>
+            </a:r>
+            <a:endParaRPr lang="en-US" altLang="ko-KR" dirty="0" smtClean="0"/>
+          </a:p>
+          <a:p>
+            <a:endParaRPr lang="en-US" altLang="ko-KR" dirty="0"/>
+          </a:p>
+          <a:p>
+            <a:r>
+              <a:rPr lang="ko-KR" altLang="en-US" dirty="0" smtClean="0"/>
+              <a:t>선호 도서</a:t>
+            </a:r>
+            <a:endParaRPr lang="ko-KR" altLang="en-US" dirty="0"/>
+          </a:p>
+        </p:txBody>
+      </p:sp>
+      <p:pic>
+        <p:nvPicPr>
+          <p:cNvPr id="2" name="그림 1"/>
+          <p:cNvPicPr>
+            <a:picLocks noChangeAspect="1"/>
+          </p:cNvPicPr>
+          <p:nvPr/>
+        </p:nvPicPr>
+        <p:blipFill>
+          <a:blip r:embed="rId3">
+            <a:extLst>
+              <a:ext uri="{28A0092B-C50C-407E-A947-70E740481C1C}">
+                <a14:useLocalDpi xmlns:a14="http://schemas.microsoft.com/office/drawing/2010/main" val="0"/>
+              </a:ext>
+            </a:extLst>
+          </a:blip>
+          <a:stretch>
+            <a:fillRect/>
+          </a:stretch>
+        </p:blipFill>
+        <p:spPr>
+          <a:xfrm>
+            <a:off x="508564" y="711647"/>
+            <a:ext cx="11189165" cy="5755055"/>
+          </a:xfrm>
+          <a:prstGeom prst="rect">
+            <a:avLst/>
+          </a:prstGeom>
+        </p:spPr>
+      </p:pic>
+      <p:pic>
+        <p:nvPicPr>
+          <p:cNvPr id="5" name="그림 4"/>
+          <p:cNvPicPr>
+            <a:picLocks noChangeAspect="1"/>
+          </p:cNvPicPr>
+          <p:nvPr/>
+        </p:nvPicPr>
+        <p:blipFill>
+          <a:blip r:embed="rId4">
+            <a:extLst>
+              <a:ext uri="{28A0092B-C50C-407E-A947-70E740481C1C}">
+                <a14:useLocalDpi xmlns:a14="http://schemas.microsoft.com/office/drawing/2010/main" val="0"/>
+              </a:ext>
+            </a:extLst>
+          </a:blip>
+          <a:stretch>
+            <a:fillRect/>
+          </a:stretch>
+        </p:blipFill>
+        <p:spPr>
+          <a:xfrm>
+            <a:off x="508563" y="713602"/>
+            <a:ext cx="11189165" cy="5790523"/>
+          </a:xfrm>
+          <a:prstGeom prst="rect">
+            <a:avLst/>
+          </a:prstGeom>
+        </p:spPr>
+      </p:pic>
+      <p:pic>
+        <p:nvPicPr>
+          <p:cNvPr id="16" name="그림 15"/>
+          <p:cNvPicPr>
+            <a:picLocks noChangeAspect="1"/>
+          </p:cNvPicPr>
+          <p:nvPr/>
+        </p:nvPicPr>
+        <p:blipFill>
+          <a:blip r:embed="rId5">
+            <a:extLst>
+              <a:ext uri="{28A0092B-C50C-407E-A947-70E740481C1C}">
+                <a14:useLocalDpi xmlns:a14="http://schemas.microsoft.com/office/drawing/2010/main" val="0"/>
+              </a:ext>
+            </a:extLst>
+          </a:blip>
+          <a:stretch>
+            <a:fillRect/>
+          </a:stretch>
+        </p:blipFill>
+        <p:spPr>
+          <a:xfrm>
+            <a:off x="508562" y="693912"/>
+            <a:ext cx="11189166" cy="5790524"/>
+          </a:xfrm>
+          <a:prstGeom prst="rect">
+            <a:avLst/>
+          </a:prstGeom>
+        </p:spPr>
+      </p:pic>
+      <p:pic>
+        <p:nvPicPr>
+          <p:cNvPr id="17" name="그림 16"/>
+          <p:cNvPicPr>
+            <a:picLocks noChangeAspect="1"/>
+          </p:cNvPicPr>
+          <p:nvPr/>
+        </p:nvPicPr>
+        <p:blipFill>
+          <a:blip r:embed="rId6">
+            <a:extLst>
+              <a:ext uri="{28A0092B-C50C-407E-A947-70E740481C1C}">
+                <a14:useLocalDpi xmlns:a14="http://schemas.microsoft.com/office/drawing/2010/main" val="0"/>
+              </a:ext>
+            </a:extLst>
+          </a:blip>
+          <a:stretch>
+            <a:fillRect/>
+          </a:stretch>
+        </p:blipFill>
+        <p:spPr>
+          <a:xfrm>
+            <a:off x="508560" y="711646"/>
+            <a:ext cx="11189168" cy="5772789"/>
+          </a:xfrm>
+          <a:prstGeom prst="rect">
+            <a:avLst/>
+          </a:prstGeom>
+        </p:spPr>
+      </p:pic>
+    </p:spTree>
+    <p:extLst>
+      <p:ext uri="{BB962C8B-B14F-4D97-AF65-F5344CB8AC3E}">
+        <p14:creationId xmlns:p14="http://schemas.microsoft.com/office/powerpoint/2010/main" val="2738808504"/>
+      </p:ext>
+    </p:extLst>
+  </p:cSld>
+  <p:clrMapOvr>
+    <a:masterClrMapping/>
+  </p:clrMapOvr>
+</p:sld>
+</file>
+
+<file path=ppt/slides/slide25.xml><?xml version="1.0" encoding="utf-8"?>
+<p:sld xmlns:a="http://schemas.openxmlformats.org/drawingml/2006/main" xmlns:r="http://schemas.openxmlformats.org/officeDocument/2006/relationships" xmlns:p="http://schemas.openxmlformats.org/presentationml/2006/main">
+  <p:cSld>
+    <p:spTree>
+      <p:nvGrpSpPr>
+        <p:cNvPr id="1" name=""/>
+        <p:cNvGrpSpPr/>
+        <p:nvPr/>
+      </p:nvGrpSpPr>
+      <p:grpSpPr>
+        <a:xfrm>
+          <a:off x="0" y="0"/>
+          <a:ext cx="0" cy="0"/>
+          <a:chOff x="0" y="0"/>
+          <a:chExt cx="0" cy="0"/>
+        </a:xfrm>
+      </p:grpSpPr>
+      <p:sp>
+        <p:nvSpPr>
+          <p:cNvPr id="9" name="직사각형 8"/>
+          <p:cNvSpPr/>
+          <p:nvPr/>
+        </p:nvSpPr>
+        <p:spPr>
+          <a:xfrm>
+            <a:off x="0" y="0"/>
+            <a:ext cx="12192000" cy="434649"/>
+          </a:xfrm>
+          <a:prstGeom prst="rect">
+            <a:avLst/>
+          </a:prstGeom>
+          <a:solidFill>
+            <a:srgbClr val="00B0F0"/>
+          </a:solidFill>
+          <a:ln>
+            <a:noFill/>
+          </a:ln>
+        </p:spPr>
+        <p:style>
+          <a:lnRef idx="2">
+            <a:schemeClr val="accent1">
+              <a:shade val="50000"/>
+            </a:schemeClr>
+          </a:lnRef>
+          <a:fillRef idx="1">
+            <a:schemeClr val="accent1"/>
+          </a:fillRef>
+          <a:effectRef idx="0">
+            <a:schemeClr val="accent1"/>
+          </a:effectRef>
+          <a:fontRef idx="minor">
+            <a:schemeClr val="lt1"/>
+          </a:fontRef>
+        </p:style>
+        <p:txBody>
+          <a:bodyPr rtlCol="0" anchor="ctr"/>
+          <a:lstStyle/>
+          <a:p>
+            <a:pPr algn="ctr"/>
+            <a:endParaRPr lang="ko-KR" altLang="en-US"/>
+          </a:p>
+        </p:txBody>
+      </p:sp>
+      <p:sp>
+        <p:nvSpPr>
+          <p:cNvPr id="8" name="TextBox 7"/>
+          <p:cNvSpPr txBox="1"/>
+          <p:nvPr/>
+        </p:nvSpPr>
+        <p:spPr>
+          <a:xfrm>
+            <a:off x="139965" y="65317"/>
+            <a:ext cx="4413379" cy="369332"/>
+          </a:xfrm>
+          <a:prstGeom prst="rect">
+            <a:avLst/>
+          </a:prstGeom>
+          <a:noFill/>
+        </p:spPr>
+        <p:txBody>
+          <a:bodyPr wrap="square" rtlCol="0">
+            <a:spAutoFit/>
+          </a:bodyPr>
+          <a:lstStyle/>
+          <a:p>
+            <a:r>
+              <a:rPr lang="en-US" altLang="ko-KR" dirty="0" smtClean="0">
+                <a:solidFill>
+                  <a:schemeClr val="bg1"/>
+                </a:solidFill>
+              </a:rPr>
+              <a:t>2. </a:t>
+            </a:r>
+            <a:r>
+              <a:rPr lang="ko-KR" altLang="en-US" dirty="0" smtClean="0">
+                <a:solidFill>
+                  <a:schemeClr val="bg1"/>
+                </a:solidFill>
+              </a:rPr>
+              <a:t>화면 설계서</a:t>
+            </a:r>
+            <a:r>
+              <a:rPr lang="en-US" altLang="ko-KR" sz="1200" dirty="0" smtClean="0">
+                <a:solidFill>
+                  <a:schemeClr val="bg1"/>
+                </a:solidFill>
+              </a:rPr>
+              <a:t>2</a:t>
+            </a:r>
+            <a:r>
+              <a:rPr lang="en-US" altLang="ko-KR" sz="1200" dirty="0" smtClean="0">
+                <a:solidFill>
+                  <a:schemeClr val="bg1"/>
+                </a:solidFill>
+              </a:rPr>
+              <a:t>-12 </a:t>
+            </a:r>
+            <a:r>
+              <a:rPr lang="ko-KR" altLang="en-US" sz="1200" dirty="0" smtClean="0">
+                <a:solidFill>
+                  <a:schemeClr val="bg1"/>
+                </a:solidFill>
+              </a:rPr>
+              <a:t>대여매장 선택 페이지</a:t>
+            </a:r>
+            <a:endParaRPr lang="ko-KR" altLang="en-US" dirty="0">
+              <a:solidFill>
+                <a:schemeClr val="bg1"/>
+              </a:solidFill>
+            </a:endParaRPr>
+          </a:p>
+        </p:txBody>
+      </p:sp>
+      <p:pic>
+        <p:nvPicPr>
+          <p:cNvPr id="4" name="그림 3"/>
+          <p:cNvPicPr>
+            <a:picLocks noChangeAspect="1"/>
+          </p:cNvPicPr>
+          <p:nvPr/>
+        </p:nvPicPr>
+        <p:blipFill>
+          <a:blip r:embed="rId2"/>
+          <a:stretch>
+            <a:fillRect/>
+          </a:stretch>
+        </p:blipFill>
+        <p:spPr>
+          <a:xfrm>
+            <a:off x="486033" y="648976"/>
+            <a:ext cx="11269362" cy="5894344"/>
+          </a:xfrm>
+          <a:prstGeom prst="rect">
+            <a:avLst/>
+          </a:prstGeom>
+        </p:spPr>
+      </p:pic>
+      <p:grpSp>
+        <p:nvGrpSpPr>
+          <p:cNvPr id="7" name="그룹 6"/>
+          <p:cNvGrpSpPr/>
+          <p:nvPr/>
+        </p:nvGrpSpPr>
+        <p:grpSpPr>
+          <a:xfrm>
+            <a:off x="1897735" y="2669059"/>
+            <a:ext cx="4595793" cy="2719222"/>
+            <a:chOff x="3817152" y="2743200"/>
+            <a:chExt cx="4595793" cy="2719222"/>
+          </a:xfrm>
+        </p:grpSpPr>
+        <p:sp>
+          <p:nvSpPr>
+            <p:cNvPr id="3" name="육각형 2"/>
+            <p:cNvSpPr/>
+            <p:nvPr/>
+          </p:nvSpPr>
+          <p:spPr>
+            <a:xfrm>
+              <a:off x="4923198" y="3080952"/>
+              <a:ext cx="2350749" cy="2026507"/>
+            </a:xfrm>
+            <a:prstGeom prst="hexagon">
+              <a:avLst/>
+            </a:prstGeom>
+            <a:solidFill>
+              <a:schemeClr val="bg1">
+                <a:lumMod val="95000"/>
+              </a:schemeClr>
+            </a:solidFill>
+            <a:ln>
+              <a:solidFill>
+                <a:schemeClr val="tx1">
+                  <a:lumMod val="65000"/>
+                  <a:lumOff val="35000"/>
+                </a:schemeClr>
+              </a:solidFill>
+            </a:ln>
+          </p:spPr>
+          <p:style>
+            <a:lnRef idx="2">
+              <a:schemeClr val="accent1">
+                <a:shade val="50000"/>
+              </a:schemeClr>
+            </a:lnRef>
+            <a:fillRef idx="1">
+              <a:schemeClr val="accent1"/>
+            </a:fillRef>
+            <a:effectRef idx="0">
+              <a:schemeClr val="accent1"/>
+            </a:effectRef>
+            <a:fontRef idx="minor">
+              <a:schemeClr val="lt1"/>
+            </a:fontRef>
+          </p:style>
+          <p:txBody>
+            <a:bodyPr rtlCol="0" anchor="ctr"/>
+            <a:lstStyle/>
+            <a:p>
+              <a:pPr algn="ctr"/>
+              <a:endParaRPr lang="ko-KR" altLang="en-US"/>
+            </a:p>
+          </p:txBody>
+        </p:sp>
+        <p:sp>
+          <p:nvSpPr>
+            <p:cNvPr id="6" name="TextBox 5"/>
+            <p:cNvSpPr txBox="1"/>
+            <p:nvPr/>
+          </p:nvSpPr>
+          <p:spPr>
+            <a:xfrm>
+              <a:off x="4553344" y="2743200"/>
+              <a:ext cx="1328472" cy="276999"/>
+            </a:xfrm>
+            <a:prstGeom prst="rect">
+              <a:avLst/>
+            </a:prstGeom>
+            <a:noFill/>
+          </p:spPr>
+          <p:txBody>
+            <a:bodyPr wrap="square" rtlCol="0">
+              <a:spAutoFit/>
+            </a:bodyPr>
+            <a:lstStyle/>
+            <a:p>
+              <a:pPr algn="ctr"/>
+              <a:r>
+                <a:rPr lang="ko-KR" altLang="en-US" sz="1200" dirty="0" smtClean="0"/>
+                <a:t>역사</a:t>
+              </a:r>
+              <a:r>
+                <a:rPr lang="en-US" altLang="ko-KR" sz="1200" dirty="0" smtClean="0"/>
+                <a:t>/</a:t>
+              </a:r>
+              <a:r>
+                <a:rPr lang="ko-KR" altLang="en-US" sz="1200" dirty="0" smtClean="0"/>
+                <a:t>문화</a:t>
+              </a:r>
+              <a:r>
+                <a:rPr lang="en-US" altLang="ko-KR" sz="1200" dirty="0" smtClean="0"/>
+                <a:t>/</a:t>
+              </a:r>
+              <a:r>
+                <a:rPr lang="ko-KR" altLang="en-US" sz="1200" dirty="0" smtClean="0"/>
+                <a:t>종교</a:t>
+              </a:r>
+              <a:endParaRPr lang="ko-KR" altLang="en-US" sz="1200" dirty="0"/>
+            </a:p>
+          </p:txBody>
+        </p:sp>
+        <p:sp>
+          <p:nvSpPr>
+            <p:cNvPr id="10" name="TextBox 9"/>
+            <p:cNvSpPr txBox="1"/>
+            <p:nvPr/>
+          </p:nvSpPr>
+          <p:spPr>
+            <a:xfrm>
+              <a:off x="6324479" y="2743200"/>
+              <a:ext cx="1328472" cy="276999"/>
+            </a:xfrm>
+            <a:prstGeom prst="rect">
+              <a:avLst/>
+            </a:prstGeom>
+            <a:noFill/>
+          </p:spPr>
+          <p:txBody>
+            <a:bodyPr wrap="square" rtlCol="0">
+              <a:spAutoFit/>
+            </a:bodyPr>
+            <a:lstStyle/>
+            <a:p>
+              <a:pPr algn="ctr"/>
+              <a:r>
+                <a:rPr lang="ko-KR" altLang="en-US" sz="1200" dirty="0" smtClean="0"/>
+                <a:t>예술</a:t>
+              </a:r>
+              <a:r>
+                <a:rPr lang="en-US" altLang="ko-KR" sz="1200" dirty="0" smtClean="0"/>
+                <a:t>/</a:t>
+              </a:r>
+              <a:r>
+                <a:rPr lang="ko-KR" altLang="en-US" sz="1200" dirty="0" smtClean="0"/>
+                <a:t>대중문화</a:t>
+              </a:r>
+              <a:endParaRPr lang="ko-KR" altLang="en-US" sz="1200" dirty="0"/>
+            </a:p>
+          </p:txBody>
+        </p:sp>
+        <p:sp>
+          <p:nvSpPr>
+            <p:cNvPr id="11" name="TextBox 10"/>
+            <p:cNvSpPr txBox="1"/>
+            <p:nvPr/>
+          </p:nvSpPr>
+          <p:spPr>
+            <a:xfrm>
+              <a:off x="7084473" y="3955705"/>
+              <a:ext cx="1328472" cy="276999"/>
+            </a:xfrm>
+            <a:prstGeom prst="rect">
+              <a:avLst/>
+            </a:prstGeom>
+            <a:noFill/>
+          </p:spPr>
+          <p:txBody>
+            <a:bodyPr wrap="square" rtlCol="0">
+              <a:spAutoFit/>
+            </a:bodyPr>
+            <a:lstStyle/>
+            <a:p>
+              <a:pPr algn="ctr"/>
+              <a:r>
+                <a:rPr lang="ko-KR" altLang="en-US" sz="1200" dirty="0" smtClean="0"/>
+                <a:t>정치</a:t>
+              </a:r>
+              <a:r>
+                <a:rPr lang="en-US" altLang="ko-KR" sz="1200" dirty="0" smtClean="0"/>
+                <a:t>/</a:t>
+              </a:r>
+              <a:r>
+                <a:rPr lang="ko-KR" altLang="en-US" sz="1200" dirty="0" smtClean="0"/>
+                <a:t>사회</a:t>
+              </a:r>
+              <a:endParaRPr lang="ko-KR" altLang="en-US" sz="1200" dirty="0"/>
+            </a:p>
+          </p:txBody>
+        </p:sp>
+        <p:sp>
+          <p:nvSpPr>
+            <p:cNvPr id="12" name="TextBox 11"/>
+            <p:cNvSpPr txBox="1"/>
+            <p:nvPr/>
+          </p:nvSpPr>
+          <p:spPr>
+            <a:xfrm>
+              <a:off x="3817152" y="3955705"/>
+              <a:ext cx="1328472" cy="276999"/>
+            </a:xfrm>
+            <a:prstGeom prst="rect">
+              <a:avLst/>
+            </a:prstGeom>
+            <a:noFill/>
+          </p:spPr>
+          <p:txBody>
+            <a:bodyPr wrap="square" rtlCol="0">
+              <a:spAutoFit/>
+            </a:bodyPr>
+            <a:lstStyle/>
+            <a:p>
+              <a:pPr algn="ctr"/>
+              <a:r>
+                <a:rPr lang="ko-KR" altLang="en-US" sz="1200" dirty="0" smtClean="0"/>
+                <a:t>소설</a:t>
+              </a:r>
+              <a:r>
+                <a:rPr lang="en-US" altLang="ko-KR" sz="1200" dirty="0" smtClean="0"/>
+                <a:t>/</a:t>
+              </a:r>
+              <a:r>
+                <a:rPr lang="ko-KR" altLang="en-US" sz="1200" dirty="0" smtClean="0"/>
+                <a:t>시</a:t>
+              </a:r>
+              <a:endParaRPr lang="ko-KR" altLang="en-US" sz="1200" dirty="0"/>
+            </a:p>
+          </p:txBody>
+        </p:sp>
+        <p:sp>
+          <p:nvSpPr>
+            <p:cNvPr id="13" name="TextBox 12"/>
+            <p:cNvSpPr txBox="1"/>
+            <p:nvPr/>
+          </p:nvSpPr>
+          <p:spPr>
+            <a:xfrm>
+              <a:off x="4553344" y="5185423"/>
+              <a:ext cx="1328472" cy="276999"/>
+            </a:xfrm>
+            <a:prstGeom prst="rect">
+              <a:avLst/>
+            </a:prstGeom>
+            <a:noFill/>
+          </p:spPr>
+          <p:txBody>
+            <a:bodyPr wrap="square" rtlCol="0">
+              <a:spAutoFit/>
+            </a:bodyPr>
+            <a:lstStyle/>
+            <a:p>
+              <a:pPr algn="ctr"/>
+              <a:r>
+                <a:rPr lang="ko-KR" altLang="en-US" sz="1200" dirty="0" smtClean="0"/>
+                <a:t>과학</a:t>
+              </a:r>
+              <a:r>
+                <a:rPr lang="en-US" altLang="ko-KR" sz="1200" dirty="0" smtClean="0"/>
+                <a:t>/</a:t>
+              </a:r>
+              <a:r>
+                <a:rPr lang="ko-KR" altLang="en-US" sz="1200" dirty="0" smtClean="0"/>
+                <a:t>기술</a:t>
+              </a:r>
+              <a:endParaRPr lang="ko-KR" altLang="en-US" sz="1200" dirty="0"/>
+            </a:p>
+          </p:txBody>
+        </p:sp>
+        <p:sp>
+          <p:nvSpPr>
+            <p:cNvPr id="14" name="TextBox 13"/>
+            <p:cNvSpPr txBox="1"/>
+            <p:nvPr/>
+          </p:nvSpPr>
+          <p:spPr>
+            <a:xfrm>
+              <a:off x="6324479" y="5185423"/>
+              <a:ext cx="1328472" cy="276999"/>
+            </a:xfrm>
+            <a:prstGeom prst="rect">
+              <a:avLst/>
+            </a:prstGeom>
+            <a:noFill/>
+          </p:spPr>
+          <p:txBody>
+            <a:bodyPr wrap="square" rtlCol="0">
+              <a:spAutoFit/>
+            </a:bodyPr>
+            <a:lstStyle/>
+            <a:p>
+              <a:pPr algn="ctr"/>
+              <a:r>
+                <a:rPr lang="ko-KR" altLang="en-US" sz="1200" dirty="0" smtClean="0"/>
+                <a:t>경제</a:t>
+              </a:r>
+              <a:r>
+                <a:rPr lang="en-US" altLang="ko-KR" sz="1200" dirty="0" smtClean="0"/>
+                <a:t>/</a:t>
+              </a:r>
+              <a:r>
+                <a:rPr lang="ko-KR" altLang="en-US" sz="1200" dirty="0" smtClean="0"/>
+                <a:t>경영</a:t>
+              </a:r>
+              <a:endParaRPr lang="ko-KR" altLang="en-US" sz="1200" dirty="0"/>
+            </a:p>
+          </p:txBody>
+        </p:sp>
+      </p:grpSp>
+      <p:sp>
+        <p:nvSpPr>
+          <p:cNvPr id="15" name="TextBox 14"/>
+          <p:cNvSpPr txBox="1"/>
+          <p:nvPr/>
+        </p:nvSpPr>
+        <p:spPr>
+          <a:xfrm>
+            <a:off x="7043351" y="2792627"/>
+            <a:ext cx="3270422" cy="2308324"/>
+          </a:xfrm>
+          <a:prstGeom prst="rect">
+            <a:avLst/>
+          </a:prstGeom>
+          <a:noFill/>
+        </p:spPr>
+        <p:txBody>
+          <a:bodyPr wrap="square" rtlCol="0">
+            <a:spAutoFit/>
+          </a:bodyPr>
+          <a:lstStyle/>
+          <a:p>
+            <a:r>
+              <a:rPr lang="en-US" altLang="ko-KR" dirty="0" smtClean="0"/>
+              <a:t>OOO</a:t>
+            </a:r>
+            <a:r>
+              <a:rPr lang="ko-KR" altLang="en-US" dirty="0" smtClean="0"/>
+              <a:t>님의</a:t>
+            </a:r>
+            <a:r>
+              <a:rPr lang="en-US" altLang="ko-KR" dirty="0" smtClean="0"/>
+              <a:t> </a:t>
+            </a:r>
+            <a:r>
+              <a:rPr lang="ko-KR" altLang="en-US" dirty="0" smtClean="0"/>
+              <a:t>독서리듬</a:t>
+            </a:r>
+            <a:endParaRPr lang="en-US" altLang="ko-KR" dirty="0" smtClean="0"/>
+          </a:p>
+          <a:p>
+            <a:endParaRPr lang="en-US" altLang="ko-KR" dirty="0"/>
+          </a:p>
+          <a:p>
+            <a:endParaRPr lang="en-US" altLang="ko-KR" dirty="0" smtClean="0"/>
+          </a:p>
+          <a:p>
+            <a:r>
+              <a:rPr lang="ko-KR" altLang="en-US" dirty="0" smtClean="0"/>
+              <a:t>권당 평균 독서시간  </a:t>
+            </a:r>
+            <a:r>
+              <a:rPr lang="en-US" altLang="ko-KR" dirty="0" smtClean="0"/>
+              <a:t>2.1</a:t>
+            </a:r>
+            <a:r>
+              <a:rPr lang="ko-KR" altLang="en-US" dirty="0" smtClean="0"/>
+              <a:t>일</a:t>
+            </a:r>
+            <a:endParaRPr lang="en-US" altLang="ko-KR" dirty="0" smtClean="0"/>
+          </a:p>
+          <a:p>
+            <a:endParaRPr lang="en-US" altLang="ko-KR" dirty="0"/>
+          </a:p>
+          <a:p>
+            <a:r>
+              <a:rPr lang="ko-KR" altLang="en-US" dirty="0" smtClean="0"/>
+              <a:t>올해 예상 독서량 </a:t>
+            </a:r>
+            <a:r>
+              <a:rPr lang="en-US" altLang="ko-KR" dirty="0" smtClean="0"/>
+              <a:t>xxx</a:t>
+            </a:r>
+            <a:r>
+              <a:rPr lang="ko-KR" altLang="en-US" dirty="0" smtClean="0"/>
+              <a:t>일</a:t>
+            </a:r>
+            <a:endParaRPr lang="en-US" altLang="ko-KR" dirty="0" smtClean="0"/>
+          </a:p>
+          <a:p>
+            <a:endParaRPr lang="en-US" altLang="ko-KR" dirty="0"/>
+          </a:p>
+          <a:p>
+            <a:r>
+              <a:rPr lang="ko-KR" altLang="en-US" dirty="0" smtClean="0"/>
+              <a:t>선호 도서</a:t>
+            </a:r>
+            <a:endParaRPr lang="ko-KR" altLang="en-US" dirty="0"/>
+          </a:p>
+        </p:txBody>
+      </p:sp>
+      <p:pic>
+        <p:nvPicPr>
+          <p:cNvPr id="2" name="그림 1"/>
+          <p:cNvPicPr>
+            <a:picLocks noChangeAspect="1"/>
+          </p:cNvPicPr>
+          <p:nvPr/>
+        </p:nvPicPr>
+        <p:blipFill>
+          <a:blip r:embed="rId3">
+            <a:extLst>
+              <a:ext uri="{28A0092B-C50C-407E-A947-70E740481C1C}">
+                <a14:useLocalDpi xmlns:a14="http://schemas.microsoft.com/office/drawing/2010/main" val="0"/>
+              </a:ext>
+            </a:extLst>
+          </a:blip>
+          <a:stretch>
+            <a:fillRect/>
+          </a:stretch>
+        </p:blipFill>
+        <p:spPr>
+          <a:xfrm>
+            <a:off x="508564" y="711647"/>
+            <a:ext cx="11189165" cy="5755055"/>
+          </a:xfrm>
+          <a:prstGeom prst="rect">
+            <a:avLst/>
+          </a:prstGeom>
+        </p:spPr>
+      </p:pic>
+    </p:spTree>
+    <p:extLst>
+      <p:ext uri="{BB962C8B-B14F-4D97-AF65-F5344CB8AC3E}">
+        <p14:creationId xmlns:p14="http://schemas.microsoft.com/office/powerpoint/2010/main" val="1103039371"/>
+      </p:ext>
+    </p:extLst>
+  </p:cSld>
+  <p:clrMapOvr>
+    <a:masterClrMapping/>
+  </p:clrMapOvr>
+</p:sld>
+</file>
+
+<file path=ppt/slides/slide26.xml><?xml version="1.0" encoding="utf-8"?>
+<p:sld xmlns:a="http://schemas.openxmlformats.org/drawingml/2006/main" xmlns:r="http://schemas.openxmlformats.org/officeDocument/2006/relationships" xmlns:p="http://schemas.openxmlformats.org/presentationml/2006/main">
+  <p:cSld>
+    <p:spTree>
+      <p:nvGrpSpPr>
+        <p:cNvPr id="1" name=""/>
+        <p:cNvGrpSpPr/>
+        <p:nvPr/>
+      </p:nvGrpSpPr>
+      <p:grpSpPr>
+        <a:xfrm>
+          <a:off x="0" y="0"/>
+          <a:ext cx="0" cy="0"/>
+          <a:chOff x="0" y="0"/>
+          <a:chExt cx="0" cy="0"/>
+        </a:xfrm>
+      </p:grpSpPr>
+      <p:sp>
+        <p:nvSpPr>
+          <p:cNvPr id="9" name="직사각형 8"/>
+          <p:cNvSpPr/>
+          <p:nvPr/>
+        </p:nvSpPr>
+        <p:spPr>
+          <a:xfrm>
+            <a:off x="0" y="0"/>
+            <a:ext cx="12192000" cy="434649"/>
+          </a:xfrm>
+          <a:prstGeom prst="rect">
+            <a:avLst/>
+          </a:prstGeom>
+          <a:solidFill>
+            <a:srgbClr val="00B0F0"/>
+          </a:solidFill>
+          <a:ln>
+            <a:noFill/>
+          </a:ln>
+        </p:spPr>
+        <p:style>
+          <a:lnRef idx="2">
+            <a:schemeClr val="accent1">
+              <a:shade val="50000"/>
+            </a:schemeClr>
+          </a:lnRef>
+          <a:fillRef idx="1">
+            <a:schemeClr val="accent1"/>
+          </a:fillRef>
+          <a:effectRef idx="0">
+            <a:schemeClr val="accent1"/>
+          </a:effectRef>
+          <a:fontRef idx="minor">
+            <a:schemeClr val="lt1"/>
+          </a:fontRef>
+        </p:style>
+        <p:txBody>
+          <a:bodyPr rtlCol="0" anchor="ctr"/>
+          <a:lstStyle/>
+          <a:p>
+            <a:pPr algn="ctr"/>
+            <a:endParaRPr lang="ko-KR" altLang="en-US"/>
+          </a:p>
+        </p:txBody>
+      </p:sp>
+      <p:sp>
+        <p:nvSpPr>
+          <p:cNvPr id="8" name="TextBox 7"/>
+          <p:cNvSpPr txBox="1"/>
+          <p:nvPr/>
+        </p:nvSpPr>
+        <p:spPr>
+          <a:xfrm>
+            <a:off x="139965" y="65317"/>
+            <a:ext cx="4413379" cy="369332"/>
+          </a:xfrm>
+          <a:prstGeom prst="rect">
+            <a:avLst/>
+          </a:prstGeom>
+          <a:noFill/>
+        </p:spPr>
+        <p:txBody>
+          <a:bodyPr wrap="square" rtlCol="0">
+            <a:spAutoFit/>
+          </a:bodyPr>
+          <a:lstStyle/>
+          <a:p>
+            <a:r>
+              <a:rPr lang="en-US" altLang="ko-KR" dirty="0" smtClean="0">
+                <a:solidFill>
+                  <a:schemeClr val="bg1"/>
+                </a:solidFill>
+              </a:rPr>
+              <a:t>2. </a:t>
+            </a:r>
+            <a:r>
+              <a:rPr lang="ko-KR" altLang="en-US" dirty="0" smtClean="0">
+                <a:solidFill>
+                  <a:schemeClr val="bg1"/>
+                </a:solidFill>
+              </a:rPr>
+              <a:t>화면 설계서</a:t>
+            </a:r>
+            <a:r>
+              <a:rPr lang="en-US" altLang="ko-KR" sz="1200" dirty="0" smtClean="0">
+                <a:solidFill>
+                  <a:schemeClr val="bg1"/>
+                </a:solidFill>
+              </a:rPr>
+              <a:t>2</a:t>
+            </a:r>
+            <a:r>
+              <a:rPr lang="en-US" altLang="ko-KR" sz="1200" dirty="0" smtClean="0">
+                <a:solidFill>
+                  <a:schemeClr val="bg1"/>
+                </a:solidFill>
+              </a:rPr>
+              <a:t>-13 </a:t>
+            </a:r>
+            <a:r>
+              <a:rPr lang="ko-KR" altLang="en-US" sz="1200" dirty="0" smtClean="0">
+                <a:solidFill>
+                  <a:schemeClr val="bg1"/>
+                </a:solidFill>
+              </a:rPr>
+              <a:t>장바구니 페이지</a:t>
+            </a:r>
+            <a:endParaRPr lang="ko-KR" altLang="en-US" dirty="0">
+              <a:solidFill>
+                <a:schemeClr val="bg1"/>
+              </a:solidFill>
+            </a:endParaRPr>
+          </a:p>
+        </p:txBody>
+      </p:sp>
+      <p:pic>
+        <p:nvPicPr>
+          <p:cNvPr id="4" name="그림 3"/>
+          <p:cNvPicPr>
+            <a:picLocks noChangeAspect="1"/>
+          </p:cNvPicPr>
+          <p:nvPr/>
+        </p:nvPicPr>
+        <p:blipFill>
+          <a:blip r:embed="rId2"/>
+          <a:stretch>
+            <a:fillRect/>
+          </a:stretch>
+        </p:blipFill>
+        <p:spPr>
+          <a:xfrm>
+            <a:off x="486033" y="648976"/>
+            <a:ext cx="11269362" cy="5894344"/>
+          </a:xfrm>
+          <a:prstGeom prst="rect">
+            <a:avLst/>
+          </a:prstGeom>
+        </p:spPr>
+      </p:pic>
+      <p:grpSp>
+        <p:nvGrpSpPr>
+          <p:cNvPr id="7" name="그룹 6"/>
+          <p:cNvGrpSpPr/>
+          <p:nvPr/>
+        </p:nvGrpSpPr>
+        <p:grpSpPr>
+          <a:xfrm>
+            <a:off x="1897735" y="2669059"/>
+            <a:ext cx="4595793" cy="2719222"/>
+            <a:chOff x="3817152" y="2743200"/>
+            <a:chExt cx="4595793" cy="2719222"/>
+          </a:xfrm>
+        </p:grpSpPr>
+        <p:sp>
+          <p:nvSpPr>
+            <p:cNvPr id="3" name="육각형 2"/>
+            <p:cNvSpPr/>
+            <p:nvPr/>
+          </p:nvSpPr>
+          <p:spPr>
+            <a:xfrm>
+              <a:off x="4923198" y="3080952"/>
+              <a:ext cx="2350749" cy="2026507"/>
+            </a:xfrm>
+            <a:prstGeom prst="hexagon">
+              <a:avLst/>
+            </a:prstGeom>
+            <a:solidFill>
+              <a:schemeClr val="bg1">
+                <a:lumMod val="95000"/>
+              </a:schemeClr>
+            </a:solidFill>
+            <a:ln>
+              <a:solidFill>
+                <a:schemeClr val="tx1">
+                  <a:lumMod val="65000"/>
+                  <a:lumOff val="35000"/>
+                </a:schemeClr>
+              </a:solidFill>
+            </a:ln>
+          </p:spPr>
+          <p:style>
+            <a:lnRef idx="2">
+              <a:schemeClr val="accent1">
+                <a:shade val="50000"/>
+              </a:schemeClr>
+            </a:lnRef>
+            <a:fillRef idx="1">
+              <a:schemeClr val="accent1"/>
+            </a:fillRef>
+            <a:effectRef idx="0">
+              <a:schemeClr val="accent1"/>
+            </a:effectRef>
+            <a:fontRef idx="minor">
+              <a:schemeClr val="lt1"/>
+            </a:fontRef>
+          </p:style>
+          <p:txBody>
+            <a:bodyPr rtlCol="0" anchor="ctr"/>
+            <a:lstStyle/>
+            <a:p>
+              <a:pPr algn="ctr"/>
+              <a:endParaRPr lang="ko-KR" altLang="en-US"/>
+            </a:p>
+          </p:txBody>
+        </p:sp>
+        <p:sp>
+          <p:nvSpPr>
+            <p:cNvPr id="6" name="TextBox 5"/>
+            <p:cNvSpPr txBox="1"/>
+            <p:nvPr/>
+          </p:nvSpPr>
+          <p:spPr>
+            <a:xfrm>
+              <a:off x="4553344" y="2743200"/>
+              <a:ext cx="1328472" cy="276999"/>
+            </a:xfrm>
+            <a:prstGeom prst="rect">
+              <a:avLst/>
+            </a:prstGeom>
+            <a:noFill/>
+          </p:spPr>
+          <p:txBody>
+            <a:bodyPr wrap="square" rtlCol="0">
+              <a:spAutoFit/>
+            </a:bodyPr>
+            <a:lstStyle/>
+            <a:p>
+              <a:pPr algn="ctr"/>
+              <a:r>
+                <a:rPr lang="ko-KR" altLang="en-US" sz="1200" dirty="0" smtClean="0"/>
+                <a:t>역사</a:t>
+              </a:r>
+              <a:r>
+                <a:rPr lang="en-US" altLang="ko-KR" sz="1200" dirty="0" smtClean="0"/>
+                <a:t>/</a:t>
+              </a:r>
+              <a:r>
+                <a:rPr lang="ko-KR" altLang="en-US" sz="1200" dirty="0" smtClean="0"/>
+                <a:t>문화</a:t>
+              </a:r>
+              <a:r>
+                <a:rPr lang="en-US" altLang="ko-KR" sz="1200" dirty="0" smtClean="0"/>
+                <a:t>/</a:t>
+              </a:r>
+              <a:r>
+                <a:rPr lang="ko-KR" altLang="en-US" sz="1200" dirty="0" smtClean="0"/>
+                <a:t>종교</a:t>
+              </a:r>
+              <a:endParaRPr lang="ko-KR" altLang="en-US" sz="1200" dirty="0"/>
+            </a:p>
+          </p:txBody>
+        </p:sp>
+        <p:sp>
+          <p:nvSpPr>
+            <p:cNvPr id="10" name="TextBox 9"/>
+            <p:cNvSpPr txBox="1"/>
+            <p:nvPr/>
+          </p:nvSpPr>
+          <p:spPr>
+            <a:xfrm>
+              <a:off x="6324479" y="2743200"/>
+              <a:ext cx="1328472" cy="276999"/>
+            </a:xfrm>
+            <a:prstGeom prst="rect">
+              <a:avLst/>
+            </a:prstGeom>
+            <a:noFill/>
+          </p:spPr>
+          <p:txBody>
+            <a:bodyPr wrap="square" rtlCol="0">
+              <a:spAutoFit/>
+            </a:bodyPr>
+            <a:lstStyle/>
+            <a:p>
+              <a:pPr algn="ctr"/>
+              <a:r>
+                <a:rPr lang="ko-KR" altLang="en-US" sz="1200" dirty="0" smtClean="0"/>
+                <a:t>예술</a:t>
+              </a:r>
+              <a:r>
+                <a:rPr lang="en-US" altLang="ko-KR" sz="1200" dirty="0" smtClean="0"/>
+                <a:t>/</a:t>
+              </a:r>
+              <a:r>
+                <a:rPr lang="ko-KR" altLang="en-US" sz="1200" dirty="0" smtClean="0"/>
+                <a:t>대중문화</a:t>
+              </a:r>
+              <a:endParaRPr lang="ko-KR" altLang="en-US" sz="1200" dirty="0"/>
+            </a:p>
+          </p:txBody>
+        </p:sp>
+        <p:sp>
+          <p:nvSpPr>
+            <p:cNvPr id="11" name="TextBox 10"/>
+            <p:cNvSpPr txBox="1"/>
+            <p:nvPr/>
+          </p:nvSpPr>
+          <p:spPr>
+            <a:xfrm>
+              <a:off x="7084473" y="3955705"/>
+              <a:ext cx="1328472" cy="276999"/>
+            </a:xfrm>
+            <a:prstGeom prst="rect">
+              <a:avLst/>
+            </a:prstGeom>
+            <a:noFill/>
+          </p:spPr>
+          <p:txBody>
+            <a:bodyPr wrap="square" rtlCol="0">
+              <a:spAutoFit/>
+            </a:bodyPr>
+            <a:lstStyle/>
+            <a:p>
+              <a:pPr algn="ctr"/>
+              <a:r>
+                <a:rPr lang="ko-KR" altLang="en-US" sz="1200" dirty="0" smtClean="0"/>
+                <a:t>정치</a:t>
+              </a:r>
+              <a:r>
+                <a:rPr lang="en-US" altLang="ko-KR" sz="1200" dirty="0" smtClean="0"/>
+                <a:t>/</a:t>
+              </a:r>
+              <a:r>
+                <a:rPr lang="ko-KR" altLang="en-US" sz="1200" dirty="0" smtClean="0"/>
+                <a:t>사회</a:t>
+              </a:r>
+              <a:endParaRPr lang="ko-KR" altLang="en-US" sz="1200" dirty="0"/>
+            </a:p>
+          </p:txBody>
+        </p:sp>
+        <p:sp>
+          <p:nvSpPr>
+            <p:cNvPr id="12" name="TextBox 11"/>
+            <p:cNvSpPr txBox="1"/>
+            <p:nvPr/>
+          </p:nvSpPr>
+          <p:spPr>
+            <a:xfrm>
+              <a:off x="3817152" y="3955705"/>
+              <a:ext cx="1328472" cy="276999"/>
+            </a:xfrm>
+            <a:prstGeom prst="rect">
+              <a:avLst/>
+            </a:prstGeom>
+            <a:noFill/>
+          </p:spPr>
+          <p:txBody>
+            <a:bodyPr wrap="square" rtlCol="0">
+              <a:spAutoFit/>
+            </a:bodyPr>
+            <a:lstStyle/>
+            <a:p>
+              <a:pPr algn="ctr"/>
+              <a:r>
+                <a:rPr lang="ko-KR" altLang="en-US" sz="1200" dirty="0" smtClean="0"/>
+                <a:t>소설</a:t>
+              </a:r>
+              <a:r>
+                <a:rPr lang="en-US" altLang="ko-KR" sz="1200" dirty="0" smtClean="0"/>
+                <a:t>/</a:t>
+              </a:r>
+              <a:r>
+                <a:rPr lang="ko-KR" altLang="en-US" sz="1200" dirty="0" smtClean="0"/>
+                <a:t>시</a:t>
+              </a:r>
+              <a:endParaRPr lang="ko-KR" altLang="en-US" sz="1200" dirty="0"/>
+            </a:p>
+          </p:txBody>
+        </p:sp>
+        <p:sp>
+          <p:nvSpPr>
+            <p:cNvPr id="13" name="TextBox 12"/>
+            <p:cNvSpPr txBox="1"/>
+            <p:nvPr/>
+          </p:nvSpPr>
+          <p:spPr>
+            <a:xfrm>
+              <a:off x="4553344" y="5185423"/>
+              <a:ext cx="1328472" cy="276999"/>
+            </a:xfrm>
+            <a:prstGeom prst="rect">
+              <a:avLst/>
+            </a:prstGeom>
+            <a:noFill/>
+          </p:spPr>
+          <p:txBody>
+            <a:bodyPr wrap="square" rtlCol="0">
+              <a:spAutoFit/>
+            </a:bodyPr>
+            <a:lstStyle/>
+            <a:p>
+              <a:pPr algn="ctr"/>
+              <a:r>
+                <a:rPr lang="ko-KR" altLang="en-US" sz="1200" dirty="0" smtClean="0"/>
+                <a:t>과학</a:t>
+              </a:r>
+              <a:r>
+                <a:rPr lang="en-US" altLang="ko-KR" sz="1200" dirty="0" smtClean="0"/>
+                <a:t>/</a:t>
+              </a:r>
+              <a:r>
+                <a:rPr lang="ko-KR" altLang="en-US" sz="1200" dirty="0" smtClean="0"/>
+                <a:t>기술</a:t>
+              </a:r>
+              <a:endParaRPr lang="ko-KR" altLang="en-US" sz="1200" dirty="0"/>
+            </a:p>
+          </p:txBody>
+        </p:sp>
+        <p:sp>
+          <p:nvSpPr>
+            <p:cNvPr id="14" name="TextBox 13"/>
+            <p:cNvSpPr txBox="1"/>
+            <p:nvPr/>
+          </p:nvSpPr>
+          <p:spPr>
+            <a:xfrm>
+              <a:off x="6324479" y="5185423"/>
+              <a:ext cx="1328472" cy="276999"/>
+            </a:xfrm>
+            <a:prstGeom prst="rect">
+              <a:avLst/>
+            </a:prstGeom>
+            <a:noFill/>
+          </p:spPr>
+          <p:txBody>
+            <a:bodyPr wrap="square" rtlCol="0">
+              <a:spAutoFit/>
+            </a:bodyPr>
+            <a:lstStyle/>
+            <a:p>
+              <a:pPr algn="ctr"/>
+              <a:r>
+                <a:rPr lang="ko-KR" altLang="en-US" sz="1200" dirty="0" smtClean="0"/>
+                <a:t>경제</a:t>
+              </a:r>
+              <a:r>
+                <a:rPr lang="en-US" altLang="ko-KR" sz="1200" dirty="0" smtClean="0"/>
+                <a:t>/</a:t>
+              </a:r>
+              <a:r>
+                <a:rPr lang="ko-KR" altLang="en-US" sz="1200" dirty="0" smtClean="0"/>
+                <a:t>경영</a:t>
+              </a:r>
+              <a:endParaRPr lang="ko-KR" altLang="en-US" sz="1200" dirty="0"/>
+            </a:p>
+          </p:txBody>
+        </p:sp>
+      </p:grpSp>
+      <p:sp>
+        <p:nvSpPr>
+          <p:cNvPr id="15" name="TextBox 14"/>
+          <p:cNvSpPr txBox="1"/>
+          <p:nvPr/>
+        </p:nvSpPr>
+        <p:spPr>
+          <a:xfrm>
+            <a:off x="7043351" y="2792627"/>
+            <a:ext cx="3270422" cy="2308324"/>
+          </a:xfrm>
+          <a:prstGeom prst="rect">
+            <a:avLst/>
+          </a:prstGeom>
+          <a:noFill/>
+        </p:spPr>
+        <p:txBody>
+          <a:bodyPr wrap="square" rtlCol="0">
+            <a:spAutoFit/>
+          </a:bodyPr>
+          <a:lstStyle/>
+          <a:p>
+            <a:r>
+              <a:rPr lang="en-US" altLang="ko-KR" dirty="0" smtClean="0"/>
+              <a:t>OOO</a:t>
+            </a:r>
+            <a:r>
+              <a:rPr lang="ko-KR" altLang="en-US" dirty="0" smtClean="0"/>
+              <a:t>님의</a:t>
+            </a:r>
+            <a:r>
+              <a:rPr lang="en-US" altLang="ko-KR" dirty="0" smtClean="0"/>
+              <a:t> </a:t>
+            </a:r>
+            <a:r>
+              <a:rPr lang="ko-KR" altLang="en-US" dirty="0" smtClean="0"/>
+              <a:t>독서리듬</a:t>
+            </a:r>
+            <a:endParaRPr lang="en-US" altLang="ko-KR" dirty="0" smtClean="0"/>
+          </a:p>
+          <a:p>
+            <a:endParaRPr lang="en-US" altLang="ko-KR" dirty="0"/>
+          </a:p>
+          <a:p>
+            <a:endParaRPr lang="en-US" altLang="ko-KR" dirty="0" smtClean="0"/>
+          </a:p>
+          <a:p>
+            <a:r>
+              <a:rPr lang="ko-KR" altLang="en-US" dirty="0" smtClean="0"/>
+              <a:t>권당 평균 독서시간  </a:t>
+            </a:r>
+            <a:r>
+              <a:rPr lang="en-US" altLang="ko-KR" dirty="0" smtClean="0"/>
+              <a:t>2.1</a:t>
+            </a:r>
+            <a:r>
+              <a:rPr lang="ko-KR" altLang="en-US" dirty="0" smtClean="0"/>
+              <a:t>일</a:t>
+            </a:r>
+            <a:endParaRPr lang="en-US" altLang="ko-KR" dirty="0" smtClean="0"/>
+          </a:p>
+          <a:p>
+            <a:endParaRPr lang="en-US" altLang="ko-KR" dirty="0"/>
+          </a:p>
+          <a:p>
+            <a:r>
+              <a:rPr lang="ko-KR" altLang="en-US" dirty="0" smtClean="0"/>
+              <a:t>올해 예상 독서량 </a:t>
+            </a:r>
+            <a:r>
+              <a:rPr lang="en-US" altLang="ko-KR" dirty="0" smtClean="0"/>
+              <a:t>xxx</a:t>
+            </a:r>
+            <a:r>
+              <a:rPr lang="ko-KR" altLang="en-US" dirty="0" smtClean="0"/>
+              <a:t>일</a:t>
+            </a:r>
+            <a:endParaRPr lang="en-US" altLang="ko-KR" dirty="0" smtClean="0"/>
+          </a:p>
+          <a:p>
+            <a:endParaRPr lang="en-US" altLang="ko-KR" dirty="0"/>
+          </a:p>
+          <a:p>
+            <a:r>
+              <a:rPr lang="ko-KR" altLang="en-US" dirty="0" smtClean="0"/>
+              <a:t>선호 도서</a:t>
+            </a:r>
+            <a:endParaRPr lang="ko-KR" altLang="en-US" dirty="0"/>
+          </a:p>
+        </p:txBody>
+      </p:sp>
+      <p:pic>
+        <p:nvPicPr>
+          <p:cNvPr id="2" name="그림 1"/>
+          <p:cNvPicPr>
+            <a:picLocks noChangeAspect="1"/>
+          </p:cNvPicPr>
+          <p:nvPr/>
+        </p:nvPicPr>
+        <p:blipFill>
+          <a:blip r:embed="rId3">
+            <a:extLst>
+              <a:ext uri="{28A0092B-C50C-407E-A947-70E740481C1C}">
+                <a14:useLocalDpi xmlns:a14="http://schemas.microsoft.com/office/drawing/2010/main" val="0"/>
+              </a:ext>
+            </a:extLst>
+          </a:blip>
+          <a:stretch>
+            <a:fillRect/>
+          </a:stretch>
+        </p:blipFill>
+        <p:spPr>
+          <a:xfrm>
+            <a:off x="508564" y="711647"/>
+            <a:ext cx="11189165" cy="5755055"/>
+          </a:xfrm>
+          <a:prstGeom prst="rect">
+            <a:avLst/>
+          </a:prstGeom>
+        </p:spPr>
+      </p:pic>
+      <p:pic>
+        <p:nvPicPr>
+          <p:cNvPr id="5" name="그림 4"/>
+          <p:cNvPicPr>
+            <a:picLocks noChangeAspect="1"/>
+          </p:cNvPicPr>
+          <p:nvPr/>
+        </p:nvPicPr>
+        <p:blipFill>
+          <a:blip r:embed="rId4">
+            <a:extLst>
+              <a:ext uri="{28A0092B-C50C-407E-A947-70E740481C1C}">
+                <a14:useLocalDpi xmlns:a14="http://schemas.microsoft.com/office/drawing/2010/main" val="0"/>
+              </a:ext>
+            </a:extLst>
+          </a:blip>
+          <a:stretch>
+            <a:fillRect/>
+          </a:stretch>
+        </p:blipFill>
+        <p:spPr>
+          <a:xfrm>
+            <a:off x="508563" y="713602"/>
+            <a:ext cx="11189165" cy="5790523"/>
+          </a:xfrm>
+          <a:prstGeom prst="rect">
+            <a:avLst/>
+          </a:prstGeom>
+        </p:spPr>
+      </p:pic>
+      <p:pic>
+        <p:nvPicPr>
+          <p:cNvPr id="16" name="그림 15"/>
+          <p:cNvPicPr>
+            <a:picLocks noChangeAspect="1"/>
+          </p:cNvPicPr>
+          <p:nvPr/>
+        </p:nvPicPr>
+        <p:blipFill>
+          <a:blip r:embed="rId5">
+            <a:extLst>
+              <a:ext uri="{28A0092B-C50C-407E-A947-70E740481C1C}">
+                <a14:useLocalDpi xmlns:a14="http://schemas.microsoft.com/office/drawing/2010/main" val="0"/>
+              </a:ext>
+            </a:extLst>
+          </a:blip>
+          <a:stretch>
+            <a:fillRect/>
+          </a:stretch>
+        </p:blipFill>
+        <p:spPr>
+          <a:xfrm>
+            <a:off x="508562" y="693912"/>
+            <a:ext cx="11189166" cy="5790524"/>
+          </a:xfrm>
+          <a:prstGeom prst="rect">
+            <a:avLst/>
+          </a:prstGeom>
+        </p:spPr>
+      </p:pic>
+      <p:pic>
+        <p:nvPicPr>
+          <p:cNvPr id="17" name="그림 16"/>
+          <p:cNvPicPr>
+            <a:picLocks noChangeAspect="1"/>
+          </p:cNvPicPr>
+          <p:nvPr/>
+        </p:nvPicPr>
+        <p:blipFill>
+          <a:blip r:embed="rId6">
+            <a:extLst>
+              <a:ext uri="{28A0092B-C50C-407E-A947-70E740481C1C}">
+                <a14:useLocalDpi xmlns:a14="http://schemas.microsoft.com/office/drawing/2010/main" val="0"/>
+              </a:ext>
+            </a:extLst>
+          </a:blip>
+          <a:stretch>
+            <a:fillRect/>
+          </a:stretch>
+        </p:blipFill>
+        <p:spPr>
+          <a:xfrm>
+            <a:off x="508560" y="711646"/>
+            <a:ext cx="11189167" cy="5793989"/>
+          </a:xfrm>
+          <a:prstGeom prst="rect">
+            <a:avLst/>
+          </a:prstGeom>
+        </p:spPr>
+      </p:pic>
+      <p:pic>
+        <p:nvPicPr>
+          <p:cNvPr id="18" name="그림 17"/>
+          <p:cNvPicPr>
+            <a:picLocks noChangeAspect="1"/>
+          </p:cNvPicPr>
+          <p:nvPr/>
+        </p:nvPicPr>
+        <p:blipFill>
+          <a:blip r:embed="rId7">
+            <a:extLst>
+              <a:ext uri="{28A0092B-C50C-407E-A947-70E740481C1C}">
+                <a14:useLocalDpi xmlns:a14="http://schemas.microsoft.com/office/drawing/2010/main" val="0"/>
+              </a:ext>
+            </a:extLst>
+          </a:blip>
+          <a:stretch>
+            <a:fillRect/>
+          </a:stretch>
+        </p:blipFill>
+        <p:spPr>
+          <a:xfrm>
+            <a:off x="508559" y="690448"/>
+            <a:ext cx="11189168" cy="5813677"/>
+          </a:xfrm>
+          <a:prstGeom prst="rect">
+            <a:avLst/>
+          </a:prstGeom>
+        </p:spPr>
+      </p:pic>
+    </p:spTree>
+    <p:extLst>
+      <p:ext uri="{BB962C8B-B14F-4D97-AF65-F5344CB8AC3E}">
+        <p14:creationId xmlns:p14="http://schemas.microsoft.com/office/powerpoint/2010/main" val="544931963"/>
       </p:ext>
     </p:extLst>
   </p:cSld>
@@ -10908,30 +18322,6 @@
           </a:p>
         </p:txBody>
       </p:sp>
-      <p:pic>
-        <p:nvPicPr>
-          <p:cNvPr id="2" name="그림 1"/>
-          <p:cNvPicPr>
-            <a:picLocks noChangeAspect="1"/>
-          </p:cNvPicPr>
-          <p:nvPr/>
-        </p:nvPicPr>
-        <p:blipFill>
-          <a:blip r:embed="rId5"/>
-          <a:stretch>
-            <a:fillRect/>
-          </a:stretch>
-        </p:blipFill>
-        <p:spPr>
-          <a:xfrm>
-            <a:off x="1604302" y="1383442"/>
-            <a:ext cx="9362732" cy="3153560"/>
-          </a:xfrm>
-          <a:prstGeom prst="rect">
-            <a:avLst/>
-          </a:prstGeom>
-        </p:spPr>
-      </p:pic>
       <p:sp>
         <p:nvSpPr>
           <p:cNvPr id="46" name="TextBox 45"/>
@@ -10940,7 +18330,7 @@
         </p:nvSpPr>
         <p:spPr>
           <a:xfrm>
-            <a:off x="2123241" y="5128051"/>
+            <a:off x="1933573" y="5128051"/>
             <a:ext cx="8324854" cy="830997"/>
           </a:xfrm>
           <a:prstGeom prst="rect">
@@ -10995,49 +18385,127 @@
           </a:p>
         </p:txBody>
       </p:sp>
+      <p:grpSp>
+        <p:nvGrpSpPr>
+          <p:cNvPr id="4" name="그룹 3"/>
+          <p:cNvGrpSpPr/>
+          <p:nvPr/>
+        </p:nvGrpSpPr>
+        <p:grpSpPr>
+          <a:xfrm>
+            <a:off x="1400629" y="1353011"/>
+            <a:ext cx="9390743" cy="3190992"/>
+            <a:chOff x="1596571" y="1353011"/>
+            <a:chExt cx="9390743" cy="3190992"/>
+          </a:xfrm>
+        </p:grpSpPr>
+        <p:sp>
+          <p:nvSpPr>
+            <p:cNvPr id="7" name="직사각형 6"/>
+            <p:cNvSpPr/>
+            <p:nvPr/>
+          </p:nvSpPr>
+          <p:spPr>
+            <a:xfrm>
+              <a:off x="1596571" y="1353011"/>
+              <a:ext cx="9390743" cy="3190992"/>
+            </a:xfrm>
+            <a:prstGeom prst="rect">
+              <a:avLst/>
+            </a:prstGeom>
+            <a:noFill/>
+            <a:ln>
+              <a:solidFill>
+                <a:schemeClr val="tx1"/>
+              </a:solidFill>
+            </a:ln>
+          </p:spPr>
+          <p:style>
+            <a:lnRef idx="2">
+              <a:schemeClr val="accent1">
+                <a:shade val="50000"/>
+              </a:schemeClr>
+            </a:lnRef>
+            <a:fillRef idx="1">
+              <a:schemeClr val="accent1"/>
+            </a:fillRef>
+            <a:effectRef idx="0">
+              <a:schemeClr val="accent1"/>
+            </a:effectRef>
+            <a:fontRef idx="minor">
+              <a:schemeClr val="lt1"/>
+            </a:fontRef>
+          </p:style>
+          <p:txBody>
+            <a:bodyPr rtlCol="0" anchor="ctr"/>
+            <a:lstStyle/>
+            <a:p>
+              <a:pPr algn="ctr"/>
+              <a:endParaRPr lang="ko-KR" altLang="en-US"/>
+            </a:p>
+          </p:txBody>
+        </p:sp>
+        <p:pic>
+          <p:nvPicPr>
+            <p:cNvPr id="2" name="그림 1"/>
+            <p:cNvPicPr>
+              <a:picLocks noChangeAspect="1"/>
+            </p:cNvPicPr>
+            <p:nvPr/>
+          </p:nvPicPr>
+          <p:blipFill>
+            <a:blip r:embed="rId5"/>
+            <a:stretch>
+              <a:fillRect/>
+            </a:stretch>
+          </p:blipFill>
+          <p:spPr>
+            <a:xfrm>
+              <a:off x="1604302" y="1383442"/>
+              <a:ext cx="9362732" cy="3153560"/>
+            </a:xfrm>
+            <a:prstGeom prst="rect">
+              <a:avLst/>
+            </a:prstGeom>
+          </p:spPr>
+        </p:pic>
+      </p:grpSp>
       <p:sp>
         <p:nvSpPr>
-          <p:cNvPr id="7" name="직사각형 6"/>
-          <p:cNvSpPr/>
+          <p:cNvPr id="15" name="TextBox 14"/>
+          <p:cNvSpPr txBox="1"/>
           <p:nvPr/>
         </p:nvSpPr>
         <p:spPr>
           <a:xfrm>
-            <a:off x="1596571" y="1353011"/>
-            <a:ext cx="9390743" cy="3190992"/>
+            <a:off x="3496088" y="868498"/>
+            <a:ext cx="5199825" cy="369332"/>
           </a:xfrm>
           <a:prstGeom prst="rect">
             <a:avLst/>
           </a:prstGeom>
           <a:noFill/>
-          <a:ln>
-            <a:solidFill>
-              <a:schemeClr val="tx1"/>
-            </a:solidFill>
-          </a:ln>
         </p:spPr>
-        <p:style>
-          <a:lnRef idx="2">
-            <a:schemeClr val="accent1">
-              <a:shade val="50000"/>
-            </a:schemeClr>
-          </a:lnRef>
-          <a:fillRef idx="1">
-            <a:schemeClr val="accent1"/>
-          </a:fillRef>
-          <a:effectRef idx="0">
-            <a:schemeClr val="accent1"/>
-          </a:effectRef>
-          <a:fontRef idx="minor">
-            <a:schemeClr val="lt1"/>
-          </a:fontRef>
-        </p:style>
         <p:txBody>
-          <a:bodyPr rtlCol="0" anchor="ctr"/>
+          <a:bodyPr wrap="square" rtlCol="0">
+            <a:spAutoFit/>
+          </a:bodyPr>
           <a:lstStyle/>
           <a:p>
             <a:pPr algn="ctr"/>
-            <a:endParaRPr lang="ko-KR" altLang="en-US"/>
+            <a:r>
+              <a:rPr lang="ko-KR" altLang="en-US" b="1" dirty="0" smtClean="0"/>
+              <a:t>평균 독서시간 </a:t>
+            </a:r>
+            <a:r>
+              <a:rPr lang="en-US" altLang="ko-KR" b="1" dirty="0" smtClean="0"/>
+              <a:t>22.8% </a:t>
+            </a:r>
+            <a:r>
+              <a:rPr lang="ko-KR" altLang="en-US" b="1" dirty="0" smtClean="0"/>
+              <a:t>증가</a:t>
+            </a:r>
+            <a:endParaRPr lang="ko-KR" altLang="en-US" b="1" dirty="0"/>
           </a:p>
         </p:txBody>
       </p:sp>
@@ -11051,6 +18519,13 @@
   <p:clrMapOvr>
     <a:masterClrMapping/>
   </p:clrMapOvr>
+  <p:timing>
+    <p:tnLst>
+      <p:par>
+        <p:cTn id="1" dur="indefinite" restart="never" nodeType="tmRoot"/>
+      </p:par>
+    </p:tnLst>
+  </p:timing>
 </p:sld>
 </file>
 
@@ -12173,6 +19648,13 @@
   <p:clrMapOvr>
     <a:masterClrMapping/>
   </p:clrMapOvr>
+  <p:timing>
+    <p:tnLst>
+      <p:par>
+        <p:cTn id="1" dur="indefinite" restart="never" nodeType="tmRoot"/>
+      </p:par>
+    </p:tnLst>
+  </p:timing>
 </p:sld>
 </file>
 
@@ -12689,23 +20171,15 @@
                   <a:schemeClr val="tx1"/>
                 </a:solidFill>
               </a:rPr>
-              <a:t>책을 보는 게 힘들지</a:t>
-            </a:r>
-            <a:endParaRPr lang="en-US" altLang="ko-KR" dirty="0" smtClean="0">
-              <a:solidFill>
-                <a:schemeClr val="tx1"/>
-              </a:solidFill>
-            </a:endParaRPr>
-          </a:p>
-          <a:p>
-            <a:pPr algn="ctr"/>
+              <a:t>책 읽는 습관이</a:t>
+            </a:r>
             <a:r>
               <a:rPr lang="ko-KR" altLang="en-US" dirty="0" smtClean="0">
                 <a:solidFill>
                   <a:schemeClr val="tx1"/>
                 </a:solidFill>
               </a:rPr>
-              <a:t>보기 시작하면 잘 보는 것 같아요</a:t>
+              <a:t> 익숙하지 않은 것 같아요</a:t>
             </a:r>
             <a:endParaRPr lang="ko-KR" altLang="en-US" dirty="0">
               <a:solidFill>
@@ -12886,6 +20360,13 @@
   <p:clrMapOvr>
     <a:masterClrMapping/>
   </p:clrMapOvr>
+  <p:timing>
+    <p:tnLst>
+      <p:par>
+        <p:cTn id="1" dur="indefinite" restart="never" nodeType="tmRoot"/>
+      </p:par>
+    </p:tnLst>
+  </p:timing>
 </p:sld>
 </file>
 
@@ -13149,6 +20630,13 @@
   <p:clrMapOvr>
     <a:masterClrMapping/>
   </p:clrMapOvr>
+  <p:timing>
+    <p:tnLst>
+      <p:par>
+        <p:cTn id="1" dur="indefinite" restart="never" nodeType="tmRoot"/>
+      </p:par>
+    </p:tnLst>
+  </p:timing>
 </p:sld>
 </file>
 
@@ -13573,6 +21061,13 @@
   <p:clrMapOvr>
     <a:masterClrMapping/>
   </p:clrMapOvr>
+  <p:timing>
+    <p:tnLst>
+      <p:par>
+        <p:cTn id="1" dur="indefinite" restart="never" nodeType="tmRoot"/>
+      </p:par>
+    </p:tnLst>
+  </p:timing>
 </p:sld>
 </file>
 
@@ -13725,7 +21220,7 @@
         </p:nvSpPr>
         <p:spPr>
           <a:xfrm>
-            <a:off x="4771053" y="1944950"/>
+            <a:off x="4771053" y="1584223"/>
             <a:ext cx="9801773" cy="1477328"/>
           </a:xfrm>
           <a:prstGeom prst="rect">
@@ -13912,7 +21407,7 @@
         </p:nvSpPr>
         <p:spPr>
           <a:xfrm>
-            <a:off x="4771053" y="4257189"/>
+            <a:off x="4771053" y="4525637"/>
             <a:ext cx="9801773" cy="1477328"/>
           </a:xfrm>
           <a:prstGeom prst="rect">
@@ -13928,8 +21423,12 @@
           <a:p>
             <a:pPr algn="ctr"/>
             <a:r>
+              <a:rPr lang="en-US" altLang="ko-KR" b="1" dirty="0"/>
+              <a:t>3</a:t>
+            </a:r>
+            <a:r>
               <a:rPr lang="en-US" altLang="ko-KR" b="1" dirty="0" smtClean="0"/>
-              <a:t>2. </a:t>
+              <a:t>. </a:t>
             </a:r>
             <a:r>
               <a:rPr lang="ko-KR" altLang="en-US" b="1" dirty="0" smtClean="0"/>
@@ -13991,6 +21490,125 @@
                 <a:srgbClr val="00B0F0"/>
               </a:solidFill>
             </a:endParaRPr>
+          </a:p>
+        </p:txBody>
+      </p:sp>
+      <p:sp>
+        <p:nvSpPr>
+          <p:cNvPr id="9" name="TextBox 8"/>
+          <p:cNvSpPr txBox="1"/>
+          <p:nvPr/>
+        </p:nvSpPr>
+        <p:spPr>
+          <a:xfrm>
+            <a:off x="4771053" y="2892905"/>
+            <a:ext cx="9801773" cy="1200329"/>
+          </a:xfrm>
+          <a:prstGeom prst="rect">
+            <a:avLst/>
+          </a:prstGeom>
+          <a:noFill/>
+        </p:spPr>
+        <p:txBody>
+          <a:bodyPr wrap="square" rtlCol="0">
+            <a:spAutoFit/>
+          </a:bodyPr>
+          <a:lstStyle/>
+          <a:p>
+            <a:pPr algn="ctr"/>
+            <a:r>
+              <a:rPr lang="en-US" altLang="ko-KR" b="1" dirty="0"/>
+              <a:t>2</a:t>
+            </a:r>
+            <a:r>
+              <a:rPr lang="en-US" altLang="ko-KR" b="1" dirty="0" smtClean="0"/>
+              <a:t>. </a:t>
+            </a:r>
+            <a:endParaRPr lang="en-US" altLang="ko-KR" b="1" dirty="0" smtClean="0"/>
+          </a:p>
+          <a:p>
+            <a:pPr algn="ctr"/>
+            <a:endParaRPr lang="en-US" altLang="ko-KR" b="1" dirty="0" smtClean="0"/>
+          </a:p>
+          <a:p>
+            <a:pPr algn="ctr"/>
+            <a:r>
+              <a:rPr lang="en-US" altLang="ko-KR" b="1" dirty="0" smtClean="0"/>
+              <a:t>-&gt; </a:t>
+            </a:r>
+            <a:r>
+              <a:rPr lang="ko-KR" altLang="en-US" b="1" dirty="0" smtClean="0"/>
+              <a:t>유의미한</a:t>
+            </a:r>
+            <a:r>
+              <a:rPr lang="en-US" altLang="ko-KR" b="1" dirty="0" smtClean="0"/>
+              <a:t> </a:t>
+            </a:r>
+            <a:r>
+              <a:rPr lang="ko-KR" altLang="en-US" b="1" dirty="0" smtClean="0"/>
+              <a:t>소비자 </a:t>
+            </a:r>
+            <a:r>
+              <a:rPr lang="ko-KR" altLang="en-US" b="1" dirty="0" smtClean="0">
+                <a:solidFill>
+                  <a:srgbClr val="00B0F0"/>
+                </a:solidFill>
+              </a:rPr>
+              <a:t>반응</a:t>
+            </a:r>
+            <a:r>
+              <a:rPr lang="en-US" altLang="ko-KR" b="1" dirty="0" smtClean="0">
+                <a:solidFill>
+                  <a:srgbClr val="00B0F0"/>
+                </a:solidFill>
+              </a:rPr>
+              <a:t>(</a:t>
+            </a:r>
+            <a:r>
+              <a:rPr lang="ko-KR" altLang="en-US" b="1" dirty="0" smtClean="0">
+                <a:solidFill>
+                  <a:srgbClr val="00B0F0"/>
+                </a:solidFill>
+              </a:rPr>
+              <a:t>클릭</a:t>
+            </a:r>
+            <a:r>
+              <a:rPr lang="en-US" altLang="ko-KR" b="1" dirty="0" smtClean="0">
+                <a:solidFill>
+                  <a:srgbClr val="00B0F0"/>
+                </a:solidFill>
+              </a:rPr>
+              <a:t>)</a:t>
+            </a:r>
+            <a:r>
+              <a:rPr lang="ko-KR" altLang="en-US" b="1" dirty="0" smtClean="0">
+                <a:solidFill>
+                  <a:srgbClr val="00B0F0"/>
+                </a:solidFill>
+              </a:rPr>
+              <a:t>을 이끌기 </a:t>
+            </a:r>
+            <a:r>
+              <a:rPr lang="ko-KR" altLang="en-US" b="1" dirty="0" err="1" smtClean="0">
+                <a:solidFill>
+                  <a:srgbClr val="00B0F0"/>
+                </a:solidFill>
+              </a:rPr>
+              <a:t>힘듬</a:t>
+            </a:r>
+            <a:endParaRPr lang="en-US" altLang="ko-KR" b="1" dirty="0" smtClean="0">
+              <a:solidFill>
+                <a:srgbClr val="00B0F0"/>
+              </a:solidFill>
+            </a:endParaRPr>
+          </a:p>
+          <a:p>
+            <a:pPr algn="ctr"/>
+            <a:r>
+              <a:rPr lang="en-US" altLang="ko-KR" b="1" dirty="0" smtClean="0"/>
+              <a:t> </a:t>
+            </a:r>
+            <a:endParaRPr lang="ko-KR" altLang="en-US" b="1" dirty="0"/>
           </a:p>
         </p:txBody>
       </p:sp>
@@ -14004,6 +21622,13 @@
   <p:clrMapOvr>
     <a:masterClrMapping/>
   </p:clrMapOvr>
+  <p:timing>
+    <p:tnLst>
+      <p:par>
+        <p:cTn id="1" dur="indefinite" restart="never" nodeType="tmRoot"/>
+      </p:par>
+    </p:tnLst>
+  </p:timing>
 </p:sld>
 </file>
 
@@ -14310,8 +21935,8 @@
         </p:nvSpPr>
         <p:spPr>
           <a:xfrm>
-            <a:off x="677511" y="2727445"/>
-            <a:ext cx="3338286" cy="738664"/>
+            <a:off x="225371" y="2647877"/>
+            <a:ext cx="4188104" cy="861774"/>
           </a:xfrm>
           <a:prstGeom prst="rect">
             <a:avLst/>
@@ -14325,7 +21950,7 @@
           <a:lstStyle/>
           <a:p>
             <a:r>
-              <a:rPr lang="en-US" altLang="ko-KR" sz="2400" b="1" dirty="0" smtClean="0">
+              <a:rPr lang="en-US" altLang="ko-KR" sz="3200" b="1" dirty="0" smtClean="0">
                 <a:solidFill>
                   <a:srgbClr val="00B0F0"/>
                 </a:solidFill>
@@ -14333,7 +21958,7 @@
               <a:t>M</a:t>
             </a:r>
             <a:r>
-              <a:rPr lang="en-US" altLang="ko-KR" sz="2400" dirty="0" smtClean="0">
+              <a:rPr lang="en-US" altLang="ko-KR" sz="3200" dirty="0" smtClean="0">
                 <a:solidFill>
                   <a:srgbClr val="00B0F0"/>
                 </a:solidFill>
@@ -14341,7 +21966,7 @@
               <a:t>y </a:t>
             </a:r>
             <a:r>
-              <a:rPr lang="en-US" altLang="ko-KR" sz="2400" b="1" dirty="0" smtClean="0">
+              <a:rPr lang="en-US" altLang="ko-KR" sz="3200" b="1" dirty="0" smtClean="0">
                 <a:solidFill>
                   <a:srgbClr val="00B0F0"/>
                 </a:solidFill>
@@ -14349,7 +21974,7 @@
               <a:t>R</a:t>
             </a:r>
             <a:r>
-              <a:rPr lang="en-US" altLang="ko-KR" sz="2400" dirty="0" smtClean="0">
+              <a:rPr lang="en-US" altLang="ko-KR" sz="3200" dirty="0" smtClean="0">
                 <a:solidFill>
                   <a:srgbClr val="00B0F0"/>
                 </a:solidFill>
@@ -14357,7 +21982,7 @@
               <a:t>eading </a:t>
             </a:r>
             <a:r>
-              <a:rPr lang="en-US" altLang="ko-KR" sz="2400" b="1" dirty="0" smtClean="0">
+              <a:rPr lang="en-US" altLang="ko-KR" sz="3200" b="1" dirty="0" smtClean="0">
                 <a:solidFill>
                   <a:srgbClr val="00B0F0"/>
                 </a:solidFill>
@@ -14365,7 +21990,7 @@
               <a:t>R</a:t>
             </a:r>
             <a:r>
-              <a:rPr lang="en-US" altLang="ko-KR" sz="2400" dirty="0" smtClean="0">
+              <a:rPr lang="en-US" altLang="ko-KR" sz="3200" dirty="0" smtClean="0">
                 <a:solidFill>
                   <a:srgbClr val="00B0F0"/>
                 </a:solidFill>
@@ -14392,6 +22017,13 @@
   <p:clrMapOvr>
     <a:masterClrMapping/>
   </p:clrMapOvr>
+  <p:timing>
+    <p:tnLst>
+      <p:par>
+        <p:cTn id="1" dur="indefinite" restart="never" nodeType="tmRoot"/>
+      </p:par>
+    </p:tnLst>
+  </p:timing>
 </p:sld>
 </file>
 

--- a/Document/2조 김용선, 박세영, 정아인.pptx
+++ b/Document/2조 김용선, 박세영, 정아인.pptx
@@ -8488,15 +8488,7 @@
             </a:r>
             <a:r>
               <a:rPr lang="ko-KR" altLang="en-US" dirty="0" smtClean="0"/>
-              <a:t>내역</a:t>
-            </a:r>
-            <a:r>
-              <a:rPr lang="ko-KR" altLang="en-US" dirty="0" smtClean="0"/>
-              <a:t> 데이터 기반 추천도서 </a:t>
-            </a:r>
-            <a:r>
-              <a:rPr lang="ko-KR" altLang="en-US" dirty="0" smtClean="0"/>
-              <a:t>기능</a:t>
+              <a:t>내역 데이터 기반 추천도서 기능</a:t>
             </a:r>
             <a:endParaRPr lang="en-US" altLang="ko-KR" dirty="0" smtClean="0"/>
           </a:p>
@@ -8506,11 +8498,7 @@
             </a:pPr>
             <a:r>
               <a:rPr lang="ko-KR" altLang="en-US" dirty="0" smtClean="0"/>
-              <a:t>고객 데이터 기반 </a:t>
-            </a:r>
-            <a:r>
-              <a:rPr lang="ko-KR" altLang="en-US" dirty="0" smtClean="0"/>
-              <a:t>독서패턴 기능</a:t>
+              <a:t>고객 데이터 기반 독서패턴 기능</a:t>
             </a:r>
             <a:endParaRPr lang="en-US" altLang="ko-KR" dirty="0"/>
           </a:p>
@@ -8530,11 +8518,7 @@
             </a:pPr>
             <a:r>
               <a:rPr lang="ko-KR" altLang="en-US" dirty="0" err="1" smtClean="0"/>
-              <a:t>검색창</a:t>
-            </a:r>
-            <a:r>
-              <a:rPr lang="ko-KR" altLang="en-US" dirty="0" err="1" smtClean="0"/>
-              <a:t>에서</a:t>
+              <a:t>검색창에서</a:t>
             </a:r>
             <a:r>
               <a:rPr lang="ko-KR" altLang="en-US" dirty="0" smtClean="0"/>
@@ -10247,26 +10231,14 @@
               <a:buAutoNum type="arabicPeriod"/>
             </a:pPr>
             <a:r>
-              <a:rPr lang="en-US" altLang="ko-KR" sz="2000" b="1" dirty="0" smtClean="0"/>
+              <a:rPr lang="en-US" altLang="ko-KR" sz="2000" dirty="0" smtClean="0"/>
               <a:t>Web Cover </a:t>
             </a:r>
             <a:r>
-              <a:rPr lang="ko-KR" altLang="en-US" sz="2000" b="1" dirty="0" smtClean="0"/>
+              <a:rPr lang="ko-KR" altLang="en-US" sz="2000" dirty="0" smtClean="0"/>
               <a:t>페이지</a:t>
             </a:r>
-            <a:r>
-              <a:rPr lang="en-US" altLang="ko-KR" sz="2000" b="1" dirty="0" smtClean="0"/>
-              <a:t>—</a:t>
-            </a:r>
-            <a:r>
-              <a:rPr lang="ko-KR" altLang="en-US" sz="2000" b="1" dirty="0" smtClean="0"/>
-              <a:t>용선님 </a:t>
-            </a:r>
-            <a:r>
-              <a:rPr lang="en-US" altLang="ko-KR" sz="2000" b="1" dirty="0" smtClean="0"/>
-              <a:t>O</a:t>
-            </a:r>
-            <a:endParaRPr lang="en-US" altLang="ko-KR" sz="2000" b="1" dirty="0" smtClean="0"/>
+            <a:endParaRPr lang="en-US" altLang="ko-KR" sz="2000" dirty="0" smtClean="0"/>
           </a:p>
           <a:p>
             <a:pPr marL="457200" indent="-457200">
@@ -10274,153 +10246,141 @@
               <a:buAutoNum type="arabicPeriod"/>
             </a:pPr>
             <a:r>
-              <a:rPr lang="en-US" altLang="ko-KR" sz="2000" b="1" dirty="0" smtClean="0"/>
+              <a:rPr lang="en-US" altLang="ko-KR" sz="2000" dirty="0" smtClean="0"/>
               <a:t>Main </a:t>
             </a:r>
             <a:r>
-              <a:rPr lang="ko-KR" altLang="en-US" sz="2000" b="1" dirty="0" smtClean="0"/>
+              <a:rPr lang="ko-KR" altLang="en-US" sz="2000" dirty="0" smtClean="0"/>
               <a:t>페이지</a:t>
             </a:r>
             <a:r>
-              <a:rPr lang="en-US" altLang="ko-KR" sz="2000" b="1" dirty="0" smtClean="0"/>
+              <a:rPr lang="en-US" altLang="ko-KR" sz="2000" dirty="0" smtClean="0"/>
               <a:t>(</a:t>
             </a:r>
             <a:r>
-              <a:rPr lang="ko-KR" altLang="en-US" sz="2000" b="1" dirty="0" smtClean="0"/>
+              <a:rPr lang="ko-KR" altLang="en-US" sz="2000" dirty="0" smtClean="0"/>
               <a:t>베스트셀러 리스트 노출</a:t>
             </a:r>
             <a:r>
-              <a:rPr lang="en-US" altLang="ko-KR" sz="2000" b="1" dirty="0" smtClean="0"/>
+              <a:rPr lang="en-US" altLang="ko-KR" sz="2000" dirty="0" smtClean="0"/>
               <a:t>, </a:t>
             </a:r>
             <a:r>
-              <a:rPr lang="ko-KR" altLang="en-US" sz="2000" b="1" dirty="0" smtClean="0"/>
+              <a:rPr lang="ko-KR" altLang="en-US" sz="2000" dirty="0" smtClean="0"/>
               <a:t>신작리스트</a:t>
             </a:r>
             <a:r>
-              <a:rPr lang="en-US" altLang="ko-KR" sz="2000" b="1" dirty="0" smtClean="0"/>
-              <a:t>)—</a:t>
-            </a:r>
-            <a:r>
-              <a:rPr lang="ko-KR" altLang="en-US" sz="2000" b="1" dirty="0" err="1" smtClean="0"/>
-              <a:t>아인상</a:t>
-            </a:r>
-            <a:r>
-              <a:rPr lang="ko-KR" altLang="en-US" sz="2000" b="1" dirty="0" smtClean="0"/>
+              <a:rPr lang="en-US" altLang="ko-KR" sz="2000" dirty="0" smtClean="0"/>
+              <a:t>)</a:t>
+            </a:r>
+          </a:p>
+          <a:p>
+            <a:r>
+              <a:rPr lang="en-US" altLang="ko-KR" sz="2000" dirty="0"/>
+              <a:t>	</a:t>
+            </a:r>
+            <a:r>
+              <a:rPr lang="ko-KR" altLang="en-US" sz="2000" dirty="0" err="1" smtClean="0"/>
+              <a:t>해더</a:t>
+            </a:r>
+            <a:r>
+              <a:rPr lang="en-US" altLang="ko-KR" sz="2000" dirty="0" smtClean="0"/>
+              <a:t>:</a:t>
+            </a:r>
+            <a:r>
+              <a:rPr lang="ko-KR" altLang="en-US" sz="2000" dirty="0"/>
+              <a:t> 로그인 회원가입 </a:t>
+            </a:r>
+            <a:r>
+              <a:rPr lang="en-US" altLang="ko-KR" sz="2000" dirty="0"/>
+              <a:t>/ </a:t>
+            </a:r>
+            <a:r>
+              <a:rPr lang="ko-KR" altLang="en-US" sz="2000" dirty="0"/>
+              <a:t>로그아웃 </a:t>
+            </a:r>
+            <a:r>
+              <a:rPr lang="ko-KR" altLang="en-US" sz="2000" dirty="0" err="1"/>
+              <a:t>마이페이지</a:t>
+            </a:r>
+            <a:r>
+              <a:rPr lang="ko-KR" altLang="en-US" sz="2000" dirty="0"/>
               <a:t> </a:t>
             </a:r>
             <a:r>
-              <a:rPr lang="en-US" altLang="ko-KR" sz="2000" b="1" dirty="0" smtClean="0"/>
-              <a:t>O</a:t>
-            </a:r>
-          </a:p>
-          <a:p>
-            <a:r>
-              <a:rPr lang="en-US" altLang="ko-KR" sz="2000" b="1" dirty="0"/>
+              <a:rPr lang="ko-KR" altLang="en-US" sz="2000" dirty="0" smtClean="0"/>
+              <a:t>장바구니</a:t>
+            </a:r>
+            <a:r>
+              <a:rPr lang="en-US" altLang="ko-KR" sz="2000" dirty="0" smtClean="0"/>
+              <a:t>(import)</a:t>
+            </a:r>
+          </a:p>
+          <a:p>
+            <a:r>
+              <a:rPr lang="en-US" altLang="ko-KR" sz="2000" dirty="0"/>
               <a:t>	</a:t>
             </a:r>
             <a:r>
-              <a:rPr lang="ko-KR" altLang="en-US" sz="2000" b="1" dirty="0" err="1" smtClean="0"/>
-              <a:t>해더</a:t>
-            </a:r>
-            <a:r>
-              <a:rPr lang="en-US" altLang="ko-KR" sz="2000" b="1" dirty="0" smtClean="0"/>
-              <a:t>:</a:t>
-            </a:r>
-            <a:r>
-              <a:rPr lang="ko-KR" altLang="en-US" sz="2000" b="1" dirty="0"/>
-              <a:t> 로그인 회원가입 </a:t>
-            </a:r>
-            <a:r>
-              <a:rPr lang="en-US" altLang="ko-KR" sz="2000" b="1" dirty="0"/>
-              <a:t>/ </a:t>
-            </a:r>
-            <a:r>
-              <a:rPr lang="ko-KR" altLang="en-US" sz="2000" b="1" dirty="0"/>
-              <a:t>로그아웃 </a:t>
-            </a:r>
-            <a:r>
-              <a:rPr lang="ko-KR" altLang="en-US" sz="2000" b="1" dirty="0" err="1"/>
-              <a:t>마이페이지</a:t>
-            </a:r>
-            <a:r>
-              <a:rPr lang="ko-KR" altLang="en-US" sz="2000" b="1" dirty="0"/>
-              <a:t> </a:t>
-            </a:r>
-            <a:r>
-              <a:rPr lang="ko-KR" altLang="en-US" sz="2000" b="1" dirty="0" smtClean="0"/>
-              <a:t>장바구니</a:t>
-            </a:r>
-            <a:r>
-              <a:rPr lang="en-US" altLang="ko-KR" sz="2000" b="1" dirty="0" smtClean="0"/>
+              <a:rPr lang="ko-KR" altLang="en-US" sz="2000" dirty="0" err="1" smtClean="0"/>
+              <a:t>검색창</a:t>
+            </a:r>
+            <a:r>
+              <a:rPr lang="en-US" altLang="ko-KR" sz="2000" dirty="0" smtClean="0"/>
               <a:t>(import)</a:t>
             </a:r>
           </a:p>
           <a:p>
             <a:r>
-              <a:rPr lang="en-US" altLang="ko-KR" sz="2000" b="1" dirty="0"/>
+              <a:rPr lang="en-US" altLang="ko-KR" sz="2000" dirty="0" smtClean="0"/>
               <a:t>	</a:t>
             </a:r>
             <a:r>
-              <a:rPr lang="ko-KR" altLang="en-US" sz="2000" b="1" dirty="0" err="1" smtClean="0"/>
-              <a:t>검색창</a:t>
-            </a:r>
-            <a:r>
-              <a:rPr lang="en-US" altLang="ko-KR" sz="2000" b="1" dirty="0" smtClean="0"/>
-              <a:t>(import)</a:t>
-            </a:r>
-          </a:p>
-          <a:p>
-            <a:r>
-              <a:rPr lang="en-US" altLang="ko-KR" sz="2000" b="1" dirty="0" smtClean="0"/>
-              <a:t>	</a:t>
-            </a:r>
-            <a:r>
-              <a:rPr lang="ko-KR" altLang="en-US" sz="2000" b="1" dirty="0" err="1" smtClean="0"/>
+              <a:rPr lang="ko-KR" altLang="en-US" sz="2000" dirty="0" err="1" smtClean="0"/>
               <a:t>네비게이션</a:t>
             </a:r>
             <a:r>
-              <a:rPr lang="en-US" altLang="ko-KR" sz="2000" b="1" dirty="0" smtClean="0"/>
+              <a:rPr lang="en-US" altLang="ko-KR" sz="2000" dirty="0" smtClean="0"/>
               <a:t>bar: </a:t>
             </a:r>
             <a:r>
-              <a:rPr lang="en-US" altLang="ko-KR" sz="2000" b="1" dirty="0" err="1"/>
+              <a:rPr lang="en-US" altLang="ko-KR" sz="2000" dirty="0" err="1"/>
               <a:t>MyReadingRhythm</a:t>
             </a:r>
             <a:r>
-              <a:rPr lang="en-US" altLang="ko-KR" sz="2000" b="1" dirty="0" smtClean="0"/>
+              <a:rPr lang="en-US" altLang="ko-KR" sz="2000" dirty="0" smtClean="0"/>
               <a:t>, </a:t>
             </a:r>
             <a:r>
-              <a:rPr lang="ko-KR" altLang="en-US" sz="2000" b="1" dirty="0" smtClean="0"/>
+              <a:rPr lang="ko-KR" altLang="en-US" sz="2000" dirty="0" smtClean="0"/>
               <a:t>구매</a:t>
             </a:r>
             <a:r>
-              <a:rPr lang="en-US" altLang="ko-KR" sz="2000" b="1" dirty="0"/>
+              <a:rPr lang="en-US" altLang="ko-KR" sz="2000" dirty="0"/>
               <a:t>/</a:t>
             </a:r>
             <a:r>
-              <a:rPr lang="ko-KR" altLang="en-US" sz="2000" b="1" dirty="0" smtClean="0"/>
+              <a:rPr lang="ko-KR" altLang="en-US" sz="2000" dirty="0" smtClean="0"/>
               <a:t>대여</a:t>
             </a:r>
             <a:r>
-              <a:rPr lang="en-US" altLang="ko-KR" sz="2000" b="1" dirty="0" smtClean="0"/>
+              <a:rPr lang="en-US" altLang="ko-KR" sz="2000" dirty="0" smtClean="0"/>
               <a:t>, </a:t>
             </a:r>
             <a:r>
-              <a:rPr lang="ko-KR" altLang="en-US" sz="2000" b="1" dirty="0" smtClean="0"/>
+              <a:rPr lang="ko-KR" altLang="en-US" sz="2000" dirty="0" smtClean="0"/>
               <a:t>고객센터</a:t>
             </a:r>
             <a:r>
-              <a:rPr lang="en-US" altLang="ko-KR" sz="2000" b="1" dirty="0" smtClean="0"/>
+              <a:rPr lang="en-US" altLang="ko-KR" sz="2000" dirty="0" smtClean="0"/>
               <a:t>(</a:t>
             </a:r>
             <a:r>
-              <a:rPr lang="ko-KR" altLang="en-US" sz="2000" b="1" dirty="0" smtClean="0"/>
+              <a:rPr lang="ko-KR" altLang="en-US" sz="2000" dirty="0" smtClean="0"/>
               <a:t>문의</a:t>
             </a:r>
             <a:r>
-              <a:rPr lang="en-US" altLang="ko-KR" sz="2000" b="1" dirty="0" smtClean="0"/>
+              <a:rPr lang="en-US" altLang="ko-KR" sz="2000" dirty="0" smtClean="0"/>
               <a:t>)(import)</a:t>
             </a:r>
           </a:p>
@@ -10430,26 +10390,14 @@
               <a:buAutoNum type="arabicPeriod" startAt="3"/>
             </a:pPr>
             <a:r>
-              <a:rPr lang="en-US" altLang="ko-KR" sz="2000" b="1" dirty="0" smtClean="0"/>
+              <a:rPr lang="en-US" altLang="ko-KR" sz="2000" dirty="0" smtClean="0"/>
               <a:t>Login </a:t>
             </a:r>
             <a:r>
-              <a:rPr lang="ko-KR" altLang="en-US" sz="2000" b="1" dirty="0" smtClean="0"/>
+              <a:rPr lang="ko-KR" altLang="en-US" sz="2000" dirty="0" smtClean="0"/>
               <a:t>페이지</a:t>
             </a:r>
-            <a:r>
-              <a:rPr lang="en-US" altLang="ko-KR" sz="2000" b="1" dirty="0" smtClean="0"/>
-              <a:t>—</a:t>
-            </a:r>
-            <a:r>
-              <a:rPr lang="ko-KR" altLang="en-US" sz="2000" b="1" dirty="0" smtClean="0"/>
-              <a:t>용선님 </a:t>
-            </a:r>
-            <a:r>
-              <a:rPr lang="en-US" altLang="ko-KR" sz="2000" b="1" dirty="0" smtClean="0"/>
-              <a:t>O</a:t>
-            </a:r>
-            <a:endParaRPr lang="en-US" altLang="ko-KR" sz="2000" b="1" dirty="0"/>
+            <a:endParaRPr lang="en-US" altLang="ko-KR" sz="2000" dirty="0"/>
           </a:p>
           <a:p>
             <a:pPr marL="457200" indent="-457200">
@@ -10457,56 +10405,44 @@
               <a:buAutoNum type="arabicPeriod" startAt="3"/>
             </a:pPr>
             <a:r>
-              <a:rPr lang="ko-KR" altLang="en-US" sz="2000" b="1" dirty="0" smtClean="0"/>
-              <a:t>회원가입 페이지</a:t>
-            </a:r>
-            <a:r>
-              <a:rPr lang="en-US" altLang="ko-KR" sz="2000" b="1" dirty="0" smtClean="0"/>
-              <a:t>—</a:t>
-            </a:r>
-            <a:r>
-              <a:rPr lang="ko-KR" altLang="en-US" sz="2000" b="1" dirty="0" smtClean="0"/>
-              <a:t>용선님 </a:t>
-            </a:r>
-            <a:r>
-              <a:rPr lang="en-US" altLang="ko-KR" sz="2000" b="1" dirty="0" smtClean="0"/>
-              <a:t>O</a:t>
-            </a:r>
-            <a:endParaRPr lang="en-US" altLang="ko-KR" sz="2000" b="1" dirty="0"/>
+              <a:rPr lang="ko-KR" altLang="en-US" sz="2000" dirty="0" smtClean="0"/>
+              <a:t>회원가입 </a:t>
+            </a:r>
+            <a:r>
+              <a:rPr lang="ko-KR" altLang="en-US" sz="2000" dirty="0" smtClean="0"/>
+              <a:t>페이지</a:t>
+            </a:r>
+            <a:endParaRPr lang="en-US" altLang="ko-KR" sz="2000" dirty="0"/>
           </a:p>
           <a:p>
             <a:pPr marL="457200" indent="-457200">
               <a:buAutoNum type="arabicPeriod" startAt="3"/>
             </a:pPr>
             <a:r>
-              <a:rPr lang="en-US" altLang="ko-KR" sz="2000" b="1" dirty="0" err="1" smtClean="0"/>
+              <a:rPr lang="en-US" altLang="ko-KR" sz="2000" dirty="0" err="1" smtClean="0"/>
               <a:t>MyReadingRhythm</a:t>
             </a:r>
             <a:r>
-              <a:rPr lang="en-US" altLang="ko-KR" sz="2000" b="1" dirty="0" smtClean="0"/>
+              <a:rPr lang="en-US" altLang="ko-KR" sz="2000" dirty="0" smtClean="0"/>
               <a:t>(</a:t>
             </a:r>
             <a:r>
-              <a:rPr lang="ko-KR" altLang="en-US" sz="2000" b="1" dirty="0" smtClean="0"/>
+              <a:rPr lang="ko-KR" altLang="en-US" sz="2000" dirty="0" smtClean="0"/>
               <a:t>가제</a:t>
             </a:r>
             <a:r>
-              <a:rPr lang="en-US" altLang="ko-KR" sz="2000" b="1" dirty="0" smtClean="0"/>
+              <a:rPr lang="en-US" altLang="ko-KR" sz="2000" dirty="0" smtClean="0"/>
               <a:t>)(</a:t>
             </a:r>
             <a:r>
-              <a:rPr lang="ko-KR" altLang="en-US" sz="2000" b="1" dirty="0" smtClean="0"/>
+              <a:rPr lang="ko-KR" altLang="en-US" sz="2000" dirty="0" smtClean="0"/>
               <a:t>독서 패턴 및 추천도서 노출화면</a:t>
             </a:r>
             <a:r>
-              <a:rPr lang="en-US" altLang="ko-KR" sz="2000" b="1" dirty="0" smtClean="0"/>
-              <a:t>)—</a:t>
-            </a:r>
-            <a:r>
-              <a:rPr lang="ko-KR" altLang="en-US" sz="2000" b="1" dirty="0" err="1" smtClean="0"/>
-              <a:t>아인상</a:t>
-            </a:r>
-            <a:endParaRPr lang="en-US" altLang="ko-KR" sz="2000" b="1" dirty="0"/>
+              <a:rPr lang="en-US" altLang="ko-KR" sz="2000" dirty="0" smtClean="0"/>
+              <a:t>)</a:t>
+            </a:r>
+            <a:endParaRPr lang="en-US" altLang="ko-KR" sz="2000" dirty="0"/>
           </a:p>
           <a:p>
             <a:pPr marL="457200" indent="-457200">
@@ -10514,24 +10450,12 @@
               <a:buAutoNum type="arabicPeriod" startAt="3"/>
             </a:pPr>
             <a:r>
-              <a:rPr lang="ko-KR" altLang="en-US" sz="2000" b="1" dirty="0" smtClean="0"/>
-              <a:t>구매대상 페이지</a:t>
-            </a:r>
-            <a:r>
-              <a:rPr lang="en-US" altLang="ko-KR" sz="2000" b="1" dirty="0" smtClean="0"/>
-              <a:t>—</a:t>
-            </a:r>
-            <a:r>
-              <a:rPr lang="ko-KR" altLang="en-US" sz="2000" b="1" dirty="0" err="1" smtClean="0"/>
-              <a:t>아인상</a:t>
-            </a:r>
-            <a:r>
-              <a:rPr lang="ko-KR" altLang="en-US" sz="2000" b="1" dirty="0" smtClean="0"/>
-              <a:t> </a:t>
-            </a:r>
-            <a:r>
-              <a:rPr lang="en-US" altLang="ko-KR" sz="2000" b="1" dirty="0" smtClean="0"/>
-              <a:t>O</a:t>
+              <a:rPr lang="ko-KR" altLang="en-US" sz="2000" dirty="0" smtClean="0"/>
+              <a:t>구매대상 </a:t>
+            </a:r>
+            <a:r>
+              <a:rPr lang="ko-KR" altLang="en-US" sz="2000" dirty="0" smtClean="0"/>
+              <a:t>페이지</a:t>
             </a:r>
             <a:endParaRPr lang="en-US" altLang="ko-KR" sz="2000" dirty="0"/>
           </a:p>
@@ -10541,63 +10465,40 @@
               <a:buAutoNum type="arabicPeriod" startAt="3"/>
             </a:pPr>
             <a:r>
-              <a:rPr lang="ko-KR" altLang="en-US" sz="2000" b="1" dirty="0" smtClean="0"/>
-              <a:t>대여대상 페이지</a:t>
-            </a:r>
-            <a:r>
-              <a:rPr lang="en-US" altLang="ko-KR" sz="2000" b="1" dirty="0" smtClean="0"/>
-              <a:t>—</a:t>
-            </a:r>
-            <a:r>
-              <a:rPr lang="ko-KR" altLang="en-US" sz="2000" b="1" dirty="0" err="1" smtClean="0"/>
-              <a:t>아인상</a:t>
-            </a:r>
-            <a:r>
-              <a:rPr lang="ko-KR" altLang="en-US" sz="2000" b="1" dirty="0" smtClean="0"/>
-              <a:t> </a:t>
-            </a:r>
-            <a:r>
-              <a:rPr lang="en-US" altLang="ko-KR" sz="2000" b="1" dirty="0" smtClean="0"/>
-              <a:t>O</a:t>
-            </a:r>
+              <a:rPr lang="ko-KR" altLang="en-US" sz="2000" dirty="0" smtClean="0"/>
+              <a:t>대여대상 </a:t>
+            </a:r>
+            <a:r>
+              <a:rPr lang="ko-KR" altLang="en-US" sz="2000" dirty="0" smtClean="0"/>
+              <a:t>페이지</a:t>
+            </a:r>
+            <a:endParaRPr lang="en-US" altLang="ko-KR" sz="2000" dirty="0" smtClean="0"/>
           </a:p>
           <a:p>
             <a:pPr marL="457200" indent="-457200">
               <a:buAutoNum type="arabicPeriod" startAt="3"/>
             </a:pPr>
             <a:r>
-              <a:rPr lang="ko-KR" altLang="en-US" sz="2000" b="1" dirty="0" smtClean="0"/>
+              <a:rPr lang="ko-KR" altLang="en-US" sz="2000" dirty="0" smtClean="0"/>
               <a:t>구매</a:t>
             </a:r>
             <a:r>
-              <a:rPr lang="en-US" altLang="ko-KR" sz="2000" b="1" dirty="0" smtClean="0"/>
+              <a:rPr lang="en-US" altLang="ko-KR" sz="2000" dirty="0" smtClean="0"/>
               <a:t>/</a:t>
             </a:r>
             <a:r>
-              <a:rPr lang="ko-KR" altLang="en-US" sz="2000" b="1" dirty="0" smtClean="0"/>
+              <a:rPr lang="ko-KR" altLang="en-US" sz="2000" dirty="0" smtClean="0"/>
               <a:t>대여  </a:t>
             </a:r>
             <a:r>
-              <a:rPr lang="en-US" altLang="ko-KR" sz="2000" b="1" dirty="0" smtClean="0"/>
+              <a:rPr lang="en-US" altLang="ko-KR" sz="2000" dirty="0" smtClean="0"/>
               <a:t>list </a:t>
             </a:r>
             <a:r>
-              <a:rPr lang="ko-KR" altLang="en-US" sz="2000" b="1" dirty="0" smtClean="0"/>
+              <a:rPr lang="ko-KR" altLang="en-US" sz="2000" dirty="0" smtClean="0"/>
               <a:t>페이지</a:t>
             </a:r>
-            <a:r>
-              <a:rPr lang="en-US" altLang="ko-KR" sz="2000" b="1" dirty="0" smtClean="0"/>
-              <a:t>--</a:t>
-            </a:r>
-            <a:r>
-              <a:rPr lang="ko-KR" altLang="en-US" sz="2000" b="1" dirty="0" smtClean="0"/>
-              <a:t>세영님 </a:t>
-            </a:r>
-            <a:r>
-              <a:rPr lang="en-US" altLang="ko-KR" sz="2000" b="1" dirty="0" smtClean="0"/>
-              <a:t>O</a:t>
-            </a:r>
-            <a:endParaRPr lang="en-US" altLang="ko-KR" sz="2000" b="1" dirty="0"/>
+            <a:endParaRPr lang="en-US" altLang="ko-KR" sz="2000" dirty="0"/>
           </a:p>
           <a:p>
             <a:pPr marL="457200" indent="-457200">
@@ -10605,42 +10506,30 @@
               <a:buAutoNum type="arabicPeriod" startAt="3"/>
             </a:pPr>
             <a:r>
-              <a:rPr lang="ko-KR" altLang="en-US" sz="2000" b="1" dirty="0" err="1" smtClean="0"/>
+              <a:rPr lang="ko-KR" altLang="en-US" sz="2000" dirty="0" err="1" smtClean="0"/>
               <a:t>검색창</a:t>
             </a:r>
             <a:r>
-              <a:rPr lang="ko-KR" altLang="en-US" sz="2000" b="1" dirty="0" smtClean="0"/>
+              <a:rPr lang="ko-KR" altLang="en-US" sz="2000" dirty="0" smtClean="0"/>
               <a:t> 모듈</a:t>
             </a:r>
             <a:r>
-              <a:rPr lang="en-US" altLang="ko-KR" sz="2000" b="1" dirty="0" smtClean="0"/>
+              <a:rPr lang="en-US" altLang="ko-KR" sz="2000" dirty="0" smtClean="0"/>
               <a:t>/ </a:t>
             </a:r>
             <a:r>
-              <a:rPr lang="ko-KR" altLang="en-US" sz="2000" b="1" dirty="0" err="1" smtClean="0"/>
+              <a:rPr lang="ko-KR" altLang="en-US" sz="2000" dirty="0" err="1" smtClean="0"/>
               <a:t>네비게이션</a:t>
             </a:r>
             <a:r>
-              <a:rPr lang="en-US" altLang="ko-KR" sz="2000" b="1" dirty="0" smtClean="0"/>
+              <a:rPr lang="en-US" altLang="ko-KR" sz="2000" dirty="0" smtClean="0"/>
               <a:t>bar </a:t>
             </a:r>
             <a:r>
-              <a:rPr lang="ko-KR" altLang="en-US" sz="2000" b="1" dirty="0" smtClean="0"/>
-              <a:t>모듈</a:t>
-            </a:r>
-            <a:r>
-              <a:rPr lang="en-US" altLang="ko-KR" sz="2000" b="1" dirty="0" smtClean="0"/>
-              <a:t>/ </a:t>
-            </a:r>
-            <a:r>
-              <a:rPr lang="en-US" altLang="ko-KR" sz="2000" b="1" dirty="0"/>
-              <a:t>--</a:t>
-            </a:r>
-            <a:r>
-              <a:rPr lang="ko-KR" altLang="en-US" sz="2000" b="1" dirty="0" smtClean="0"/>
-              <a:t>세영님 </a:t>
-            </a:r>
-            <a:endParaRPr lang="en-US" altLang="ko-KR" sz="2000" b="1" dirty="0" smtClean="0"/>
+              <a:rPr lang="ko-KR" altLang="en-US" sz="2000" dirty="0" smtClean="0"/>
+              <a:t>모듈 </a:t>
+            </a:r>
+            <a:endParaRPr lang="en-US" altLang="ko-KR" sz="2000" dirty="0" smtClean="0"/>
           </a:p>
           <a:p>
             <a:pPr marL="457200" indent="-457200">
@@ -10648,48 +10537,36 @@
               <a:buAutoNum type="arabicPeriod" startAt="3"/>
             </a:pPr>
             <a:r>
-              <a:rPr lang="ko-KR" altLang="en-US" sz="2000" b="1" dirty="0" err="1" smtClean="0"/>
+              <a:rPr lang="ko-KR" altLang="en-US" sz="2000" dirty="0" err="1" smtClean="0"/>
               <a:t>해더모듈</a:t>
             </a:r>
             <a:r>
-              <a:rPr lang="en-US" altLang="ko-KR" sz="2000" b="1" dirty="0" smtClean="0"/>
+              <a:rPr lang="en-US" altLang="ko-KR" sz="2000" dirty="0" smtClean="0"/>
               <a:t>(</a:t>
             </a:r>
             <a:r>
-              <a:rPr lang="ko-KR" altLang="en-US" sz="2000" b="1" dirty="0" smtClean="0"/>
+              <a:rPr lang="ko-KR" altLang="en-US" sz="2000" dirty="0" smtClean="0"/>
               <a:t>로그인 회원가입 </a:t>
             </a:r>
             <a:r>
-              <a:rPr lang="en-US" altLang="ko-KR" sz="2000" b="1" dirty="0" smtClean="0"/>
+              <a:rPr lang="en-US" altLang="ko-KR" sz="2000" dirty="0" smtClean="0"/>
               <a:t>/ </a:t>
             </a:r>
             <a:r>
-              <a:rPr lang="ko-KR" altLang="en-US" sz="2000" b="1" dirty="0" smtClean="0"/>
+              <a:rPr lang="ko-KR" altLang="en-US" sz="2000" dirty="0" smtClean="0"/>
               <a:t>로그아웃 </a:t>
             </a:r>
             <a:r>
-              <a:rPr lang="ko-KR" altLang="en-US" sz="2000" b="1" dirty="0" err="1" smtClean="0"/>
+              <a:rPr lang="ko-KR" altLang="en-US" sz="2000" dirty="0" err="1" smtClean="0"/>
               <a:t>마이페이지</a:t>
             </a:r>
             <a:r>
-              <a:rPr lang="ko-KR" altLang="en-US" sz="2000" b="1" dirty="0" smtClean="0"/>
+              <a:rPr lang="ko-KR" altLang="en-US" sz="2000" dirty="0" smtClean="0"/>
               <a:t> 장바구니</a:t>
             </a:r>
             <a:r>
-              <a:rPr lang="en-US" altLang="ko-KR" sz="2000" b="1" dirty="0" smtClean="0"/>
-              <a:t>) –</a:t>
-            </a:r>
-            <a:r>
-              <a:rPr lang="ko-KR" altLang="en-US" sz="2000" b="1" dirty="0" err="1" smtClean="0"/>
-              <a:t>아인상</a:t>
-            </a:r>
-            <a:r>
-              <a:rPr lang="ko-KR" altLang="en-US" sz="2000" b="1" dirty="0" smtClean="0"/>
-              <a:t> </a:t>
-            </a:r>
-            <a:r>
-              <a:rPr lang="en-US" altLang="ko-KR" sz="2000" b="1" dirty="0" smtClean="0"/>
-              <a:t>O</a:t>
+              <a:rPr lang="en-US" altLang="ko-KR" sz="2000" dirty="0" smtClean="0"/>
+              <a:t>) </a:t>
             </a:r>
           </a:p>
           <a:p>
@@ -10698,22 +10575,22 @@
               <a:buAutoNum type="arabicPeriod" startAt="3"/>
             </a:pPr>
             <a:r>
-              <a:rPr lang="ko-KR" altLang="en-US" sz="2000" b="1" dirty="0" smtClean="0"/>
+              <a:rPr lang="ko-KR" altLang="en-US" sz="2000" dirty="0" smtClean="0"/>
               <a:t>모듈기업정보</a:t>
             </a:r>
             <a:r>
-              <a:rPr lang="en-US" altLang="ko-KR" sz="2000" b="1" dirty="0" smtClean="0"/>
-              <a:t>(footer)—</a:t>
-            </a:r>
-            <a:r>
-              <a:rPr lang="ko-KR" altLang="en-US" sz="2000" b="1" dirty="0" smtClean="0"/>
-              <a:t>세영님 </a:t>
-            </a:r>
-            <a:r>
-              <a:rPr lang="en-US" altLang="ko-KR" sz="2000" b="1" dirty="0" smtClean="0"/>
-              <a:t>O</a:t>
-            </a:r>
-            <a:endParaRPr lang="en-US" altLang="ko-KR" sz="2000" b="1" dirty="0"/>
+              <a:rPr lang="en-US" altLang="ko-KR" sz="2000" dirty="0" smtClean="0"/>
+              <a:t>(</a:t>
+            </a:r>
+            <a:r>
+              <a:rPr lang="en-US" altLang="ko-KR" sz="2000" dirty="0" smtClean="0"/>
+              <a:t>footer</a:t>
+            </a:r>
+            <a:r>
+              <a:rPr lang="en-US" altLang="ko-KR" sz="2000" dirty="0"/>
+              <a:t>)</a:t>
+            </a:r>
+            <a:endParaRPr lang="en-US" altLang="ko-KR" sz="2000" dirty="0"/>
           </a:p>
           <a:p>
             <a:pPr marL="457200" indent="-457200">
@@ -10721,21 +10598,14 @@
               <a:buAutoNum type="arabicPeriod" startAt="3"/>
             </a:pPr>
             <a:r>
-              <a:rPr lang="ko-KR" altLang="en-US" sz="2000" b="1" dirty="0" smtClean="0"/>
-              <a:t>대여 시 직접 수령할 지점 위치제공 페이지</a:t>
-            </a:r>
-            <a:r>
-              <a:rPr lang="en-US" altLang="ko-KR" sz="2000" b="1" dirty="0" smtClean="0"/>
-              <a:t>—</a:t>
-            </a:r>
-            <a:r>
-              <a:rPr lang="ko-KR" altLang="en-US" sz="2000" b="1" dirty="0" smtClean="0"/>
-              <a:t>용선님 </a:t>
-            </a:r>
-            <a:r>
-              <a:rPr lang="en-US" altLang="ko-KR" sz="2000" b="1" dirty="0" smtClean="0"/>
-              <a:t>O</a:t>
-            </a:r>
+              <a:rPr lang="ko-KR" altLang="en-US" sz="2000" dirty="0" smtClean="0"/>
+              <a:t>대여 시 직접 수령할 지점 위치제공 </a:t>
+            </a:r>
+            <a:r>
+              <a:rPr lang="ko-KR" altLang="en-US" sz="2000" dirty="0" smtClean="0"/>
+              <a:t>페이지</a:t>
+            </a:r>
+            <a:endParaRPr lang="en-US" altLang="ko-KR" sz="2000" dirty="0" smtClean="0"/>
           </a:p>
           <a:p>
             <a:pPr marL="457200" indent="-457200">
@@ -10743,10 +10613,10 @@
               <a:buAutoNum type="arabicPeriod" startAt="3"/>
             </a:pPr>
             <a:r>
-              <a:rPr lang="ko-KR" altLang="en-US" sz="2000" b="1" dirty="0" smtClean="0"/>
+              <a:rPr lang="ko-KR" altLang="en-US" sz="2000" dirty="0" smtClean="0"/>
               <a:t>장바구니 페이지</a:t>
             </a:r>
-            <a:endParaRPr lang="en-US" altLang="ko-KR" sz="2000" b="1" dirty="0" smtClean="0"/>
+            <a:endParaRPr lang="en-US" altLang="ko-KR" sz="2000" dirty="0" smtClean="0"/>
           </a:p>
           <a:p>
             <a:pPr marL="457200" indent="-457200">
@@ -10876,15 +10746,7 @@
                   <a:schemeClr val="bg1"/>
                 </a:solidFill>
               </a:rPr>
-              <a:t>2</a:t>
-            </a:r>
-            <a:r>
-              <a:rPr lang="en-US" altLang="ko-KR" sz="1200" dirty="0" smtClean="0">
-                <a:solidFill>
-                  <a:schemeClr val="bg1"/>
-                </a:solidFill>
-              </a:rPr>
-              <a:t>-1 </a:t>
+              <a:t>2-1 </a:t>
             </a:r>
             <a:r>
               <a:rPr lang="ko-KR" altLang="en-US" sz="1200" dirty="0" err="1" smtClean="0">
@@ -11545,15 +11407,7 @@
                   <a:schemeClr val="bg1"/>
                 </a:solidFill>
               </a:rPr>
-              <a:t>2</a:t>
-            </a:r>
-            <a:r>
-              <a:rPr lang="en-US" altLang="ko-KR" sz="1200" dirty="0" smtClean="0">
-                <a:solidFill>
-                  <a:schemeClr val="bg1"/>
-                </a:solidFill>
-              </a:rPr>
-              <a:t>-2 </a:t>
+              <a:t>2-2 </a:t>
             </a:r>
             <a:r>
               <a:rPr lang="ko-KR" altLang="en-US" sz="1200" dirty="0" smtClean="0">
@@ -11744,15 +11598,7 @@
                   <a:schemeClr val="bg1"/>
                 </a:solidFill>
               </a:rPr>
-              <a:t>2</a:t>
-            </a:r>
-            <a:r>
-              <a:rPr lang="en-US" altLang="ko-KR" sz="1200" dirty="0" smtClean="0">
-                <a:solidFill>
-                  <a:schemeClr val="bg1"/>
-                </a:solidFill>
-              </a:rPr>
-              <a:t>-3 </a:t>
+              <a:t>2-3 </a:t>
             </a:r>
             <a:r>
               <a:rPr lang="ko-KR" altLang="en-US" sz="1200" dirty="0" smtClean="0">
@@ -11987,15 +11833,7 @@
                   <a:schemeClr val="bg1"/>
                 </a:solidFill>
               </a:rPr>
-              <a:t>2</a:t>
-            </a:r>
-            <a:r>
-              <a:rPr lang="en-US" altLang="ko-KR" sz="1200" dirty="0" smtClean="0">
-                <a:solidFill>
-                  <a:schemeClr val="bg1"/>
-                </a:solidFill>
-              </a:rPr>
-              <a:t>-4 </a:t>
+              <a:t>2-4 </a:t>
             </a:r>
             <a:r>
               <a:rPr lang="ko-KR" altLang="en-US" sz="1200" dirty="0" smtClean="0">
@@ -12200,15 +12038,7 @@
                   <a:schemeClr val="bg1"/>
                 </a:solidFill>
               </a:rPr>
-              <a:t>2</a:t>
-            </a:r>
-            <a:r>
-              <a:rPr lang="en-US" altLang="ko-KR" sz="1200" dirty="0" smtClean="0">
-                <a:solidFill>
-                  <a:schemeClr val="bg1"/>
-                </a:solidFill>
-              </a:rPr>
-              <a:t>-5 My Reading Rhythm</a:t>
+              <a:t>2-5 My Reading Rhythm</a:t>
             </a:r>
             <a:endParaRPr lang="ko-KR" altLang="en-US" sz="1200" dirty="0">
               <a:solidFill>
@@ -12770,15 +12600,7 @@
                   <a:schemeClr val="bg1"/>
                 </a:solidFill>
               </a:rPr>
-              <a:t>2</a:t>
-            </a:r>
-            <a:r>
-              <a:rPr lang="en-US" altLang="ko-KR" sz="1200" dirty="0" smtClean="0">
-                <a:solidFill>
-                  <a:schemeClr val="bg1"/>
-                </a:solidFill>
-              </a:rPr>
-              <a:t>-6 </a:t>
+              <a:t>2-6 </a:t>
             </a:r>
             <a:r>
               <a:rPr lang="ko-KR" altLang="en-US" sz="1200" dirty="0" smtClean="0">
@@ -13833,15 +13655,7 @@
                   <a:schemeClr val="bg1"/>
                 </a:solidFill>
               </a:rPr>
-              <a:t>2</a:t>
-            </a:r>
-            <a:r>
-              <a:rPr lang="en-US" altLang="ko-KR" sz="1200" dirty="0" smtClean="0">
-                <a:solidFill>
-                  <a:schemeClr val="bg1"/>
-                </a:solidFill>
-              </a:rPr>
-              <a:t>-7 </a:t>
+              <a:t>2-7 </a:t>
             </a:r>
             <a:r>
               <a:rPr lang="ko-KR" altLang="en-US" sz="1200" dirty="0" smtClean="0">
@@ -14062,15 +13876,7 @@
                   <a:schemeClr val="bg1"/>
                 </a:solidFill>
               </a:rPr>
-              <a:t>2</a:t>
-            </a:r>
-            <a:r>
-              <a:rPr lang="en-US" altLang="ko-KR" sz="1200" dirty="0" smtClean="0">
-                <a:solidFill>
-                  <a:schemeClr val="bg1"/>
-                </a:solidFill>
-              </a:rPr>
-              <a:t>-8 </a:t>
+              <a:t>2-8 </a:t>
             </a:r>
             <a:r>
               <a:rPr lang="ko-KR" altLang="en-US" sz="1200" dirty="0" smtClean="0">
@@ -14769,15 +14575,7 @@
                   <a:schemeClr val="bg1"/>
                 </a:solidFill>
               </a:rPr>
-              <a:t>2</a:t>
-            </a:r>
-            <a:r>
-              <a:rPr lang="en-US" altLang="ko-KR" sz="1200" dirty="0" smtClean="0">
-                <a:solidFill>
-                  <a:schemeClr val="bg1"/>
-                </a:solidFill>
-              </a:rPr>
-              <a:t>-9 </a:t>
+              <a:t>2-9 </a:t>
             </a:r>
             <a:r>
               <a:rPr lang="ko-KR" altLang="en-US" sz="1200" dirty="0" err="1" smtClean="0">
@@ -15484,15 +15282,7 @@
                   <a:schemeClr val="bg1"/>
                 </a:solidFill>
               </a:rPr>
-              <a:t>2</a:t>
-            </a:r>
-            <a:r>
-              <a:rPr lang="en-US" altLang="ko-KR" sz="1200" dirty="0" smtClean="0">
-                <a:solidFill>
-                  <a:schemeClr val="bg1"/>
-                </a:solidFill>
-              </a:rPr>
-              <a:t>-10 </a:t>
+              <a:t>2-10 </a:t>
             </a:r>
             <a:r>
               <a:rPr lang="ko-KR" altLang="en-US" sz="1200" dirty="0" err="1" smtClean="0">
@@ -16123,15 +15913,7 @@
                   <a:schemeClr val="bg1"/>
                 </a:solidFill>
               </a:rPr>
-              <a:t>2</a:t>
-            </a:r>
-            <a:r>
-              <a:rPr lang="en-US" altLang="ko-KR" sz="1200" dirty="0" smtClean="0">
-                <a:solidFill>
-                  <a:schemeClr val="bg1"/>
-                </a:solidFill>
-              </a:rPr>
-              <a:t>-11 </a:t>
+              <a:t>2-11 </a:t>
             </a:r>
             <a:r>
               <a:rPr lang="ko-KR" altLang="en-US" sz="1200" dirty="0" smtClean="0">
@@ -16814,15 +16596,7 @@
                   <a:schemeClr val="bg1"/>
                 </a:solidFill>
               </a:rPr>
-              <a:t>2</a:t>
-            </a:r>
-            <a:r>
-              <a:rPr lang="en-US" altLang="ko-KR" sz="1200" dirty="0" smtClean="0">
-                <a:solidFill>
-                  <a:schemeClr val="bg1"/>
-                </a:solidFill>
-              </a:rPr>
-              <a:t>-12 </a:t>
+              <a:t>2-12 </a:t>
             </a:r>
             <a:r>
               <a:rPr lang="ko-KR" altLang="en-US" sz="1200" dirty="0" smtClean="0">
@@ -17415,15 +17189,7 @@
                   <a:schemeClr val="bg1"/>
                 </a:solidFill>
               </a:rPr>
-              <a:t>2</a:t>
-            </a:r>
-            <a:r>
-              <a:rPr lang="en-US" altLang="ko-KR" sz="1200" dirty="0" smtClean="0">
-                <a:solidFill>
-                  <a:schemeClr val="bg1"/>
-                </a:solidFill>
-              </a:rPr>
-              <a:t>-13 </a:t>
+              <a:t>2-13 </a:t>
             </a:r>
             <a:r>
               <a:rPr lang="ko-KR" altLang="en-US" sz="1200" dirty="0" smtClean="0">
@@ -20171,15 +19937,7 @@
                   <a:schemeClr val="tx1"/>
                 </a:solidFill>
               </a:rPr>
-              <a:t>책 읽는 습관이</a:t>
-            </a:r>
-            <a:r>
-              <a:rPr lang="ko-KR" altLang="en-US" dirty="0" smtClean="0">
-                <a:solidFill>
-                  <a:schemeClr val="tx1"/>
-                </a:solidFill>
-              </a:rPr>
-              <a:t> 익숙하지 않은 것 같아요</a:t>
+              <a:t>책 읽는 습관이 익숙하지 않은 것 같아요</a:t>
             </a:r>
             <a:endParaRPr lang="ko-KR" altLang="en-US" dirty="0">
               <a:solidFill>
@@ -21319,12 +21077,20 @@
               <a:t>을 이끌기 </a:t>
             </a:r>
             <a:r>
-              <a:rPr lang="ko-KR" altLang="en-US" b="1" dirty="0" err="1" smtClean="0">
+              <a:rPr lang="ko-KR" altLang="en-US" b="1" dirty="0" smtClean="0">
                 <a:solidFill>
                   <a:srgbClr val="00B0F0"/>
                 </a:solidFill>
               </a:rPr>
-              <a:t>힘듬</a:t>
+              <a:t>힘</a:t>
+            </a:r>
+            <a:r>
+              <a:rPr lang="ko-KR" altLang="en-US" b="1" dirty="0">
+                <a:solidFill>
+                  <a:srgbClr val="00B0F0"/>
+                </a:solidFill>
+              </a:rPr>
+              <a:t>듦</a:t>
             </a:r>
             <a:endParaRPr lang="en-US" altLang="ko-KR" b="1" dirty="0" smtClean="0">
               <a:solidFill>
@@ -21501,7 +21267,7 @@
         </p:nvSpPr>
         <p:spPr>
           <a:xfrm>
-            <a:off x="4771053" y="2892905"/>
+            <a:off x="4771053" y="3035518"/>
             <a:ext cx="9801773" cy="1200329"/>
           </a:xfrm>
           <a:prstGeom prst="rect">
@@ -21524,6 +21290,18 @@
               <a:rPr lang="en-US" altLang="ko-KR" b="1" dirty="0" smtClean="0"/>
               <a:t>. </a:t>
             </a:r>
+            <a:r>
+              <a:rPr lang="ko-KR" altLang="en-US" b="1" dirty="0" smtClean="0"/>
+              <a:t>도서 가격의 부담으로 </a:t>
+            </a:r>
+            <a:endParaRPr lang="en-US" altLang="ko-KR" b="1" dirty="0" smtClean="0"/>
+          </a:p>
+          <a:p>
+            <a:pPr algn="ctr"/>
+            <a:r>
+              <a:rPr lang="ko-KR" altLang="en-US" b="1" dirty="0" smtClean="0"/>
+              <a:t>구매로 이어지지 않음</a:t>
+            </a:r>
             <a:endParaRPr lang="en-US" altLang="ko-KR" b="1" dirty="0" smtClean="0"/>
           </a:p>
           <a:p>
@@ -21537,16 +21315,12 @@
               <a:t>-&gt; </a:t>
             </a:r>
             <a:r>
-              <a:rPr lang="ko-KR" altLang="en-US" b="1" dirty="0" smtClean="0"/>
-              <a:t>유의미한</a:t>
-            </a:r>
-            <a:r>
-              <a:rPr lang="en-US" altLang="ko-KR" b="1" dirty="0" smtClean="0"/>
-              <a:t> </a:t>
-            </a:r>
-            <a:r>
-              <a:rPr lang="ko-KR" altLang="en-US" b="1" dirty="0" smtClean="0"/>
-              <a:t>소비자 </a:t>
+              <a:rPr lang="ko-KR" altLang="en-US" b="1" dirty="0">
+                <a:solidFill>
+                  <a:srgbClr val="00B0F0"/>
+                </a:solidFill>
+              </a:rPr>
+              <a:t>대여 </a:t>
             </a:r>
             <a:r>
               <a:rPr lang="ko-KR" altLang="en-US" b="1" dirty="0" smtClean="0">
@@ -21554,59 +21328,7 @@
                   <a:srgbClr val="00B0F0"/>
                 </a:solidFill>
               </a:rPr>
-              <a:t>반응</a:t>
-            </a:r>
-            <a:r>
-              <a:rPr lang="en-US" altLang="ko-KR" b="1" dirty="0" smtClean="0">
-                <a:solidFill>
-                  <a:srgbClr val="00B0F0"/>
-                </a:solidFill>
-              </a:rPr>
-              <a:t>(</a:t>
-            </a:r>
-            <a:r>
-              <a:rPr lang="ko-KR" altLang="en-US" b="1" dirty="0" smtClean="0">
-                <a:solidFill>
-                  <a:srgbClr val="00B0F0"/>
-                </a:solidFill>
-              </a:rPr>
-              <a:t>클릭</a:t>
-            </a:r>
-            <a:r>
-              <a:rPr lang="en-US" altLang="ko-KR" b="1" dirty="0" smtClean="0">
-                <a:solidFill>
-                  <a:srgbClr val="00B0F0"/>
-                </a:solidFill>
-              </a:rPr>
-              <a:t>)</a:t>
-            </a:r>
-            <a:r>
-              <a:rPr lang="ko-KR" altLang="en-US" b="1" dirty="0" smtClean="0">
-                <a:solidFill>
-                  <a:srgbClr val="00B0F0"/>
-                </a:solidFill>
-              </a:rPr>
-              <a:t>을 이끌기 </a:t>
-            </a:r>
-            <a:r>
-              <a:rPr lang="ko-KR" altLang="en-US" b="1" dirty="0" err="1" smtClean="0">
-                <a:solidFill>
-                  <a:srgbClr val="00B0F0"/>
-                </a:solidFill>
-              </a:rPr>
-              <a:t>힘듬</a:t>
-            </a:r>
-            <a:endParaRPr lang="en-US" altLang="ko-KR" b="1" dirty="0" smtClean="0">
-              <a:solidFill>
-                <a:srgbClr val="00B0F0"/>
-              </a:solidFill>
-            </a:endParaRPr>
-          </a:p>
-          <a:p>
-            <a:pPr algn="ctr"/>
-            <a:r>
-              <a:rPr lang="en-US" altLang="ko-KR" b="1" dirty="0" smtClean="0"/>
-              <a:t> </a:t>
+              <a:t>서비스의 부재</a:t>
             </a:r>
             <a:endParaRPr lang="ko-KR" altLang="en-US" b="1" dirty="0"/>
           </a:p>

--- a/Document/2조 김용선, 박세영, 정아인.pptx
+++ b/Document/2조 김용선, 박세영, 정아인.pptx
@@ -31,6 +31,7 @@
     <p:sldId id="283" r:id="rId25"/>
     <p:sldId id="278" r:id="rId26"/>
     <p:sldId id="282" r:id="rId27"/>
+    <p:sldId id="285" r:id="rId28"/>
   </p:sldIdLst>
   <p:sldSz cx="12192000" cy="6858000"/>
   <p:notesSz cx="6858000" cy="9144000"/>
@@ -268,7 +269,7 @@
           <a:p>
             <a:fld id="{3AF7B712-D0C1-4524-9AB7-ED61D349829E}" type="datetimeFigureOut">
               <a:rPr lang="ko-KR" altLang="en-US" smtClean="0"/>
-              <a:t>2020-05-22</a:t>
+              <a:t>2020-05-27</a:t>
             </a:fld>
             <a:endParaRPr lang="ko-KR" altLang="en-US"/>
           </a:p>
@@ -438,7 +439,7 @@
           <a:p>
             <a:fld id="{3AF7B712-D0C1-4524-9AB7-ED61D349829E}" type="datetimeFigureOut">
               <a:rPr lang="ko-KR" altLang="en-US" smtClean="0"/>
-              <a:t>2020-05-22</a:t>
+              <a:t>2020-05-27</a:t>
             </a:fld>
             <a:endParaRPr lang="ko-KR" altLang="en-US"/>
           </a:p>
@@ -618,7 +619,7 @@
           <a:p>
             <a:fld id="{3AF7B712-D0C1-4524-9AB7-ED61D349829E}" type="datetimeFigureOut">
               <a:rPr lang="ko-KR" altLang="en-US" smtClean="0"/>
-              <a:t>2020-05-22</a:t>
+              <a:t>2020-05-27</a:t>
             </a:fld>
             <a:endParaRPr lang="ko-KR" altLang="en-US"/>
           </a:p>
@@ -788,7 +789,7 @@
           <a:p>
             <a:fld id="{3AF7B712-D0C1-4524-9AB7-ED61D349829E}" type="datetimeFigureOut">
               <a:rPr lang="ko-KR" altLang="en-US" smtClean="0"/>
-              <a:t>2020-05-22</a:t>
+              <a:t>2020-05-27</a:t>
             </a:fld>
             <a:endParaRPr lang="ko-KR" altLang="en-US"/>
           </a:p>
@@ -1034,7 +1035,7 @@
           <a:p>
             <a:fld id="{3AF7B712-D0C1-4524-9AB7-ED61D349829E}" type="datetimeFigureOut">
               <a:rPr lang="ko-KR" altLang="en-US" smtClean="0"/>
-              <a:t>2020-05-22</a:t>
+              <a:t>2020-05-27</a:t>
             </a:fld>
             <a:endParaRPr lang="ko-KR" altLang="en-US"/>
           </a:p>
@@ -1266,7 +1267,7 @@
           <a:p>
             <a:fld id="{3AF7B712-D0C1-4524-9AB7-ED61D349829E}" type="datetimeFigureOut">
               <a:rPr lang="ko-KR" altLang="en-US" smtClean="0"/>
-              <a:t>2020-05-22</a:t>
+              <a:t>2020-05-27</a:t>
             </a:fld>
             <a:endParaRPr lang="ko-KR" altLang="en-US"/>
           </a:p>
@@ -1633,7 +1634,7 @@
           <a:p>
             <a:fld id="{3AF7B712-D0C1-4524-9AB7-ED61D349829E}" type="datetimeFigureOut">
               <a:rPr lang="ko-KR" altLang="en-US" smtClean="0"/>
-              <a:t>2020-05-22</a:t>
+              <a:t>2020-05-27</a:t>
             </a:fld>
             <a:endParaRPr lang="ko-KR" altLang="en-US"/>
           </a:p>
@@ -1751,7 +1752,7 @@
           <a:p>
             <a:fld id="{3AF7B712-D0C1-4524-9AB7-ED61D349829E}" type="datetimeFigureOut">
               <a:rPr lang="ko-KR" altLang="en-US" smtClean="0"/>
-              <a:t>2020-05-22</a:t>
+              <a:t>2020-05-27</a:t>
             </a:fld>
             <a:endParaRPr lang="ko-KR" altLang="en-US"/>
           </a:p>
@@ -1846,7 +1847,7 @@
           <a:p>
             <a:fld id="{3AF7B712-D0C1-4524-9AB7-ED61D349829E}" type="datetimeFigureOut">
               <a:rPr lang="ko-KR" altLang="en-US" smtClean="0"/>
-              <a:t>2020-05-22</a:t>
+              <a:t>2020-05-27</a:t>
             </a:fld>
             <a:endParaRPr lang="ko-KR" altLang="en-US"/>
           </a:p>
@@ -2123,7 +2124,7 @@
           <a:p>
             <a:fld id="{3AF7B712-D0C1-4524-9AB7-ED61D349829E}" type="datetimeFigureOut">
               <a:rPr lang="ko-KR" altLang="en-US" smtClean="0"/>
-              <a:t>2020-05-22</a:t>
+              <a:t>2020-05-27</a:t>
             </a:fld>
             <a:endParaRPr lang="ko-KR" altLang="en-US"/>
           </a:p>
@@ -2376,7 +2377,7 @@
           <a:p>
             <a:fld id="{3AF7B712-D0C1-4524-9AB7-ED61D349829E}" type="datetimeFigureOut">
               <a:rPr lang="ko-KR" altLang="en-US" smtClean="0"/>
-              <a:t>2020-05-22</a:t>
+              <a:t>2020-05-27</a:t>
             </a:fld>
             <a:endParaRPr lang="ko-KR" altLang="en-US"/>
           </a:p>
@@ -2589,7 +2590,7 @@
           <a:p>
             <a:fld id="{3AF7B712-D0C1-4524-9AB7-ED61D349829E}" type="datetimeFigureOut">
               <a:rPr lang="ko-KR" altLang="en-US" smtClean="0"/>
-              <a:t>2020-05-22</a:t>
+              <a:t>2020-05-27</a:t>
             </a:fld>
             <a:endParaRPr lang="ko-KR" altLang="en-US"/>
           </a:p>
@@ -10406,11 +10407,7 @@
             </a:pPr>
             <a:r>
               <a:rPr lang="ko-KR" altLang="en-US" sz="2000" dirty="0" smtClean="0"/>
-              <a:t>회원가입 </a:t>
-            </a:r>
-            <a:r>
-              <a:rPr lang="ko-KR" altLang="en-US" sz="2000" dirty="0" smtClean="0"/>
-              <a:t>페이지</a:t>
+              <a:t>회원가입 페이지</a:t>
             </a:r>
             <a:endParaRPr lang="en-US" altLang="ko-KR" sz="2000" dirty="0"/>
           </a:p>
@@ -10451,11 +10448,7 @@
             </a:pPr>
             <a:r>
               <a:rPr lang="ko-KR" altLang="en-US" sz="2000" dirty="0" smtClean="0"/>
-              <a:t>구매대상 </a:t>
-            </a:r>
-            <a:r>
-              <a:rPr lang="ko-KR" altLang="en-US" sz="2000" dirty="0" smtClean="0"/>
-              <a:t>페이지</a:t>
+              <a:t>구매대상 페이지</a:t>
             </a:r>
             <a:endParaRPr lang="en-US" altLang="ko-KR" sz="2000" dirty="0"/>
           </a:p>
@@ -10466,11 +10459,7 @@
             </a:pPr>
             <a:r>
               <a:rPr lang="ko-KR" altLang="en-US" sz="2000" dirty="0" smtClean="0"/>
-              <a:t>대여대상 </a:t>
-            </a:r>
-            <a:r>
-              <a:rPr lang="ko-KR" altLang="en-US" sz="2000" dirty="0" smtClean="0"/>
-              <a:t>페이지</a:t>
+              <a:t>대여대상 페이지</a:t>
             </a:r>
             <a:endParaRPr lang="en-US" altLang="ko-KR" sz="2000" dirty="0" smtClean="0"/>
           </a:p>
@@ -10580,17 +10569,12 @@
             </a:r>
             <a:r>
               <a:rPr lang="en-US" altLang="ko-KR" sz="2000" dirty="0" smtClean="0"/>
-              <a:t>(</a:t>
-            </a:r>
-            <a:r>
-              <a:rPr lang="en-US" altLang="ko-KR" sz="2000" dirty="0" smtClean="0"/>
-              <a:t>footer</a:t>
+              <a:t>(footer</a:t>
             </a:r>
             <a:r>
               <a:rPr lang="en-US" altLang="ko-KR" sz="2000" dirty="0"/>
               <a:t>)</a:t>
             </a:r>
-            <a:endParaRPr lang="en-US" altLang="ko-KR" sz="2000" dirty="0"/>
           </a:p>
           <a:p>
             <a:pPr marL="457200" indent="-457200">
@@ -10599,11 +10583,7 @@
             </a:pPr>
             <a:r>
               <a:rPr lang="ko-KR" altLang="en-US" sz="2000" dirty="0" smtClean="0"/>
-              <a:t>대여 시 직접 수령할 지점 위치제공 </a:t>
-            </a:r>
-            <a:r>
-              <a:rPr lang="ko-KR" altLang="en-US" sz="2000" dirty="0" smtClean="0"/>
-              <a:t>페이지</a:t>
+              <a:t>대여 시 직접 수령할 지점 위치제공 페이지</a:t>
             </a:r>
             <a:endParaRPr lang="en-US" altLang="ko-KR" sz="2000" dirty="0" smtClean="0"/>
           </a:p>
@@ -17795,6 +17775,6517 @@
 </p:sld>
 </file>
 
+<file path=ppt/slides/slide27.xml><?xml version="1.0" encoding="utf-8"?>
+<p:sld xmlns:a="http://schemas.openxmlformats.org/drawingml/2006/main" xmlns:r="http://schemas.openxmlformats.org/officeDocument/2006/relationships" xmlns:p="http://schemas.openxmlformats.org/presentationml/2006/main">
+  <p:cSld>
+    <p:spTree>
+      <p:nvGrpSpPr>
+        <p:cNvPr id="1" name=""/>
+        <p:cNvGrpSpPr/>
+        <p:nvPr/>
+      </p:nvGrpSpPr>
+      <p:grpSpPr>
+        <a:xfrm>
+          <a:off x="0" y="0"/>
+          <a:ext cx="0" cy="0"/>
+          <a:chOff x="0" y="0"/>
+          <a:chExt cx="0" cy="0"/>
+        </a:xfrm>
+      </p:grpSpPr>
+      <p:sp>
+        <p:nvSpPr>
+          <p:cNvPr id="9" name="직사각형 8"/>
+          <p:cNvSpPr/>
+          <p:nvPr/>
+        </p:nvSpPr>
+        <p:spPr>
+          <a:xfrm>
+            <a:off x="0" y="0"/>
+            <a:ext cx="12192000" cy="434649"/>
+          </a:xfrm>
+          <a:prstGeom prst="rect">
+            <a:avLst/>
+          </a:prstGeom>
+          <a:solidFill>
+            <a:srgbClr val="00B0F0"/>
+          </a:solidFill>
+          <a:ln>
+            <a:noFill/>
+          </a:ln>
+        </p:spPr>
+        <p:style>
+          <a:lnRef idx="2">
+            <a:schemeClr val="accent1">
+              <a:shade val="50000"/>
+            </a:schemeClr>
+          </a:lnRef>
+          <a:fillRef idx="1">
+            <a:schemeClr val="accent1"/>
+          </a:fillRef>
+          <a:effectRef idx="0">
+            <a:schemeClr val="accent1"/>
+          </a:effectRef>
+          <a:fontRef idx="minor">
+            <a:schemeClr val="lt1"/>
+          </a:fontRef>
+        </p:style>
+        <p:txBody>
+          <a:bodyPr rtlCol="0" anchor="ctr"/>
+          <a:lstStyle/>
+          <a:p>
+            <a:pPr algn="ctr"/>
+            <a:endParaRPr lang="ko-KR" altLang="en-US"/>
+          </a:p>
+        </p:txBody>
+      </p:sp>
+      <p:sp>
+        <p:nvSpPr>
+          <p:cNvPr id="8" name="TextBox 7"/>
+          <p:cNvSpPr txBox="1"/>
+          <p:nvPr/>
+        </p:nvSpPr>
+        <p:spPr>
+          <a:xfrm>
+            <a:off x="139965" y="65317"/>
+            <a:ext cx="4413379" cy="369332"/>
+          </a:xfrm>
+          <a:prstGeom prst="rect">
+            <a:avLst/>
+          </a:prstGeom>
+          <a:noFill/>
+        </p:spPr>
+        <p:txBody>
+          <a:bodyPr wrap="square" rtlCol="0">
+            <a:spAutoFit/>
+          </a:bodyPr>
+          <a:lstStyle/>
+          <a:p>
+            <a:r>
+              <a:rPr lang="en-US" altLang="ko-KR" dirty="0">
+                <a:solidFill>
+                  <a:schemeClr val="bg1"/>
+                </a:solidFill>
+              </a:rPr>
+              <a:t>3</a:t>
+            </a:r>
+            <a:r>
+              <a:rPr lang="en-US" altLang="ko-KR" dirty="0" smtClean="0">
+                <a:solidFill>
+                  <a:schemeClr val="bg1"/>
+                </a:solidFill>
+              </a:rPr>
+              <a:t>. </a:t>
+            </a:r>
+            <a:r>
+              <a:rPr lang="ko-KR" altLang="en-US" dirty="0" smtClean="0">
+                <a:solidFill>
+                  <a:schemeClr val="bg1"/>
+                </a:solidFill>
+              </a:rPr>
+              <a:t>데이터베이스</a:t>
+            </a:r>
+            <a:endParaRPr lang="ko-KR" altLang="en-US" dirty="0">
+              <a:solidFill>
+                <a:schemeClr val="bg1"/>
+              </a:solidFill>
+            </a:endParaRPr>
+          </a:p>
+        </p:txBody>
+      </p:sp>
+      <p:graphicFrame>
+        <p:nvGraphicFramePr>
+          <p:cNvPr id="20" name="표 19"/>
+          <p:cNvGraphicFramePr>
+            <a:graphicFrameLocks noGrp="1"/>
+          </p:cNvGraphicFramePr>
+          <p:nvPr>
+            <p:extLst>
+              <p:ext uri="{D42A27DB-BD31-4B8C-83A1-F6EECF244321}">
+                <p14:modId xmlns:p14="http://schemas.microsoft.com/office/powerpoint/2010/main" val="2009101305"/>
+              </p:ext>
+            </p:extLst>
+          </p:nvPr>
+        </p:nvGraphicFramePr>
+        <p:xfrm>
+          <a:off x="9331775" y="5274944"/>
+          <a:ext cx="2425701" cy="1466850"/>
+        </p:xfrm>
+        <a:graphic>
+          <a:graphicData uri="http://schemas.openxmlformats.org/drawingml/2006/table">
+            <a:tbl>
+              <a:tblPr>
+                <a:tableStyleId>{5C22544A-7EE6-4342-B048-85BDC9FD1C3A}</a:tableStyleId>
+              </a:tblPr>
+              <a:tblGrid>
+                <a:gridCol w="1055893"/>
+                <a:gridCol w="684904"/>
+                <a:gridCol w="684904"/>
+              </a:tblGrid>
+              <a:tr h="209550">
+                <a:tc gridSpan="3">
+                  <a:txBody>
+                    <a:bodyPr/>
+                    <a:lstStyle/>
+                    <a:p>
+                      <a:pPr algn="ctr" fontAlgn="ctr"/>
+                      <a:r>
+                        <a:rPr lang="en-US" sz="1100" u="none" strike="noStrike" dirty="0">
+                          <a:effectLst/>
+                        </a:rPr>
+                        <a:t>QUESTIONBOARD</a:t>
+                      </a:r>
+                      <a:endParaRPr lang="en-US" sz="1100" b="1" i="0" u="none" strike="noStrike" dirty="0">
+                        <a:solidFill>
+                          <a:srgbClr val="FFFFFF"/>
+                        </a:solidFill>
+                        <a:effectLst/>
+                        <a:latin typeface="맑은 고딕" panose="020B0503020000020004" pitchFamily="50" charset="-127"/>
+                        <a:ea typeface="맑은 고딕" panose="020B0503020000020004" pitchFamily="50" charset="-127"/>
+                      </a:endParaRPr>
+                    </a:p>
+                  </a:txBody>
+                  <a:tcPr marL="9525" marR="9525" marT="9525" marB="0" anchor="ctr">
+                    <a:solidFill>
+                      <a:srgbClr val="00B0F0"/>
+                    </a:solidFill>
+                  </a:tcPr>
+                </a:tc>
+                <a:tc hMerge="1">
+                  <a:txBody>
+                    <a:bodyPr/>
+                    <a:lstStyle/>
+                    <a:p>
+                      <a:pPr latinLnBrk="1"/>
+                      <a:endParaRPr lang="ko-KR" altLang="en-US"/>
+                    </a:p>
+                  </a:txBody>
+                  <a:tcPr/>
+                </a:tc>
+                <a:tc hMerge="1">
+                  <a:txBody>
+                    <a:bodyPr/>
+                    <a:lstStyle/>
+                    <a:p>
+                      <a:pPr latinLnBrk="1"/>
+                      <a:endParaRPr lang="ko-KR" altLang="en-US"/>
+                    </a:p>
+                  </a:txBody>
+                  <a:tcPr/>
+                </a:tc>
+              </a:tr>
+              <a:tr h="209550">
+                <a:tc>
+                  <a:txBody>
+                    <a:bodyPr/>
+                    <a:lstStyle/>
+                    <a:p>
+                      <a:pPr algn="l" fontAlgn="ctr"/>
+                      <a:r>
+                        <a:rPr lang="en-US" sz="1100" u="none" strike="noStrike">
+                          <a:effectLst/>
+                        </a:rPr>
+                        <a:t>Q_ID</a:t>
+                      </a:r>
+                      <a:endParaRPr lang="en-US" sz="1100" b="1" i="0" u="none" strike="noStrike">
+                        <a:solidFill>
+                          <a:srgbClr val="000000"/>
+                        </a:solidFill>
+                        <a:effectLst/>
+                        <a:latin typeface="맑은 고딕" panose="020B0503020000020004" pitchFamily="50" charset="-127"/>
+                        <a:ea typeface="맑은 고딕" panose="020B0503020000020004" pitchFamily="50" charset="-127"/>
+                      </a:endParaRPr>
+                    </a:p>
+                  </a:txBody>
+                  <a:tcPr marL="9525" marR="9525" marT="9525" marB="0" anchor="ctr"/>
+                </a:tc>
+                <a:tc>
+                  <a:txBody>
+                    <a:bodyPr/>
+                    <a:lstStyle/>
+                    <a:p>
+                      <a:pPr algn="l" fontAlgn="ctr"/>
+                      <a:r>
+                        <a:rPr lang="en-US" sz="1100" u="none" strike="noStrike">
+                          <a:effectLst/>
+                        </a:rPr>
+                        <a:t>PK</a:t>
+                      </a:r>
+                      <a:endParaRPr lang="en-US" sz="1100" b="1" i="0" u="none" strike="noStrike">
+                        <a:solidFill>
+                          <a:srgbClr val="000000"/>
+                        </a:solidFill>
+                        <a:effectLst/>
+                        <a:latin typeface="맑은 고딕" panose="020B0503020000020004" pitchFamily="50" charset="-127"/>
+                        <a:ea typeface="맑은 고딕" panose="020B0503020000020004" pitchFamily="50" charset="-127"/>
+                      </a:endParaRPr>
+                    </a:p>
+                  </a:txBody>
+                  <a:tcPr marL="9525" marR="9525" marT="9525" marB="0" anchor="ctr"/>
+                </a:tc>
+                <a:tc>
+                  <a:txBody>
+                    <a:bodyPr/>
+                    <a:lstStyle/>
+                    <a:p>
+                      <a:pPr algn="l" fontAlgn="ctr"/>
+                      <a:r>
+                        <a:rPr lang="en-US" sz="1100" u="none" strike="noStrike">
+                          <a:effectLst/>
+                        </a:rPr>
+                        <a:t>varchar2</a:t>
+                      </a:r>
+                      <a:endParaRPr lang="en-US" sz="1100" b="1" i="0" u="none" strike="noStrike">
+                        <a:solidFill>
+                          <a:srgbClr val="000000"/>
+                        </a:solidFill>
+                        <a:effectLst/>
+                        <a:latin typeface="맑은 고딕" panose="020B0503020000020004" pitchFamily="50" charset="-127"/>
+                        <a:ea typeface="맑은 고딕" panose="020B0503020000020004" pitchFamily="50" charset="-127"/>
+                      </a:endParaRPr>
+                    </a:p>
+                  </a:txBody>
+                  <a:tcPr marL="9525" marR="9525" marT="9525" marB="0" anchor="ctr"/>
+                </a:tc>
+              </a:tr>
+              <a:tr h="209550">
+                <a:tc>
+                  <a:txBody>
+                    <a:bodyPr/>
+                    <a:lstStyle/>
+                    <a:p>
+                      <a:pPr algn="l" fontAlgn="ctr"/>
+                      <a:r>
+                        <a:rPr lang="en-US" sz="1100" u="none" strike="noStrike">
+                          <a:effectLst/>
+                        </a:rPr>
+                        <a:t>P_ID</a:t>
+                      </a:r>
+                      <a:endParaRPr lang="en-US" sz="1100" b="1" i="0" u="none" strike="noStrike">
+                        <a:solidFill>
+                          <a:srgbClr val="000000"/>
+                        </a:solidFill>
+                        <a:effectLst/>
+                        <a:latin typeface="맑은 고딕" panose="020B0503020000020004" pitchFamily="50" charset="-127"/>
+                        <a:ea typeface="맑은 고딕" panose="020B0503020000020004" pitchFamily="50" charset="-127"/>
+                      </a:endParaRPr>
+                    </a:p>
+                  </a:txBody>
+                  <a:tcPr marL="9525" marR="9525" marT="9525" marB="0" anchor="ctr"/>
+                </a:tc>
+                <a:tc>
+                  <a:txBody>
+                    <a:bodyPr/>
+                    <a:lstStyle/>
+                    <a:p>
+                      <a:pPr algn="l" fontAlgn="ctr"/>
+                      <a:r>
+                        <a:rPr lang="en-US" sz="1100" u="none" strike="noStrike">
+                          <a:effectLst/>
+                        </a:rPr>
+                        <a:t>FK</a:t>
+                      </a:r>
+                      <a:endParaRPr lang="en-US" sz="1100" b="1" i="0" u="none" strike="noStrike">
+                        <a:solidFill>
+                          <a:srgbClr val="000000"/>
+                        </a:solidFill>
+                        <a:effectLst/>
+                        <a:latin typeface="맑은 고딕" panose="020B0503020000020004" pitchFamily="50" charset="-127"/>
+                        <a:ea typeface="맑은 고딕" panose="020B0503020000020004" pitchFamily="50" charset="-127"/>
+                      </a:endParaRPr>
+                    </a:p>
+                  </a:txBody>
+                  <a:tcPr marL="9525" marR="9525" marT="9525" marB="0" anchor="ctr"/>
+                </a:tc>
+                <a:tc>
+                  <a:txBody>
+                    <a:bodyPr/>
+                    <a:lstStyle/>
+                    <a:p>
+                      <a:pPr algn="l" fontAlgn="ctr"/>
+                      <a:r>
+                        <a:rPr lang="en-US" sz="1100" u="none" strike="noStrike">
+                          <a:effectLst/>
+                        </a:rPr>
+                        <a:t>varchar2</a:t>
+                      </a:r>
+                      <a:endParaRPr lang="en-US" sz="1100" b="1" i="0" u="none" strike="noStrike">
+                        <a:solidFill>
+                          <a:srgbClr val="000000"/>
+                        </a:solidFill>
+                        <a:effectLst/>
+                        <a:latin typeface="맑은 고딕" panose="020B0503020000020004" pitchFamily="50" charset="-127"/>
+                        <a:ea typeface="맑은 고딕" panose="020B0503020000020004" pitchFamily="50" charset="-127"/>
+                      </a:endParaRPr>
+                    </a:p>
+                  </a:txBody>
+                  <a:tcPr marL="9525" marR="9525" marT="9525" marB="0" anchor="ctr"/>
+                </a:tc>
+              </a:tr>
+              <a:tr h="209550">
+                <a:tc>
+                  <a:txBody>
+                    <a:bodyPr/>
+                    <a:lstStyle/>
+                    <a:p>
+                      <a:pPr algn="l" fontAlgn="ctr"/>
+                      <a:r>
+                        <a:rPr lang="en-US" sz="1100" u="none" strike="noStrike">
+                          <a:effectLst/>
+                        </a:rPr>
+                        <a:t>Q_IS_ANSWER</a:t>
+                      </a:r>
+                      <a:endParaRPr lang="en-US" sz="1100" b="0" i="0" u="none" strike="noStrike">
+                        <a:solidFill>
+                          <a:srgbClr val="000000"/>
+                        </a:solidFill>
+                        <a:effectLst/>
+                        <a:latin typeface="맑은 고딕" panose="020B0503020000020004" pitchFamily="50" charset="-127"/>
+                        <a:ea typeface="맑은 고딕" panose="020B0503020000020004" pitchFamily="50" charset="-127"/>
+                      </a:endParaRPr>
+                    </a:p>
+                  </a:txBody>
+                  <a:tcPr marL="9525" marR="9525" marT="9525" marB="0" anchor="ctr"/>
+                </a:tc>
+                <a:tc>
+                  <a:txBody>
+                    <a:bodyPr/>
+                    <a:lstStyle/>
+                    <a:p>
+                      <a:pPr algn="l" fontAlgn="ctr"/>
+                      <a:r>
+                        <a:rPr lang="ko-KR" altLang="en-US" sz="1100" u="none" strike="noStrike">
+                          <a:effectLst/>
+                        </a:rPr>
+                        <a:t>　</a:t>
+                      </a:r>
+                      <a:endParaRPr lang="ko-KR" altLang="en-US" sz="1100" b="0" i="0" u="none" strike="noStrike">
+                        <a:solidFill>
+                          <a:srgbClr val="000000"/>
+                        </a:solidFill>
+                        <a:effectLst/>
+                        <a:latin typeface="맑은 고딕" panose="020B0503020000020004" pitchFamily="50" charset="-127"/>
+                        <a:ea typeface="맑은 고딕" panose="020B0503020000020004" pitchFamily="50" charset="-127"/>
+                      </a:endParaRPr>
+                    </a:p>
+                  </a:txBody>
+                  <a:tcPr marL="9525" marR="9525" marT="9525" marB="0" anchor="ctr"/>
+                </a:tc>
+                <a:tc>
+                  <a:txBody>
+                    <a:bodyPr/>
+                    <a:lstStyle/>
+                    <a:p>
+                      <a:pPr algn="l" fontAlgn="ctr"/>
+                      <a:r>
+                        <a:rPr lang="en-US" sz="1100" u="none" strike="noStrike">
+                          <a:effectLst/>
+                        </a:rPr>
+                        <a:t>varchar2</a:t>
+                      </a:r>
+                      <a:endParaRPr lang="en-US" sz="1100" b="0" i="0" u="none" strike="noStrike">
+                        <a:solidFill>
+                          <a:srgbClr val="000000"/>
+                        </a:solidFill>
+                        <a:effectLst/>
+                        <a:latin typeface="맑은 고딕" panose="020B0503020000020004" pitchFamily="50" charset="-127"/>
+                        <a:ea typeface="맑은 고딕" panose="020B0503020000020004" pitchFamily="50" charset="-127"/>
+                      </a:endParaRPr>
+                    </a:p>
+                  </a:txBody>
+                  <a:tcPr marL="9525" marR="9525" marT="9525" marB="0" anchor="ctr"/>
+                </a:tc>
+              </a:tr>
+              <a:tr h="209550">
+                <a:tc>
+                  <a:txBody>
+                    <a:bodyPr/>
+                    <a:lstStyle/>
+                    <a:p>
+                      <a:pPr algn="l" fontAlgn="ctr"/>
+                      <a:r>
+                        <a:rPr lang="en-US" sz="1100" u="none" strike="noStrike">
+                          <a:effectLst/>
+                        </a:rPr>
+                        <a:t>Q_TITLE</a:t>
+                      </a:r>
+                      <a:endParaRPr lang="en-US" sz="1100" b="0" i="0" u="none" strike="noStrike">
+                        <a:solidFill>
+                          <a:srgbClr val="000000"/>
+                        </a:solidFill>
+                        <a:effectLst/>
+                        <a:latin typeface="맑은 고딕" panose="020B0503020000020004" pitchFamily="50" charset="-127"/>
+                        <a:ea typeface="맑은 고딕" panose="020B0503020000020004" pitchFamily="50" charset="-127"/>
+                      </a:endParaRPr>
+                    </a:p>
+                  </a:txBody>
+                  <a:tcPr marL="9525" marR="9525" marT="9525" marB="0" anchor="ctr"/>
+                </a:tc>
+                <a:tc>
+                  <a:txBody>
+                    <a:bodyPr/>
+                    <a:lstStyle/>
+                    <a:p>
+                      <a:pPr algn="l" fontAlgn="ctr"/>
+                      <a:r>
+                        <a:rPr lang="ko-KR" altLang="en-US" sz="1100" u="none" strike="noStrike">
+                          <a:effectLst/>
+                        </a:rPr>
+                        <a:t>　</a:t>
+                      </a:r>
+                      <a:endParaRPr lang="ko-KR" altLang="en-US" sz="1100" b="0" i="0" u="none" strike="noStrike">
+                        <a:solidFill>
+                          <a:srgbClr val="000000"/>
+                        </a:solidFill>
+                        <a:effectLst/>
+                        <a:latin typeface="맑은 고딕" panose="020B0503020000020004" pitchFamily="50" charset="-127"/>
+                        <a:ea typeface="맑은 고딕" panose="020B0503020000020004" pitchFamily="50" charset="-127"/>
+                      </a:endParaRPr>
+                    </a:p>
+                  </a:txBody>
+                  <a:tcPr marL="9525" marR="9525" marT="9525" marB="0" anchor="ctr"/>
+                </a:tc>
+                <a:tc>
+                  <a:txBody>
+                    <a:bodyPr/>
+                    <a:lstStyle/>
+                    <a:p>
+                      <a:pPr algn="l" fontAlgn="ctr"/>
+                      <a:r>
+                        <a:rPr lang="en-US" sz="1100" u="none" strike="noStrike">
+                          <a:effectLst/>
+                        </a:rPr>
+                        <a:t>varchar2</a:t>
+                      </a:r>
+                      <a:endParaRPr lang="en-US" sz="1100" b="0" i="0" u="none" strike="noStrike">
+                        <a:solidFill>
+                          <a:srgbClr val="000000"/>
+                        </a:solidFill>
+                        <a:effectLst/>
+                        <a:latin typeface="맑은 고딕" panose="020B0503020000020004" pitchFamily="50" charset="-127"/>
+                        <a:ea typeface="맑은 고딕" panose="020B0503020000020004" pitchFamily="50" charset="-127"/>
+                      </a:endParaRPr>
+                    </a:p>
+                  </a:txBody>
+                  <a:tcPr marL="9525" marR="9525" marT="9525" marB="0" anchor="ctr"/>
+                </a:tc>
+              </a:tr>
+              <a:tr h="209550">
+                <a:tc>
+                  <a:txBody>
+                    <a:bodyPr/>
+                    <a:lstStyle/>
+                    <a:p>
+                      <a:pPr algn="l" fontAlgn="ctr"/>
+                      <a:r>
+                        <a:rPr lang="en-US" sz="1100" u="none" strike="noStrike">
+                          <a:effectLst/>
+                        </a:rPr>
+                        <a:t>Q_CONTENT</a:t>
+                      </a:r>
+                      <a:endParaRPr lang="en-US" sz="1100" b="0" i="0" u="none" strike="noStrike">
+                        <a:solidFill>
+                          <a:srgbClr val="000000"/>
+                        </a:solidFill>
+                        <a:effectLst/>
+                        <a:latin typeface="맑은 고딕" panose="020B0503020000020004" pitchFamily="50" charset="-127"/>
+                        <a:ea typeface="맑은 고딕" panose="020B0503020000020004" pitchFamily="50" charset="-127"/>
+                      </a:endParaRPr>
+                    </a:p>
+                  </a:txBody>
+                  <a:tcPr marL="9525" marR="9525" marT="9525" marB="0" anchor="ctr"/>
+                </a:tc>
+                <a:tc>
+                  <a:txBody>
+                    <a:bodyPr/>
+                    <a:lstStyle/>
+                    <a:p>
+                      <a:pPr algn="l" fontAlgn="ctr"/>
+                      <a:r>
+                        <a:rPr lang="ko-KR" altLang="en-US" sz="1100" u="none" strike="noStrike">
+                          <a:effectLst/>
+                        </a:rPr>
+                        <a:t>　</a:t>
+                      </a:r>
+                      <a:endParaRPr lang="ko-KR" altLang="en-US" sz="1100" b="0" i="0" u="none" strike="noStrike">
+                        <a:solidFill>
+                          <a:srgbClr val="000000"/>
+                        </a:solidFill>
+                        <a:effectLst/>
+                        <a:latin typeface="맑은 고딕" panose="020B0503020000020004" pitchFamily="50" charset="-127"/>
+                        <a:ea typeface="맑은 고딕" panose="020B0503020000020004" pitchFamily="50" charset="-127"/>
+                      </a:endParaRPr>
+                    </a:p>
+                  </a:txBody>
+                  <a:tcPr marL="9525" marR="9525" marT="9525" marB="0" anchor="ctr"/>
+                </a:tc>
+                <a:tc>
+                  <a:txBody>
+                    <a:bodyPr/>
+                    <a:lstStyle/>
+                    <a:p>
+                      <a:pPr algn="l" fontAlgn="ctr"/>
+                      <a:r>
+                        <a:rPr lang="en-US" sz="1100" u="none" strike="noStrike">
+                          <a:effectLst/>
+                        </a:rPr>
+                        <a:t>varchar2</a:t>
+                      </a:r>
+                      <a:endParaRPr lang="en-US" sz="1100" b="0" i="0" u="none" strike="noStrike">
+                        <a:solidFill>
+                          <a:srgbClr val="000000"/>
+                        </a:solidFill>
+                        <a:effectLst/>
+                        <a:latin typeface="맑은 고딕" panose="020B0503020000020004" pitchFamily="50" charset="-127"/>
+                        <a:ea typeface="맑은 고딕" panose="020B0503020000020004" pitchFamily="50" charset="-127"/>
+                      </a:endParaRPr>
+                    </a:p>
+                  </a:txBody>
+                  <a:tcPr marL="9525" marR="9525" marT="9525" marB="0" anchor="ctr"/>
+                </a:tc>
+              </a:tr>
+              <a:tr h="209550">
+                <a:tc>
+                  <a:txBody>
+                    <a:bodyPr/>
+                    <a:lstStyle/>
+                    <a:p>
+                      <a:pPr algn="l" fontAlgn="ctr"/>
+                      <a:r>
+                        <a:rPr lang="en-US" sz="1100" u="none" strike="noStrike">
+                          <a:effectLst/>
+                        </a:rPr>
+                        <a:t>Q_GROUPID</a:t>
+                      </a:r>
+                      <a:endParaRPr lang="en-US" sz="1100" b="0" i="0" u="none" strike="noStrike">
+                        <a:solidFill>
+                          <a:srgbClr val="000000"/>
+                        </a:solidFill>
+                        <a:effectLst/>
+                        <a:latin typeface="맑은 고딕" panose="020B0503020000020004" pitchFamily="50" charset="-127"/>
+                        <a:ea typeface="맑은 고딕" panose="020B0503020000020004" pitchFamily="50" charset="-127"/>
+                      </a:endParaRPr>
+                    </a:p>
+                  </a:txBody>
+                  <a:tcPr marL="9525" marR="9525" marT="9525" marB="0" anchor="ctr"/>
+                </a:tc>
+                <a:tc>
+                  <a:txBody>
+                    <a:bodyPr/>
+                    <a:lstStyle/>
+                    <a:p>
+                      <a:pPr algn="l" fontAlgn="ctr"/>
+                      <a:r>
+                        <a:rPr lang="ko-KR" altLang="en-US" sz="1100" u="none" strike="noStrike">
+                          <a:effectLst/>
+                        </a:rPr>
+                        <a:t>　</a:t>
+                      </a:r>
+                      <a:endParaRPr lang="ko-KR" altLang="en-US" sz="1100" b="0" i="0" u="none" strike="noStrike">
+                        <a:solidFill>
+                          <a:srgbClr val="000000"/>
+                        </a:solidFill>
+                        <a:effectLst/>
+                        <a:latin typeface="맑은 고딕" panose="020B0503020000020004" pitchFamily="50" charset="-127"/>
+                        <a:ea typeface="맑은 고딕" panose="020B0503020000020004" pitchFamily="50" charset="-127"/>
+                      </a:endParaRPr>
+                    </a:p>
+                  </a:txBody>
+                  <a:tcPr marL="9525" marR="9525" marT="9525" marB="0" anchor="ctr"/>
+                </a:tc>
+                <a:tc>
+                  <a:txBody>
+                    <a:bodyPr/>
+                    <a:lstStyle/>
+                    <a:p>
+                      <a:pPr algn="l" fontAlgn="ctr"/>
+                      <a:r>
+                        <a:rPr lang="en-US" sz="1100" u="none" strike="noStrike" dirty="0">
+                          <a:effectLst/>
+                        </a:rPr>
+                        <a:t>varchar2</a:t>
+                      </a:r>
+                      <a:endParaRPr lang="en-US" sz="1100" b="0" i="0" u="none" strike="noStrike" dirty="0">
+                        <a:solidFill>
+                          <a:srgbClr val="000000"/>
+                        </a:solidFill>
+                        <a:effectLst/>
+                        <a:latin typeface="맑은 고딕" panose="020B0503020000020004" pitchFamily="50" charset="-127"/>
+                        <a:ea typeface="맑은 고딕" panose="020B0503020000020004" pitchFamily="50" charset="-127"/>
+                      </a:endParaRPr>
+                    </a:p>
+                  </a:txBody>
+                  <a:tcPr marL="9525" marR="9525" marT="9525" marB="0" anchor="ctr"/>
+                </a:tc>
+              </a:tr>
+            </a:tbl>
+          </a:graphicData>
+        </a:graphic>
+      </p:graphicFrame>
+      <p:graphicFrame>
+        <p:nvGraphicFramePr>
+          <p:cNvPr id="21" name="표 20"/>
+          <p:cNvGraphicFramePr>
+            <a:graphicFrameLocks noGrp="1"/>
+          </p:cNvGraphicFramePr>
+          <p:nvPr>
+            <p:extLst>
+              <p:ext uri="{D42A27DB-BD31-4B8C-83A1-F6EECF244321}">
+                <p14:modId xmlns:p14="http://schemas.microsoft.com/office/powerpoint/2010/main" val="11386568"/>
+              </p:ext>
+            </p:extLst>
+          </p:nvPr>
+        </p:nvGraphicFramePr>
+        <p:xfrm>
+          <a:off x="3434313" y="4292375"/>
+          <a:ext cx="2159000" cy="1257300"/>
+        </p:xfrm>
+        <a:graphic>
+          <a:graphicData uri="http://schemas.openxmlformats.org/drawingml/2006/table">
+            <a:tbl>
+              <a:tblPr>
+                <a:tableStyleId>{5C22544A-7EE6-4342-B048-85BDC9FD1C3A}</a:tableStyleId>
+              </a:tblPr>
+              <a:tblGrid>
+                <a:gridCol w="789414"/>
+                <a:gridCol w="684793"/>
+                <a:gridCol w="684793"/>
+              </a:tblGrid>
+              <a:tr h="209550">
+                <a:tc gridSpan="3">
+                  <a:txBody>
+                    <a:bodyPr/>
+                    <a:lstStyle/>
+                    <a:p>
+                      <a:pPr algn="ctr" fontAlgn="ctr"/>
+                      <a:r>
+                        <a:rPr lang="en-US" sz="1100" u="none" strike="noStrike" dirty="0">
+                          <a:effectLst/>
+                        </a:rPr>
+                        <a:t>BUY</a:t>
+                      </a:r>
+                      <a:endParaRPr lang="en-US" sz="1100" b="1" i="0" u="none" strike="noStrike" dirty="0">
+                        <a:solidFill>
+                          <a:srgbClr val="FFFFFF"/>
+                        </a:solidFill>
+                        <a:effectLst/>
+                        <a:latin typeface="맑은 고딕" panose="020B0503020000020004" pitchFamily="50" charset="-127"/>
+                        <a:ea typeface="맑은 고딕" panose="020B0503020000020004" pitchFamily="50" charset="-127"/>
+                      </a:endParaRPr>
+                    </a:p>
+                  </a:txBody>
+                  <a:tcPr marL="9525" marR="9525" marT="9525" marB="0" anchor="ctr">
+                    <a:solidFill>
+                      <a:srgbClr val="00B0F0"/>
+                    </a:solidFill>
+                  </a:tcPr>
+                </a:tc>
+                <a:tc hMerge="1">
+                  <a:txBody>
+                    <a:bodyPr/>
+                    <a:lstStyle/>
+                    <a:p>
+                      <a:pPr latinLnBrk="1"/>
+                      <a:endParaRPr lang="ko-KR" altLang="en-US"/>
+                    </a:p>
+                  </a:txBody>
+                  <a:tcPr/>
+                </a:tc>
+                <a:tc hMerge="1">
+                  <a:txBody>
+                    <a:bodyPr/>
+                    <a:lstStyle/>
+                    <a:p>
+                      <a:pPr latinLnBrk="1"/>
+                      <a:endParaRPr lang="ko-KR" altLang="en-US"/>
+                    </a:p>
+                  </a:txBody>
+                  <a:tcPr/>
+                </a:tc>
+              </a:tr>
+              <a:tr h="209550">
+                <a:tc>
+                  <a:txBody>
+                    <a:bodyPr/>
+                    <a:lstStyle/>
+                    <a:p>
+                      <a:pPr algn="l" fontAlgn="ctr"/>
+                      <a:r>
+                        <a:rPr lang="en-US" sz="1100" u="none" strike="noStrike">
+                          <a:effectLst/>
+                        </a:rPr>
+                        <a:t>BUY_ID</a:t>
+                      </a:r>
+                      <a:endParaRPr lang="en-US" sz="1100" b="1" i="0" u="none" strike="noStrike">
+                        <a:solidFill>
+                          <a:srgbClr val="000000"/>
+                        </a:solidFill>
+                        <a:effectLst/>
+                        <a:latin typeface="맑은 고딕" panose="020B0503020000020004" pitchFamily="50" charset="-127"/>
+                        <a:ea typeface="맑은 고딕" panose="020B0503020000020004" pitchFamily="50" charset="-127"/>
+                      </a:endParaRPr>
+                    </a:p>
+                  </a:txBody>
+                  <a:tcPr marL="9525" marR="9525" marT="9525" marB="0" anchor="ctr"/>
+                </a:tc>
+                <a:tc>
+                  <a:txBody>
+                    <a:bodyPr/>
+                    <a:lstStyle/>
+                    <a:p>
+                      <a:pPr algn="l" fontAlgn="ctr"/>
+                      <a:r>
+                        <a:rPr lang="en-US" sz="1100" u="none" strike="noStrike">
+                          <a:effectLst/>
+                        </a:rPr>
+                        <a:t>PK</a:t>
+                      </a:r>
+                      <a:endParaRPr lang="en-US" sz="1100" b="1" i="0" u="none" strike="noStrike">
+                        <a:solidFill>
+                          <a:srgbClr val="000000"/>
+                        </a:solidFill>
+                        <a:effectLst/>
+                        <a:latin typeface="맑은 고딕" panose="020B0503020000020004" pitchFamily="50" charset="-127"/>
+                        <a:ea typeface="맑은 고딕" panose="020B0503020000020004" pitchFamily="50" charset="-127"/>
+                      </a:endParaRPr>
+                    </a:p>
+                  </a:txBody>
+                  <a:tcPr marL="9525" marR="9525" marT="9525" marB="0" anchor="ctr"/>
+                </a:tc>
+                <a:tc>
+                  <a:txBody>
+                    <a:bodyPr/>
+                    <a:lstStyle/>
+                    <a:p>
+                      <a:pPr algn="l" fontAlgn="ctr"/>
+                      <a:r>
+                        <a:rPr lang="en-US" sz="1100" u="none" strike="noStrike">
+                          <a:effectLst/>
+                        </a:rPr>
+                        <a:t>varchar2</a:t>
+                      </a:r>
+                      <a:endParaRPr lang="en-US" sz="1100" b="1" i="0" u="none" strike="noStrike">
+                        <a:solidFill>
+                          <a:srgbClr val="000000"/>
+                        </a:solidFill>
+                        <a:effectLst/>
+                        <a:latin typeface="맑은 고딕" panose="020B0503020000020004" pitchFamily="50" charset="-127"/>
+                        <a:ea typeface="맑은 고딕" panose="020B0503020000020004" pitchFamily="50" charset="-127"/>
+                      </a:endParaRPr>
+                    </a:p>
+                  </a:txBody>
+                  <a:tcPr marL="9525" marR="9525" marT="9525" marB="0" anchor="ctr"/>
+                </a:tc>
+              </a:tr>
+              <a:tr h="209550">
+                <a:tc>
+                  <a:txBody>
+                    <a:bodyPr/>
+                    <a:lstStyle/>
+                    <a:p>
+                      <a:pPr algn="l" fontAlgn="ctr"/>
+                      <a:r>
+                        <a:rPr lang="en-US" sz="1100" u="none" strike="noStrike">
+                          <a:effectLst/>
+                        </a:rPr>
+                        <a:t>BL_ID</a:t>
+                      </a:r>
+                      <a:endParaRPr lang="en-US" sz="1100" b="1" i="0" u="none" strike="noStrike">
+                        <a:solidFill>
+                          <a:srgbClr val="000000"/>
+                        </a:solidFill>
+                        <a:effectLst/>
+                        <a:latin typeface="맑은 고딕" panose="020B0503020000020004" pitchFamily="50" charset="-127"/>
+                        <a:ea typeface="맑은 고딕" panose="020B0503020000020004" pitchFamily="50" charset="-127"/>
+                      </a:endParaRPr>
+                    </a:p>
+                  </a:txBody>
+                  <a:tcPr marL="9525" marR="9525" marT="9525" marB="0" anchor="ctr"/>
+                </a:tc>
+                <a:tc>
+                  <a:txBody>
+                    <a:bodyPr/>
+                    <a:lstStyle/>
+                    <a:p>
+                      <a:pPr algn="l" fontAlgn="ctr"/>
+                      <a:r>
+                        <a:rPr lang="en-US" sz="1100" u="none" strike="noStrike">
+                          <a:effectLst/>
+                        </a:rPr>
+                        <a:t>FK</a:t>
+                      </a:r>
+                      <a:endParaRPr lang="en-US" sz="1100" b="1" i="0" u="none" strike="noStrike">
+                        <a:solidFill>
+                          <a:srgbClr val="000000"/>
+                        </a:solidFill>
+                        <a:effectLst/>
+                        <a:latin typeface="맑은 고딕" panose="020B0503020000020004" pitchFamily="50" charset="-127"/>
+                        <a:ea typeface="맑은 고딕" panose="020B0503020000020004" pitchFamily="50" charset="-127"/>
+                      </a:endParaRPr>
+                    </a:p>
+                  </a:txBody>
+                  <a:tcPr marL="9525" marR="9525" marT="9525" marB="0" anchor="ctr"/>
+                </a:tc>
+                <a:tc>
+                  <a:txBody>
+                    <a:bodyPr/>
+                    <a:lstStyle/>
+                    <a:p>
+                      <a:pPr algn="l" fontAlgn="ctr"/>
+                      <a:r>
+                        <a:rPr lang="en-US" sz="1100" u="none" strike="noStrike">
+                          <a:effectLst/>
+                        </a:rPr>
+                        <a:t>varchar2</a:t>
+                      </a:r>
+                      <a:endParaRPr lang="en-US" sz="1100" b="1" i="0" u="none" strike="noStrike">
+                        <a:solidFill>
+                          <a:srgbClr val="000000"/>
+                        </a:solidFill>
+                        <a:effectLst/>
+                        <a:latin typeface="맑은 고딕" panose="020B0503020000020004" pitchFamily="50" charset="-127"/>
+                        <a:ea typeface="맑은 고딕" panose="020B0503020000020004" pitchFamily="50" charset="-127"/>
+                      </a:endParaRPr>
+                    </a:p>
+                  </a:txBody>
+                  <a:tcPr marL="9525" marR="9525" marT="9525" marB="0" anchor="ctr"/>
+                </a:tc>
+              </a:tr>
+              <a:tr h="209550">
+                <a:tc>
+                  <a:txBody>
+                    <a:bodyPr/>
+                    <a:lstStyle/>
+                    <a:p>
+                      <a:pPr algn="l" fontAlgn="ctr"/>
+                      <a:r>
+                        <a:rPr lang="en-US" sz="1100" u="none" strike="noStrike">
+                          <a:effectLst/>
+                        </a:rPr>
+                        <a:t>B_ID</a:t>
+                      </a:r>
+                      <a:endParaRPr lang="en-US" sz="1100" b="1" i="0" u="none" strike="noStrike">
+                        <a:solidFill>
+                          <a:srgbClr val="000000"/>
+                        </a:solidFill>
+                        <a:effectLst/>
+                        <a:latin typeface="맑은 고딕" panose="020B0503020000020004" pitchFamily="50" charset="-127"/>
+                        <a:ea typeface="맑은 고딕" panose="020B0503020000020004" pitchFamily="50" charset="-127"/>
+                      </a:endParaRPr>
+                    </a:p>
+                  </a:txBody>
+                  <a:tcPr marL="9525" marR="9525" marT="9525" marB="0" anchor="ctr"/>
+                </a:tc>
+                <a:tc>
+                  <a:txBody>
+                    <a:bodyPr/>
+                    <a:lstStyle/>
+                    <a:p>
+                      <a:pPr algn="l" fontAlgn="ctr"/>
+                      <a:r>
+                        <a:rPr lang="en-US" sz="1100" u="none" strike="noStrike">
+                          <a:effectLst/>
+                        </a:rPr>
+                        <a:t>FK</a:t>
+                      </a:r>
+                      <a:endParaRPr lang="en-US" sz="1100" b="1" i="0" u="none" strike="noStrike">
+                        <a:solidFill>
+                          <a:srgbClr val="000000"/>
+                        </a:solidFill>
+                        <a:effectLst/>
+                        <a:latin typeface="맑은 고딕" panose="020B0503020000020004" pitchFamily="50" charset="-127"/>
+                        <a:ea typeface="맑은 고딕" panose="020B0503020000020004" pitchFamily="50" charset="-127"/>
+                      </a:endParaRPr>
+                    </a:p>
+                  </a:txBody>
+                  <a:tcPr marL="9525" marR="9525" marT="9525" marB="0" anchor="ctr"/>
+                </a:tc>
+                <a:tc>
+                  <a:txBody>
+                    <a:bodyPr/>
+                    <a:lstStyle/>
+                    <a:p>
+                      <a:pPr algn="l" fontAlgn="ctr"/>
+                      <a:r>
+                        <a:rPr lang="en-US" sz="1100" u="none" strike="noStrike">
+                          <a:effectLst/>
+                        </a:rPr>
+                        <a:t>varchar2</a:t>
+                      </a:r>
+                      <a:endParaRPr lang="en-US" sz="1100" b="1" i="0" u="none" strike="noStrike">
+                        <a:solidFill>
+                          <a:srgbClr val="000000"/>
+                        </a:solidFill>
+                        <a:effectLst/>
+                        <a:latin typeface="맑은 고딕" panose="020B0503020000020004" pitchFamily="50" charset="-127"/>
+                        <a:ea typeface="맑은 고딕" panose="020B0503020000020004" pitchFamily="50" charset="-127"/>
+                      </a:endParaRPr>
+                    </a:p>
+                  </a:txBody>
+                  <a:tcPr marL="9525" marR="9525" marT="9525" marB="0" anchor="ctr"/>
+                </a:tc>
+              </a:tr>
+              <a:tr h="209550">
+                <a:tc>
+                  <a:txBody>
+                    <a:bodyPr/>
+                    <a:lstStyle/>
+                    <a:p>
+                      <a:pPr algn="l" fontAlgn="ctr"/>
+                      <a:r>
+                        <a:rPr lang="en-US" sz="1100" u="none" strike="noStrike">
+                          <a:effectLst/>
+                        </a:rPr>
+                        <a:t>BUY_CNT</a:t>
+                      </a:r>
+                      <a:endParaRPr lang="en-US" sz="1100" b="0" i="0" u="none" strike="noStrike">
+                        <a:solidFill>
+                          <a:srgbClr val="000000"/>
+                        </a:solidFill>
+                        <a:effectLst/>
+                        <a:latin typeface="맑은 고딕" panose="020B0503020000020004" pitchFamily="50" charset="-127"/>
+                        <a:ea typeface="맑은 고딕" panose="020B0503020000020004" pitchFamily="50" charset="-127"/>
+                      </a:endParaRPr>
+                    </a:p>
+                  </a:txBody>
+                  <a:tcPr marL="9525" marR="9525" marT="9525" marB="0" anchor="ctr"/>
+                </a:tc>
+                <a:tc>
+                  <a:txBody>
+                    <a:bodyPr/>
+                    <a:lstStyle/>
+                    <a:p>
+                      <a:pPr algn="l" fontAlgn="ctr"/>
+                      <a:r>
+                        <a:rPr lang="ko-KR" altLang="en-US" sz="1100" u="none" strike="noStrike">
+                          <a:effectLst/>
+                        </a:rPr>
+                        <a:t>　</a:t>
+                      </a:r>
+                      <a:endParaRPr lang="ko-KR" altLang="en-US" sz="1100" b="0" i="0" u="none" strike="noStrike">
+                        <a:solidFill>
+                          <a:srgbClr val="000000"/>
+                        </a:solidFill>
+                        <a:effectLst/>
+                        <a:latin typeface="맑은 고딕" panose="020B0503020000020004" pitchFamily="50" charset="-127"/>
+                        <a:ea typeface="맑은 고딕" panose="020B0503020000020004" pitchFamily="50" charset="-127"/>
+                      </a:endParaRPr>
+                    </a:p>
+                  </a:txBody>
+                  <a:tcPr marL="9525" marR="9525" marT="9525" marB="0" anchor="ctr"/>
+                </a:tc>
+                <a:tc>
+                  <a:txBody>
+                    <a:bodyPr/>
+                    <a:lstStyle/>
+                    <a:p>
+                      <a:pPr algn="l" fontAlgn="ctr"/>
+                      <a:r>
+                        <a:rPr lang="en-US" sz="1100" u="none" strike="noStrike">
+                          <a:effectLst/>
+                        </a:rPr>
+                        <a:t>number</a:t>
+                      </a:r>
+                      <a:endParaRPr lang="en-US" sz="1100" b="0" i="0" u="none" strike="noStrike">
+                        <a:solidFill>
+                          <a:srgbClr val="000000"/>
+                        </a:solidFill>
+                        <a:effectLst/>
+                        <a:latin typeface="맑은 고딕" panose="020B0503020000020004" pitchFamily="50" charset="-127"/>
+                        <a:ea typeface="맑은 고딕" panose="020B0503020000020004" pitchFamily="50" charset="-127"/>
+                      </a:endParaRPr>
+                    </a:p>
+                  </a:txBody>
+                  <a:tcPr marL="9525" marR="9525" marT="9525" marB="0" anchor="ctr"/>
+                </a:tc>
+              </a:tr>
+              <a:tr h="209550">
+                <a:tc>
+                  <a:txBody>
+                    <a:bodyPr/>
+                    <a:lstStyle/>
+                    <a:p>
+                      <a:pPr algn="l" fontAlgn="ctr"/>
+                      <a:r>
+                        <a:rPr lang="en-US" sz="1100" u="none" strike="noStrike">
+                          <a:effectLst/>
+                        </a:rPr>
+                        <a:t>BUY_DATE</a:t>
+                      </a:r>
+                      <a:endParaRPr lang="en-US" sz="1100" b="0" i="0" u="none" strike="noStrike">
+                        <a:solidFill>
+                          <a:srgbClr val="000000"/>
+                        </a:solidFill>
+                        <a:effectLst/>
+                        <a:latin typeface="맑은 고딕" panose="020B0503020000020004" pitchFamily="50" charset="-127"/>
+                        <a:ea typeface="맑은 고딕" panose="020B0503020000020004" pitchFamily="50" charset="-127"/>
+                      </a:endParaRPr>
+                    </a:p>
+                  </a:txBody>
+                  <a:tcPr marL="9525" marR="9525" marT="9525" marB="0" anchor="ctr"/>
+                </a:tc>
+                <a:tc>
+                  <a:txBody>
+                    <a:bodyPr/>
+                    <a:lstStyle/>
+                    <a:p>
+                      <a:pPr algn="l" fontAlgn="ctr"/>
+                      <a:r>
+                        <a:rPr lang="ko-KR" altLang="en-US" sz="1100" u="none" strike="noStrike">
+                          <a:effectLst/>
+                        </a:rPr>
+                        <a:t>　</a:t>
+                      </a:r>
+                      <a:endParaRPr lang="ko-KR" altLang="en-US" sz="1100" b="0" i="0" u="none" strike="noStrike">
+                        <a:solidFill>
+                          <a:srgbClr val="000000"/>
+                        </a:solidFill>
+                        <a:effectLst/>
+                        <a:latin typeface="맑은 고딕" panose="020B0503020000020004" pitchFamily="50" charset="-127"/>
+                        <a:ea typeface="맑은 고딕" panose="020B0503020000020004" pitchFamily="50" charset="-127"/>
+                      </a:endParaRPr>
+                    </a:p>
+                  </a:txBody>
+                  <a:tcPr marL="9525" marR="9525" marT="9525" marB="0" anchor="ctr"/>
+                </a:tc>
+                <a:tc>
+                  <a:txBody>
+                    <a:bodyPr/>
+                    <a:lstStyle/>
+                    <a:p>
+                      <a:pPr algn="l" fontAlgn="ctr"/>
+                      <a:r>
+                        <a:rPr lang="en-US" sz="1100" u="none" strike="noStrike" dirty="0">
+                          <a:effectLst/>
+                        </a:rPr>
+                        <a:t>date</a:t>
+                      </a:r>
+                      <a:endParaRPr lang="en-US" sz="1100" b="0" i="0" u="none" strike="noStrike" dirty="0">
+                        <a:solidFill>
+                          <a:srgbClr val="000000"/>
+                        </a:solidFill>
+                        <a:effectLst/>
+                        <a:latin typeface="맑은 고딕" panose="020B0503020000020004" pitchFamily="50" charset="-127"/>
+                        <a:ea typeface="맑은 고딕" panose="020B0503020000020004" pitchFamily="50" charset="-127"/>
+                      </a:endParaRPr>
+                    </a:p>
+                  </a:txBody>
+                  <a:tcPr marL="9525" marR="9525" marT="9525" marB="0" anchor="ctr"/>
+                </a:tc>
+              </a:tr>
+            </a:tbl>
+          </a:graphicData>
+        </a:graphic>
+      </p:graphicFrame>
+      <p:graphicFrame>
+        <p:nvGraphicFramePr>
+          <p:cNvPr id="22" name="표 21"/>
+          <p:cNvGraphicFramePr>
+            <a:graphicFrameLocks noGrp="1"/>
+          </p:cNvGraphicFramePr>
+          <p:nvPr>
+            <p:extLst>
+              <p:ext uri="{D42A27DB-BD31-4B8C-83A1-F6EECF244321}">
+                <p14:modId xmlns:p14="http://schemas.microsoft.com/office/powerpoint/2010/main" val="3451871381"/>
+              </p:ext>
+            </p:extLst>
+          </p:nvPr>
+        </p:nvGraphicFramePr>
+        <p:xfrm>
+          <a:off x="455098" y="4852341"/>
+          <a:ext cx="2159000" cy="1257300"/>
+        </p:xfrm>
+        <a:graphic>
+          <a:graphicData uri="http://schemas.openxmlformats.org/drawingml/2006/table">
+            <a:tbl>
+              <a:tblPr>
+                <a:tableStyleId>{5C22544A-7EE6-4342-B048-85BDC9FD1C3A}</a:tableStyleId>
+              </a:tblPr>
+              <a:tblGrid>
+                <a:gridCol w="789414"/>
+                <a:gridCol w="684793"/>
+                <a:gridCol w="684793"/>
+              </a:tblGrid>
+              <a:tr h="209550">
+                <a:tc gridSpan="3">
+                  <a:txBody>
+                    <a:bodyPr/>
+                    <a:lstStyle/>
+                    <a:p>
+                      <a:pPr algn="ctr" fontAlgn="ctr"/>
+                      <a:r>
+                        <a:rPr lang="en-US" sz="1100" u="none" strike="noStrike" dirty="0">
+                          <a:effectLst/>
+                        </a:rPr>
+                        <a:t>RENT</a:t>
+                      </a:r>
+                      <a:endParaRPr lang="en-US" sz="1100" b="1" i="0" u="none" strike="noStrike" dirty="0">
+                        <a:solidFill>
+                          <a:srgbClr val="FFFFFF"/>
+                        </a:solidFill>
+                        <a:effectLst/>
+                        <a:latin typeface="맑은 고딕" panose="020B0503020000020004" pitchFamily="50" charset="-127"/>
+                        <a:ea typeface="맑은 고딕" panose="020B0503020000020004" pitchFamily="50" charset="-127"/>
+                      </a:endParaRPr>
+                    </a:p>
+                  </a:txBody>
+                  <a:tcPr marL="9525" marR="9525" marT="9525" marB="0" anchor="ctr">
+                    <a:solidFill>
+                      <a:srgbClr val="00B0F0"/>
+                    </a:solidFill>
+                  </a:tcPr>
+                </a:tc>
+                <a:tc hMerge="1">
+                  <a:txBody>
+                    <a:bodyPr/>
+                    <a:lstStyle/>
+                    <a:p>
+                      <a:pPr latinLnBrk="1"/>
+                      <a:endParaRPr lang="ko-KR" altLang="en-US"/>
+                    </a:p>
+                  </a:txBody>
+                  <a:tcPr/>
+                </a:tc>
+                <a:tc hMerge="1">
+                  <a:txBody>
+                    <a:bodyPr/>
+                    <a:lstStyle/>
+                    <a:p>
+                      <a:pPr latinLnBrk="1"/>
+                      <a:endParaRPr lang="ko-KR" altLang="en-US"/>
+                    </a:p>
+                  </a:txBody>
+                  <a:tcPr/>
+                </a:tc>
+              </a:tr>
+              <a:tr h="209550">
+                <a:tc>
+                  <a:txBody>
+                    <a:bodyPr/>
+                    <a:lstStyle/>
+                    <a:p>
+                      <a:pPr algn="l" fontAlgn="ctr"/>
+                      <a:r>
+                        <a:rPr lang="en-US" sz="1100" u="none" strike="noStrike">
+                          <a:effectLst/>
+                        </a:rPr>
+                        <a:t>R_ID</a:t>
+                      </a:r>
+                      <a:endParaRPr lang="en-US" sz="1100" b="1" i="0" u="none" strike="noStrike">
+                        <a:solidFill>
+                          <a:srgbClr val="000000"/>
+                        </a:solidFill>
+                        <a:effectLst/>
+                        <a:latin typeface="맑은 고딕" panose="020B0503020000020004" pitchFamily="50" charset="-127"/>
+                        <a:ea typeface="맑은 고딕" panose="020B0503020000020004" pitchFamily="50" charset="-127"/>
+                      </a:endParaRPr>
+                    </a:p>
+                  </a:txBody>
+                  <a:tcPr marL="9525" marR="9525" marT="9525" marB="0" anchor="ctr"/>
+                </a:tc>
+                <a:tc>
+                  <a:txBody>
+                    <a:bodyPr/>
+                    <a:lstStyle/>
+                    <a:p>
+                      <a:pPr algn="l" fontAlgn="ctr"/>
+                      <a:r>
+                        <a:rPr lang="en-US" sz="1100" u="none" strike="noStrike">
+                          <a:effectLst/>
+                        </a:rPr>
+                        <a:t>PK</a:t>
+                      </a:r>
+                      <a:endParaRPr lang="en-US" sz="1100" b="1" i="0" u="none" strike="noStrike">
+                        <a:solidFill>
+                          <a:srgbClr val="000000"/>
+                        </a:solidFill>
+                        <a:effectLst/>
+                        <a:latin typeface="맑은 고딕" panose="020B0503020000020004" pitchFamily="50" charset="-127"/>
+                        <a:ea typeface="맑은 고딕" panose="020B0503020000020004" pitchFamily="50" charset="-127"/>
+                      </a:endParaRPr>
+                    </a:p>
+                  </a:txBody>
+                  <a:tcPr marL="9525" marR="9525" marT="9525" marB="0" anchor="ctr"/>
+                </a:tc>
+                <a:tc>
+                  <a:txBody>
+                    <a:bodyPr/>
+                    <a:lstStyle/>
+                    <a:p>
+                      <a:pPr algn="l" fontAlgn="ctr"/>
+                      <a:r>
+                        <a:rPr lang="en-US" sz="1100" u="none" strike="noStrike">
+                          <a:effectLst/>
+                        </a:rPr>
+                        <a:t>varchar2</a:t>
+                      </a:r>
+                      <a:endParaRPr lang="en-US" sz="1100" b="1" i="0" u="none" strike="noStrike">
+                        <a:solidFill>
+                          <a:srgbClr val="000000"/>
+                        </a:solidFill>
+                        <a:effectLst/>
+                        <a:latin typeface="맑은 고딕" panose="020B0503020000020004" pitchFamily="50" charset="-127"/>
+                        <a:ea typeface="맑은 고딕" panose="020B0503020000020004" pitchFamily="50" charset="-127"/>
+                      </a:endParaRPr>
+                    </a:p>
+                  </a:txBody>
+                  <a:tcPr marL="9525" marR="9525" marT="9525" marB="0" anchor="ctr"/>
+                </a:tc>
+              </a:tr>
+              <a:tr h="209550">
+                <a:tc>
+                  <a:txBody>
+                    <a:bodyPr/>
+                    <a:lstStyle/>
+                    <a:p>
+                      <a:pPr algn="l" fontAlgn="ctr"/>
+                      <a:r>
+                        <a:rPr lang="en-US" sz="1100" u="none" strike="noStrike" dirty="0">
+                          <a:effectLst/>
+                        </a:rPr>
+                        <a:t>RL_ID</a:t>
+                      </a:r>
+                      <a:endParaRPr lang="en-US" sz="1100" b="1" i="0" u="none" strike="noStrike" dirty="0">
+                        <a:solidFill>
+                          <a:srgbClr val="000000"/>
+                        </a:solidFill>
+                        <a:effectLst/>
+                        <a:latin typeface="맑은 고딕" panose="020B0503020000020004" pitchFamily="50" charset="-127"/>
+                        <a:ea typeface="맑은 고딕" panose="020B0503020000020004" pitchFamily="50" charset="-127"/>
+                      </a:endParaRPr>
+                    </a:p>
+                  </a:txBody>
+                  <a:tcPr marL="9525" marR="9525" marT="9525" marB="0" anchor="ctr"/>
+                </a:tc>
+                <a:tc>
+                  <a:txBody>
+                    <a:bodyPr/>
+                    <a:lstStyle/>
+                    <a:p>
+                      <a:pPr algn="l" fontAlgn="ctr"/>
+                      <a:r>
+                        <a:rPr lang="en-US" sz="1100" u="none" strike="noStrike">
+                          <a:effectLst/>
+                        </a:rPr>
+                        <a:t>FK</a:t>
+                      </a:r>
+                      <a:endParaRPr lang="en-US" sz="1100" b="1" i="0" u="none" strike="noStrike">
+                        <a:solidFill>
+                          <a:srgbClr val="000000"/>
+                        </a:solidFill>
+                        <a:effectLst/>
+                        <a:latin typeface="맑은 고딕" panose="020B0503020000020004" pitchFamily="50" charset="-127"/>
+                        <a:ea typeface="맑은 고딕" panose="020B0503020000020004" pitchFamily="50" charset="-127"/>
+                      </a:endParaRPr>
+                    </a:p>
+                  </a:txBody>
+                  <a:tcPr marL="9525" marR="9525" marT="9525" marB="0" anchor="ctr"/>
+                </a:tc>
+                <a:tc>
+                  <a:txBody>
+                    <a:bodyPr/>
+                    <a:lstStyle/>
+                    <a:p>
+                      <a:pPr algn="l" fontAlgn="ctr"/>
+                      <a:r>
+                        <a:rPr lang="en-US" sz="1100" u="none" strike="noStrike">
+                          <a:effectLst/>
+                        </a:rPr>
+                        <a:t>varchar2</a:t>
+                      </a:r>
+                      <a:endParaRPr lang="en-US" sz="1100" b="1" i="0" u="none" strike="noStrike">
+                        <a:solidFill>
+                          <a:srgbClr val="000000"/>
+                        </a:solidFill>
+                        <a:effectLst/>
+                        <a:latin typeface="맑은 고딕" panose="020B0503020000020004" pitchFamily="50" charset="-127"/>
+                        <a:ea typeface="맑은 고딕" panose="020B0503020000020004" pitchFamily="50" charset="-127"/>
+                      </a:endParaRPr>
+                    </a:p>
+                  </a:txBody>
+                  <a:tcPr marL="9525" marR="9525" marT="9525" marB="0" anchor="ctr"/>
+                </a:tc>
+              </a:tr>
+              <a:tr h="209550">
+                <a:tc>
+                  <a:txBody>
+                    <a:bodyPr/>
+                    <a:lstStyle/>
+                    <a:p>
+                      <a:pPr algn="l" fontAlgn="ctr"/>
+                      <a:r>
+                        <a:rPr lang="en-US" sz="1100" u="none" strike="noStrike">
+                          <a:effectLst/>
+                        </a:rPr>
+                        <a:t>B_ID</a:t>
+                      </a:r>
+                      <a:endParaRPr lang="en-US" sz="1100" b="1" i="0" u="none" strike="noStrike">
+                        <a:solidFill>
+                          <a:srgbClr val="000000"/>
+                        </a:solidFill>
+                        <a:effectLst/>
+                        <a:latin typeface="맑은 고딕" panose="020B0503020000020004" pitchFamily="50" charset="-127"/>
+                        <a:ea typeface="맑은 고딕" panose="020B0503020000020004" pitchFamily="50" charset="-127"/>
+                      </a:endParaRPr>
+                    </a:p>
+                  </a:txBody>
+                  <a:tcPr marL="9525" marR="9525" marT="9525" marB="0" anchor="ctr"/>
+                </a:tc>
+                <a:tc>
+                  <a:txBody>
+                    <a:bodyPr/>
+                    <a:lstStyle/>
+                    <a:p>
+                      <a:pPr algn="l" fontAlgn="ctr"/>
+                      <a:r>
+                        <a:rPr lang="en-US" sz="1100" u="none" strike="noStrike">
+                          <a:effectLst/>
+                        </a:rPr>
+                        <a:t>FK</a:t>
+                      </a:r>
+                      <a:endParaRPr lang="en-US" sz="1100" b="1" i="0" u="none" strike="noStrike">
+                        <a:solidFill>
+                          <a:srgbClr val="000000"/>
+                        </a:solidFill>
+                        <a:effectLst/>
+                        <a:latin typeface="맑은 고딕" panose="020B0503020000020004" pitchFamily="50" charset="-127"/>
+                        <a:ea typeface="맑은 고딕" panose="020B0503020000020004" pitchFamily="50" charset="-127"/>
+                      </a:endParaRPr>
+                    </a:p>
+                  </a:txBody>
+                  <a:tcPr marL="9525" marR="9525" marT="9525" marB="0" anchor="ctr"/>
+                </a:tc>
+                <a:tc>
+                  <a:txBody>
+                    <a:bodyPr/>
+                    <a:lstStyle/>
+                    <a:p>
+                      <a:pPr algn="l" fontAlgn="ctr"/>
+                      <a:r>
+                        <a:rPr lang="en-US" sz="1100" u="none" strike="noStrike">
+                          <a:effectLst/>
+                        </a:rPr>
+                        <a:t>varchar2</a:t>
+                      </a:r>
+                      <a:endParaRPr lang="en-US" sz="1100" b="1" i="0" u="none" strike="noStrike">
+                        <a:solidFill>
+                          <a:srgbClr val="000000"/>
+                        </a:solidFill>
+                        <a:effectLst/>
+                        <a:latin typeface="맑은 고딕" panose="020B0503020000020004" pitchFamily="50" charset="-127"/>
+                        <a:ea typeface="맑은 고딕" panose="020B0503020000020004" pitchFamily="50" charset="-127"/>
+                      </a:endParaRPr>
+                    </a:p>
+                  </a:txBody>
+                  <a:tcPr marL="9525" marR="9525" marT="9525" marB="0" anchor="ctr"/>
+                </a:tc>
+              </a:tr>
+              <a:tr h="209550">
+                <a:tc>
+                  <a:txBody>
+                    <a:bodyPr/>
+                    <a:lstStyle/>
+                    <a:p>
+                      <a:pPr algn="l" fontAlgn="ctr"/>
+                      <a:r>
+                        <a:rPr lang="en-US" sz="1100" u="none" strike="noStrike">
+                          <a:effectLst/>
+                        </a:rPr>
+                        <a:t>R_CNT</a:t>
+                      </a:r>
+                      <a:endParaRPr lang="en-US" sz="1100" b="0" i="0" u="none" strike="noStrike">
+                        <a:solidFill>
+                          <a:srgbClr val="000000"/>
+                        </a:solidFill>
+                        <a:effectLst/>
+                        <a:latin typeface="맑은 고딕" panose="020B0503020000020004" pitchFamily="50" charset="-127"/>
+                        <a:ea typeface="맑은 고딕" panose="020B0503020000020004" pitchFamily="50" charset="-127"/>
+                      </a:endParaRPr>
+                    </a:p>
+                  </a:txBody>
+                  <a:tcPr marL="9525" marR="9525" marT="9525" marB="0" anchor="ctr"/>
+                </a:tc>
+                <a:tc>
+                  <a:txBody>
+                    <a:bodyPr/>
+                    <a:lstStyle/>
+                    <a:p>
+                      <a:pPr algn="l" fontAlgn="ctr"/>
+                      <a:r>
+                        <a:rPr lang="ko-KR" altLang="en-US" sz="1100" u="none" strike="noStrike">
+                          <a:effectLst/>
+                        </a:rPr>
+                        <a:t>　</a:t>
+                      </a:r>
+                      <a:endParaRPr lang="ko-KR" altLang="en-US" sz="1100" b="0" i="0" u="none" strike="noStrike">
+                        <a:solidFill>
+                          <a:srgbClr val="000000"/>
+                        </a:solidFill>
+                        <a:effectLst/>
+                        <a:latin typeface="맑은 고딕" panose="020B0503020000020004" pitchFamily="50" charset="-127"/>
+                        <a:ea typeface="맑은 고딕" panose="020B0503020000020004" pitchFamily="50" charset="-127"/>
+                      </a:endParaRPr>
+                    </a:p>
+                  </a:txBody>
+                  <a:tcPr marL="9525" marR="9525" marT="9525" marB="0" anchor="ctr"/>
+                </a:tc>
+                <a:tc>
+                  <a:txBody>
+                    <a:bodyPr/>
+                    <a:lstStyle/>
+                    <a:p>
+                      <a:pPr algn="l" fontAlgn="ctr"/>
+                      <a:r>
+                        <a:rPr lang="en-US" sz="1100" u="none" strike="noStrike">
+                          <a:effectLst/>
+                        </a:rPr>
+                        <a:t>number</a:t>
+                      </a:r>
+                      <a:endParaRPr lang="en-US" sz="1100" b="0" i="0" u="none" strike="noStrike">
+                        <a:solidFill>
+                          <a:srgbClr val="000000"/>
+                        </a:solidFill>
+                        <a:effectLst/>
+                        <a:latin typeface="맑은 고딕" panose="020B0503020000020004" pitchFamily="50" charset="-127"/>
+                        <a:ea typeface="맑은 고딕" panose="020B0503020000020004" pitchFamily="50" charset="-127"/>
+                      </a:endParaRPr>
+                    </a:p>
+                  </a:txBody>
+                  <a:tcPr marL="9525" marR="9525" marT="9525" marB="0" anchor="ctr"/>
+                </a:tc>
+              </a:tr>
+              <a:tr h="209550">
+                <a:tc>
+                  <a:txBody>
+                    <a:bodyPr/>
+                    <a:lstStyle/>
+                    <a:p>
+                      <a:pPr algn="l" fontAlgn="ctr"/>
+                      <a:r>
+                        <a:rPr lang="en-US" sz="1100" u="none" strike="noStrike">
+                          <a:effectLst/>
+                        </a:rPr>
+                        <a:t>R_DATE</a:t>
+                      </a:r>
+                      <a:endParaRPr lang="en-US" sz="1100" b="0" i="0" u="none" strike="noStrike">
+                        <a:solidFill>
+                          <a:srgbClr val="000000"/>
+                        </a:solidFill>
+                        <a:effectLst/>
+                        <a:latin typeface="맑은 고딕" panose="020B0503020000020004" pitchFamily="50" charset="-127"/>
+                        <a:ea typeface="맑은 고딕" panose="020B0503020000020004" pitchFamily="50" charset="-127"/>
+                      </a:endParaRPr>
+                    </a:p>
+                  </a:txBody>
+                  <a:tcPr marL="9525" marR="9525" marT="9525" marB="0" anchor="ctr"/>
+                </a:tc>
+                <a:tc>
+                  <a:txBody>
+                    <a:bodyPr/>
+                    <a:lstStyle/>
+                    <a:p>
+                      <a:pPr algn="l" fontAlgn="ctr"/>
+                      <a:r>
+                        <a:rPr lang="ko-KR" altLang="en-US" sz="1100" u="none" strike="noStrike">
+                          <a:effectLst/>
+                        </a:rPr>
+                        <a:t>　</a:t>
+                      </a:r>
+                      <a:endParaRPr lang="ko-KR" altLang="en-US" sz="1100" b="0" i="0" u="none" strike="noStrike">
+                        <a:solidFill>
+                          <a:srgbClr val="000000"/>
+                        </a:solidFill>
+                        <a:effectLst/>
+                        <a:latin typeface="맑은 고딕" panose="020B0503020000020004" pitchFamily="50" charset="-127"/>
+                        <a:ea typeface="맑은 고딕" panose="020B0503020000020004" pitchFamily="50" charset="-127"/>
+                      </a:endParaRPr>
+                    </a:p>
+                  </a:txBody>
+                  <a:tcPr marL="9525" marR="9525" marT="9525" marB="0" anchor="ctr"/>
+                </a:tc>
+                <a:tc>
+                  <a:txBody>
+                    <a:bodyPr/>
+                    <a:lstStyle/>
+                    <a:p>
+                      <a:pPr algn="l" fontAlgn="ctr"/>
+                      <a:r>
+                        <a:rPr lang="en-US" sz="1100" u="none" strike="noStrike" dirty="0">
+                          <a:effectLst/>
+                        </a:rPr>
+                        <a:t>date</a:t>
+                      </a:r>
+                      <a:endParaRPr lang="en-US" sz="1100" b="0" i="0" u="none" strike="noStrike" dirty="0">
+                        <a:solidFill>
+                          <a:srgbClr val="000000"/>
+                        </a:solidFill>
+                        <a:effectLst/>
+                        <a:latin typeface="맑은 고딕" panose="020B0503020000020004" pitchFamily="50" charset="-127"/>
+                        <a:ea typeface="맑은 고딕" panose="020B0503020000020004" pitchFamily="50" charset="-127"/>
+                      </a:endParaRPr>
+                    </a:p>
+                  </a:txBody>
+                  <a:tcPr marL="9525" marR="9525" marT="9525" marB="0" anchor="ctr"/>
+                </a:tc>
+              </a:tr>
+            </a:tbl>
+          </a:graphicData>
+        </a:graphic>
+      </p:graphicFrame>
+      <p:graphicFrame>
+        <p:nvGraphicFramePr>
+          <p:cNvPr id="23" name="표 22"/>
+          <p:cNvGraphicFramePr>
+            <a:graphicFrameLocks noGrp="1"/>
+          </p:cNvGraphicFramePr>
+          <p:nvPr>
+            <p:extLst>
+              <p:ext uri="{D42A27DB-BD31-4B8C-83A1-F6EECF244321}">
+                <p14:modId xmlns:p14="http://schemas.microsoft.com/office/powerpoint/2010/main" val="1263273568"/>
+              </p:ext>
+            </p:extLst>
+          </p:nvPr>
+        </p:nvGraphicFramePr>
+        <p:xfrm>
+          <a:off x="455098" y="6322694"/>
+          <a:ext cx="2159000" cy="419100"/>
+        </p:xfrm>
+        <a:graphic>
+          <a:graphicData uri="http://schemas.openxmlformats.org/drawingml/2006/table">
+            <a:tbl>
+              <a:tblPr>
+                <a:tableStyleId>{5C22544A-7EE6-4342-B048-85BDC9FD1C3A}</a:tableStyleId>
+              </a:tblPr>
+              <a:tblGrid>
+                <a:gridCol w="789414"/>
+                <a:gridCol w="684793"/>
+                <a:gridCol w="684793"/>
+              </a:tblGrid>
+              <a:tr h="209550">
+                <a:tc gridSpan="3">
+                  <a:txBody>
+                    <a:bodyPr/>
+                    <a:lstStyle/>
+                    <a:p>
+                      <a:pPr algn="ctr" fontAlgn="ctr"/>
+                      <a:r>
+                        <a:rPr lang="en-US" sz="1100" u="none" strike="noStrike" dirty="0">
+                          <a:effectLst/>
+                        </a:rPr>
+                        <a:t>RENTLIST</a:t>
+                      </a:r>
+                      <a:endParaRPr lang="en-US" sz="1100" b="1" i="0" u="none" strike="noStrike" dirty="0">
+                        <a:solidFill>
+                          <a:srgbClr val="FFFFFF"/>
+                        </a:solidFill>
+                        <a:effectLst/>
+                        <a:latin typeface="맑은 고딕" panose="020B0503020000020004" pitchFamily="50" charset="-127"/>
+                        <a:ea typeface="맑은 고딕" panose="020B0503020000020004" pitchFamily="50" charset="-127"/>
+                      </a:endParaRPr>
+                    </a:p>
+                  </a:txBody>
+                  <a:tcPr marL="9525" marR="9525" marT="9525" marB="0" anchor="ctr">
+                    <a:solidFill>
+                      <a:srgbClr val="00B0F0"/>
+                    </a:solidFill>
+                  </a:tcPr>
+                </a:tc>
+                <a:tc hMerge="1">
+                  <a:txBody>
+                    <a:bodyPr/>
+                    <a:lstStyle/>
+                    <a:p>
+                      <a:pPr latinLnBrk="1"/>
+                      <a:endParaRPr lang="ko-KR" altLang="en-US"/>
+                    </a:p>
+                  </a:txBody>
+                  <a:tcPr/>
+                </a:tc>
+                <a:tc hMerge="1">
+                  <a:txBody>
+                    <a:bodyPr/>
+                    <a:lstStyle/>
+                    <a:p>
+                      <a:pPr latinLnBrk="1"/>
+                      <a:endParaRPr lang="ko-KR" altLang="en-US"/>
+                    </a:p>
+                  </a:txBody>
+                  <a:tcPr/>
+                </a:tc>
+              </a:tr>
+              <a:tr h="209550">
+                <a:tc>
+                  <a:txBody>
+                    <a:bodyPr/>
+                    <a:lstStyle/>
+                    <a:p>
+                      <a:pPr algn="l" fontAlgn="ctr"/>
+                      <a:r>
+                        <a:rPr lang="en-US" sz="1100" u="none" strike="noStrike">
+                          <a:effectLst/>
+                        </a:rPr>
+                        <a:t>RL_ID</a:t>
+                      </a:r>
+                      <a:endParaRPr lang="en-US" sz="1100" b="1" i="0" u="none" strike="noStrike">
+                        <a:solidFill>
+                          <a:srgbClr val="000000"/>
+                        </a:solidFill>
+                        <a:effectLst/>
+                        <a:latin typeface="맑은 고딕" panose="020B0503020000020004" pitchFamily="50" charset="-127"/>
+                        <a:ea typeface="맑은 고딕" panose="020B0503020000020004" pitchFamily="50" charset="-127"/>
+                      </a:endParaRPr>
+                    </a:p>
+                  </a:txBody>
+                  <a:tcPr marL="9525" marR="9525" marT="9525" marB="0" anchor="ctr"/>
+                </a:tc>
+                <a:tc>
+                  <a:txBody>
+                    <a:bodyPr/>
+                    <a:lstStyle/>
+                    <a:p>
+                      <a:pPr algn="l" fontAlgn="ctr"/>
+                      <a:r>
+                        <a:rPr lang="en-US" sz="1100" u="none" strike="noStrike">
+                          <a:effectLst/>
+                        </a:rPr>
+                        <a:t>PK</a:t>
+                      </a:r>
+                      <a:endParaRPr lang="en-US" sz="1100" b="1" i="0" u="none" strike="noStrike">
+                        <a:solidFill>
+                          <a:srgbClr val="000000"/>
+                        </a:solidFill>
+                        <a:effectLst/>
+                        <a:latin typeface="맑은 고딕" panose="020B0503020000020004" pitchFamily="50" charset="-127"/>
+                        <a:ea typeface="맑은 고딕" panose="020B0503020000020004" pitchFamily="50" charset="-127"/>
+                      </a:endParaRPr>
+                    </a:p>
+                  </a:txBody>
+                  <a:tcPr marL="9525" marR="9525" marT="9525" marB="0" anchor="ctr"/>
+                </a:tc>
+                <a:tc>
+                  <a:txBody>
+                    <a:bodyPr/>
+                    <a:lstStyle/>
+                    <a:p>
+                      <a:pPr algn="l" fontAlgn="ctr"/>
+                      <a:r>
+                        <a:rPr lang="en-US" sz="1100" u="none" strike="noStrike" dirty="0">
+                          <a:effectLst/>
+                        </a:rPr>
+                        <a:t>varchar2</a:t>
+                      </a:r>
+                      <a:endParaRPr lang="en-US" sz="1100" b="1" i="0" u="none" strike="noStrike" dirty="0">
+                        <a:solidFill>
+                          <a:srgbClr val="000000"/>
+                        </a:solidFill>
+                        <a:effectLst/>
+                        <a:latin typeface="맑은 고딕" panose="020B0503020000020004" pitchFamily="50" charset="-127"/>
+                        <a:ea typeface="맑은 고딕" panose="020B0503020000020004" pitchFamily="50" charset="-127"/>
+                      </a:endParaRPr>
+                    </a:p>
+                  </a:txBody>
+                  <a:tcPr marL="9525" marR="9525" marT="9525" marB="0" anchor="ctr"/>
+                </a:tc>
+              </a:tr>
+            </a:tbl>
+          </a:graphicData>
+        </a:graphic>
+      </p:graphicFrame>
+      <p:graphicFrame>
+        <p:nvGraphicFramePr>
+          <p:cNvPr id="24" name="표 23"/>
+          <p:cNvGraphicFramePr>
+            <a:graphicFrameLocks noGrp="1"/>
+          </p:cNvGraphicFramePr>
+          <p:nvPr>
+            <p:extLst>
+              <p:ext uri="{D42A27DB-BD31-4B8C-83A1-F6EECF244321}">
+                <p14:modId xmlns:p14="http://schemas.microsoft.com/office/powerpoint/2010/main" val="3211182719"/>
+              </p:ext>
+            </p:extLst>
+          </p:nvPr>
+        </p:nvGraphicFramePr>
+        <p:xfrm>
+          <a:off x="3434313" y="6322694"/>
+          <a:ext cx="2159000" cy="419100"/>
+        </p:xfrm>
+        <a:graphic>
+          <a:graphicData uri="http://schemas.openxmlformats.org/drawingml/2006/table">
+            <a:tbl>
+              <a:tblPr>
+                <a:tableStyleId>{5C22544A-7EE6-4342-B048-85BDC9FD1C3A}</a:tableStyleId>
+              </a:tblPr>
+              <a:tblGrid>
+                <a:gridCol w="789414"/>
+                <a:gridCol w="684793"/>
+                <a:gridCol w="684793"/>
+              </a:tblGrid>
+              <a:tr h="209550">
+                <a:tc gridSpan="3">
+                  <a:txBody>
+                    <a:bodyPr/>
+                    <a:lstStyle/>
+                    <a:p>
+                      <a:pPr algn="ctr" fontAlgn="ctr"/>
+                      <a:r>
+                        <a:rPr lang="en-US" sz="1100" u="none" strike="noStrike" dirty="0">
+                          <a:effectLst/>
+                        </a:rPr>
+                        <a:t>BUYLIST</a:t>
+                      </a:r>
+                      <a:endParaRPr lang="en-US" sz="1100" b="1" i="0" u="none" strike="noStrike" dirty="0">
+                        <a:solidFill>
+                          <a:srgbClr val="FFFFFF"/>
+                        </a:solidFill>
+                        <a:effectLst/>
+                        <a:latin typeface="맑은 고딕" panose="020B0503020000020004" pitchFamily="50" charset="-127"/>
+                        <a:ea typeface="맑은 고딕" panose="020B0503020000020004" pitchFamily="50" charset="-127"/>
+                      </a:endParaRPr>
+                    </a:p>
+                  </a:txBody>
+                  <a:tcPr marL="9525" marR="9525" marT="9525" marB="0" anchor="ctr">
+                    <a:solidFill>
+                      <a:srgbClr val="00B0F0"/>
+                    </a:solidFill>
+                  </a:tcPr>
+                </a:tc>
+                <a:tc hMerge="1">
+                  <a:txBody>
+                    <a:bodyPr/>
+                    <a:lstStyle/>
+                    <a:p>
+                      <a:pPr latinLnBrk="1"/>
+                      <a:endParaRPr lang="ko-KR" altLang="en-US"/>
+                    </a:p>
+                  </a:txBody>
+                  <a:tcPr/>
+                </a:tc>
+                <a:tc hMerge="1">
+                  <a:txBody>
+                    <a:bodyPr/>
+                    <a:lstStyle/>
+                    <a:p>
+                      <a:pPr latinLnBrk="1"/>
+                      <a:endParaRPr lang="ko-KR" altLang="en-US"/>
+                    </a:p>
+                  </a:txBody>
+                  <a:tcPr/>
+                </a:tc>
+              </a:tr>
+              <a:tr h="209550">
+                <a:tc>
+                  <a:txBody>
+                    <a:bodyPr/>
+                    <a:lstStyle/>
+                    <a:p>
+                      <a:pPr algn="l" fontAlgn="ctr"/>
+                      <a:r>
+                        <a:rPr lang="en-US" sz="1100" u="none" strike="noStrike">
+                          <a:effectLst/>
+                        </a:rPr>
+                        <a:t>BL_ID</a:t>
+                      </a:r>
+                      <a:endParaRPr lang="en-US" sz="1100" b="1" i="0" u="none" strike="noStrike">
+                        <a:solidFill>
+                          <a:srgbClr val="000000"/>
+                        </a:solidFill>
+                        <a:effectLst/>
+                        <a:latin typeface="맑은 고딕" panose="020B0503020000020004" pitchFamily="50" charset="-127"/>
+                        <a:ea typeface="맑은 고딕" panose="020B0503020000020004" pitchFamily="50" charset="-127"/>
+                      </a:endParaRPr>
+                    </a:p>
+                  </a:txBody>
+                  <a:tcPr marL="9525" marR="9525" marT="9525" marB="0" anchor="ctr"/>
+                </a:tc>
+                <a:tc>
+                  <a:txBody>
+                    <a:bodyPr/>
+                    <a:lstStyle/>
+                    <a:p>
+                      <a:pPr algn="l" fontAlgn="ctr"/>
+                      <a:r>
+                        <a:rPr lang="en-US" sz="1100" u="none" strike="noStrike">
+                          <a:effectLst/>
+                        </a:rPr>
+                        <a:t>PK</a:t>
+                      </a:r>
+                      <a:endParaRPr lang="en-US" sz="1100" b="1" i="0" u="none" strike="noStrike">
+                        <a:solidFill>
+                          <a:srgbClr val="000000"/>
+                        </a:solidFill>
+                        <a:effectLst/>
+                        <a:latin typeface="맑은 고딕" panose="020B0503020000020004" pitchFamily="50" charset="-127"/>
+                        <a:ea typeface="맑은 고딕" panose="020B0503020000020004" pitchFamily="50" charset="-127"/>
+                      </a:endParaRPr>
+                    </a:p>
+                  </a:txBody>
+                  <a:tcPr marL="9525" marR="9525" marT="9525" marB="0" anchor="ctr"/>
+                </a:tc>
+                <a:tc>
+                  <a:txBody>
+                    <a:bodyPr/>
+                    <a:lstStyle/>
+                    <a:p>
+                      <a:pPr algn="l" fontAlgn="ctr"/>
+                      <a:r>
+                        <a:rPr lang="en-US" sz="1100" u="none" strike="noStrike" dirty="0">
+                          <a:effectLst/>
+                        </a:rPr>
+                        <a:t>varchar2</a:t>
+                      </a:r>
+                      <a:endParaRPr lang="en-US" sz="1100" b="1" i="0" u="none" strike="noStrike" dirty="0">
+                        <a:solidFill>
+                          <a:srgbClr val="000000"/>
+                        </a:solidFill>
+                        <a:effectLst/>
+                        <a:latin typeface="맑은 고딕" panose="020B0503020000020004" pitchFamily="50" charset="-127"/>
+                        <a:ea typeface="맑은 고딕" panose="020B0503020000020004" pitchFamily="50" charset="-127"/>
+                      </a:endParaRPr>
+                    </a:p>
+                  </a:txBody>
+                  <a:tcPr marL="9525" marR="9525" marT="9525" marB="0" anchor="ctr"/>
+                </a:tc>
+              </a:tr>
+            </a:tbl>
+          </a:graphicData>
+        </a:graphic>
+      </p:graphicFrame>
+      <p:graphicFrame>
+        <p:nvGraphicFramePr>
+          <p:cNvPr id="25" name="표 24"/>
+          <p:cNvGraphicFramePr>
+            <a:graphicFrameLocks noGrp="1"/>
+          </p:cNvGraphicFramePr>
+          <p:nvPr>
+            <p:extLst>
+              <p:ext uri="{D42A27DB-BD31-4B8C-83A1-F6EECF244321}">
+                <p14:modId xmlns:p14="http://schemas.microsoft.com/office/powerpoint/2010/main" val="3429293755"/>
+              </p:ext>
+            </p:extLst>
+          </p:nvPr>
+        </p:nvGraphicFramePr>
+        <p:xfrm>
+          <a:off x="9217476" y="2946181"/>
+          <a:ext cx="2540000" cy="1676400"/>
+        </p:xfrm>
+        <a:graphic>
+          <a:graphicData uri="http://schemas.openxmlformats.org/drawingml/2006/table">
+            <a:tbl>
+              <a:tblPr>
+                <a:tableStyleId>{5C22544A-7EE6-4342-B048-85BDC9FD1C3A}</a:tableStyleId>
+              </a:tblPr>
+              <a:tblGrid>
+                <a:gridCol w="1164962"/>
+                <a:gridCol w="687519"/>
+                <a:gridCol w="687519"/>
+              </a:tblGrid>
+              <a:tr h="209550">
+                <a:tc gridSpan="3">
+                  <a:txBody>
+                    <a:bodyPr/>
+                    <a:lstStyle/>
+                    <a:p>
+                      <a:pPr algn="ctr" fontAlgn="ctr"/>
+                      <a:r>
+                        <a:rPr lang="en-US" sz="1100" u="none" strike="noStrike" dirty="0">
+                          <a:effectLst/>
+                        </a:rPr>
+                        <a:t>PERSON</a:t>
+                      </a:r>
+                      <a:endParaRPr lang="en-US" sz="1100" b="1" i="0" u="none" strike="noStrike" dirty="0">
+                        <a:solidFill>
+                          <a:srgbClr val="FFFFFF"/>
+                        </a:solidFill>
+                        <a:effectLst/>
+                        <a:latin typeface="맑은 고딕" panose="020B0503020000020004" pitchFamily="50" charset="-127"/>
+                        <a:ea typeface="맑은 고딕" panose="020B0503020000020004" pitchFamily="50" charset="-127"/>
+                      </a:endParaRPr>
+                    </a:p>
+                  </a:txBody>
+                  <a:tcPr marL="9525" marR="9525" marT="9525" marB="0" anchor="ctr">
+                    <a:solidFill>
+                      <a:srgbClr val="00B0F0"/>
+                    </a:solidFill>
+                  </a:tcPr>
+                </a:tc>
+                <a:tc hMerge="1">
+                  <a:txBody>
+                    <a:bodyPr/>
+                    <a:lstStyle/>
+                    <a:p>
+                      <a:pPr latinLnBrk="1"/>
+                      <a:endParaRPr lang="ko-KR" altLang="en-US"/>
+                    </a:p>
+                  </a:txBody>
+                  <a:tcPr/>
+                </a:tc>
+                <a:tc hMerge="1">
+                  <a:txBody>
+                    <a:bodyPr/>
+                    <a:lstStyle/>
+                    <a:p>
+                      <a:pPr latinLnBrk="1"/>
+                      <a:endParaRPr lang="ko-KR" altLang="en-US"/>
+                    </a:p>
+                  </a:txBody>
+                  <a:tcPr/>
+                </a:tc>
+              </a:tr>
+              <a:tr h="209550">
+                <a:tc>
+                  <a:txBody>
+                    <a:bodyPr/>
+                    <a:lstStyle/>
+                    <a:p>
+                      <a:pPr algn="l" fontAlgn="ctr"/>
+                      <a:r>
+                        <a:rPr lang="en-US" sz="1100" u="none" strike="noStrike">
+                          <a:effectLst/>
+                        </a:rPr>
+                        <a:t>P_ID</a:t>
+                      </a:r>
+                      <a:endParaRPr lang="en-US" sz="1100" b="1" i="0" u="none" strike="noStrike">
+                        <a:solidFill>
+                          <a:srgbClr val="000000"/>
+                        </a:solidFill>
+                        <a:effectLst/>
+                        <a:latin typeface="맑은 고딕" panose="020B0503020000020004" pitchFamily="50" charset="-127"/>
+                        <a:ea typeface="맑은 고딕" panose="020B0503020000020004" pitchFamily="50" charset="-127"/>
+                      </a:endParaRPr>
+                    </a:p>
+                  </a:txBody>
+                  <a:tcPr marL="9525" marR="9525" marT="9525" marB="0" anchor="ctr"/>
+                </a:tc>
+                <a:tc>
+                  <a:txBody>
+                    <a:bodyPr/>
+                    <a:lstStyle/>
+                    <a:p>
+                      <a:pPr algn="l" fontAlgn="ctr"/>
+                      <a:r>
+                        <a:rPr lang="en-US" sz="1100" u="none" strike="noStrike" dirty="0">
+                          <a:effectLst/>
+                        </a:rPr>
+                        <a:t>PK</a:t>
+                      </a:r>
+                      <a:endParaRPr lang="en-US" sz="1100" b="1" i="0" u="none" strike="noStrike" dirty="0">
+                        <a:solidFill>
+                          <a:srgbClr val="000000"/>
+                        </a:solidFill>
+                        <a:effectLst/>
+                        <a:latin typeface="맑은 고딕" panose="020B0503020000020004" pitchFamily="50" charset="-127"/>
+                        <a:ea typeface="맑은 고딕" panose="020B0503020000020004" pitchFamily="50" charset="-127"/>
+                      </a:endParaRPr>
+                    </a:p>
+                  </a:txBody>
+                  <a:tcPr marL="9525" marR="9525" marT="9525" marB="0" anchor="ctr"/>
+                </a:tc>
+                <a:tc>
+                  <a:txBody>
+                    <a:bodyPr/>
+                    <a:lstStyle/>
+                    <a:p>
+                      <a:pPr algn="l" fontAlgn="ctr"/>
+                      <a:r>
+                        <a:rPr lang="en-US" sz="1100" u="none" strike="noStrike">
+                          <a:effectLst/>
+                        </a:rPr>
+                        <a:t>varchar2</a:t>
+                      </a:r>
+                      <a:endParaRPr lang="en-US" sz="1100" b="1" i="0" u="none" strike="noStrike">
+                        <a:solidFill>
+                          <a:srgbClr val="000000"/>
+                        </a:solidFill>
+                        <a:effectLst/>
+                        <a:latin typeface="맑은 고딕" panose="020B0503020000020004" pitchFamily="50" charset="-127"/>
+                        <a:ea typeface="맑은 고딕" panose="020B0503020000020004" pitchFamily="50" charset="-127"/>
+                      </a:endParaRPr>
+                    </a:p>
+                  </a:txBody>
+                  <a:tcPr marL="9525" marR="9525" marT="9525" marB="0" anchor="ctr"/>
+                </a:tc>
+              </a:tr>
+              <a:tr h="209550">
+                <a:tc>
+                  <a:txBody>
+                    <a:bodyPr/>
+                    <a:lstStyle/>
+                    <a:p>
+                      <a:pPr algn="l" fontAlgn="ctr"/>
+                      <a:r>
+                        <a:rPr lang="en-US" sz="1100" u="none" strike="noStrike">
+                          <a:effectLst/>
+                        </a:rPr>
+                        <a:t>P_PASSWORD</a:t>
+                      </a:r>
+                      <a:endParaRPr lang="en-US" sz="1100" b="0" i="0" u="none" strike="noStrike">
+                        <a:solidFill>
+                          <a:srgbClr val="000000"/>
+                        </a:solidFill>
+                        <a:effectLst/>
+                        <a:latin typeface="맑은 고딕" panose="020B0503020000020004" pitchFamily="50" charset="-127"/>
+                        <a:ea typeface="맑은 고딕" panose="020B0503020000020004" pitchFamily="50" charset="-127"/>
+                      </a:endParaRPr>
+                    </a:p>
+                  </a:txBody>
+                  <a:tcPr marL="9525" marR="9525" marT="9525" marB="0" anchor="ctr"/>
+                </a:tc>
+                <a:tc>
+                  <a:txBody>
+                    <a:bodyPr/>
+                    <a:lstStyle/>
+                    <a:p>
+                      <a:pPr algn="l" fontAlgn="ctr"/>
+                      <a:r>
+                        <a:rPr lang="ko-KR" altLang="en-US" sz="1100" u="none" strike="noStrike">
+                          <a:effectLst/>
+                        </a:rPr>
+                        <a:t>　</a:t>
+                      </a:r>
+                      <a:endParaRPr lang="ko-KR" altLang="en-US" sz="1100" b="0" i="0" u="none" strike="noStrike">
+                        <a:solidFill>
+                          <a:srgbClr val="000000"/>
+                        </a:solidFill>
+                        <a:effectLst/>
+                        <a:latin typeface="맑은 고딕" panose="020B0503020000020004" pitchFamily="50" charset="-127"/>
+                        <a:ea typeface="맑은 고딕" panose="020B0503020000020004" pitchFamily="50" charset="-127"/>
+                      </a:endParaRPr>
+                    </a:p>
+                  </a:txBody>
+                  <a:tcPr marL="9525" marR="9525" marT="9525" marB="0" anchor="ctr"/>
+                </a:tc>
+                <a:tc>
+                  <a:txBody>
+                    <a:bodyPr/>
+                    <a:lstStyle/>
+                    <a:p>
+                      <a:pPr algn="l" fontAlgn="ctr"/>
+                      <a:r>
+                        <a:rPr lang="en-US" sz="1100" u="none" strike="noStrike">
+                          <a:effectLst/>
+                        </a:rPr>
+                        <a:t>varchar2</a:t>
+                      </a:r>
+                      <a:endParaRPr lang="en-US" sz="1100" b="0" i="0" u="none" strike="noStrike">
+                        <a:solidFill>
+                          <a:srgbClr val="000000"/>
+                        </a:solidFill>
+                        <a:effectLst/>
+                        <a:latin typeface="맑은 고딕" panose="020B0503020000020004" pitchFamily="50" charset="-127"/>
+                        <a:ea typeface="맑은 고딕" panose="020B0503020000020004" pitchFamily="50" charset="-127"/>
+                      </a:endParaRPr>
+                    </a:p>
+                  </a:txBody>
+                  <a:tcPr marL="9525" marR="9525" marT="9525" marB="0" anchor="ctr"/>
+                </a:tc>
+              </a:tr>
+              <a:tr h="209550">
+                <a:tc>
+                  <a:txBody>
+                    <a:bodyPr/>
+                    <a:lstStyle/>
+                    <a:p>
+                      <a:pPr algn="l" fontAlgn="ctr"/>
+                      <a:r>
+                        <a:rPr lang="en-US" sz="1100" u="none" strike="noStrike">
+                          <a:effectLst/>
+                        </a:rPr>
+                        <a:t>P_NAME</a:t>
+                      </a:r>
+                      <a:endParaRPr lang="en-US" sz="1100" b="0" i="0" u="none" strike="noStrike">
+                        <a:solidFill>
+                          <a:srgbClr val="000000"/>
+                        </a:solidFill>
+                        <a:effectLst/>
+                        <a:latin typeface="맑은 고딕" panose="020B0503020000020004" pitchFamily="50" charset="-127"/>
+                        <a:ea typeface="맑은 고딕" panose="020B0503020000020004" pitchFamily="50" charset="-127"/>
+                      </a:endParaRPr>
+                    </a:p>
+                  </a:txBody>
+                  <a:tcPr marL="9525" marR="9525" marT="9525" marB="0" anchor="ctr"/>
+                </a:tc>
+                <a:tc>
+                  <a:txBody>
+                    <a:bodyPr/>
+                    <a:lstStyle/>
+                    <a:p>
+                      <a:pPr algn="l" fontAlgn="ctr"/>
+                      <a:r>
+                        <a:rPr lang="ko-KR" altLang="en-US" sz="1100" u="none" strike="noStrike" dirty="0">
+                          <a:effectLst/>
+                        </a:rPr>
+                        <a:t>　</a:t>
+                      </a:r>
+                      <a:endParaRPr lang="ko-KR" altLang="en-US" sz="1100" b="0" i="0" u="none" strike="noStrike" dirty="0">
+                        <a:solidFill>
+                          <a:srgbClr val="000000"/>
+                        </a:solidFill>
+                        <a:effectLst/>
+                        <a:latin typeface="맑은 고딕" panose="020B0503020000020004" pitchFamily="50" charset="-127"/>
+                        <a:ea typeface="맑은 고딕" panose="020B0503020000020004" pitchFamily="50" charset="-127"/>
+                      </a:endParaRPr>
+                    </a:p>
+                  </a:txBody>
+                  <a:tcPr marL="9525" marR="9525" marT="9525" marB="0" anchor="ctr"/>
+                </a:tc>
+                <a:tc>
+                  <a:txBody>
+                    <a:bodyPr/>
+                    <a:lstStyle/>
+                    <a:p>
+                      <a:pPr algn="l" fontAlgn="ctr"/>
+                      <a:r>
+                        <a:rPr lang="en-US" sz="1100" u="none" strike="noStrike">
+                          <a:effectLst/>
+                        </a:rPr>
+                        <a:t>varchar2</a:t>
+                      </a:r>
+                      <a:endParaRPr lang="en-US" sz="1100" b="0" i="0" u="none" strike="noStrike">
+                        <a:solidFill>
+                          <a:srgbClr val="000000"/>
+                        </a:solidFill>
+                        <a:effectLst/>
+                        <a:latin typeface="맑은 고딕" panose="020B0503020000020004" pitchFamily="50" charset="-127"/>
+                        <a:ea typeface="맑은 고딕" panose="020B0503020000020004" pitchFamily="50" charset="-127"/>
+                      </a:endParaRPr>
+                    </a:p>
+                  </a:txBody>
+                  <a:tcPr marL="9525" marR="9525" marT="9525" marB="0" anchor="ctr"/>
+                </a:tc>
+              </a:tr>
+              <a:tr h="209550">
+                <a:tc>
+                  <a:txBody>
+                    <a:bodyPr/>
+                    <a:lstStyle/>
+                    <a:p>
+                      <a:pPr algn="l" fontAlgn="ctr"/>
+                      <a:r>
+                        <a:rPr lang="en-US" sz="1100" u="none" strike="noStrike">
+                          <a:effectLst/>
+                        </a:rPr>
+                        <a:t>P_ADDRESS</a:t>
+                      </a:r>
+                      <a:endParaRPr lang="en-US" sz="1100" b="0" i="0" u="none" strike="noStrike">
+                        <a:solidFill>
+                          <a:srgbClr val="000000"/>
+                        </a:solidFill>
+                        <a:effectLst/>
+                        <a:latin typeface="맑은 고딕" panose="020B0503020000020004" pitchFamily="50" charset="-127"/>
+                        <a:ea typeface="맑은 고딕" panose="020B0503020000020004" pitchFamily="50" charset="-127"/>
+                      </a:endParaRPr>
+                    </a:p>
+                  </a:txBody>
+                  <a:tcPr marL="9525" marR="9525" marT="9525" marB="0" anchor="ctr"/>
+                </a:tc>
+                <a:tc>
+                  <a:txBody>
+                    <a:bodyPr/>
+                    <a:lstStyle/>
+                    <a:p>
+                      <a:pPr algn="l" fontAlgn="ctr"/>
+                      <a:r>
+                        <a:rPr lang="ko-KR" altLang="en-US" sz="1100" u="none" strike="noStrike">
+                          <a:effectLst/>
+                        </a:rPr>
+                        <a:t>　</a:t>
+                      </a:r>
+                      <a:endParaRPr lang="ko-KR" altLang="en-US" sz="1100" b="0" i="0" u="none" strike="noStrike">
+                        <a:solidFill>
+                          <a:srgbClr val="000000"/>
+                        </a:solidFill>
+                        <a:effectLst/>
+                        <a:latin typeface="맑은 고딕" panose="020B0503020000020004" pitchFamily="50" charset="-127"/>
+                        <a:ea typeface="맑은 고딕" panose="020B0503020000020004" pitchFamily="50" charset="-127"/>
+                      </a:endParaRPr>
+                    </a:p>
+                  </a:txBody>
+                  <a:tcPr marL="9525" marR="9525" marT="9525" marB="0" anchor="ctr"/>
+                </a:tc>
+                <a:tc>
+                  <a:txBody>
+                    <a:bodyPr/>
+                    <a:lstStyle/>
+                    <a:p>
+                      <a:pPr algn="l" fontAlgn="ctr"/>
+                      <a:r>
+                        <a:rPr lang="en-US" sz="1100" u="none" strike="noStrike">
+                          <a:effectLst/>
+                        </a:rPr>
+                        <a:t>varchar2</a:t>
+                      </a:r>
+                      <a:endParaRPr lang="en-US" sz="1100" b="0" i="0" u="none" strike="noStrike">
+                        <a:solidFill>
+                          <a:srgbClr val="000000"/>
+                        </a:solidFill>
+                        <a:effectLst/>
+                        <a:latin typeface="맑은 고딕" panose="020B0503020000020004" pitchFamily="50" charset="-127"/>
+                        <a:ea typeface="맑은 고딕" panose="020B0503020000020004" pitchFamily="50" charset="-127"/>
+                      </a:endParaRPr>
+                    </a:p>
+                  </a:txBody>
+                  <a:tcPr marL="9525" marR="9525" marT="9525" marB="0" anchor="ctr"/>
+                </a:tc>
+              </a:tr>
+              <a:tr h="209550">
+                <a:tc>
+                  <a:txBody>
+                    <a:bodyPr/>
+                    <a:lstStyle/>
+                    <a:p>
+                      <a:pPr algn="l" fontAlgn="ctr"/>
+                      <a:r>
+                        <a:rPr lang="en-US" sz="1100" u="none" strike="noStrike">
+                          <a:effectLst/>
+                        </a:rPr>
+                        <a:t>P_TEL</a:t>
+                      </a:r>
+                      <a:endParaRPr lang="en-US" sz="1100" b="0" i="0" u="none" strike="noStrike">
+                        <a:solidFill>
+                          <a:srgbClr val="000000"/>
+                        </a:solidFill>
+                        <a:effectLst/>
+                        <a:latin typeface="맑은 고딕" panose="020B0503020000020004" pitchFamily="50" charset="-127"/>
+                        <a:ea typeface="맑은 고딕" panose="020B0503020000020004" pitchFamily="50" charset="-127"/>
+                      </a:endParaRPr>
+                    </a:p>
+                  </a:txBody>
+                  <a:tcPr marL="9525" marR="9525" marT="9525" marB="0" anchor="ctr"/>
+                </a:tc>
+                <a:tc>
+                  <a:txBody>
+                    <a:bodyPr/>
+                    <a:lstStyle/>
+                    <a:p>
+                      <a:pPr algn="l" fontAlgn="ctr"/>
+                      <a:r>
+                        <a:rPr lang="ko-KR" altLang="en-US" sz="1100" u="none" strike="noStrike">
+                          <a:effectLst/>
+                        </a:rPr>
+                        <a:t>　</a:t>
+                      </a:r>
+                      <a:endParaRPr lang="ko-KR" altLang="en-US" sz="1100" b="0" i="0" u="none" strike="noStrike">
+                        <a:solidFill>
+                          <a:srgbClr val="000000"/>
+                        </a:solidFill>
+                        <a:effectLst/>
+                        <a:latin typeface="맑은 고딕" panose="020B0503020000020004" pitchFamily="50" charset="-127"/>
+                        <a:ea typeface="맑은 고딕" panose="020B0503020000020004" pitchFamily="50" charset="-127"/>
+                      </a:endParaRPr>
+                    </a:p>
+                  </a:txBody>
+                  <a:tcPr marL="9525" marR="9525" marT="9525" marB="0" anchor="ctr"/>
+                </a:tc>
+                <a:tc>
+                  <a:txBody>
+                    <a:bodyPr/>
+                    <a:lstStyle/>
+                    <a:p>
+                      <a:pPr algn="l" fontAlgn="ctr"/>
+                      <a:r>
+                        <a:rPr lang="en-US" sz="1100" u="none" strike="noStrike">
+                          <a:effectLst/>
+                        </a:rPr>
+                        <a:t>varchar2</a:t>
+                      </a:r>
+                      <a:endParaRPr lang="en-US" sz="1100" b="0" i="0" u="none" strike="noStrike">
+                        <a:solidFill>
+                          <a:srgbClr val="000000"/>
+                        </a:solidFill>
+                        <a:effectLst/>
+                        <a:latin typeface="맑은 고딕" panose="020B0503020000020004" pitchFamily="50" charset="-127"/>
+                        <a:ea typeface="맑은 고딕" panose="020B0503020000020004" pitchFamily="50" charset="-127"/>
+                      </a:endParaRPr>
+                    </a:p>
+                  </a:txBody>
+                  <a:tcPr marL="9525" marR="9525" marT="9525" marB="0" anchor="ctr"/>
+                </a:tc>
+              </a:tr>
+              <a:tr h="209550">
+                <a:tc>
+                  <a:txBody>
+                    <a:bodyPr/>
+                    <a:lstStyle/>
+                    <a:p>
+                      <a:pPr algn="l" fontAlgn="ctr"/>
+                      <a:r>
+                        <a:rPr lang="en-US" sz="1100" u="none" strike="noStrike">
+                          <a:effectLst/>
+                        </a:rPr>
+                        <a:t>P_POINT</a:t>
+                      </a:r>
+                      <a:endParaRPr lang="en-US" sz="1100" b="0" i="0" u="none" strike="noStrike">
+                        <a:solidFill>
+                          <a:srgbClr val="000000"/>
+                        </a:solidFill>
+                        <a:effectLst/>
+                        <a:latin typeface="맑은 고딕" panose="020B0503020000020004" pitchFamily="50" charset="-127"/>
+                        <a:ea typeface="맑은 고딕" panose="020B0503020000020004" pitchFamily="50" charset="-127"/>
+                      </a:endParaRPr>
+                    </a:p>
+                  </a:txBody>
+                  <a:tcPr marL="9525" marR="9525" marT="9525" marB="0" anchor="ctr"/>
+                </a:tc>
+                <a:tc>
+                  <a:txBody>
+                    <a:bodyPr/>
+                    <a:lstStyle/>
+                    <a:p>
+                      <a:pPr algn="l" fontAlgn="ctr"/>
+                      <a:r>
+                        <a:rPr lang="ko-KR" altLang="en-US" sz="1100" u="none" strike="noStrike">
+                          <a:effectLst/>
+                        </a:rPr>
+                        <a:t>　</a:t>
+                      </a:r>
+                      <a:endParaRPr lang="ko-KR" altLang="en-US" sz="1100" b="0" i="0" u="none" strike="noStrike">
+                        <a:solidFill>
+                          <a:srgbClr val="000000"/>
+                        </a:solidFill>
+                        <a:effectLst/>
+                        <a:latin typeface="맑은 고딕" panose="020B0503020000020004" pitchFamily="50" charset="-127"/>
+                        <a:ea typeface="맑은 고딕" panose="020B0503020000020004" pitchFamily="50" charset="-127"/>
+                      </a:endParaRPr>
+                    </a:p>
+                  </a:txBody>
+                  <a:tcPr marL="9525" marR="9525" marT="9525" marB="0" anchor="ctr"/>
+                </a:tc>
+                <a:tc>
+                  <a:txBody>
+                    <a:bodyPr/>
+                    <a:lstStyle/>
+                    <a:p>
+                      <a:pPr algn="l" fontAlgn="ctr"/>
+                      <a:r>
+                        <a:rPr lang="en-US" sz="1100" u="none" strike="noStrike">
+                          <a:effectLst/>
+                        </a:rPr>
+                        <a:t>number</a:t>
+                      </a:r>
+                      <a:endParaRPr lang="en-US" sz="1100" b="0" i="0" u="none" strike="noStrike">
+                        <a:solidFill>
+                          <a:srgbClr val="000000"/>
+                        </a:solidFill>
+                        <a:effectLst/>
+                        <a:latin typeface="맑은 고딕" panose="020B0503020000020004" pitchFamily="50" charset="-127"/>
+                        <a:ea typeface="맑은 고딕" panose="020B0503020000020004" pitchFamily="50" charset="-127"/>
+                      </a:endParaRPr>
+                    </a:p>
+                  </a:txBody>
+                  <a:tcPr marL="9525" marR="9525" marT="9525" marB="0" anchor="ctr"/>
+                </a:tc>
+              </a:tr>
+              <a:tr h="209550">
+                <a:tc>
+                  <a:txBody>
+                    <a:bodyPr/>
+                    <a:lstStyle/>
+                    <a:p>
+                      <a:pPr algn="l" fontAlgn="ctr"/>
+                      <a:r>
+                        <a:rPr lang="en-US" sz="1100" u="none" strike="noStrike">
+                          <a:effectLst/>
+                        </a:rPr>
+                        <a:t>P_IS_MANAGER</a:t>
+                      </a:r>
+                      <a:endParaRPr lang="en-US" sz="1100" b="0" i="0" u="none" strike="noStrike">
+                        <a:solidFill>
+                          <a:srgbClr val="000000"/>
+                        </a:solidFill>
+                        <a:effectLst/>
+                        <a:latin typeface="맑은 고딕" panose="020B0503020000020004" pitchFamily="50" charset="-127"/>
+                        <a:ea typeface="맑은 고딕" panose="020B0503020000020004" pitchFamily="50" charset="-127"/>
+                      </a:endParaRPr>
+                    </a:p>
+                  </a:txBody>
+                  <a:tcPr marL="9525" marR="9525" marT="9525" marB="0" anchor="ctr"/>
+                </a:tc>
+                <a:tc>
+                  <a:txBody>
+                    <a:bodyPr/>
+                    <a:lstStyle/>
+                    <a:p>
+                      <a:pPr algn="l" fontAlgn="ctr"/>
+                      <a:r>
+                        <a:rPr lang="ko-KR" altLang="en-US" sz="1100" u="none" strike="noStrike" dirty="0">
+                          <a:effectLst/>
+                        </a:rPr>
+                        <a:t>　</a:t>
+                      </a:r>
+                      <a:endParaRPr lang="ko-KR" altLang="en-US" sz="1100" b="0" i="0" u="none" strike="noStrike" dirty="0">
+                        <a:solidFill>
+                          <a:srgbClr val="000000"/>
+                        </a:solidFill>
+                        <a:effectLst/>
+                        <a:latin typeface="맑은 고딕" panose="020B0503020000020004" pitchFamily="50" charset="-127"/>
+                        <a:ea typeface="맑은 고딕" panose="020B0503020000020004" pitchFamily="50" charset="-127"/>
+                      </a:endParaRPr>
+                    </a:p>
+                  </a:txBody>
+                  <a:tcPr marL="9525" marR="9525" marT="9525" marB="0" anchor="ctr"/>
+                </a:tc>
+                <a:tc>
+                  <a:txBody>
+                    <a:bodyPr/>
+                    <a:lstStyle/>
+                    <a:p>
+                      <a:pPr algn="l" fontAlgn="ctr"/>
+                      <a:r>
+                        <a:rPr lang="en-US" sz="1100" u="none" strike="noStrike" dirty="0">
+                          <a:effectLst/>
+                        </a:rPr>
+                        <a:t>number</a:t>
+                      </a:r>
+                      <a:endParaRPr lang="en-US" sz="1100" b="0" i="0" u="none" strike="noStrike" dirty="0">
+                        <a:solidFill>
+                          <a:srgbClr val="000000"/>
+                        </a:solidFill>
+                        <a:effectLst/>
+                        <a:latin typeface="맑은 고딕" panose="020B0503020000020004" pitchFamily="50" charset="-127"/>
+                        <a:ea typeface="맑은 고딕" panose="020B0503020000020004" pitchFamily="50" charset="-127"/>
+                      </a:endParaRPr>
+                    </a:p>
+                  </a:txBody>
+                  <a:tcPr marL="9525" marR="9525" marT="9525" marB="0" anchor="ctr"/>
+                </a:tc>
+              </a:tr>
+            </a:tbl>
+          </a:graphicData>
+        </a:graphic>
+      </p:graphicFrame>
+      <p:graphicFrame>
+        <p:nvGraphicFramePr>
+          <p:cNvPr id="26" name="표 25"/>
+          <p:cNvGraphicFramePr>
+            <a:graphicFrameLocks noGrp="1"/>
+          </p:cNvGraphicFramePr>
+          <p:nvPr>
+            <p:extLst>
+              <p:ext uri="{D42A27DB-BD31-4B8C-83A1-F6EECF244321}">
+                <p14:modId xmlns:p14="http://schemas.microsoft.com/office/powerpoint/2010/main" val="2811320576"/>
+              </p:ext>
+            </p:extLst>
+          </p:nvPr>
+        </p:nvGraphicFramePr>
+        <p:xfrm>
+          <a:off x="6244706" y="650835"/>
+          <a:ext cx="2540000" cy="1047750"/>
+        </p:xfrm>
+        <a:graphic>
+          <a:graphicData uri="http://schemas.openxmlformats.org/drawingml/2006/table">
+            <a:tbl>
+              <a:tblPr>
+                <a:tableStyleId>{5C22544A-7EE6-4342-B048-85BDC9FD1C3A}</a:tableStyleId>
+              </a:tblPr>
+              <a:tblGrid>
+                <a:gridCol w="1164962"/>
+                <a:gridCol w="687519"/>
+                <a:gridCol w="687519"/>
+              </a:tblGrid>
+              <a:tr h="209550">
+                <a:tc gridSpan="3">
+                  <a:txBody>
+                    <a:bodyPr/>
+                    <a:lstStyle/>
+                    <a:p>
+                      <a:pPr algn="ctr" fontAlgn="ctr"/>
+                      <a:r>
+                        <a:rPr lang="en-US" sz="1100" u="none" strike="noStrike" dirty="0">
+                          <a:effectLst/>
+                        </a:rPr>
+                        <a:t>CART</a:t>
+                      </a:r>
+                      <a:endParaRPr lang="en-US" sz="1100" b="1" i="0" u="none" strike="noStrike" dirty="0">
+                        <a:solidFill>
+                          <a:srgbClr val="FFFFFF"/>
+                        </a:solidFill>
+                        <a:effectLst/>
+                        <a:latin typeface="맑은 고딕" panose="020B0503020000020004" pitchFamily="50" charset="-127"/>
+                        <a:ea typeface="맑은 고딕" panose="020B0503020000020004" pitchFamily="50" charset="-127"/>
+                      </a:endParaRPr>
+                    </a:p>
+                  </a:txBody>
+                  <a:tcPr marL="9525" marR="9525" marT="9525" marB="0" anchor="ctr">
+                    <a:solidFill>
+                      <a:srgbClr val="00B0F0"/>
+                    </a:solidFill>
+                  </a:tcPr>
+                </a:tc>
+                <a:tc hMerge="1">
+                  <a:txBody>
+                    <a:bodyPr/>
+                    <a:lstStyle/>
+                    <a:p>
+                      <a:pPr latinLnBrk="1"/>
+                      <a:endParaRPr lang="ko-KR" altLang="en-US"/>
+                    </a:p>
+                  </a:txBody>
+                  <a:tcPr/>
+                </a:tc>
+                <a:tc hMerge="1">
+                  <a:txBody>
+                    <a:bodyPr/>
+                    <a:lstStyle/>
+                    <a:p>
+                      <a:pPr latinLnBrk="1"/>
+                      <a:endParaRPr lang="ko-KR" altLang="en-US"/>
+                    </a:p>
+                  </a:txBody>
+                  <a:tcPr/>
+                </a:tc>
+              </a:tr>
+              <a:tr h="209550">
+                <a:tc>
+                  <a:txBody>
+                    <a:bodyPr/>
+                    <a:lstStyle/>
+                    <a:p>
+                      <a:pPr algn="l" fontAlgn="ctr"/>
+                      <a:r>
+                        <a:rPr lang="en-US" sz="1100" u="none" strike="noStrike">
+                          <a:effectLst/>
+                        </a:rPr>
+                        <a:t>C_ID</a:t>
+                      </a:r>
+                      <a:endParaRPr lang="en-US" sz="1100" b="1" i="0" u="none" strike="noStrike">
+                        <a:solidFill>
+                          <a:srgbClr val="000000"/>
+                        </a:solidFill>
+                        <a:effectLst/>
+                        <a:latin typeface="맑은 고딕" panose="020B0503020000020004" pitchFamily="50" charset="-127"/>
+                        <a:ea typeface="맑은 고딕" panose="020B0503020000020004" pitchFamily="50" charset="-127"/>
+                      </a:endParaRPr>
+                    </a:p>
+                  </a:txBody>
+                  <a:tcPr marL="9525" marR="9525" marT="9525" marB="0" anchor="ctr"/>
+                </a:tc>
+                <a:tc>
+                  <a:txBody>
+                    <a:bodyPr/>
+                    <a:lstStyle/>
+                    <a:p>
+                      <a:pPr algn="l" fontAlgn="ctr"/>
+                      <a:r>
+                        <a:rPr lang="en-US" sz="1100" u="none" strike="noStrike" dirty="0">
+                          <a:effectLst/>
+                        </a:rPr>
+                        <a:t>PK</a:t>
+                      </a:r>
+                      <a:endParaRPr lang="en-US" sz="1100" b="1" i="0" u="none" strike="noStrike" dirty="0">
+                        <a:solidFill>
+                          <a:srgbClr val="000000"/>
+                        </a:solidFill>
+                        <a:effectLst/>
+                        <a:latin typeface="맑은 고딕" panose="020B0503020000020004" pitchFamily="50" charset="-127"/>
+                        <a:ea typeface="맑은 고딕" panose="020B0503020000020004" pitchFamily="50" charset="-127"/>
+                      </a:endParaRPr>
+                    </a:p>
+                  </a:txBody>
+                  <a:tcPr marL="9525" marR="9525" marT="9525" marB="0" anchor="ctr"/>
+                </a:tc>
+                <a:tc>
+                  <a:txBody>
+                    <a:bodyPr/>
+                    <a:lstStyle/>
+                    <a:p>
+                      <a:pPr algn="l" fontAlgn="ctr"/>
+                      <a:r>
+                        <a:rPr lang="en-US" sz="1100" u="none" strike="noStrike">
+                          <a:effectLst/>
+                        </a:rPr>
+                        <a:t>varchar2</a:t>
+                      </a:r>
+                      <a:endParaRPr lang="en-US" sz="1100" b="1" i="0" u="none" strike="noStrike">
+                        <a:solidFill>
+                          <a:srgbClr val="000000"/>
+                        </a:solidFill>
+                        <a:effectLst/>
+                        <a:latin typeface="맑은 고딕" panose="020B0503020000020004" pitchFamily="50" charset="-127"/>
+                        <a:ea typeface="맑은 고딕" panose="020B0503020000020004" pitchFamily="50" charset="-127"/>
+                      </a:endParaRPr>
+                    </a:p>
+                  </a:txBody>
+                  <a:tcPr marL="9525" marR="9525" marT="9525" marB="0" anchor="ctr"/>
+                </a:tc>
+              </a:tr>
+              <a:tr h="209550">
+                <a:tc>
+                  <a:txBody>
+                    <a:bodyPr/>
+                    <a:lstStyle/>
+                    <a:p>
+                      <a:pPr algn="l" fontAlgn="ctr"/>
+                      <a:r>
+                        <a:rPr lang="en-US" sz="1100" u="none" strike="noStrike">
+                          <a:effectLst/>
+                        </a:rPr>
+                        <a:t>BS_ID</a:t>
+                      </a:r>
+                      <a:endParaRPr lang="en-US" sz="1100" b="1" i="0" u="none" strike="noStrike">
+                        <a:solidFill>
+                          <a:srgbClr val="000000"/>
+                        </a:solidFill>
+                        <a:effectLst/>
+                        <a:latin typeface="맑은 고딕" panose="020B0503020000020004" pitchFamily="50" charset="-127"/>
+                        <a:ea typeface="맑은 고딕" panose="020B0503020000020004" pitchFamily="50" charset="-127"/>
+                      </a:endParaRPr>
+                    </a:p>
+                  </a:txBody>
+                  <a:tcPr marL="9525" marR="9525" marT="9525" marB="0" anchor="ctr"/>
+                </a:tc>
+                <a:tc>
+                  <a:txBody>
+                    <a:bodyPr/>
+                    <a:lstStyle/>
+                    <a:p>
+                      <a:pPr algn="l" fontAlgn="ctr"/>
+                      <a:r>
+                        <a:rPr lang="en-US" sz="1100" u="none" strike="noStrike" dirty="0">
+                          <a:effectLst/>
+                        </a:rPr>
+                        <a:t>FK</a:t>
+                      </a:r>
+                      <a:endParaRPr lang="en-US" sz="1100" b="1" i="0" u="none" strike="noStrike" dirty="0">
+                        <a:solidFill>
+                          <a:srgbClr val="000000"/>
+                        </a:solidFill>
+                        <a:effectLst/>
+                        <a:latin typeface="맑은 고딕" panose="020B0503020000020004" pitchFamily="50" charset="-127"/>
+                        <a:ea typeface="맑은 고딕" panose="020B0503020000020004" pitchFamily="50" charset="-127"/>
+                      </a:endParaRPr>
+                    </a:p>
+                  </a:txBody>
+                  <a:tcPr marL="9525" marR="9525" marT="9525" marB="0" anchor="ctr"/>
+                </a:tc>
+                <a:tc>
+                  <a:txBody>
+                    <a:bodyPr/>
+                    <a:lstStyle/>
+                    <a:p>
+                      <a:pPr algn="l" fontAlgn="ctr"/>
+                      <a:r>
+                        <a:rPr lang="en-US" sz="1100" u="none" strike="noStrike">
+                          <a:effectLst/>
+                        </a:rPr>
+                        <a:t>varchar2</a:t>
+                      </a:r>
+                      <a:endParaRPr lang="en-US" sz="1100" b="1" i="0" u="none" strike="noStrike">
+                        <a:solidFill>
+                          <a:srgbClr val="000000"/>
+                        </a:solidFill>
+                        <a:effectLst/>
+                        <a:latin typeface="맑은 고딕" panose="020B0503020000020004" pitchFamily="50" charset="-127"/>
+                        <a:ea typeface="맑은 고딕" panose="020B0503020000020004" pitchFamily="50" charset="-127"/>
+                      </a:endParaRPr>
+                    </a:p>
+                  </a:txBody>
+                  <a:tcPr marL="9525" marR="9525" marT="9525" marB="0" anchor="ctr"/>
+                </a:tc>
+              </a:tr>
+              <a:tr h="209550">
+                <a:tc>
+                  <a:txBody>
+                    <a:bodyPr/>
+                    <a:lstStyle/>
+                    <a:p>
+                      <a:pPr algn="l" fontAlgn="ctr"/>
+                      <a:r>
+                        <a:rPr lang="en-US" sz="1100" u="none" strike="noStrike">
+                          <a:effectLst/>
+                        </a:rPr>
+                        <a:t>BR_ID</a:t>
+                      </a:r>
+                      <a:endParaRPr lang="en-US" sz="1100" b="1" i="0" u="none" strike="noStrike">
+                        <a:solidFill>
+                          <a:srgbClr val="000000"/>
+                        </a:solidFill>
+                        <a:effectLst/>
+                        <a:latin typeface="맑은 고딕" panose="020B0503020000020004" pitchFamily="50" charset="-127"/>
+                        <a:ea typeface="맑은 고딕" panose="020B0503020000020004" pitchFamily="50" charset="-127"/>
+                      </a:endParaRPr>
+                    </a:p>
+                  </a:txBody>
+                  <a:tcPr marL="9525" marR="9525" marT="9525" marB="0" anchor="ctr"/>
+                </a:tc>
+                <a:tc>
+                  <a:txBody>
+                    <a:bodyPr/>
+                    <a:lstStyle/>
+                    <a:p>
+                      <a:pPr algn="l" fontAlgn="ctr"/>
+                      <a:r>
+                        <a:rPr lang="en-US" sz="1100" u="none" strike="noStrike">
+                          <a:effectLst/>
+                        </a:rPr>
+                        <a:t>FK</a:t>
+                      </a:r>
+                      <a:endParaRPr lang="en-US" sz="1100" b="1" i="0" u="none" strike="noStrike">
+                        <a:solidFill>
+                          <a:srgbClr val="000000"/>
+                        </a:solidFill>
+                        <a:effectLst/>
+                        <a:latin typeface="맑은 고딕" panose="020B0503020000020004" pitchFamily="50" charset="-127"/>
+                        <a:ea typeface="맑은 고딕" panose="020B0503020000020004" pitchFamily="50" charset="-127"/>
+                      </a:endParaRPr>
+                    </a:p>
+                  </a:txBody>
+                  <a:tcPr marL="9525" marR="9525" marT="9525" marB="0" anchor="ctr"/>
+                </a:tc>
+                <a:tc>
+                  <a:txBody>
+                    <a:bodyPr/>
+                    <a:lstStyle/>
+                    <a:p>
+                      <a:pPr algn="l" fontAlgn="ctr"/>
+                      <a:r>
+                        <a:rPr lang="en-US" sz="1100" u="none" strike="noStrike" dirty="0">
+                          <a:effectLst/>
+                        </a:rPr>
+                        <a:t>varchar2</a:t>
+                      </a:r>
+                      <a:endParaRPr lang="en-US" sz="1100" b="1" i="0" u="none" strike="noStrike" dirty="0">
+                        <a:solidFill>
+                          <a:srgbClr val="000000"/>
+                        </a:solidFill>
+                        <a:effectLst/>
+                        <a:latin typeface="맑은 고딕" panose="020B0503020000020004" pitchFamily="50" charset="-127"/>
+                        <a:ea typeface="맑은 고딕" panose="020B0503020000020004" pitchFamily="50" charset="-127"/>
+                      </a:endParaRPr>
+                    </a:p>
+                  </a:txBody>
+                  <a:tcPr marL="9525" marR="9525" marT="9525" marB="0" anchor="ctr"/>
+                </a:tc>
+              </a:tr>
+              <a:tr h="209550">
+                <a:tc>
+                  <a:txBody>
+                    <a:bodyPr/>
+                    <a:lstStyle/>
+                    <a:p>
+                      <a:pPr algn="l" fontAlgn="ctr"/>
+                      <a:r>
+                        <a:rPr lang="en-US" sz="1100" u="none" strike="noStrike">
+                          <a:effectLst/>
+                        </a:rPr>
+                        <a:t>P_ID</a:t>
+                      </a:r>
+                      <a:endParaRPr lang="en-US" sz="1100" b="1" i="0" u="none" strike="noStrike">
+                        <a:solidFill>
+                          <a:srgbClr val="000000"/>
+                        </a:solidFill>
+                        <a:effectLst/>
+                        <a:latin typeface="맑은 고딕" panose="020B0503020000020004" pitchFamily="50" charset="-127"/>
+                        <a:ea typeface="맑은 고딕" panose="020B0503020000020004" pitchFamily="50" charset="-127"/>
+                      </a:endParaRPr>
+                    </a:p>
+                  </a:txBody>
+                  <a:tcPr marL="9525" marR="9525" marT="9525" marB="0" anchor="ctr"/>
+                </a:tc>
+                <a:tc>
+                  <a:txBody>
+                    <a:bodyPr/>
+                    <a:lstStyle/>
+                    <a:p>
+                      <a:pPr algn="l" fontAlgn="ctr"/>
+                      <a:r>
+                        <a:rPr lang="en-US" sz="1100" u="none" strike="noStrike" dirty="0">
+                          <a:effectLst/>
+                        </a:rPr>
+                        <a:t>FK</a:t>
+                      </a:r>
+                      <a:endParaRPr lang="en-US" sz="1100" b="1" i="0" u="none" strike="noStrike" dirty="0">
+                        <a:solidFill>
+                          <a:srgbClr val="000000"/>
+                        </a:solidFill>
+                        <a:effectLst/>
+                        <a:latin typeface="맑은 고딕" panose="020B0503020000020004" pitchFamily="50" charset="-127"/>
+                        <a:ea typeface="맑은 고딕" panose="020B0503020000020004" pitchFamily="50" charset="-127"/>
+                      </a:endParaRPr>
+                    </a:p>
+                  </a:txBody>
+                  <a:tcPr marL="9525" marR="9525" marT="9525" marB="0" anchor="ctr"/>
+                </a:tc>
+                <a:tc>
+                  <a:txBody>
+                    <a:bodyPr/>
+                    <a:lstStyle/>
+                    <a:p>
+                      <a:pPr algn="l" fontAlgn="ctr"/>
+                      <a:r>
+                        <a:rPr lang="en-US" sz="1100" u="none" strike="noStrike" dirty="0">
+                          <a:effectLst/>
+                        </a:rPr>
+                        <a:t>varchar2</a:t>
+                      </a:r>
+                      <a:endParaRPr lang="en-US" sz="1100" b="1" i="0" u="none" strike="noStrike" dirty="0">
+                        <a:solidFill>
+                          <a:srgbClr val="000000"/>
+                        </a:solidFill>
+                        <a:effectLst/>
+                        <a:latin typeface="맑은 고딕" panose="020B0503020000020004" pitchFamily="50" charset="-127"/>
+                        <a:ea typeface="맑은 고딕" panose="020B0503020000020004" pitchFamily="50" charset="-127"/>
+                      </a:endParaRPr>
+                    </a:p>
+                  </a:txBody>
+                  <a:tcPr marL="9525" marR="9525" marT="9525" marB="0" anchor="ctr"/>
+                </a:tc>
+              </a:tr>
+            </a:tbl>
+          </a:graphicData>
+        </a:graphic>
+      </p:graphicFrame>
+      <p:graphicFrame>
+        <p:nvGraphicFramePr>
+          <p:cNvPr id="29" name="표 28"/>
+          <p:cNvGraphicFramePr>
+            <a:graphicFrameLocks noGrp="1"/>
+          </p:cNvGraphicFramePr>
+          <p:nvPr>
+            <p:extLst>
+              <p:ext uri="{D42A27DB-BD31-4B8C-83A1-F6EECF244321}">
+                <p14:modId xmlns:p14="http://schemas.microsoft.com/office/powerpoint/2010/main" val="2153868069"/>
+              </p:ext>
+            </p:extLst>
+          </p:nvPr>
+        </p:nvGraphicFramePr>
+        <p:xfrm>
+          <a:off x="9331775" y="650835"/>
+          <a:ext cx="2425701" cy="1885950"/>
+        </p:xfrm>
+        <a:graphic>
+          <a:graphicData uri="http://schemas.openxmlformats.org/drawingml/2006/table">
+            <a:tbl>
+              <a:tblPr>
+                <a:tableStyleId>{5C22544A-7EE6-4342-B048-85BDC9FD1C3A}</a:tableStyleId>
+              </a:tblPr>
+              <a:tblGrid>
+                <a:gridCol w="1055893"/>
+                <a:gridCol w="684904"/>
+                <a:gridCol w="684904"/>
+              </a:tblGrid>
+              <a:tr h="209550">
+                <a:tc gridSpan="3">
+                  <a:txBody>
+                    <a:bodyPr/>
+                    <a:lstStyle/>
+                    <a:p>
+                      <a:pPr algn="ctr" fontAlgn="ctr"/>
+                      <a:r>
+                        <a:rPr lang="en-US" sz="1100" u="none" strike="noStrike" dirty="0">
+                          <a:effectLst/>
+                        </a:rPr>
+                        <a:t>TENDENCY</a:t>
+                      </a:r>
+                      <a:endParaRPr lang="en-US" sz="1100" b="1" i="0" u="none" strike="noStrike" dirty="0">
+                        <a:solidFill>
+                          <a:srgbClr val="FFFFFF"/>
+                        </a:solidFill>
+                        <a:effectLst/>
+                        <a:latin typeface="맑은 고딕" panose="020B0503020000020004" pitchFamily="50" charset="-127"/>
+                        <a:ea typeface="맑은 고딕" panose="020B0503020000020004" pitchFamily="50" charset="-127"/>
+                      </a:endParaRPr>
+                    </a:p>
+                  </a:txBody>
+                  <a:tcPr marL="9525" marR="9525" marT="9525" marB="0" anchor="ctr">
+                    <a:solidFill>
+                      <a:srgbClr val="00B0F0"/>
+                    </a:solidFill>
+                  </a:tcPr>
+                </a:tc>
+                <a:tc hMerge="1">
+                  <a:txBody>
+                    <a:bodyPr/>
+                    <a:lstStyle/>
+                    <a:p>
+                      <a:pPr latinLnBrk="1"/>
+                      <a:endParaRPr lang="ko-KR" altLang="en-US"/>
+                    </a:p>
+                  </a:txBody>
+                  <a:tcPr/>
+                </a:tc>
+                <a:tc hMerge="1">
+                  <a:txBody>
+                    <a:bodyPr/>
+                    <a:lstStyle/>
+                    <a:p>
+                      <a:pPr latinLnBrk="1"/>
+                      <a:endParaRPr lang="ko-KR" altLang="en-US"/>
+                    </a:p>
+                  </a:txBody>
+                  <a:tcPr/>
+                </a:tc>
+              </a:tr>
+              <a:tr h="209550">
+                <a:tc>
+                  <a:txBody>
+                    <a:bodyPr/>
+                    <a:lstStyle/>
+                    <a:p>
+                      <a:pPr algn="l" fontAlgn="ctr"/>
+                      <a:r>
+                        <a:rPr lang="en-US" sz="1100" u="none" strike="noStrike">
+                          <a:effectLst/>
+                        </a:rPr>
+                        <a:t>T_ID</a:t>
+                      </a:r>
+                      <a:endParaRPr lang="en-US" sz="1100" b="1" i="0" u="none" strike="noStrike">
+                        <a:solidFill>
+                          <a:srgbClr val="000000"/>
+                        </a:solidFill>
+                        <a:effectLst/>
+                        <a:latin typeface="맑은 고딕" panose="020B0503020000020004" pitchFamily="50" charset="-127"/>
+                        <a:ea typeface="맑은 고딕" panose="020B0503020000020004" pitchFamily="50" charset="-127"/>
+                      </a:endParaRPr>
+                    </a:p>
+                  </a:txBody>
+                  <a:tcPr marL="9525" marR="9525" marT="9525" marB="0" anchor="ctr"/>
+                </a:tc>
+                <a:tc>
+                  <a:txBody>
+                    <a:bodyPr/>
+                    <a:lstStyle/>
+                    <a:p>
+                      <a:pPr algn="l" fontAlgn="ctr"/>
+                      <a:r>
+                        <a:rPr lang="en-US" sz="1100" u="none" strike="noStrike">
+                          <a:effectLst/>
+                        </a:rPr>
+                        <a:t>PK</a:t>
+                      </a:r>
+                      <a:endParaRPr lang="en-US" sz="1100" b="1" i="0" u="none" strike="noStrike">
+                        <a:solidFill>
+                          <a:srgbClr val="000000"/>
+                        </a:solidFill>
+                        <a:effectLst/>
+                        <a:latin typeface="맑은 고딕" panose="020B0503020000020004" pitchFamily="50" charset="-127"/>
+                        <a:ea typeface="맑은 고딕" panose="020B0503020000020004" pitchFamily="50" charset="-127"/>
+                      </a:endParaRPr>
+                    </a:p>
+                  </a:txBody>
+                  <a:tcPr marL="9525" marR="9525" marT="9525" marB="0" anchor="ctr"/>
+                </a:tc>
+                <a:tc>
+                  <a:txBody>
+                    <a:bodyPr/>
+                    <a:lstStyle/>
+                    <a:p>
+                      <a:pPr algn="l" fontAlgn="ctr"/>
+                      <a:r>
+                        <a:rPr lang="en-US" sz="1100" u="none" strike="noStrike">
+                          <a:effectLst/>
+                        </a:rPr>
+                        <a:t>varchar2</a:t>
+                      </a:r>
+                      <a:endParaRPr lang="en-US" sz="1100" b="1" i="0" u="none" strike="noStrike">
+                        <a:solidFill>
+                          <a:srgbClr val="000000"/>
+                        </a:solidFill>
+                        <a:effectLst/>
+                        <a:latin typeface="맑은 고딕" panose="020B0503020000020004" pitchFamily="50" charset="-127"/>
+                        <a:ea typeface="맑은 고딕" panose="020B0503020000020004" pitchFamily="50" charset="-127"/>
+                      </a:endParaRPr>
+                    </a:p>
+                  </a:txBody>
+                  <a:tcPr marL="9525" marR="9525" marT="9525" marB="0" anchor="ctr"/>
+                </a:tc>
+              </a:tr>
+              <a:tr h="209550">
+                <a:tc>
+                  <a:txBody>
+                    <a:bodyPr/>
+                    <a:lstStyle/>
+                    <a:p>
+                      <a:pPr algn="l" fontAlgn="ctr"/>
+                      <a:r>
+                        <a:rPr lang="en-US" sz="1100" u="none" strike="noStrike" dirty="0">
+                          <a:effectLst/>
+                        </a:rPr>
+                        <a:t>P_ID</a:t>
+                      </a:r>
+                      <a:endParaRPr lang="en-US" sz="1100" b="1" i="0" u="none" strike="noStrike" dirty="0">
+                        <a:solidFill>
+                          <a:srgbClr val="000000"/>
+                        </a:solidFill>
+                        <a:effectLst/>
+                        <a:latin typeface="맑은 고딕" panose="020B0503020000020004" pitchFamily="50" charset="-127"/>
+                        <a:ea typeface="맑은 고딕" panose="020B0503020000020004" pitchFamily="50" charset="-127"/>
+                      </a:endParaRPr>
+                    </a:p>
+                  </a:txBody>
+                  <a:tcPr marL="9525" marR="9525" marT="9525" marB="0" anchor="ctr"/>
+                </a:tc>
+                <a:tc>
+                  <a:txBody>
+                    <a:bodyPr/>
+                    <a:lstStyle/>
+                    <a:p>
+                      <a:pPr algn="l" fontAlgn="ctr"/>
+                      <a:r>
+                        <a:rPr lang="en-US" sz="1100" u="none" strike="noStrike">
+                          <a:effectLst/>
+                        </a:rPr>
+                        <a:t>FK</a:t>
+                      </a:r>
+                      <a:endParaRPr lang="en-US" sz="1100" b="1" i="0" u="none" strike="noStrike">
+                        <a:solidFill>
+                          <a:srgbClr val="000000"/>
+                        </a:solidFill>
+                        <a:effectLst/>
+                        <a:latin typeface="맑은 고딕" panose="020B0503020000020004" pitchFamily="50" charset="-127"/>
+                        <a:ea typeface="맑은 고딕" panose="020B0503020000020004" pitchFamily="50" charset="-127"/>
+                      </a:endParaRPr>
+                    </a:p>
+                  </a:txBody>
+                  <a:tcPr marL="9525" marR="9525" marT="9525" marB="0" anchor="ctr"/>
+                </a:tc>
+                <a:tc>
+                  <a:txBody>
+                    <a:bodyPr/>
+                    <a:lstStyle/>
+                    <a:p>
+                      <a:pPr algn="l" fontAlgn="ctr"/>
+                      <a:r>
+                        <a:rPr lang="en-US" sz="1100" u="none" strike="noStrike">
+                          <a:effectLst/>
+                        </a:rPr>
+                        <a:t>varchar2</a:t>
+                      </a:r>
+                      <a:endParaRPr lang="en-US" sz="1100" b="1" i="0" u="none" strike="noStrike">
+                        <a:solidFill>
+                          <a:srgbClr val="000000"/>
+                        </a:solidFill>
+                        <a:effectLst/>
+                        <a:latin typeface="맑은 고딕" panose="020B0503020000020004" pitchFamily="50" charset="-127"/>
+                        <a:ea typeface="맑은 고딕" panose="020B0503020000020004" pitchFamily="50" charset="-127"/>
+                      </a:endParaRPr>
+                    </a:p>
+                  </a:txBody>
+                  <a:tcPr marL="9525" marR="9525" marT="9525" marB="0" anchor="ctr"/>
+                </a:tc>
+              </a:tr>
+              <a:tr h="209550">
+                <a:tc>
+                  <a:txBody>
+                    <a:bodyPr/>
+                    <a:lstStyle/>
+                    <a:p>
+                      <a:pPr algn="l" fontAlgn="ctr"/>
+                      <a:r>
+                        <a:rPr lang="en-US" sz="1100" u="none" strike="noStrike">
+                          <a:effectLst/>
+                        </a:rPr>
+                        <a:t>ART</a:t>
+                      </a:r>
+                      <a:endParaRPr lang="en-US" sz="1100" b="0" i="0" u="none" strike="noStrike">
+                        <a:solidFill>
+                          <a:srgbClr val="000000"/>
+                        </a:solidFill>
+                        <a:effectLst/>
+                        <a:latin typeface="맑은 고딕" panose="020B0503020000020004" pitchFamily="50" charset="-127"/>
+                        <a:ea typeface="맑은 고딕" panose="020B0503020000020004" pitchFamily="50" charset="-127"/>
+                      </a:endParaRPr>
+                    </a:p>
+                  </a:txBody>
+                  <a:tcPr marL="9525" marR="9525" marT="9525" marB="0" anchor="ctr"/>
+                </a:tc>
+                <a:tc>
+                  <a:txBody>
+                    <a:bodyPr/>
+                    <a:lstStyle/>
+                    <a:p>
+                      <a:pPr algn="l" fontAlgn="ctr"/>
+                      <a:r>
+                        <a:rPr lang="ko-KR" altLang="en-US" sz="1100" u="none" strike="noStrike" dirty="0">
+                          <a:effectLst/>
+                        </a:rPr>
+                        <a:t>　</a:t>
+                      </a:r>
+                      <a:endParaRPr lang="ko-KR" altLang="en-US" sz="1100" b="0" i="0" u="none" strike="noStrike" dirty="0">
+                        <a:solidFill>
+                          <a:srgbClr val="000000"/>
+                        </a:solidFill>
+                        <a:effectLst/>
+                        <a:latin typeface="맑은 고딕" panose="020B0503020000020004" pitchFamily="50" charset="-127"/>
+                        <a:ea typeface="맑은 고딕" panose="020B0503020000020004" pitchFamily="50" charset="-127"/>
+                      </a:endParaRPr>
+                    </a:p>
+                  </a:txBody>
+                  <a:tcPr marL="9525" marR="9525" marT="9525" marB="0" anchor="ctr"/>
+                </a:tc>
+                <a:tc>
+                  <a:txBody>
+                    <a:bodyPr/>
+                    <a:lstStyle/>
+                    <a:p>
+                      <a:pPr algn="l" fontAlgn="ctr"/>
+                      <a:r>
+                        <a:rPr lang="en-US" sz="1100" u="none" strike="noStrike">
+                          <a:effectLst/>
+                        </a:rPr>
+                        <a:t>number</a:t>
+                      </a:r>
+                      <a:endParaRPr lang="en-US" sz="1100" b="0" i="0" u="none" strike="noStrike">
+                        <a:solidFill>
+                          <a:srgbClr val="000000"/>
+                        </a:solidFill>
+                        <a:effectLst/>
+                        <a:latin typeface="맑은 고딕" panose="020B0503020000020004" pitchFamily="50" charset="-127"/>
+                        <a:ea typeface="맑은 고딕" panose="020B0503020000020004" pitchFamily="50" charset="-127"/>
+                      </a:endParaRPr>
+                    </a:p>
+                  </a:txBody>
+                  <a:tcPr marL="9525" marR="9525" marT="9525" marB="0" anchor="ctr"/>
+                </a:tc>
+              </a:tr>
+              <a:tr h="209550">
+                <a:tc>
+                  <a:txBody>
+                    <a:bodyPr/>
+                    <a:lstStyle/>
+                    <a:p>
+                      <a:pPr algn="l" fontAlgn="ctr"/>
+                      <a:r>
+                        <a:rPr lang="en-US" sz="1100" u="none" strike="noStrike">
+                          <a:effectLst/>
+                        </a:rPr>
+                        <a:t>SOCIAL</a:t>
+                      </a:r>
+                      <a:endParaRPr lang="en-US" sz="1100" b="0" i="0" u="none" strike="noStrike">
+                        <a:solidFill>
+                          <a:srgbClr val="000000"/>
+                        </a:solidFill>
+                        <a:effectLst/>
+                        <a:latin typeface="맑은 고딕" panose="020B0503020000020004" pitchFamily="50" charset="-127"/>
+                        <a:ea typeface="맑은 고딕" panose="020B0503020000020004" pitchFamily="50" charset="-127"/>
+                      </a:endParaRPr>
+                    </a:p>
+                  </a:txBody>
+                  <a:tcPr marL="9525" marR="9525" marT="9525" marB="0" anchor="ctr"/>
+                </a:tc>
+                <a:tc>
+                  <a:txBody>
+                    <a:bodyPr/>
+                    <a:lstStyle/>
+                    <a:p>
+                      <a:pPr algn="l" fontAlgn="ctr"/>
+                      <a:r>
+                        <a:rPr lang="ko-KR" altLang="en-US" sz="1100" u="none" strike="noStrike">
+                          <a:effectLst/>
+                        </a:rPr>
+                        <a:t>　</a:t>
+                      </a:r>
+                      <a:endParaRPr lang="ko-KR" altLang="en-US" sz="1100" b="0" i="0" u="none" strike="noStrike">
+                        <a:solidFill>
+                          <a:srgbClr val="000000"/>
+                        </a:solidFill>
+                        <a:effectLst/>
+                        <a:latin typeface="맑은 고딕" panose="020B0503020000020004" pitchFamily="50" charset="-127"/>
+                        <a:ea typeface="맑은 고딕" panose="020B0503020000020004" pitchFamily="50" charset="-127"/>
+                      </a:endParaRPr>
+                    </a:p>
+                  </a:txBody>
+                  <a:tcPr marL="9525" marR="9525" marT="9525" marB="0" anchor="ctr"/>
+                </a:tc>
+                <a:tc>
+                  <a:txBody>
+                    <a:bodyPr/>
+                    <a:lstStyle/>
+                    <a:p>
+                      <a:pPr algn="l" fontAlgn="ctr"/>
+                      <a:r>
+                        <a:rPr lang="en-US" sz="1100" u="none" strike="noStrike">
+                          <a:effectLst/>
+                        </a:rPr>
+                        <a:t>number</a:t>
+                      </a:r>
+                      <a:endParaRPr lang="en-US" sz="1100" b="0" i="0" u="none" strike="noStrike">
+                        <a:solidFill>
+                          <a:srgbClr val="000000"/>
+                        </a:solidFill>
+                        <a:effectLst/>
+                        <a:latin typeface="맑은 고딕" panose="020B0503020000020004" pitchFamily="50" charset="-127"/>
+                        <a:ea typeface="맑은 고딕" panose="020B0503020000020004" pitchFamily="50" charset="-127"/>
+                      </a:endParaRPr>
+                    </a:p>
+                  </a:txBody>
+                  <a:tcPr marL="9525" marR="9525" marT="9525" marB="0" anchor="ctr"/>
+                </a:tc>
+              </a:tr>
+              <a:tr h="209550">
+                <a:tc>
+                  <a:txBody>
+                    <a:bodyPr/>
+                    <a:lstStyle/>
+                    <a:p>
+                      <a:pPr algn="l" fontAlgn="ctr"/>
+                      <a:r>
+                        <a:rPr lang="en-US" sz="1100" u="none" strike="noStrike" dirty="0">
+                          <a:effectLst/>
+                        </a:rPr>
+                        <a:t>ECONOMIC</a:t>
+                      </a:r>
+                      <a:endParaRPr lang="en-US" sz="1100" b="0" i="0" u="none" strike="noStrike" dirty="0">
+                        <a:solidFill>
+                          <a:srgbClr val="000000"/>
+                        </a:solidFill>
+                        <a:effectLst/>
+                        <a:latin typeface="맑은 고딕" panose="020B0503020000020004" pitchFamily="50" charset="-127"/>
+                        <a:ea typeface="맑은 고딕" panose="020B0503020000020004" pitchFamily="50" charset="-127"/>
+                      </a:endParaRPr>
+                    </a:p>
+                  </a:txBody>
+                  <a:tcPr marL="9525" marR="9525" marT="9525" marB="0" anchor="ctr"/>
+                </a:tc>
+                <a:tc>
+                  <a:txBody>
+                    <a:bodyPr/>
+                    <a:lstStyle/>
+                    <a:p>
+                      <a:pPr algn="l" fontAlgn="ctr"/>
+                      <a:r>
+                        <a:rPr lang="ko-KR" altLang="en-US" sz="1100" u="none" strike="noStrike">
+                          <a:effectLst/>
+                        </a:rPr>
+                        <a:t>　</a:t>
+                      </a:r>
+                      <a:endParaRPr lang="ko-KR" altLang="en-US" sz="1100" b="0" i="0" u="none" strike="noStrike">
+                        <a:solidFill>
+                          <a:srgbClr val="000000"/>
+                        </a:solidFill>
+                        <a:effectLst/>
+                        <a:latin typeface="맑은 고딕" panose="020B0503020000020004" pitchFamily="50" charset="-127"/>
+                        <a:ea typeface="맑은 고딕" panose="020B0503020000020004" pitchFamily="50" charset="-127"/>
+                      </a:endParaRPr>
+                    </a:p>
+                  </a:txBody>
+                  <a:tcPr marL="9525" marR="9525" marT="9525" marB="0" anchor="ctr"/>
+                </a:tc>
+                <a:tc>
+                  <a:txBody>
+                    <a:bodyPr/>
+                    <a:lstStyle/>
+                    <a:p>
+                      <a:pPr algn="l" fontAlgn="ctr"/>
+                      <a:r>
+                        <a:rPr lang="en-US" sz="1100" u="none" strike="noStrike">
+                          <a:effectLst/>
+                        </a:rPr>
+                        <a:t>number</a:t>
+                      </a:r>
+                      <a:endParaRPr lang="en-US" sz="1100" b="0" i="0" u="none" strike="noStrike">
+                        <a:solidFill>
+                          <a:srgbClr val="000000"/>
+                        </a:solidFill>
+                        <a:effectLst/>
+                        <a:latin typeface="맑은 고딕" panose="020B0503020000020004" pitchFamily="50" charset="-127"/>
+                        <a:ea typeface="맑은 고딕" panose="020B0503020000020004" pitchFamily="50" charset="-127"/>
+                      </a:endParaRPr>
+                    </a:p>
+                  </a:txBody>
+                  <a:tcPr marL="9525" marR="9525" marT="9525" marB="0" anchor="ctr"/>
+                </a:tc>
+              </a:tr>
+              <a:tr h="209550">
+                <a:tc>
+                  <a:txBody>
+                    <a:bodyPr/>
+                    <a:lstStyle/>
+                    <a:p>
+                      <a:pPr algn="l" fontAlgn="ctr"/>
+                      <a:r>
+                        <a:rPr lang="en-US" sz="1100" u="none" strike="noStrike">
+                          <a:effectLst/>
+                        </a:rPr>
+                        <a:t>TECHNOLOGY</a:t>
+                      </a:r>
+                      <a:endParaRPr lang="en-US" sz="1100" b="0" i="0" u="none" strike="noStrike">
+                        <a:solidFill>
+                          <a:srgbClr val="000000"/>
+                        </a:solidFill>
+                        <a:effectLst/>
+                        <a:latin typeface="맑은 고딕" panose="020B0503020000020004" pitchFamily="50" charset="-127"/>
+                        <a:ea typeface="맑은 고딕" panose="020B0503020000020004" pitchFamily="50" charset="-127"/>
+                      </a:endParaRPr>
+                    </a:p>
+                  </a:txBody>
+                  <a:tcPr marL="9525" marR="9525" marT="9525" marB="0" anchor="ctr"/>
+                </a:tc>
+                <a:tc>
+                  <a:txBody>
+                    <a:bodyPr/>
+                    <a:lstStyle/>
+                    <a:p>
+                      <a:pPr algn="l" fontAlgn="ctr"/>
+                      <a:r>
+                        <a:rPr lang="ko-KR" altLang="en-US" sz="1100" u="none" strike="noStrike">
+                          <a:effectLst/>
+                        </a:rPr>
+                        <a:t>　</a:t>
+                      </a:r>
+                      <a:endParaRPr lang="ko-KR" altLang="en-US" sz="1100" b="0" i="0" u="none" strike="noStrike">
+                        <a:solidFill>
+                          <a:srgbClr val="000000"/>
+                        </a:solidFill>
+                        <a:effectLst/>
+                        <a:latin typeface="맑은 고딕" panose="020B0503020000020004" pitchFamily="50" charset="-127"/>
+                        <a:ea typeface="맑은 고딕" panose="020B0503020000020004" pitchFamily="50" charset="-127"/>
+                      </a:endParaRPr>
+                    </a:p>
+                  </a:txBody>
+                  <a:tcPr marL="9525" marR="9525" marT="9525" marB="0" anchor="ctr"/>
+                </a:tc>
+                <a:tc>
+                  <a:txBody>
+                    <a:bodyPr/>
+                    <a:lstStyle/>
+                    <a:p>
+                      <a:pPr algn="l" fontAlgn="ctr"/>
+                      <a:r>
+                        <a:rPr lang="en-US" sz="1100" u="none" strike="noStrike">
+                          <a:effectLst/>
+                        </a:rPr>
+                        <a:t>number</a:t>
+                      </a:r>
+                      <a:endParaRPr lang="en-US" sz="1100" b="0" i="0" u="none" strike="noStrike">
+                        <a:solidFill>
+                          <a:srgbClr val="000000"/>
+                        </a:solidFill>
+                        <a:effectLst/>
+                        <a:latin typeface="맑은 고딕" panose="020B0503020000020004" pitchFamily="50" charset="-127"/>
+                        <a:ea typeface="맑은 고딕" panose="020B0503020000020004" pitchFamily="50" charset="-127"/>
+                      </a:endParaRPr>
+                    </a:p>
+                  </a:txBody>
+                  <a:tcPr marL="9525" marR="9525" marT="9525" marB="0" anchor="ctr"/>
+                </a:tc>
+              </a:tr>
+              <a:tr h="209550">
+                <a:tc>
+                  <a:txBody>
+                    <a:bodyPr/>
+                    <a:lstStyle/>
+                    <a:p>
+                      <a:pPr algn="l" fontAlgn="ctr"/>
+                      <a:r>
+                        <a:rPr lang="en-US" sz="1100" u="none" strike="noStrike">
+                          <a:effectLst/>
+                        </a:rPr>
+                        <a:t>LITERATURE</a:t>
+                      </a:r>
+                      <a:endParaRPr lang="en-US" sz="1100" b="0" i="0" u="none" strike="noStrike">
+                        <a:solidFill>
+                          <a:srgbClr val="000000"/>
+                        </a:solidFill>
+                        <a:effectLst/>
+                        <a:latin typeface="맑은 고딕" panose="020B0503020000020004" pitchFamily="50" charset="-127"/>
+                        <a:ea typeface="맑은 고딕" panose="020B0503020000020004" pitchFamily="50" charset="-127"/>
+                      </a:endParaRPr>
+                    </a:p>
+                  </a:txBody>
+                  <a:tcPr marL="9525" marR="9525" marT="9525" marB="0" anchor="ctr"/>
+                </a:tc>
+                <a:tc>
+                  <a:txBody>
+                    <a:bodyPr/>
+                    <a:lstStyle/>
+                    <a:p>
+                      <a:pPr algn="l" fontAlgn="ctr"/>
+                      <a:r>
+                        <a:rPr lang="ko-KR" altLang="en-US" sz="1100" u="none" strike="noStrike">
+                          <a:effectLst/>
+                        </a:rPr>
+                        <a:t>　</a:t>
+                      </a:r>
+                      <a:endParaRPr lang="ko-KR" altLang="en-US" sz="1100" b="0" i="0" u="none" strike="noStrike">
+                        <a:solidFill>
+                          <a:srgbClr val="000000"/>
+                        </a:solidFill>
+                        <a:effectLst/>
+                        <a:latin typeface="맑은 고딕" panose="020B0503020000020004" pitchFamily="50" charset="-127"/>
+                        <a:ea typeface="맑은 고딕" panose="020B0503020000020004" pitchFamily="50" charset="-127"/>
+                      </a:endParaRPr>
+                    </a:p>
+                  </a:txBody>
+                  <a:tcPr marL="9525" marR="9525" marT="9525" marB="0" anchor="ctr"/>
+                </a:tc>
+                <a:tc>
+                  <a:txBody>
+                    <a:bodyPr/>
+                    <a:lstStyle/>
+                    <a:p>
+                      <a:pPr algn="l" fontAlgn="ctr"/>
+                      <a:r>
+                        <a:rPr lang="en-US" sz="1100" u="none" strike="noStrike">
+                          <a:effectLst/>
+                        </a:rPr>
+                        <a:t>number</a:t>
+                      </a:r>
+                      <a:endParaRPr lang="en-US" sz="1100" b="0" i="0" u="none" strike="noStrike">
+                        <a:solidFill>
+                          <a:srgbClr val="000000"/>
+                        </a:solidFill>
+                        <a:effectLst/>
+                        <a:latin typeface="맑은 고딕" panose="020B0503020000020004" pitchFamily="50" charset="-127"/>
+                        <a:ea typeface="맑은 고딕" panose="020B0503020000020004" pitchFamily="50" charset="-127"/>
+                      </a:endParaRPr>
+                    </a:p>
+                  </a:txBody>
+                  <a:tcPr marL="9525" marR="9525" marT="9525" marB="0" anchor="ctr"/>
+                </a:tc>
+              </a:tr>
+              <a:tr h="209550">
+                <a:tc>
+                  <a:txBody>
+                    <a:bodyPr/>
+                    <a:lstStyle/>
+                    <a:p>
+                      <a:pPr algn="l" fontAlgn="ctr"/>
+                      <a:r>
+                        <a:rPr lang="en-US" sz="1100" u="none" strike="noStrike">
+                          <a:effectLst/>
+                        </a:rPr>
+                        <a:t>HISTORY</a:t>
+                      </a:r>
+                      <a:endParaRPr lang="en-US" sz="1100" b="0" i="0" u="none" strike="noStrike">
+                        <a:solidFill>
+                          <a:srgbClr val="000000"/>
+                        </a:solidFill>
+                        <a:effectLst/>
+                        <a:latin typeface="맑은 고딕" panose="020B0503020000020004" pitchFamily="50" charset="-127"/>
+                        <a:ea typeface="맑은 고딕" panose="020B0503020000020004" pitchFamily="50" charset="-127"/>
+                      </a:endParaRPr>
+                    </a:p>
+                  </a:txBody>
+                  <a:tcPr marL="9525" marR="9525" marT="9525" marB="0" anchor="ctr"/>
+                </a:tc>
+                <a:tc>
+                  <a:txBody>
+                    <a:bodyPr/>
+                    <a:lstStyle/>
+                    <a:p>
+                      <a:pPr algn="l" fontAlgn="ctr"/>
+                      <a:r>
+                        <a:rPr lang="ko-KR" altLang="en-US" sz="1100" u="none" strike="noStrike">
+                          <a:effectLst/>
+                        </a:rPr>
+                        <a:t>　</a:t>
+                      </a:r>
+                      <a:endParaRPr lang="ko-KR" altLang="en-US" sz="1100" b="0" i="0" u="none" strike="noStrike">
+                        <a:solidFill>
+                          <a:srgbClr val="000000"/>
+                        </a:solidFill>
+                        <a:effectLst/>
+                        <a:latin typeface="맑은 고딕" panose="020B0503020000020004" pitchFamily="50" charset="-127"/>
+                        <a:ea typeface="맑은 고딕" panose="020B0503020000020004" pitchFamily="50" charset="-127"/>
+                      </a:endParaRPr>
+                    </a:p>
+                  </a:txBody>
+                  <a:tcPr marL="9525" marR="9525" marT="9525" marB="0" anchor="ctr"/>
+                </a:tc>
+                <a:tc>
+                  <a:txBody>
+                    <a:bodyPr/>
+                    <a:lstStyle/>
+                    <a:p>
+                      <a:pPr algn="l" fontAlgn="ctr"/>
+                      <a:r>
+                        <a:rPr lang="en-US" sz="1100" u="none" strike="noStrike" dirty="0">
+                          <a:effectLst/>
+                        </a:rPr>
+                        <a:t>number</a:t>
+                      </a:r>
+                      <a:endParaRPr lang="en-US" sz="1100" b="0" i="0" u="none" strike="noStrike" dirty="0">
+                        <a:solidFill>
+                          <a:srgbClr val="000000"/>
+                        </a:solidFill>
+                        <a:effectLst/>
+                        <a:latin typeface="맑은 고딕" panose="020B0503020000020004" pitchFamily="50" charset="-127"/>
+                        <a:ea typeface="맑은 고딕" panose="020B0503020000020004" pitchFamily="50" charset="-127"/>
+                      </a:endParaRPr>
+                    </a:p>
+                  </a:txBody>
+                  <a:tcPr marL="9525" marR="9525" marT="9525" marB="0" anchor="ctr"/>
+                </a:tc>
+              </a:tr>
+            </a:tbl>
+          </a:graphicData>
+        </a:graphic>
+      </p:graphicFrame>
+      <p:graphicFrame>
+        <p:nvGraphicFramePr>
+          <p:cNvPr id="30" name="표 29"/>
+          <p:cNvGraphicFramePr>
+            <a:graphicFrameLocks noGrp="1"/>
+          </p:cNvGraphicFramePr>
+          <p:nvPr>
+            <p:extLst>
+              <p:ext uri="{D42A27DB-BD31-4B8C-83A1-F6EECF244321}">
+                <p14:modId xmlns:p14="http://schemas.microsoft.com/office/powerpoint/2010/main" val="2190061325"/>
+              </p:ext>
+            </p:extLst>
+          </p:nvPr>
+        </p:nvGraphicFramePr>
+        <p:xfrm>
+          <a:off x="3300963" y="650835"/>
+          <a:ext cx="2425701" cy="1047750"/>
+        </p:xfrm>
+        <a:graphic>
+          <a:graphicData uri="http://schemas.openxmlformats.org/drawingml/2006/table">
+            <a:tbl>
+              <a:tblPr>
+                <a:tableStyleId>{5C22544A-7EE6-4342-B048-85BDC9FD1C3A}</a:tableStyleId>
+              </a:tblPr>
+              <a:tblGrid>
+                <a:gridCol w="1055893"/>
+                <a:gridCol w="684904"/>
+                <a:gridCol w="684904"/>
+              </a:tblGrid>
+              <a:tr h="209550">
+                <a:tc gridSpan="3">
+                  <a:txBody>
+                    <a:bodyPr/>
+                    <a:lstStyle/>
+                    <a:p>
+                      <a:pPr algn="ctr" fontAlgn="ctr"/>
+                      <a:r>
+                        <a:rPr lang="en-US" sz="1100" u="none" strike="noStrike" dirty="0">
+                          <a:effectLst/>
+                        </a:rPr>
+                        <a:t>STORE</a:t>
+                      </a:r>
+                      <a:endParaRPr lang="en-US" sz="1100" b="1" i="0" u="none" strike="noStrike" dirty="0">
+                        <a:solidFill>
+                          <a:srgbClr val="FFFFFF"/>
+                        </a:solidFill>
+                        <a:effectLst/>
+                        <a:latin typeface="맑은 고딕" panose="020B0503020000020004" pitchFamily="50" charset="-127"/>
+                        <a:ea typeface="맑은 고딕" panose="020B0503020000020004" pitchFamily="50" charset="-127"/>
+                      </a:endParaRPr>
+                    </a:p>
+                  </a:txBody>
+                  <a:tcPr marL="9525" marR="9525" marT="9525" marB="0" anchor="ctr">
+                    <a:solidFill>
+                      <a:srgbClr val="00B0F0"/>
+                    </a:solidFill>
+                  </a:tcPr>
+                </a:tc>
+                <a:tc hMerge="1">
+                  <a:txBody>
+                    <a:bodyPr/>
+                    <a:lstStyle/>
+                    <a:p>
+                      <a:pPr latinLnBrk="1"/>
+                      <a:endParaRPr lang="ko-KR" altLang="en-US"/>
+                    </a:p>
+                  </a:txBody>
+                  <a:tcPr/>
+                </a:tc>
+                <a:tc hMerge="1">
+                  <a:txBody>
+                    <a:bodyPr/>
+                    <a:lstStyle/>
+                    <a:p>
+                      <a:pPr latinLnBrk="1"/>
+                      <a:endParaRPr lang="ko-KR" altLang="en-US"/>
+                    </a:p>
+                  </a:txBody>
+                  <a:tcPr/>
+                </a:tc>
+              </a:tr>
+              <a:tr h="209550">
+                <a:tc>
+                  <a:txBody>
+                    <a:bodyPr/>
+                    <a:lstStyle/>
+                    <a:p>
+                      <a:pPr algn="l" fontAlgn="ctr"/>
+                      <a:r>
+                        <a:rPr lang="en-US" sz="1100" u="none" strike="noStrike" dirty="0">
+                          <a:effectLst/>
+                        </a:rPr>
+                        <a:t>S_ID</a:t>
+                      </a:r>
+                      <a:endParaRPr lang="en-US" sz="1100" b="1" i="0" u="none" strike="noStrike" dirty="0">
+                        <a:solidFill>
+                          <a:srgbClr val="000000"/>
+                        </a:solidFill>
+                        <a:effectLst/>
+                        <a:latin typeface="맑은 고딕" panose="020B0503020000020004" pitchFamily="50" charset="-127"/>
+                        <a:ea typeface="맑은 고딕" panose="020B0503020000020004" pitchFamily="50" charset="-127"/>
+                      </a:endParaRPr>
+                    </a:p>
+                  </a:txBody>
+                  <a:tcPr marL="9525" marR="9525" marT="9525" marB="0" anchor="ctr"/>
+                </a:tc>
+                <a:tc>
+                  <a:txBody>
+                    <a:bodyPr/>
+                    <a:lstStyle/>
+                    <a:p>
+                      <a:pPr algn="l" fontAlgn="ctr"/>
+                      <a:r>
+                        <a:rPr lang="en-US" sz="1100" u="none" strike="noStrike" dirty="0">
+                          <a:effectLst/>
+                        </a:rPr>
+                        <a:t>PK</a:t>
+                      </a:r>
+                      <a:endParaRPr lang="en-US" sz="1100" b="1" i="0" u="none" strike="noStrike" dirty="0">
+                        <a:solidFill>
+                          <a:srgbClr val="000000"/>
+                        </a:solidFill>
+                        <a:effectLst/>
+                        <a:latin typeface="맑은 고딕" panose="020B0503020000020004" pitchFamily="50" charset="-127"/>
+                        <a:ea typeface="맑은 고딕" panose="020B0503020000020004" pitchFamily="50" charset="-127"/>
+                      </a:endParaRPr>
+                    </a:p>
+                  </a:txBody>
+                  <a:tcPr marL="9525" marR="9525" marT="9525" marB="0" anchor="ctr"/>
+                </a:tc>
+                <a:tc>
+                  <a:txBody>
+                    <a:bodyPr/>
+                    <a:lstStyle/>
+                    <a:p>
+                      <a:pPr algn="l" fontAlgn="ctr"/>
+                      <a:r>
+                        <a:rPr lang="en-US" sz="1100" u="none" strike="noStrike">
+                          <a:effectLst/>
+                        </a:rPr>
+                        <a:t>varchar2</a:t>
+                      </a:r>
+                      <a:endParaRPr lang="en-US" sz="1100" b="1" i="0" u="none" strike="noStrike">
+                        <a:solidFill>
+                          <a:srgbClr val="000000"/>
+                        </a:solidFill>
+                        <a:effectLst/>
+                        <a:latin typeface="맑은 고딕" panose="020B0503020000020004" pitchFamily="50" charset="-127"/>
+                        <a:ea typeface="맑은 고딕" panose="020B0503020000020004" pitchFamily="50" charset="-127"/>
+                      </a:endParaRPr>
+                    </a:p>
+                  </a:txBody>
+                  <a:tcPr marL="9525" marR="9525" marT="9525" marB="0" anchor="ctr"/>
+                </a:tc>
+              </a:tr>
+              <a:tr h="209550">
+                <a:tc>
+                  <a:txBody>
+                    <a:bodyPr/>
+                    <a:lstStyle/>
+                    <a:p>
+                      <a:pPr algn="l" fontAlgn="ctr"/>
+                      <a:r>
+                        <a:rPr lang="en-US" sz="1100" u="none" strike="noStrike">
+                          <a:effectLst/>
+                        </a:rPr>
+                        <a:t>S_NAME</a:t>
+                      </a:r>
+                      <a:endParaRPr lang="en-US" sz="1100" b="0" i="0" u="none" strike="noStrike">
+                        <a:solidFill>
+                          <a:srgbClr val="000000"/>
+                        </a:solidFill>
+                        <a:effectLst/>
+                        <a:latin typeface="맑은 고딕" panose="020B0503020000020004" pitchFamily="50" charset="-127"/>
+                        <a:ea typeface="맑은 고딕" panose="020B0503020000020004" pitchFamily="50" charset="-127"/>
+                      </a:endParaRPr>
+                    </a:p>
+                  </a:txBody>
+                  <a:tcPr marL="9525" marR="9525" marT="9525" marB="0" anchor="ctr"/>
+                </a:tc>
+                <a:tc>
+                  <a:txBody>
+                    <a:bodyPr/>
+                    <a:lstStyle/>
+                    <a:p>
+                      <a:pPr algn="l" fontAlgn="ctr"/>
+                      <a:r>
+                        <a:rPr lang="ko-KR" altLang="en-US" sz="1100" u="none" strike="noStrike">
+                          <a:effectLst/>
+                        </a:rPr>
+                        <a:t>　</a:t>
+                      </a:r>
+                      <a:endParaRPr lang="ko-KR" altLang="en-US" sz="1100" b="0" i="0" u="none" strike="noStrike">
+                        <a:solidFill>
+                          <a:srgbClr val="000000"/>
+                        </a:solidFill>
+                        <a:effectLst/>
+                        <a:latin typeface="맑은 고딕" panose="020B0503020000020004" pitchFamily="50" charset="-127"/>
+                        <a:ea typeface="맑은 고딕" panose="020B0503020000020004" pitchFamily="50" charset="-127"/>
+                      </a:endParaRPr>
+                    </a:p>
+                  </a:txBody>
+                  <a:tcPr marL="9525" marR="9525" marT="9525" marB="0" anchor="ctr"/>
+                </a:tc>
+                <a:tc>
+                  <a:txBody>
+                    <a:bodyPr/>
+                    <a:lstStyle/>
+                    <a:p>
+                      <a:pPr algn="l" fontAlgn="ctr"/>
+                      <a:r>
+                        <a:rPr lang="en-US" sz="1100" u="none" strike="noStrike" dirty="0">
+                          <a:effectLst/>
+                        </a:rPr>
+                        <a:t>varchar2</a:t>
+                      </a:r>
+                      <a:endParaRPr lang="en-US" sz="1100" b="0" i="0" u="none" strike="noStrike" dirty="0">
+                        <a:solidFill>
+                          <a:srgbClr val="000000"/>
+                        </a:solidFill>
+                        <a:effectLst/>
+                        <a:latin typeface="맑은 고딕" panose="020B0503020000020004" pitchFamily="50" charset="-127"/>
+                        <a:ea typeface="맑은 고딕" panose="020B0503020000020004" pitchFamily="50" charset="-127"/>
+                      </a:endParaRPr>
+                    </a:p>
+                  </a:txBody>
+                  <a:tcPr marL="9525" marR="9525" marT="9525" marB="0" anchor="ctr"/>
+                </a:tc>
+              </a:tr>
+              <a:tr h="209550">
+                <a:tc>
+                  <a:txBody>
+                    <a:bodyPr/>
+                    <a:lstStyle/>
+                    <a:p>
+                      <a:pPr algn="l" fontAlgn="ctr"/>
+                      <a:r>
+                        <a:rPr lang="en-US" sz="1100" u="none" strike="noStrike">
+                          <a:effectLst/>
+                        </a:rPr>
+                        <a:t>S_ADDR</a:t>
+                      </a:r>
+                      <a:endParaRPr lang="en-US" sz="1100" b="0" i="0" u="none" strike="noStrike">
+                        <a:solidFill>
+                          <a:srgbClr val="000000"/>
+                        </a:solidFill>
+                        <a:effectLst/>
+                        <a:latin typeface="맑은 고딕" panose="020B0503020000020004" pitchFamily="50" charset="-127"/>
+                        <a:ea typeface="맑은 고딕" panose="020B0503020000020004" pitchFamily="50" charset="-127"/>
+                      </a:endParaRPr>
+                    </a:p>
+                  </a:txBody>
+                  <a:tcPr marL="9525" marR="9525" marT="9525" marB="0" anchor="ctr"/>
+                </a:tc>
+                <a:tc>
+                  <a:txBody>
+                    <a:bodyPr/>
+                    <a:lstStyle/>
+                    <a:p>
+                      <a:pPr algn="l" fontAlgn="ctr"/>
+                      <a:r>
+                        <a:rPr lang="ko-KR" altLang="en-US" sz="1100" u="none" strike="noStrike">
+                          <a:effectLst/>
+                        </a:rPr>
+                        <a:t>　</a:t>
+                      </a:r>
+                      <a:endParaRPr lang="ko-KR" altLang="en-US" sz="1100" b="0" i="0" u="none" strike="noStrike">
+                        <a:solidFill>
+                          <a:srgbClr val="000000"/>
+                        </a:solidFill>
+                        <a:effectLst/>
+                        <a:latin typeface="맑은 고딕" panose="020B0503020000020004" pitchFamily="50" charset="-127"/>
+                        <a:ea typeface="맑은 고딕" panose="020B0503020000020004" pitchFamily="50" charset="-127"/>
+                      </a:endParaRPr>
+                    </a:p>
+                  </a:txBody>
+                  <a:tcPr marL="9525" marR="9525" marT="9525" marB="0" anchor="ctr"/>
+                </a:tc>
+                <a:tc>
+                  <a:txBody>
+                    <a:bodyPr/>
+                    <a:lstStyle/>
+                    <a:p>
+                      <a:pPr algn="l" fontAlgn="ctr"/>
+                      <a:r>
+                        <a:rPr lang="en-US" sz="1100" u="none" strike="noStrike">
+                          <a:effectLst/>
+                        </a:rPr>
+                        <a:t>varchar2</a:t>
+                      </a:r>
+                      <a:endParaRPr lang="en-US" sz="1100" b="0" i="0" u="none" strike="noStrike">
+                        <a:solidFill>
+                          <a:srgbClr val="000000"/>
+                        </a:solidFill>
+                        <a:effectLst/>
+                        <a:latin typeface="맑은 고딕" panose="020B0503020000020004" pitchFamily="50" charset="-127"/>
+                        <a:ea typeface="맑은 고딕" panose="020B0503020000020004" pitchFamily="50" charset="-127"/>
+                      </a:endParaRPr>
+                    </a:p>
+                  </a:txBody>
+                  <a:tcPr marL="9525" marR="9525" marT="9525" marB="0" anchor="ctr"/>
+                </a:tc>
+              </a:tr>
+              <a:tr h="209550">
+                <a:tc>
+                  <a:txBody>
+                    <a:bodyPr/>
+                    <a:lstStyle/>
+                    <a:p>
+                      <a:pPr algn="l" fontAlgn="ctr"/>
+                      <a:r>
+                        <a:rPr lang="en-US" sz="1100" u="none" strike="noStrike">
+                          <a:effectLst/>
+                        </a:rPr>
+                        <a:t>S_TEL</a:t>
+                      </a:r>
+                      <a:endParaRPr lang="en-US" sz="1100" b="0" i="0" u="none" strike="noStrike">
+                        <a:solidFill>
+                          <a:srgbClr val="000000"/>
+                        </a:solidFill>
+                        <a:effectLst/>
+                        <a:latin typeface="맑은 고딕" panose="020B0503020000020004" pitchFamily="50" charset="-127"/>
+                        <a:ea typeface="맑은 고딕" panose="020B0503020000020004" pitchFamily="50" charset="-127"/>
+                      </a:endParaRPr>
+                    </a:p>
+                  </a:txBody>
+                  <a:tcPr marL="9525" marR="9525" marT="9525" marB="0" anchor="ctr"/>
+                </a:tc>
+                <a:tc>
+                  <a:txBody>
+                    <a:bodyPr/>
+                    <a:lstStyle/>
+                    <a:p>
+                      <a:pPr algn="l" fontAlgn="ctr"/>
+                      <a:r>
+                        <a:rPr lang="ko-KR" altLang="en-US" sz="1100" u="none" strike="noStrike" dirty="0">
+                          <a:effectLst/>
+                        </a:rPr>
+                        <a:t>　</a:t>
+                      </a:r>
+                      <a:endParaRPr lang="ko-KR" altLang="en-US" sz="1100" b="0" i="0" u="none" strike="noStrike" dirty="0">
+                        <a:solidFill>
+                          <a:srgbClr val="000000"/>
+                        </a:solidFill>
+                        <a:effectLst/>
+                        <a:latin typeface="맑은 고딕" panose="020B0503020000020004" pitchFamily="50" charset="-127"/>
+                        <a:ea typeface="맑은 고딕" panose="020B0503020000020004" pitchFamily="50" charset="-127"/>
+                      </a:endParaRPr>
+                    </a:p>
+                  </a:txBody>
+                  <a:tcPr marL="9525" marR="9525" marT="9525" marB="0" anchor="ctr"/>
+                </a:tc>
+                <a:tc>
+                  <a:txBody>
+                    <a:bodyPr/>
+                    <a:lstStyle/>
+                    <a:p>
+                      <a:pPr algn="l" fontAlgn="ctr"/>
+                      <a:r>
+                        <a:rPr lang="en-US" sz="1100" u="none" strike="noStrike" dirty="0">
+                          <a:effectLst/>
+                        </a:rPr>
+                        <a:t>varchar2</a:t>
+                      </a:r>
+                      <a:endParaRPr lang="en-US" sz="1100" b="0" i="0" u="none" strike="noStrike" dirty="0">
+                        <a:solidFill>
+                          <a:srgbClr val="000000"/>
+                        </a:solidFill>
+                        <a:effectLst/>
+                        <a:latin typeface="맑은 고딕" panose="020B0503020000020004" pitchFamily="50" charset="-127"/>
+                        <a:ea typeface="맑은 고딕" panose="020B0503020000020004" pitchFamily="50" charset="-127"/>
+                      </a:endParaRPr>
+                    </a:p>
+                  </a:txBody>
+                  <a:tcPr marL="9525" marR="9525" marT="9525" marB="0" anchor="ctr"/>
+                </a:tc>
+              </a:tr>
+            </a:tbl>
+          </a:graphicData>
+        </a:graphic>
+      </p:graphicFrame>
+      <p:graphicFrame>
+        <p:nvGraphicFramePr>
+          <p:cNvPr id="31" name="표 30"/>
+          <p:cNvGraphicFramePr>
+            <a:graphicFrameLocks noGrp="1"/>
+          </p:cNvGraphicFramePr>
+          <p:nvPr>
+            <p:extLst>
+              <p:ext uri="{D42A27DB-BD31-4B8C-83A1-F6EECF244321}">
+                <p14:modId xmlns:p14="http://schemas.microsoft.com/office/powerpoint/2010/main" val="1497432405"/>
+              </p:ext>
+            </p:extLst>
+          </p:nvPr>
+        </p:nvGraphicFramePr>
+        <p:xfrm>
+          <a:off x="6301856" y="2399953"/>
+          <a:ext cx="2425701" cy="1224915"/>
+        </p:xfrm>
+        <a:graphic>
+          <a:graphicData uri="http://schemas.openxmlformats.org/drawingml/2006/table">
+            <a:tbl>
+              <a:tblPr>
+                <a:tableStyleId>{5C22544A-7EE6-4342-B048-85BDC9FD1C3A}</a:tableStyleId>
+              </a:tblPr>
+              <a:tblGrid>
+                <a:gridCol w="1055893"/>
+                <a:gridCol w="684904"/>
+                <a:gridCol w="684904"/>
+              </a:tblGrid>
+              <a:tr h="0">
+                <a:tc gridSpan="3">
+                  <a:txBody>
+                    <a:bodyPr/>
+                    <a:lstStyle/>
+                    <a:p>
+                      <a:pPr algn="ctr" fontAlgn="ctr"/>
+                      <a:r>
+                        <a:rPr lang="en-US" sz="1100" u="none" strike="noStrike" dirty="0">
+                          <a:effectLst/>
+                        </a:rPr>
+                        <a:t>BUY_REVIEW</a:t>
+                      </a:r>
+                      <a:endParaRPr lang="en-US" sz="1100" b="1" i="0" u="none" strike="noStrike" dirty="0">
+                        <a:solidFill>
+                          <a:srgbClr val="FFFFFF"/>
+                        </a:solidFill>
+                        <a:effectLst/>
+                        <a:latin typeface="맑은 고딕" panose="020B0503020000020004" pitchFamily="50" charset="-127"/>
+                        <a:ea typeface="맑은 고딕" panose="020B0503020000020004" pitchFamily="50" charset="-127"/>
+                      </a:endParaRPr>
+                    </a:p>
+                  </a:txBody>
+                  <a:tcPr marL="9525" marR="9525" marT="9525" marB="0" anchor="ctr">
+                    <a:solidFill>
+                      <a:srgbClr val="00B0F0"/>
+                    </a:solidFill>
+                  </a:tcPr>
+                </a:tc>
+                <a:tc hMerge="1">
+                  <a:txBody>
+                    <a:bodyPr/>
+                    <a:lstStyle/>
+                    <a:p>
+                      <a:pPr latinLnBrk="1"/>
+                      <a:endParaRPr lang="ko-KR" altLang="en-US"/>
+                    </a:p>
+                  </a:txBody>
+                  <a:tcPr/>
+                </a:tc>
+                <a:tc hMerge="1">
+                  <a:txBody>
+                    <a:bodyPr/>
+                    <a:lstStyle/>
+                    <a:p>
+                      <a:pPr latinLnBrk="1"/>
+                      <a:endParaRPr lang="ko-KR" altLang="en-US"/>
+                    </a:p>
+                  </a:txBody>
+                  <a:tcPr/>
+                </a:tc>
+              </a:tr>
+              <a:tr h="209550">
+                <a:tc>
+                  <a:txBody>
+                    <a:bodyPr/>
+                    <a:lstStyle/>
+                    <a:p>
+                      <a:pPr algn="l" fontAlgn="ctr"/>
+                      <a:r>
+                        <a:rPr lang="en-US" sz="1100" u="none" strike="noStrike">
+                          <a:effectLst/>
+                        </a:rPr>
+                        <a:t>R_ID</a:t>
+                      </a:r>
+                      <a:endParaRPr lang="en-US" sz="1100" b="1" i="0" u="none" strike="noStrike">
+                        <a:solidFill>
+                          <a:srgbClr val="000000"/>
+                        </a:solidFill>
+                        <a:effectLst/>
+                        <a:latin typeface="맑은 고딕" panose="020B0503020000020004" pitchFamily="50" charset="-127"/>
+                        <a:ea typeface="맑은 고딕" panose="020B0503020000020004" pitchFamily="50" charset="-127"/>
+                      </a:endParaRPr>
+                    </a:p>
+                  </a:txBody>
+                  <a:tcPr marL="9525" marR="9525" marT="9525" marB="0" anchor="ctr"/>
+                </a:tc>
+                <a:tc>
+                  <a:txBody>
+                    <a:bodyPr/>
+                    <a:lstStyle/>
+                    <a:p>
+                      <a:pPr algn="l" fontAlgn="ctr"/>
+                      <a:r>
+                        <a:rPr lang="en-US" sz="1100" u="none" strike="noStrike">
+                          <a:effectLst/>
+                        </a:rPr>
+                        <a:t>PK</a:t>
+                      </a:r>
+                      <a:endParaRPr lang="en-US" sz="1100" b="1" i="0" u="none" strike="noStrike">
+                        <a:solidFill>
+                          <a:srgbClr val="000000"/>
+                        </a:solidFill>
+                        <a:effectLst/>
+                        <a:latin typeface="맑은 고딕" panose="020B0503020000020004" pitchFamily="50" charset="-127"/>
+                        <a:ea typeface="맑은 고딕" panose="020B0503020000020004" pitchFamily="50" charset="-127"/>
+                      </a:endParaRPr>
+                    </a:p>
+                  </a:txBody>
+                  <a:tcPr marL="9525" marR="9525" marT="9525" marB="0" anchor="ctr"/>
+                </a:tc>
+                <a:tc>
+                  <a:txBody>
+                    <a:bodyPr/>
+                    <a:lstStyle/>
+                    <a:p>
+                      <a:pPr algn="l" fontAlgn="ctr"/>
+                      <a:r>
+                        <a:rPr lang="en-US" sz="1100" u="none" strike="noStrike">
+                          <a:effectLst/>
+                        </a:rPr>
+                        <a:t>varchar2</a:t>
+                      </a:r>
+                      <a:endParaRPr lang="en-US" sz="1100" b="1" i="0" u="none" strike="noStrike">
+                        <a:solidFill>
+                          <a:srgbClr val="000000"/>
+                        </a:solidFill>
+                        <a:effectLst/>
+                        <a:latin typeface="맑은 고딕" panose="020B0503020000020004" pitchFamily="50" charset="-127"/>
+                        <a:ea typeface="맑은 고딕" panose="020B0503020000020004" pitchFamily="50" charset="-127"/>
+                      </a:endParaRPr>
+                    </a:p>
+                  </a:txBody>
+                  <a:tcPr marL="9525" marR="9525" marT="9525" marB="0" anchor="ctr"/>
+                </a:tc>
+              </a:tr>
+              <a:tr h="209550">
+                <a:tc>
+                  <a:txBody>
+                    <a:bodyPr/>
+                    <a:lstStyle/>
+                    <a:p>
+                      <a:pPr algn="l" fontAlgn="ctr"/>
+                      <a:r>
+                        <a:rPr lang="en-US" sz="1100" u="none" strike="noStrike">
+                          <a:effectLst/>
+                        </a:rPr>
+                        <a:t>P_ID</a:t>
+                      </a:r>
+                      <a:endParaRPr lang="en-US" sz="1100" b="1" i="0" u="none" strike="noStrike">
+                        <a:solidFill>
+                          <a:srgbClr val="000000"/>
+                        </a:solidFill>
+                        <a:effectLst/>
+                        <a:latin typeface="맑은 고딕" panose="020B0503020000020004" pitchFamily="50" charset="-127"/>
+                        <a:ea typeface="맑은 고딕" panose="020B0503020000020004" pitchFamily="50" charset="-127"/>
+                      </a:endParaRPr>
+                    </a:p>
+                  </a:txBody>
+                  <a:tcPr marL="9525" marR="9525" marT="9525" marB="0" anchor="ctr"/>
+                </a:tc>
+                <a:tc>
+                  <a:txBody>
+                    <a:bodyPr/>
+                    <a:lstStyle/>
+                    <a:p>
+                      <a:pPr algn="l" fontAlgn="ctr"/>
+                      <a:r>
+                        <a:rPr lang="en-US" sz="1100" u="none" strike="noStrike">
+                          <a:effectLst/>
+                        </a:rPr>
+                        <a:t>FK</a:t>
+                      </a:r>
+                      <a:endParaRPr lang="en-US" sz="1100" b="1" i="0" u="none" strike="noStrike">
+                        <a:solidFill>
+                          <a:srgbClr val="000000"/>
+                        </a:solidFill>
+                        <a:effectLst/>
+                        <a:latin typeface="맑은 고딕" panose="020B0503020000020004" pitchFamily="50" charset="-127"/>
+                        <a:ea typeface="맑은 고딕" panose="020B0503020000020004" pitchFamily="50" charset="-127"/>
+                      </a:endParaRPr>
+                    </a:p>
+                  </a:txBody>
+                  <a:tcPr marL="9525" marR="9525" marT="9525" marB="0" anchor="ctr"/>
+                </a:tc>
+                <a:tc>
+                  <a:txBody>
+                    <a:bodyPr/>
+                    <a:lstStyle/>
+                    <a:p>
+                      <a:pPr algn="l" fontAlgn="ctr"/>
+                      <a:r>
+                        <a:rPr lang="en-US" sz="1100" u="none" strike="noStrike">
+                          <a:effectLst/>
+                        </a:rPr>
+                        <a:t>varchar2</a:t>
+                      </a:r>
+                      <a:endParaRPr lang="en-US" sz="1100" b="1" i="0" u="none" strike="noStrike">
+                        <a:solidFill>
+                          <a:srgbClr val="000000"/>
+                        </a:solidFill>
+                        <a:effectLst/>
+                        <a:latin typeface="맑은 고딕" panose="020B0503020000020004" pitchFamily="50" charset="-127"/>
+                        <a:ea typeface="맑은 고딕" panose="020B0503020000020004" pitchFamily="50" charset="-127"/>
+                      </a:endParaRPr>
+                    </a:p>
+                  </a:txBody>
+                  <a:tcPr marL="9525" marR="9525" marT="9525" marB="0" anchor="ctr"/>
+                </a:tc>
+              </a:tr>
+              <a:tr h="209550">
+                <a:tc>
+                  <a:txBody>
+                    <a:bodyPr/>
+                    <a:lstStyle/>
+                    <a:p>
+                      <a:pPr algn="l" fontAlgn="ctr"/>
+                      <a:r>
+                        <a:rPr lang="en-US" sz="1100" u="none" strike="noStrike">
+                          <a:effectLst/>
+                        </a:rPr>
+                        <a:t>BUY_ID</a:t>
+                      </a:r>
+                      <a:endParaRPr lang="en-US" sz="1100" b="1" i="0" u="none" strike="noStrike">
+                        <a:solidFill>
+                          <a:srgbClr val="000000"/>
+                        </a:solidFill>
+                        <a:effectLst/>
+                        <a:latin typeface="맑은 고딕" panose="020B0503020000020004" pitchFamily="50" charset="-127"/>
+                        <a:ea typeface="맑은 고딕" panose="020B0503020000020004" pitchFamily="50" charset="-127"/>
+                      </a:endParaRPr>
+                    </a:p>
+                  </a:txBody>
+                  <a:tcPr marL="9525" marR="9525" marT="9525" marB="0" anchor="ctr"/>
+                </a:tc>
+                <a:tc>
+                  <a:txBody>
+                    <a:bodyPr/>
+                    <a:lstStyle/>
+                    <a:p>
+                      <a:pPr algn="l" fontAlgn="ctr"/>
+                      <a:r>
+                        <a:rPr lang="en-US" sz="1100" u="none" strike="noStrike">
+                          <a:effectLst/>
+                        </a:rPr>
+                        <a:t>FK</a:t>
+                      </a:r>
+                      <a:endParaRPr lang="en-US" sz="1100" b="1" i="0" u="none" strike="noStrike">
+                        <a:solidFill>
+                          <a:srgbClr val="000000"/>
+                        </a:solidFill>
+                        <a:effectLst/>
+                        <a:latin typeface="맑은 고딕" panose="020B0503020000020004" pitchFamily="50" charset="-127"/>
+                        <a:ea typeface="맑은 고딕" panose="020B0503020000020004" pitchFamily="50" charset="-127"/>
+                      </a:endParaRPr>
+                    </a:p>
+                  </a:txBody>
+                  <a:tcPr marL="9525" marR="9525" marT="9525" marB="0" anchor="ctr"/>
+                </a:tc>
+                <a:tc>
+                  <a:txBody>
+                    <a:bodyPr/>
+                    <a:lstStyle/>
+                    <a:p>
+                      <a:pPr algn="l" fontAlgn="ctr"/>
+                      <a:r>
+                        <a:rPr lang="en-US" sz="1100" u="none" strike="noStrike">
+                          <a:effectLst/>
+                        </a:rPr>
+                        <a:t>varchar2</a:t>
+                      </a:r>
+                      <a:endParaRPr lang="en-US" sz="1100" b="1" i="0" u="none" strike="noStrike">
+                        <a:solidFill>
+                          <a:srgbClr val="000000"/>
+                        </a:solidFill>
+                        <a:effectLst/>
+                        <a:latin typeface="맑은 고딕" panose="020B0503020000020004" pitchFamily="50" charset="-127"/>
+                        <a:ea typeface="맑은 고딕" panose="020B0503020000020004" pitchFamily="50" charset="-127"/>
+                      </a:endParaRPr>
+                    </a:p>
+                  </a:txBody>
+                  <a:tcPr marL="9525" marR="9525" marT="9525" marB="0" anchor="ctr"/>
+                </a:tc>
+              </a:tr>
+              <a:tr h="209550">
+                <a:tc>
+                  <a:txBody>
+                    <a:bodyPr/>
+                    <a:lstStyle/>
+                    <a:p>
+                      <a:pPr algn="l" fontAlgn="ctr"/>
+                      <a:r>
+                        <a:rPr lang="en-US" sz="1100" u="none" strike="noStrike">
+                          <a:effectLst/>
+                        </a:rPr>
+                        <a:t>R_CONTENT</a:t>
+                      </a:r>
+                      <a:endParaRPr lang="en-US" sz="1100" b="0" i="0" u="none" strike="noStrike">
+                        <a:solidFill>
+                          <a:srgbClr val="000000"/>
+                        </a:solidFill>
+                        <a:effectLst/>
+                        <a:latin typeface="맑은 고딕" panose="020B0503020000020004" pitchFamily="50" charset="-127"/>
+                        <a:ea typeface="맑은 고딕" panose="020B0503020000020004" pitchFamily="50" charset="-127"/>
+                      </a:endParaRPr>
+                    </a:p>
+                  </a:txBody>
+                  <a:tcPr marL="9525" marR="9525" marT="9525" marB="0" anchor="ctr"/>
+                </a:tc>
+                <a:tc>
+                  <a:txBody>
+                    <a:bodyPr/>
+                    <a:lstStyle/>
+                    <a:p>
+                      <a:pPr algn="l" fontAlgn="ctr"/>
+                      <a:r>
+                        <a:rPr lang="ko-KR" altLang="en-US" sz="1100" u="none" strike="noStrike">
+                          <a:effectLst/>
+                        </a:rPr>
+                        <a:t>　</a:t>
+                      </a:r>
+                      <a:endParaRPr lang="ko-KR" altLang="en-US" sz="1100" b="0" i="0" u="none" strike="noStrike">
+                        <a:solidFill>
+                          <a:srgbClr val="000000"/>
+                        </a:solidFill>
+                        <a:effectLst/>
+                        <a:latin typeface="맑은 고딕" panose="020B0503020000020004" pitchFamily="50" charset="-127"/>
+                        <a:ea typeface="맑은 고딕" panose="020B0503020000020004" pitchFamily="50" charset="-127"/>
+                      </a:endParaRPr>
+                    </a:p>
+                  </a:txBody>
+                  <a:tcPr marL="9525" marR="9525" marT="9525" marB="0" anchor="ctr"/>
+                </a:tc>
+                <a:tc>
+                  <a:txBody>
+                    <a:bodyPr/>
+                    <a:lstStyle/>
+                    <a:p>
+                      <a:pPr algn="l" fontAlgn="ctr"/>
+                      <a:r>
+                        <a:rPr lang="en-US" sz="1100" u="none" strike="noStrike">
+                          <a:effectLst/>
+                        </a:rPr>
+                        <a:t>varchar2</a:t>
+                      </a:r>
+                      <a:endParaRPr lang="en-US" sz="1100" b="0" i="0" u="none" strike="noStrike">
+                        <a:solidFill>
+                          <a:srgbClr val="000000"/>
+                        </a:solidFill>
+                        <a:effectLst/>
+                        <a:latin typeface="맑은 고딕" panose="020B0503020000020004" pitchFamily="50" charset="-127"/>
+                        <a:ea typeface="맑은 고딕" panose="020B0503020000020004" pitchFamily="50" charset="-127"/>
+                      </a:endParaRPr>
+                    </a:p>
+                  </a:txBody>
+                  <a:tcPr marL="9525" marR="9525" marT="9525" marB="0" anchor="ctr"/>
+                </a:tc>
+              </a:tr>
+              <a:tr h="209550">
+                <a:tc>
+                  <a:txBody>
+                    <a:bodyPr/>
+                    <a:lstStyle/>
+                    <a:p>
+                      <a:pPr algn="l" fontAlgn="ctr"/>
+                      <a:r>
+                        <a:rPr lang="en-US" sz="1100" u="none" strike="noStrike">
+                          <a:effectLst/>
+                        </a:rPr>
+                        <a:t>R_SCORE</a:t>
+                      </a:r>
+                      <a:endParaRPr lang="en-US" sz="1100" b="0" i="0" u="none" strike="noStrike">
+                        <a:solidFill>
+                          <a:srgbClr val="000000"/>
+                        </a:solidFill>
+                        <a:effectLst/>
+                        <a:latin typeface="맑은 고딕" panose="020B0503020000020004" pitchFamily="50" charset="-127"/>
+                        <a:ea typeface="맑은 고딕" panose="020B0503020000020004" pitchFamily="50" charset="-127"/>
+                      </a:endParaRPr>
+                    </a:p>
+                  </a:txBody>
+                  <a:tcPr marL="9525" marR="9525" marT="9525" marB="0" anchor="ctr"/>
+                </a:tc>
+                <a:tc>
+                  <a:txBody>
+                    <a:bodyPr/>
+                    <a:lstStyle/>
+                    <a:p>
+                      <a:pPr algn="l" fontAlgn="ctr"/>
+                      <a:r>
+                        <a:rPr lang="ko-KR" altLang="en-US" sz="1100" u="none" strike="noStrike">
+                          <a:effectLst/>
+                        </a:rPr>
+                        <a:t>　</a:t>
+                      </a:r>
+                      <a:endParaRPr lang="ko-KR" altLang="en-US" sz="1100" b="0" i="0" u="none" strike="noStrike">
+                        <a:solidFill>
+                          <a:srgbClr val="000000"/>
+                        </a:solidFill>
+                        <a:effectLst/>
+                        <a:latin typeface="맑은 고딕" panose="020B0503020000020004" pitchFamily="50" charset="-127"/>
+                        <a:ea typeface="맑은 고딕" panose="020B0503020000020004" pitchFamily="50" charset="-127"/>
+                      </a:endParaRPr>
+                    </a:p>
+                  </a:txBody>
+                  <a:tcPr marL="9525" marR="9525" marT="9525" marB="0" anchor="ctr"/>
+                </a:tc>
+                <a:tc>
+                  <a:txBody>
+                    <a:bodyPr/>
+                    <a:lstStyle/>
+                    <a:p>
+                      <a:pPr algn="l" fontAlgn="ctr"/>
+                      <a:r>
+                        <a:rPr lang="en-US" sz="1100" u="none" strike="noStrike" dirty="0">
+                          <a:effectLst/>
+                        </a:rPr>
+                        <a:t>number</a:t>
+                      </a:r>
+                      <a:endParaRPr lang="en-US" sz="1100" b="0" i="0" u="none" strike="noStrike" dirty="0">
+                        <a:solidFill>
+                          <a:srgbClr val="000000"/>
+                        </a:solidFill>
+                        <a:effectLst/>
+                        <a:latin typeface="맑은 고딕" panose="020B0503020000020004" pitchFamily="50" charset="-127"/>
+                        <a:ea typeface="맑은 고딕" panose="020B0503020000020004" pitchFamily="50" charset="-127"/>
+                      </a:endParaRPr>
+                    </a:p>
+                  </a:txBody>
+                  <a:tcPr marL="9525" marR="9525" marT="9525" marB="0" anchor="ctr"/>
+                </a:tc>
+              </a:tr>
+            </a:tbl>
+          </a:graphicData>
+        </a:graphic>
+      </p:graphicFrame>
+      <p:graphicFrame>
+        <p:nvGraphicFramePr>
+          <p:cNvPr id="32" name="표 31"/>
+          <p:cNvGraphicFramePr>
+            <a:graphicFrameLocks noGrp="1"/>
+          </p:cNvGraphicFramePr>
+          <p:nvPr>
+            <p:extLst>
+              <p:ext uri="{D42A27DB-BD31-4B8C-83A1-F6EECF244321}">
+                <p14:modId xmlns:p14="http://schemas.microsoft.com/office/powerpoint/2010/main" val="2584956617"/>
+              </p:ext>
+            </p:extLst>
+          </p:nvPr>
+        </p:nvGraphicFramePr>
+        <p:xfrm>
+          <a:off x="6301856" y="4326236"/>
+          <a:ext cx="2425701" cy="1224915"/>
+        </p:xfrm>
+        <a:graphic>
+          <a:graphicData uri="http://schemas.openxmlformats.org/drawingml/2006/table">
+            <a:tbl>
+              <a:tblPr>
+                <a:tableStyleId>{5C22544A-7EE6-4342-B048-85BDC9FD1C3A}</a:tableStyleId>
+              </a:tblPr>
+              <a:tblGrid>
+                <a:gridCol w="1055893"/>
+                <a:gridCol w="684904"/>
+                <a:gridCol w="684904"/>
+              </a:tblGrid>
+              <a:tr h="0">
+                <a:tc gridSpan="3">
+                  <a:txBody>
+                    <a:bodyPr/>
+                    <a:lstStyle/>
+                    <a:p>
+                      <a:pPr algn="ctr" fontAlgn="ctr"/>
+                      <a:r>
+                        <a:rPr lang="en-US" sz="1100" u="none" strike="noStrike" dirty="0">
+                          <a:effectLst/>
+                        </a:rPr>
+                        <a:t>RENT_REVIEW</a:t>
+                      </a:r>
+                      <a:endParaRPr lang="en-US" sz="1100" b="1" i="0" u="none" strike="noStrike" dirty="0">
+                        <a:solidFill>
+                          <a:srgbClr val="FFFFFF"/>
+                        </a:solidFill>
+                        <a:effectLst/>
+                        <a:latin typeface="맑은 고딕" panose="020B0503020000020004" pitchFamily="50" charset="-127"/>
+                        <a:ea typeface="맑은 고딕" panose="020B0503020000020004" pitchFamily="50" charset="-127"/>
+                      </a:endParaRPr>
+                    </a:p>
+                  </a:txBody>
+                  <a:tcPr marL="9525" marR="9525" marT="9525" marB="0" anchor="ctr">
+                    <a:solidFill>
+                      <a:srgbClr val="00B0F0"/>
+                    </a:solidFill>
+                  </a:tcPr>
+                </a:tc>
+                <a:tc hMerge="1">
+                  <a:txBody>
+                    <a:bodyPr/>
+                    <a:lstStyle/>
+                    <a:p>
+                      <a:pPr latinLnBrk="1"/>
+                      <a:endParaRPr lang="ko-KR" altLang="en-US"/>
+                    </a:p>
+                  </a:txBody>
+                  <a:tcPr/>
+                </a:tc>
+                <a:tc hMerge="1">
+                  <a:txBody>
+                    <a:bodyPr/>
+                    <a:lstStyle/>
+                    <a:p>
+                      <a:pPr latinLnBrk="1"/>
+                      <a:endParaRPr lang="ko-KR" altLang="en-US"/>
+                    </a:p>
+                  </a:txBody>
+                  <a:tcPr/>
+                </a:tc>
+              </a:tr>
+              <a:tr h="209550">
+                <a:tc>
+                  <a:txBody>
+                    <a:bodyPr/>
+                    <a:lstStyle/>
+                    <a:p>
+                      <a:pPr algn="l" fontAlgn="ctr"/>
+                      <a:r>
+                        <a:rPr lang="en-US" sz="1100" u="none" strike="noStrike">
+                          <a:effectLst/>
+                        </a:rPr>
+                        <a:t>R_ID</a:t>
+                      </a:r>
+                      <a:endParaRPr lang="en-US" sz="1100" b="1" i="0" u="none" strike="noStrike">
+                        <a:solidFill>
+                          <a:srgbClr val="000000"/>
+                        </a:solidFill>
+                        <a:effectLst/>
+                        <a:latin typeface="맑은 고딕" panose="020B0503020000020004" pitchFamily="50" charset="-127"/>
+                        <a:ea typeface="맑은 고딕" panose="020B0503020000020004" pitchFamily="50" charset="-127"/>
+                      </a:endParaRPr>
+                    </a:p>
+                  </a:txBody>
+                  <a:tcPr marL="9525" marR="9525" marT="9525" marB="0" anchor="ctr"/>
+                </a:tc>
+                <a:tc>
+                  <a:txBody>
+                    <a:bodyPr/>
+                    <a:lstStyle/>
+                    <a:p>
+                      <a:pPr algn="l" fontAlgn="ctr"/>
+                      <a:r>
+                        <a:rPr lang="en-US" sz="1100" u="none" strike="noStrike">
+                          <a:effectLst/>
+                        </a:rPr>
+                        <a:t>PK</a:t>
+                      </a:r>
+                      <a:endParaRPr lang="en-US" sz="1100" b="1" i="0" u="none" strike="noStrike">
+                        <a:solidFill>
+                          <a:srgbClr val="000000"/>
+                        </a:solidFill>
+                        <a:effectLst/>
+                        <a:latin typeface="맑은 고딕" panose="020B0503020000020004" pitchFamily="50" charset="-127"/>
+                        <a:ea typeface="맑은 고딕" panose="020B0503020000020004" pitchFamily="50" charset="-127"/>
+                      </a:endParaRPr>
+                    </a:p>
+                  </a:txBody>
+                  <a:tcPr marL="9525" marR="9525" marT="9525" marB="0" anchor="ctr"/>
+                </a:tc>
+                <a:tc>
+                  <a:txBody>
+                    <a:bodyPr/>
+                    <a:lstStyle/>
+                    <a:p>
+                      <a:pPr algn="l" fontAlgn="ctr"/>
+                      <a:r>
+                        <a:rPr lang="en-US" sz="1100" u="none" strike="noStrike">
+                          <a:effectLst/>
+                        </a:rPr>
+                        <a:t>varchar2</a:t>
+                      </a:r>
+                      <a:endParaRPr lang="en-US" sz="1100" b="1" i="0" u="none" strike="noStrike">
+                        <a:solidFill>
+                          <a:srgbClr val="000000"/>
+                        </a:solidFill>
+                        <a:effectLst/>
+                        <a:latin typeface="맑은 고딕" panose="020B0503020000020004" pitchFamily="50" charset="-127"/>
+                        <a:ea typeface="맑은 고딕" panose="020B0503020000020004" pitchFamily="50" charset="-127"/>
+                      </a:endParaRPr>
+                    </a:p>
+                  </a:txBody>
+                  <a:tcPr marL="9525" marR="9525" marT="9525" marB="0" anchor="ctr"/>
+                </a:tc>
+              </a:tr>
+              <a:tr h="209550">
+                <a:tc>
+                  <a:txBody>
+                    <a:bodyPr/>
+                    <a:lstStyle/>
+                    <a:p>
+                      <a:pPr algn="l" fontAlgn="ctr"/>
+                      <a:r>
+                        <a:rPr lang="en-US" sz="1100" u="none" strike="noStrike">
+                          <a:effectLst/>
+                        </a:rPr>
+                        <a:t>P_ID</a:t>
+                      </a:r>
+                      <a:endParaRPr lang="en-US" sz="1100" b="1" i="0" u="none" strike="noStrike">
+                        <a:solidFill>
+                          <a:srgbClr val="000000"/>
+                        </a:solidFill>
+                        <a:effectLst/>
+                        <a:latin typeface="맑은 고딕" panose="020B0503020000020004" pitchFamily="50" charset="-127"/>
+                        <a:ea typeface="맑은 고딕" panose="020B0503020000020004" pitchFamily="50" charset="-127"/>
+                      </a:endParaRPr>
+                    </a:p>
+                  </a:txBody>
+                  <a:tcPr marL="9525" marR="9525" marT="9525" marB="0" anchor="ctr"/>
+                </a:tc>
+                <a:tc>
+                  <a:txBody>
+                    <a:bodyPr/>
+                    <a:lstStyle/>
+                    <a:p>
+                      <a:pPr algn="l" fontAlgn="ctr"/>
+                      <a:r>
+                        <a:rPr lang="en-US" sz="1100" u="none" strike="noStrike" dirty="0">
+                          <a:effectLst/>
+                        </a:rPr>
+                        <a:t>FK</a:t>
+                      </a:r>
+                      <a:endParaRPr lang="en-US" sz="1100" b="1" i="0" u="none" strike="noStrike" dirty="0">
+                        <a:solidFill>
+                          <a:srgbClr val="000000"/>
+                        </a:solidFill>
+                        <a:effectLst/>
+                        <a:latin typeface="맑은 고딕" panose="020B0503020000020004" pitchFamily="50" charset="-127"/>
+                        <a:ea typeface="맑은 고딕" panose="020B0503020000020004" pitchFamily="50" charset="-127"/>
+                      </a:endParaRPr>
+                    </a:p>
+                  </a:txBody>
+                  <a:tcPr marL="9525" marR="9525" marT="9525" marB="0" anchor="ctr"/>
+                </a:tc>
+                <a:tc>
+                  <a:txBody>
+                    <a:bodyPr/>
+                    <a:lstStyle/>
+                    <a:p>
+                      <a:pPr algn="l" fontAlgn="ctr"/>
+                      <a:r>
+                        <a:rPr lang="en-US" sz="1100" u="none" strike="noStrike">
+                          <a:effectLst/>
+                        </a:rPr>
+                        <a:t>varchar2</a:t>
+                      </a:r>
+                      <a:endParaRPr lang="en-US" sz="1100" b="1" i="0" u="none" strike="noStrike">
+                        <a:solidFill>
+                          <a:srgbClr val="000000"/>
+                        </a:solidFill>
+                        <a:effectLst/>
+                        <a:latin typeface="맑은 고딕" panose="020B0503020000020004" pitchFamily="50" charset="-127"/>
+                        <a:ea typeface="맑은 고딕" panose="020B0503020000020004" pitchFamily="50" charset="-127"/>
+                      </a:endParaRPr>
+                    </a:p>
+                  </a:txBody>
+                  <a:tcPr marL="9525" marR="9525" marT="9525" marB="0" anchor="ctr"/>
+                </a:tc>
+              </a:tr>
+              <a:tr h="209550">
+                <a:tc>
+                  <a:txBody>
+                    <a:bodyPr/>
+                    <a:lstStyle/>
+                    <a:p>
+                      <a:pPr algn="l" fontAlgn="ctr"/>
+                      <a:r>
+                        <a:rPr lang="en-US" sz="1100" u="none" strike="noStrike">
+                          <a:effectLst/>
+                        </a:rPr>
+                        <a:t>R_ID</a:t>
+                      </a:r>
+                      <a:endParaRPr lang="en-US" sz="1100" b="1" i="0" u="none" strike="noStrike">
+                        <a:solidFill>
+                          <a:srgbClr val="000000"/>
+                        </a:solidFill>
+                        <a:effectLst/>
+                        <a:latin typeface="맑은 고딕" panose="020B0503020000020004" pitchFamily="50" charset="-127"/>
+                        <a:ea typeface="맑은 고딕" panose="020B0503020000020004" pitchFamily="50" charset="-127"/>
+                      </a:endParaRPr>
+                    </a:p>
+                  </a:txBody>
+                  <a:tcPr marL="9525" marR="9525" marT="9525" marB="0" anchor="ctr"/>
+                </a:tc>
+                <a:tc>
+                  <a:txBody>
+                    <a:bodyPr/>
+                    <a:lstStyle/>
+                    <a:p>
+                      <a:pPr algn="l" fontAlgn="ctr"/>
+                      <a:r>
+                        <a:rPr lang="en-US" sz="1100" u="none" strike="noStrike">
+                          <a:effectLst/>
+                        </a:rPr>
+                        <a:t>FK</a:t>
+                      </a:r>
+                      <a:endParaRPr lang="en-US" sz="1100" b="1" i="0" u="none" strike="noStrike">
+                        <a:solidFill>
+                          <a:srgbClr val="000000"/>
+                        </a:solidFill>
+                        <a:effectLst/>
+                        <a:latin typeface="맑은 고딕" panose="020B0503020000020004" pitchFamily="50" charset="-127"/>
+                        <a:ea typeface="맑은 고딕" panose="020B0503020000020004" pitchFamily="50" charset="-127"/>
+                      </a:endParaRPr>
+                    </a:p>
+                  </a:txBody>
+                  <a:tcPr marL="9525" marR="9525" marT="9525" marB="0" anchor="ctr"/>
+                </a:tc>
+                <a:tc>
+                  <a:txBody>
+                    <a:bodyPr/>
+                    <a:lstStyle/>
+                    <a:p>
+                      <a:pPr algn="l" fontAlgn="ctr"/>
+                      <a:r>
+                        <a:rPr lang="en-US" sz="1100" u="none" strike="noStrike">
+                          <a:effectLst/>
+                        </a:rPr>
+                        <a:t>varchar2</a:t>
+                      </a:r>
+                      <a:endParaRPr lang="en-US" sz="1100" b="1" i="0" u="none" strike="noStrike">
+                        <a:solidFill>
+                          <a:srgbClr val="000000"/>
+                        </a:solidFill>
+                        <a:effectLst/>
+                        <a:latin typeface="맑은 고딕" panose="020B0503020000020004" pitchFamily="50" charset="-127"/>
+                        <a:ea typeface="맑은 고딕" panose="020B0503020000020004" pitchFamily="50" charset="-127"/>
+                      </a:endParaRPr>
+                    </a:p>
+                  </a:txBody>
+                  <a:tcPr marL="9525" marR="9525" marT="9525" marB="0" anchor="ctr"/>
+                </a:tc>
+              </a:tr>
+              <a:tr h="209550">
+                <a:tc>
+                  <a:txBody>
+                    <a:bodyPr/>
+                    <a:lstStyle/>
+                    <a:p>
+                      <a:pPr algn="l" fontAlgn="ctr"/>
+                      <a:r>
+                        <a:rPr lang="en-US" sz="1100" u="none" strike="noStrike">
+                          <a:effectLst/>
+                        </a:rPr>
+                        <a:t>R_CONTENT</a:t>
+                      </a:r>
+                      <a:endParaRPr lang="en-US" sz="1100" b="0" i="0" u="none" strike="noStrike">
+                        <a:solidFill>
+                          <a:srgbClr val="000000"/>
+                        </a:solidFill>
+                        <a:effectLst/>
+                        <a:latin typeface="맑은 고딕" panose="020B0503020000020004" pitchFamily="50" charset="-127"/>
+                        <a:ea typeface="맑은 고딕" panose="020B0503020000020004" pitchFamily="50" charset="-127"/>
+                      </a:endParaRPr>
+                    </a:p>
+                  </a:txBody>
+                  <a:tcPr marL="9525" marR="9525" marT="9525" marB="0" anchor="ctr"/>
+                </a:tc>
+                <a:tc>
+                  <a:txBody>
+                    <a:bodyPr/>
+                    <a:lstStyle/>
+                    <a:p>
+                      <a:pPr algn="l" fontAlgn="ctr"/>
+                      <a:r>
+                        <a:rPr lang="ko-KR" altLang="en-US" sz="1100" u="none" strike="noStrike">
+                          <a:effectLst/>
+                        </a:rPr>
+                        <a:t>　</a:t>
+                      </a:r>
+                      <a:endParaRPr lang="ko-KR" altLang="en-US" sz="1100" b="0" i="0" u="none" strike="noStrike">
+                        <a:solidFill>
+                          <a:srgbClr val="000000"/>
+                        </a:solidFill>
+                        <a:effectLst/>
+                        <a:latin typeface="맑은 고딕" panose="020B0503020000020004" pitchFamily="50" charset="-127"/>
+                        <a:ea typeface="맑은 고딕" panose="020B0503020000020004" pitchFamily="50" charset="-127"/>
+                      </a:endParaRPr>
+                    </a:p>
+                  </a:txBody>
+                  <a:tcPr marL="9525" marR="9525" marT="9525" marB="0" anchor="ctr"/>
+                </a:tc>
+                <a:tc>
+                  <a:txBody>
+                    <a:bodyPr/>
+                    <a:lstStyle/>
+                    <a:p>
+                      <a:pPr algn="l" fontAlgn="ctr"/>
+                      <a:r>
+                        <a:rPr lang="en-US" sz="1100" u="none" strike="noStrike">
+                          <a:effectLst/>
+                        </a:rPr>
+                        <a:t>varchar2</a:t>
+                      </a:r>
+                      <a:endParaRPr lang="en-US" sz="1100" b="0" i="0" u="none" strike="noStrike">
+                        <a:solidFill>
+                          <a:srgbClr val="000000"/>
+                        </a:solidFill>
+                        <a:effectLst/>
+                        <a:latin typeface="맑은 고딕" panose="020B0503020000020004" pitchFamily="50" charset="-127"/>
+                        <a:ea typeface="맑은 고딕" panose="020B0503020000020004" pitchFamily="50" charset="-127"/>
+                      </a:endParaRPr>
+                    </a:p>
+                  </a:txBody>
+                  <a:tcPr marL="9525" marR="9525" marT="9525" marB="0" anchor="ctr"/>
+                </a:tc>
+              </a:tr>
+              <a:tr h="209550">
+                <a:tc>
+                  <a:txBody>
+                    <a:bodyPr/>
+                    <a:lstStyle/>
+                    <a:p>
+                      <a:pPr algn="l" fontAlgn="ctr"/>
+                      <a:r>
+                        <a:rPr lang="en-US" sz="1100" u="none" strike="noStrike">
+                          <a:effectLst/>
+                        </a:rPr>
+                        <a:t>R_SCORE</a:t>
+                      </a:r>
+                      <a:endParaRPr lang="en-US" sz="1100" b="0" i="0" u="none" strike="noStrike">
+                        <a:solidFill>
+                          <a:srgbClr val="000000"/>
+                        </a:solidFill>
+                        <a:effectLst/>
+                        <a:latin typeface="맑은 고딕" panose="020B0503020000020004" pitchFamily="50" charset="-127"/>
+                        <a:ea typeface="맑은 고딕" panose="020B0503020000020004" pitchFamily="50" charset="-127"/>
+                      </a:endParaRPr>
+                    </a:p>
+                  </a:txBody>
+                  <a:tcPr marL="9525" marR="9525" marT="9525" marB="0" anchor="ctr"/>
+                </a:tc>
+                <a:tc>
+                  <a:txBody>
+                    <a:bodyPr/>
+                    <a:lstStyle/>
+                    <a:p>
+                      <a:pPr algn="l" fontAlgn="ctr"/>
+                      <a:r>
+                        <a:rPr lang="ko-KR" altLang="en-US" sz="1100" u="none" strike="noStrike">
+                          <a:effectLst/>
+                        </a:rPr>
+                        <a:t>　</a:t>
+                      </a:r>
+                      <a:endParaRPr lang="ko-KR" altLang="en-US" sz="1100" b="0" i="0" u="none" strike="noStrike">
+                        <a:solidFill>
+                          <a:srgbClr val="000000"/>
+                        </a:solidFill>
+                        <a:effectLst/>
+                        <a:latin typeface="맑은 고딕" panose="020B0503020000020004" pitchFamily="50" charset="-127"/>
+                        <a:ea typeface="맑은 고딕" panose="020B0503020000020004" pitchFamily="50" charset="-127"/>
+                      </a:endParaRPr>
+                    </a:p>
+                  </a:txBody>
+                  <a:tcPr marL="9525" marR="9525" marT="9525" marB="0" anchor="ctr"/>
+                </a:tc>
+                <a:tc>
+                  <a:txBody>
+                    <a:bodyPr/>
+                    <a:lstStyle/>
+                    <a:p>
+                      <a:pPr algn="l" fontAlgn="ctr"/>
+                      <a:r>
+                        <a:rPr lang="en-US" sz="1100" u="none" strike="noStrike" dirty="0">
+                          <a:effectLst/>
+                        </a:rPr>
+                        <a:t>number</a:t>
+                      </a:r>
+                      <a:endParaRPr lang="en-US" sz="1100" b="0" i="0" u="none" strike="noStrike" dirty="0">
+                        <a:solidFill>
+                          <a:srgbClr val="000000"/>
+                        </a:solidFill>
+                        <a:effectLst/>
+                        <a:latin typeface="맑은 고딕" panose="020B0503020000020004" pitchFamily="50" charset="-127"/>
+                        <a:ea typeface="맑은 고딕" panose="020B0503020000020004" pitchFamily="50" charset="-127"/>
+                      </a:endParaRPr>
+                    </a:p>
+                  </a:txBody>
+                  <a:tcPr marL="9525" marR="9525" marT="9525" marB="0" anchor="ctr"/>
+                </a:tc>
+              </a:tr>
+            </a:tbl>
+          </a:graphicData>
+        </a:graphic>
+      </p:graphicFrame>
+      <p:graphicFrame>
+        <p:nvGraphicFramePr>
+          <p:cNvPr id="33" name="표 32"/>
+          <p:cNvGraphicFramePr>
+            <a:graphicFrameLocks noGrp="1"/>
+          </p:cNvGraphicFramePr>
+          <p:nvPr>
+            <p:extLst>
+              <p:ext uri="{D42A27DB-BD31-4B8C-83A1-F6EECF244321}">
+                <p14:modId xmlns:p14="http://schemas.microsoft.com/office/powerpoint/2010/main" val="1016067954"/>
+              </p:ext>
+            </p:extLst>
+          </p:nvPr>
+        </p:nvGraphicFramePr>
+        <p:xfrm>
+          <a:off x="410648" y="650835"/>
+          <a:ext cx="2247900" cy="628650"/>
+        </p:xfrm>
+        <a:graphic>
+          <a:graphicData uri="http://schemas.openxmlformats.org/drawingml/2006/table">
+            <a:tbl>
+              <a:tblPr>
+                <a:tableStyleId>{5C22544A-7EE6-4342-B048-85BDC9FD1C3A}</a:tableStyleId>
+              </a:tblPr>
+              <a:tblGrid>
+                <a:gridCol w="876300"/>
+                <a:gridCol w="685800"/>
+                <a:gridCol w="685800"/>
+              </a:tblGrid>
+              <a:tr h="209550">
+                <a:tc gridSpan="3">
+                  <a:txBody>
+                    <a:bodyPr/>
+                    <a:lstStyle/>
+                    <a:p>
+                      <a:pPr algn="ctr" fontAlgn="ctr"/>
+                      <a:r>
+                        <a:rPr lang="en-US" sz="1100" u="none" strike="noStrike" dirty="0">
+                          <a:effectLst/>
+                        </a:rPr>
+                        <a:t>WRITER</a:t>
+                      </a:r>
+                      <a:endParaRPr lang="en-US" sz="1100" b="1" i="0" u="none" strike="noStrike" dirty="0">
+                        <a:solidFill>
+                          <a:srgbClr val="FFFFFF"/>
+                        </a:solidFill>
+                        <a:effectLst/>
+                        <a:latin typeface="맑은 고딕" panose="020B0503020000020004" pitchFamily="50" charset="-127"/>
+                        <a:ea typeface="맑은 고딕" panose="020B0503020000020004" pitchFamily="50" charset="-127"/>
+                      </a:endParaRPr>
+                    </a:p>
+                  </a:txBody>
+                  <a:tcPr marL="9525" marR="9525" marT="9525" marB="0" anchor="ctr">
+                    <a:solidFill>
+                      <a:srgbClr val="00B0F0"/>
+                    </a:solidFill>
+                  </a:tcPr>
+                </a:tc>
+                <a:tc hMerge="1">
+                  <a:txBody>
+                    <a:bodyPr/>
+                    <a:lstStyle/>
+                    <a:p>
+                      <a:pPr latinLnBrk="1"/>
+                      <a:endParaRPr lang="ko-KR" altLang="en-US"/>
+                    </a:p>
+                  </a:txBody>
+                  <a:tcPr/>
+                </a:tc>
+                <a:tc hMerge="1">
+                  <a:txBody>
+                    <a:bodyPr/>
+                    <a:lstStyle/>
+                    <a:p>
+                      <a:pPr latinLnBrk="1"/>
+                      <a:endParaRPr lang="ko-KR" altLang="en-US"/>
+                    </a:p>
+                  </a:txBody>
+                  <a:tcPr/>
+                </a:tc>
+              </a:tr>
+              <a:tr h="209550">
+                <a:tc>
+                  <a:txBody>
+                    <a:bodyPr/>
+                    <a:lstStyle/>
+                    <a:p>
+                      <a:pPr algn="l" fontAlgn="ctr"/>
+                      <a:r>
+                        <a:rPr lang="en-US" sz="1100" u="none" strike="noStrike">
+                          <a:effectLst/>
+                        </a:rPr>
+                        <a:t>W_ID</a:t>
+                      </a:r>
+                      <a:endParaRPr lang="en-US" sz="1100" b="1" i="0" u="none" strike="noStrike">
+                        <a:solidFill>
+                          <a:srgbClr val="000000"/>
+                        </a:solidFill>
+                        <a:effectLst/>
+                        <a:latin typeface="맑은 고딕" panose="020B0503020000020004" pitchFamily="50" charset="-127"/>
+                        <a:ea typeface="맑은 고딕" panose="020B0503020000020004" pitchFamily="50" charset="-127"/>
+                      </a:endParaRPr>
+                    </a:p>
+                  </a:txBody>
+                  <a:tcPr marL="9525" marR="9525" marT="9525" marB="0" anchor="ctr"/>
+                </a:tc>
+                <a:tc>
+                  <a:txBody>
+                    <a:bodyPr/>
+                    <a:lstStyle/>
+                    <a:p>
+                      <a:pPr algn="l" fontAlgn="ctr"/>
+                      <a:r>
+                        <a:rPr lang="en-US" sz="1100" u="none" strike="noStrike" dirty="0">
+                          <a:effectLst/>
+                        </a:rPr>
+                        <a:t>PK</a:t>
+                      </a:r>
+                      <a:endParaRPr lang="en-US" sz="1100" b="1" i="0" u="none" strike="noStrike" dirty="0">
+                        <a:solidFill>
+                          <a:srgbClr val="000000"/>
+                        </a:solidFill>
+                        <a:effectLst/>
+                        <a:latin typeface="맑은 고딕" panose="020B0503020000020004" pitchFamily="50" charset="-127"/>
+                        <a:ea typeface="맑은 고딕" panose="020B0503020000020004" pitchFamily="50" charset="-127"/>
+                      </a:endParaRPr>
+                    </a:p>
+                  </a:txBody>
+                  <a:tcPr marL="9525" marR="9525" marT="9525" marB="0" anchor="ctr"/>
+                </a:tc>
+                <a:tc>
+                  <a:txBody>
+                    <a:bodyPr/>
+                    <a:lstStyle/>
+                    <a:p>
+                      <a:pPr algn="l" fontAlgn="ctr"/>
+                      <a:r>
+                        <a:rPr lang="en-US" sz="1100" u="none" strike="noStrike" dirty="0">
+                          <a:effectLst/>
+                        </a:rPr>
+                        <a:t>varchar2</a:t>
+                      </a:r>
+                      <a:endParaRPr lang="en-US" sz="1100" b="1" i="0" u="none" strike="noStrike" dirty="0">
+                        <a:solidFill>
+                          <a:srgbClr val="000000"/>
+                        </a:solidFill>
+                        <a:effectLst/>
+                        <a:latin typeface="맑은 고딕" panose="020B0503020000020004" pitchFamily="50" charset="-127"/>
+                        <a:ea typeface="맑은 고딕" panose="020B0503020000020004" pitchFamily="50" charset="-127"/>
+                      </a:endParaRPr>
+                    </a:p>
+                  </a:txBody>
+                  <a:tcPr marL="9525" marR="9525" marT="9525" marB="0" anchor="ctr"/>
+                </a:tc>
+              </a:tr>
+              <a:tr h="209550">
+                <a:tc>
+                  <a:txBody>
+                    <a:bodyPr/>
+                    <a:lstStyle/>
+                    <a:p>
+                      <a:pPr algn="l" fontAlgn="ctr"/>
+                      <a:r>
+                        <a:rPr lang="en-US" sz="1100" u="none" strike="noStrike" dirty="0">
+                          <a:effectLst/>
+                        </a:rPr>
+                        <a:t>W_NAME</a:t>
+                      </a:r>
+                      <a:endParaRPr lang="en-US" sz="1100" b="0" i="0" u="none" strike="noStrike" dirty="0">
+                        <a:solidFill>
+                          <a:srgbClr val="000000"/>
+                        </a:solidFill>
+                        <a:effectLst/>
+                        <a:latin typeface="맑은 고딕" panose="020B0503020000020004" pitchFamily="50" charset="-127"/>
+                        <a:ea typeface="맑은 고딕" panose="020B0503020000020004" pitchFamily="50" charset="-127"/>
+                      </a:endParaRPr>
+                    </a:p>
+                  </a:txBody>
+                  <a:tcPr marL="9525" marR="9525" marT="9525" marB="0" anchor="ctr"/>
+                </a:tc>
+                <a:tc>
+                  <a:txBody>
+                    <a:bodyPr/>
+                    <a:lstStyle/>
+                    <a:p>
+                      <a:pPr algn="l" fontAlgn="ctr"/>
+                      <a:r>
+                        <a:rPr lang="ko-KR" altLang="en-US" sz="1100" u="none" strike="noStrike" dirty="0">
+                          <a:effectLst/>
+                        </a:rPr>
+                        <a:t>　</a:t>
+                      </a:r>
+                      <a:endParaRPr lang="ko-KR" altLang="en-US" sz="1100" b="0" i="0" u="none" strike="noStrike" dirty="0">
+                        <a:solidFill>
+                          <a:srgbClr val="000000"/>
+                        </a:solidFill>
+                        <a:effectLst/>
+                        <a:latin typeface="맑은 고딕" panose="020B0503020000020004" pitchFamily="50" charset="-127"/>
+                        <a:ea typeface="맑은 고딕" panose="020B0503020000020004" pitchFamily="50" charset="-127"/>
+                      </a:endParaRPr>
+                    </a:p>
+                  </a:txBody>
+                  <a:tcPr marL="9525" marR="9525" marT="9525" marB="0" anchor="ctr"/>
+                </a:tc>
+                <a:tc>
+                  <a:txBody>
+                    <a:bodyPr/>
+                    <a:lstStyle/>
+                    <a:p>
+                      <a:pPr algn="l" fontAlgn="ctr"/>
+                      <a:r>
+                        <a:rPr lang="en-US" sz="1100" u="none" strike="noStrike" dirty="0">
+                          <a:effectLst/>
+                        </a:rPr>
+                        <a:t>varchar2</a:t>
+                      </a:r>
+                      <a:endParaRPr lang="en-US" sz="1100" b="0" i="0" u="none" strike="noStrike" dirty="0">
+                        <a:solidFill>
+                          <a:srgbClr val="000000"/>
+                        </a:solidFill>
+                        <a:effectLst/>
+                        <a:latin typeface="맑은 고딕" panose="020B0503020000020004" pitchFamily="50" charset="-127"/>
+                        <a:ea typeface="맑은 고딕" panose="020B0503020000020004" pitchFamily="50" charset="-127"/>
+                      </a:endParaRPr>
+                    </a:p>
+                  </a:txBody>
+                  <a:tcPr marL="9525" marR="9525" marT="9525" marB="0" anchor="ctr"/>
+                </a:tc>
+              </a:tr>
+            </a:tbl>
+          </a:graphicData>
+        </a:graphic>
+      </p:graphicFrame>
+      <p:graphicFrame>
+        <p:nvGraphicFramePr>
+          <p:cNvPr id="34" name="표 33"/>
+          <p:cNvGraphicFramePr>
+            <a:graphicFrameLocks noGrp="1"/>
+          </p:cNvGraphicFramePr>
+          <p:nvPr>
+            <p:extLst>
+              <p:ext uri="{D42A27DB-BD31-4B8C-83A1-F6EECF244321}">
+                <p14:modId xmlns:p14="http://schemas.microsoft.com/office/powerpoint/2010/main" val="3283060655"/>
+              </p:ext>
+            </p:extLst>
+          </p:nvPr>
+        </p:nvGraphicFramePr>
+        <p:xfrm>
+          <a:off x="347148" y="1492537"/>
+          <a:ext cx="2374900" cy="1676400"/>
+        </p:xfrm>
+        <a:graphic>
+          <a:graphicData uri="http://schemas.openxmlformats.org/drawingml/2006/table">
+            <a:tbl>
+              <a:tblPr>
+                <a:tableStyleId>{5C22544A-7EE6-4342-B048-85BDC9FD1C3A}</a:tableStyleId>
+              </a:tblPr>
+              <a:tblGrid>
+                <a:gridCol w="1001464"/>
+                <a:gridCol w="686718"/>
+                <a:gridCol w="686718"/>
+              </a:tblGrid>
+              <a:tr h="209550">
+                <a:tc gridSpan="3">
+                  <a:txBody>
+                    <a:bodyPr/>
+                    <a:lstStyle/>
+                    <a:p>
+                      <a:pPr algn="ctr" fontAlgn="ctr"/>
+                      <a:r>
+                        <a:rPr lang="en-US" sz="1100" u="none" strike="noStrike" dirty="0">
+                          <a:effectLst/>
+                        </a:rPr>
+                        <a:t>BOOK</a:t>
+                      </a:r>
+                      <a:endParaRPr lang="en-US" sz="1100" b="1" i="0" u="none" strike="noStrike" dirty="0">
+                        <a:solidFill>
+                          <a:srgbClr val="FFFFFF"/>
+                        </a:solidFill>
+                        <a:effectLst/>
+                        <a:latin typeface="맑은 고딕" panose="020B0503020000020004" pitchFamily="50" charset="-127"/>
+                        <a:ea typeface="맑은 고딕" panose="020B0503020000020004" pitchFamily="50" charset="-127"/>
+                      </a:endParaRPr>
+                    </a:p>
+                  </a:txBody>
+                  <a:tcPr marL="9525" marR="9525" marT="9525" marB="0" anchor="ctr">
+                    <a:solidFill>
+                      <a:srgbClr val="00B0F0"/>
+                    </a:solidFill>
+                  </a:tcPr>
+                </a:tc>
+                <a:tc hMerge="1">
+                  <a:txBody>
+                    <a:bodyPr/>
+                    <a:lstStyle/>
+                    <a:p>
+                      <a:pPr latinLnBrk="1"/>
+                      <a:endParaRPr lang="ko-KR" altLang="en-US"/>
+                    </a:p>
+                  </a:txBody>
+                  <a:tcPr/>
+                </a:tc>
+                <a:tc hMerge="1">
+                  <a:txBody>
+                    <a:bodyPr/>
+                    <a:lstStyle/>
+                    <a:p>
+                      <a:pPr latinLnBrk="1"/>
+                      <a:endParaRPr lang="ko-KR" altLang="en-US"/>
+                    </a:p>
+                  </a:txBody>
+                  <a:tcPr/>
+                </a:tc>
+              </a:tr>
+              <a:tr h="209550">
+                <a:tc>
+                  <a:txBody>
+                    <a:bodyPr/>
+                    <a:lstStyle/>
+                    <a:p>
+                      <a:pPr algn="l" fontAlgn="ctr"/>
+                      <a:r>
+                        <a:rPr lang="en-US" sz="1100" u="none" strike="noStrike">
+                          <a:effectLst/>
+                        </a:rPr>
+                        <a:t>B_ID</a:t>
+                      </a:r>
+                      <a:endParaRPr lang="en-US" sz="1100" b="1" i="0" u="none" strike="noStrike">
+                        <a:solidFill>
+                          <a:srgbClr val="000000"/>
+                        </a:solidFill>
+                        <a:effectLst/>
+                        <a:latin typeface="맑은 고딕" panose="020B0503020000020004" pitchFamily="50" charset="-127"/>
+                        <a:ea typeface="맑은 고딕" panose="020B0503020000020004" pitchFamily="50" charset="-127"/>
+                      </a:endParaRPr>
+                    </a:p>
+                  </a:txBody>
+                  <a:tcPr marL="9525" marR="9525" marT="9525" marB="0" anchor="ctr"/>
+                </a:tc>
+                <a:tc>
+                  <a:txBody>
+                    <a:bodyPr/>
+                    <a:lstStyle/>
+                    <a:p>
+                      <a:pPr algn="l" fontAlgn="ctr"/>
+                      <a:r>
+                        <a:rPr lang="en-US" sz="1100" u="none" strike="noStrike">
+                          <a:effectLst/>
+                        </a:rPr>
+                        <a:t>PK</a:t>
+                      </a:r>
+                      <a:endParaRPr lang="en-US" sz="1100" b="1" i="0" u="none" strike="noStrike">
+                        <a:solidFill>
+                          <a:srgbClr val="000000"/>
+                        </a:solidFill>
+                        <a:effectLst/>
+                        <a:latin typeface="맑은 고딕" panose="020B0503020000020004" pitchFamily="50" charset="-127"/>
+                        <a:ea typeface="맑은 고딕" panose="020B0503020000020004" pitchFamily="50" charset="-127"/>
+                      </a:endParaRPr>
+                    </a:p>
+                  </a:txBody>
+                  <a:tcPr marL="9525" marR="9525" marT="9525" marB="0" anchor="ctr"/>
+                </a:tc>
+                <a:tc>
+                  <a:txBody>
+                    <a:bodyPr/>
+                    <a:lstStyle/>
+                    <a:p>
+                      <a:pPr algn="l" fontAlgn="ctr"/>
+                      <a:r>
+                        <a:rPr lang="en-US" sz="1100" u="none" strike="noStrike">
+                          <a:effectLst/>
+                        </a:rPr>
+                        <a:t>varchar2</a:t>
+                      </a:r>
+                      <a:endParaRPr lang="en-US" sz="1100" b="1" i="0" u="none" strike="noStrike">
+                        <a:solidFill>
+                          <a:srgbClr val="000000"/>
+                        </a:solidFill>
+                        <a:effectLst/>
+                        <a:latin typeface="맑은 고딕" panose="020B0503020000020004" pitchFamily="50" charset="-127"/>
+                        <a:ea typeface="맑은 고딕" panose="020B0503020000020004" pitchFamily="50" charset="-127"/>
+                      </a:endParaRPr>
+                    </a:p>
+                  </a:txBody>
+                  <a:tcPr marL="9525" marR="9525" marT="9525" marB="0" anchor="ctr"/>
+                </a:tc>
+              </a:tr>
+              <a:tr h="209550">
+                <a:tc>
+                  <a:txBody>
+                    <a:bodyPr/>
+                    <a:lstStyle/>
+                    <a:p>
+                      <a:pPr algn="l" fontAlgn="ctr"/>
+                      <a:r>
+                        <a:rPr lang="en-US" sz="1100" u="none" strike="noStrike">
+                          <a:effectLst/>
+                        </a:rPr>
+                        <a:t>W_ID</a:t>
+                      </a:r>
+                      <a:endParaRPr lang="en-US" sz="1100" b="1" i="0" u="none" strike="noStrike">
+                        <a:solidFill>
+                          <a:srgbClr val="000000"/>
+                        </a:solidFill>
+                        <a:effectLst/>
+                        <a:latin typeface="맑은 고딕" panose="020B0503020000020004" pitchFamily="50" charset="-127"/>
+                        <a:ea typeface="맑은 고딕" panose="020B0503020000020004" pitchFamily="50" charset="-127"/>
+                      </a:endParaRPr>
+                    </a:p>
+                  </a:txBody>
+                  <a:tcPr marL="9525" marR="9525" marT="9525" marB="0" anchor="ctr"/>
+                </a:tc>
+                <a:tc>
+                  <a:txBody>
+                    <a:bodyPr/>
+                    <a:lstStyle/>
+                    <a:p>
+                      <a:pPr algn="l" fontAlgn="ctr"/>
+                      <a:r>
+                        <a:rPr lang="en-US" sz="1100" u="none" strike="noStrike">
+                          <a:effectLst/>
+                        </a:rPr>
+                        <a:t>FK</a:t>
+                      </a:r>
+                      <a:endParaRPr lang="en-US" sz="1100" b="1" i="0" u="none" strike="noStrike">
+                        <a:solidFill>
+                          <a:srgbClr val="000000"/>
+                        </a:solidFill>
+                        <a:effectLst/>
+                        <a:latin typeface="맑은 고딕" panose="020B0503020000020004" pitchFamily="50" charset="-127"/>
+                        <a:ea typeface="맑은 고딕" panose="020B0503020000020004" pitchFamily="50" charset="-127"/>
+                      </a:endParaRPr>
+                    </a:p>
+                  </a:txBody>
+                  <a:tcPr marL="9525" marR="9525" marT="9525" marB="0" anchor="ctr"/>
+                </a:tc>
+                <a:tc>
+                  <a:txBody>
+                    <a:bodyPr/>
+                    <a:lstStyle/>
+                    <a:p>
+                      <a:pPr algn="l" fontAlgn="ctr"/>
+                      <a:r>
+                        <a:rPr lang="en-US" sz="1100" u="none" strike="noStrike">
+                          <a:effectLst/>
+                        </a:rPr>
+                        <a:t>varchar2</a:t>
+                      </a:r>
+                      <a:endParaRPr lang="en-US" sz="1100" b="1" i="0" u="none" strike="noStrike">
+                        <a:solidFill>
+                          <a:srgbClr val="000000"/>
+                        </a:solidFill>
+                        <a:effectLst/>
+                        <a:latin typeface="맑은 고딕" panose="020B0503020000020004" pitchFamily="50" charset="-127"/>
+                        <a:ea typeface="맑은 고딕" panose="020B0503020000020004" pitchFamily="50" charset="-127"/>
+                      </a:endParaRPr>
+                    </a:p>
+                  </a:txBody>
+                  <a:tcPr marL="9525" marR="9525" marT="9525" marB="0" anchor="ctr"/>
+                </a:tc>
+              </a:tr>
+              <a:tr h="209550">
+                <a:tc>
+                  <a:txBody>
+                    <a:bodyPr/>
+                    <a:lstStyle/>
+                    <a:p>
+                      <a:pPr algn="l" fontAlgn="ctr"/>
+                      <a:r>
+                        <a:rPr lang="en-US" sz="1100" u="none" strike="noStrike" dirty="0">
+                          <a:effectLst/>
+                        </a:rPr>
+                        <a:t>B_PRICE</a:t>
+                      </a:r>
+                      <a:endParaRPr lang="en-US" sz="1100" b="0" i="0" u="none" strike="noStrike" dirty="0">
+                        <a:solidFill>
+                          <a:srgbClr val="000000"/>
+                        </a:solidFill>
+                        <a:effectLst/>
+                        <a:latin typeface="맑은 고딕" panose="020B0503020000020004" pitchFamily="50" charset="-127"/>
+                        <a:ea typeface="맑은 고딕" panose="020B0503020000020004" pitchFamily="50" charset="-127"/>
+                      </a:endParaRPr>
+                    </a:p>
+                  </a:txBody>
+                  <a:tcPr marL="9525" marR="9525" marT="9525" marB="0" anchor="ctr"/>
+                </a:tc>
+                <a:tc>
+                  <a:txBody>
+                    <a:bodyPr/>
+                    <a:lstStyle/>
+                    <a:p>
+                      <a:pPr algn="l" fontAlgn="ctr"/>
+                      <a:r>
+                        <a:rPr lang="ko-KR" altLang="en-US" sz="1100" u="none" strike="noStrike" dirty="0">
+                          <a:effectLst/>
+                        </a:rPr>
+                        <a:t>　</a:t>
+                      </a:r>
+                      <a:endParaRPr lang="ko-KR" altLang="en-US" sz="1100" b="0" i="0" u="none" strike="noStrike" dirty="0">
+                        <a:solidFill>
+                          <a:srgbClr val="000000"/>
+                        </a:solidFill>
+                        <a:effectLst/>
+                        <a:latin typeface="맑은 고딕" panose="020B0503020000020004" pitchFamily="50" charset="-127"/>
+                        <a:ea typeface="맑은 고딕" panose="020B0503020000020004" pitchFamily="50" charset="-127"/>
+                      </a:endParaRPr>
+                    </a:p>
+                  </a:txBody>
+                  <a:tcPr marL="9525" marR="9525" marT="9525" marB="0" anchor="ctr"/>
+                </a:tc>
+                <a:tc>
+                  <a:txBody>
+                    <a:bodyPr/>
+                    <a:lstStyle/>
+                    <a:p>
+                      <a:pPr algn="l" fontAlgn="ctr"/>
+                      <a:r>
+                        <a:rPr lang="en-US" sz="1100" u="none" strike="noStrike">
+                          <a:effectLst/>
+                        </a:rPr>
+                        <a:t>number</a:t>
+                      </a:r>
+                      <a:endParaRPr lang="en-US" sz="1100" b="0" i="0" u="none" strike="noStrike">
+                        <a:solidFill>
+                          <a:srgbClr val="000000"/>
+                        </a:solidFill>
+                        <a:effectLst/>
+                        <a:latin typeface="맑은 고딕" panose="020B0503020000020004" pitchFamily="50" charset="-127"/>
+                        <a:ea typeface="맑은 고딕" panose="020B0503020000020004" pitchFamily="50" charset="-127"/>
+                      </a:endParaRPr>
+                    </a:p>
+                  </a:txBody>
+                  <a:tcPr marL="9525" marR="9525" marT="9525" marB="0" anchor="ctr"/>
+                </a:tc>
+              </a:tr>
+              <a:tr h="209550">
+                <a:tc>
+                  <a:txBody>
+                    <a:bodyPr/>
+                    <a:lstStyle/>
+                    <a:p>
+                      <a:pPr algn="l" fontAlgn="ctr"/>
+                      <a:r>
+                        <a:rPr lang="en-US" sz="1100" u="none" strike="noStrike">
+                          <a:effectLst/>
+                        </a:rPr>
+                        <a:t>B_NAME</a:t>
+                      </a:r>
+                      <a:endParaRPr lang="en-US" sz="1100" b="0" i="0" u="none" strike="noStrike">
+                        <a:solidFill>
+                          <a:srgbClr val="000000"/>
+                        </a:solidFill>
+                        <a:effectLst/>
+                        <a:latin typeface="맑은 고딕" panose="020B0503020000020004" pitchFamily="50" charset="-127"/>
+                        <a:ea typeface="맑은 고딕" panose="020B0503020000020004" pitchFamily="50" charset="-127"/>
+                      </a:endParaRPr>
+                    </a:p>
+                  </a:txBody>
+                  <a:tcPr marL="9525" marR="9525" marT="9525" marB="0" anchor="ctr"/>
+                </a:tc>
+                <a:tc>
+                  <a:txBody>
+                    <a:bodyPr/>
+                    <a:lstStyle/>
+                    <a:p>
+                      <a:pPr algn="l" fontAlgn="ctr"/>
+                      <a:r>
+                        <a:rPr lang="ko-KR" altLang="en-US" sz="1100" u="none" strike="noStrike">
+                          <a:effectLst/>
+                        </a:rPr>
+                        <a:t>　</a:t>
+                      </a:r>
+                      <a:endParaRPr lang="ko-KR" altLang="en-US" sz="1100" b="0" i="0" u="none" strike="noStrike">
+                        <a:solidFill>
+                          <a:srgbClr val="000000"/>
+                        </a:solidFill>
+                        <a:effectLst/>
+                        <a:latin typeface="맑은 고딕" panose="020B0503020000020004" pitchFamily="50" charset="-127"/>
+                        <a:ea typeface="맑은 고딕" panose="020B0503020000020004" pitchFamily="50" charset="-127"/>
+                      </a:endParaRPr>
+                    </a:p>
+                  </a:txBody>
+                  <a:tcPr marL="9525" marR="9525" marT="9525" marB="0" anchor="ctr"/>
+                </a:tc>
+                <a:tc>
+                  <a:txBody>
+                    <a:bodyPr/>
+                    <a:lstStyle/>
+                    <a:p>
+                      <a:pPr algn="l" fontAlgn="ctr"/>
+                      <a:r>
+                        <a:rPr lang="en-US" sz="1100" u="none" strike="noStrike">
+                          <a:effectLst/>
+                        </a:rPr>
+                        <a:t>varchar2</a:t>
+                      </a:r>
+                      <a:endParaRPr lang="en-US" sz="1100" b="0" i="0" u="none" strike="noStrike">
+                        <a:solidFill>
+                          <a:srgbClr val="000000"/>
+                        </a:solidFill>
+                        <a:effectLst/>
+                        <a:latin typeface="맑은 고딕" panose="020B0503020000020004" pitchFamily="50" charset="-127"/>
+                        <a:ea typeface="맑은 고딕" panose="020B0503020000020004" pitchFamily="50" charset="-127"/>
+                      </a:endParaRPr>
+                    </a:p>
+                  </a:txBody>
+                  <a:tcPr marL="9525" marR="9525" marT="9525" marB="0" anchor="ctr"/>
+                </a:tc>
+              </a:tr>
+              <a:tr h="209550">
+                <a:tc>
+                  <a:txBody>
+                    <a:bodyPr/>
+                    <a:lstStyle/>
+                    <a:p>
+                      <a:pPr algn="l" fontAlgn="ctr"/>
+                      <a:r>
+                        <a:rPr lang="en-US" sz="1100" u="none" strike="noStrike" dirty="0">
+                          <a:effectLst/>
+                        </a:rPr>
+                        <a:t>B_GENRE</a:t>
+                      </a:r>
+                      <a:endParaRPr lang="en-US" sz="1100" b="0" i="0" u="none" strike="noStrike" dirty="0">
+                        <a:solidFill>
+                          <a:srgbClr val="000000"/>
+                        </a:solidFill>
+                        <a:effectLst/>
+                        <a:latin typeface="맑은 고딕" panose="020B0503020000020004" pitchFamily="50" charset="-127"/>
+                        <a:ea typeface="맑은 고딕" panose="020B0503020000020004" pitchFamily="50" charset="-127"/>
+                      </a:endParaRPr>
+                    </a:p>
+                  </a:txBody>
+                  <a:tcPr marL="9525" marR="9525" marT="9525" marB="0" anchor="ctr"/>
+                </a:tc>
+                <a:tc>
+                  <a:txBody>
+                    <a:bodyPr/>
+                    <a:lstStyle/>
+                    <a:p>
+                      <a:pPr algn="l" fontAlgn="ctr"/>
+                      <a:r>
+                        <a:rPr lang="ko-KR" altLang="en-US" sz="1100" u="none" strike="noStrike">
+                          <a:effectLst/>
+                        </a:rPr>
+                        <a:t>　</a:t>
+                      </a:r>
+                      <a:endParaRPr lang="ko-KR" altLang="en-US" sz="1100" b="0" i="0" u="none" strike="noStrike">
+                        <a:solidFill>
+                          <a:srgbClr val="000000"/>
+                        </a:solidFill>
+                        <a:effectLst/>
+                        <a:latin typeface="맑은 고딕" panose="020B0503020000020004" pitchFamily="50" charset="-127"/>
+                        <a:ea typeface="맑은 고딕" panose="020B0503020000020004" pitchFamily="50" charset="-127"/>
+                      </a:endParaRPr>
+                    </a:p>
+                  </a:txBody>
+                  <a:tcPr marL="9525" marR="9525" marT="9525" marB="0" anchor="ctr"/>
+                </a:tc>
+                <a:tc>
+                  <a:txBody>
+                    <a:bodyPr/>
+                    <a:lstStyle/>
+                    <a:p>
+                      <a:pPr algn="l" fontAlgn="ctr"/>
+                      <a:r>
+                        <a:rPr lang="en-US" sz="1100" u="none" strike="noStrike">
+                          <a:effectLst/>
+                        </a:rPr>
+                        <a:t>varchar2</a:t>
+                      </a:r>
+                      <a:endParaRPr lang="en-US" sz="1100" b="0" i="0" u="none" strike="noStrike">
+                        <a:solidFill>
+                          <a:srgbClr val="000000"/>
+                        </a:solidFill>
+                        <a:effectLst/>
+                        <a:latin typeface="맑은 고딕" panose="020B0503020000020004" pitchFamily="50" charset="-127"/>
+                        <a:ea typeface="맑은 고딕" panose="020B0503020000020004" pitchFamily="50" charset="-127"/>
+                      </a:endParaRPr>
+                    </a:p>
+                  </a:txBody>
+                  <a:tcPr marL="9525" marR="9525" marT="9525" marB="0" anchor="ctr"/>
+                </a:tc>
+              </a:tr>
+              <a:tr h="209550">
+                <a:tc>
+                  <a:txBody>
+                    <a:bodyPr/>
+                    <a:lstStyle/>
+                    <a:p>
+                      <a:pPr algn="l" fontAlgn="ctr"/>
+                      <a:r>
+                        <a:rPr lang="en-US" sz="1100" u="none" strike="noStrike">
+                          <a:effectLst/>
+                        </a:rPr>
+                        <a:t>B_STORY</a:t>
+                      </a:r>
+                      <a:endParaRPr lang="en-US" sz="1100" b="0" i="0" u="none" strike="noStrike">
+                        <a:solidFill>
+                          <a:srgbClr val="000000"/>
+                        </a:solidFill>
+                        <a:effectLst/>
+                        <a:latin typeface="맑은 고딕" panose="020B0503020000020004" pitchFamily="50" charset="-127"/>
+                        <a:ea typeface="맑은 고딕" panose="020B0503020000020004" pitchFamily="50" charset="-127"/>
+                      </a:endParaRPr>
+                    </a:p>
+                  </a:txBody>
+                  <a:tcPr marL="9525" marR="9525" marT="9525" marB="0" anchor="ctr"/>
+                </a:tc>
+                <a:tc>
+                  <a:txBody>
+                    <a:bodyPr/>
+                    <a:lstStyle/>
+                    <a:p>
+                      <a:pPr algn="l" fontAlgn="ctr"/>
+                      <a:r>
+                        <a:rPr lang="ko-KR" altLang="en-US" sz="1100" u="none" strike="noStrike">
+                          <a:effectLst/>
+                        </a:rPr>
+                        <a:t>　</a:t>
+                      </a:r>
+                      <a:endParaRPr lang="ko-KR" altLang="en-US" sz="1100" b="0" i="0" u="none" strike="noStrike">
+                        <a:solidFill>
+                          <a:srgbClr val="000000"/>
+                        </a:solidFill>
+                        <a:effectLst/>
+                        <a:latin typeface="맑은 고딕" panose="020B0503020000020004" pitchFamily="50" charset="-127"/>
+                        <a:ea typeface="맑은 고딕" panose="020B0503020000020004" pitchFamily="50" charset="-127"/>
+                      </a:endParaRPr>
+                    </a:p>
+                  </a:txBody>
+                  <a:tcPr marL="9525" marR="9525" marT="9525" marB="0" anchor="ctr"/>
+                </a:tc>
+                <a:tc>
+                  <a:txBody>
+                    <a:bodyPr/>
+                    <a:lstStyle/>
+                    <a:p>
+                      <a:pPr algn="l" fontAlgn="ctr"/>
+                      <a:r>
+                        <a:rPr lang="en-US" sz="1100" u="none" strike="noStrike">
+                          <a:effectLst/>
+                        </a:rPr>
+                        <a:t>varchar2</a:t>
+                      </a:r>
+                      <a:endParaRPr lang="en-US" sz="1100" b="0" i="0" u="none" strike="noStrike">
+                        <a:solidFill>
+                          <a:srgbClr val="000000"/>
+                        </a:solidFill>
+                        <a:effectLst/>
+                        <a:latin typeface="맑은 고딕" panose="020B0503020000020004" pitchFamily="50" charset="-127"/>
+                        <a:ea typeface="맑은 고딕" panose="020B0503020000020004" pitchFamily="50" charset="-127"/>
+                      </a:endParaRPr>
+                    </a:p>
+                  </a:txBody>
+                  <a:tcPr marL="9525" marR="9525" marT="9525" marB="0" anchor="ctr"/>
+                </a:tc>
+              </a:tr>
+              <a:tr h="209550">
+                <a:tc>
+                  <a:txBody>
+                    <a:bodyPr/>
+                    <a:lstStyle/>
+                    <a:p>
+                      <a:pPr algn="l" fontAlgn="ctr"/>
+                      <a:r>
+                        <a:rPr lang="en-US" sz="1100" u="none" strike="noStrike">
+                          <a:effectLst/>
+                        </a:rPr>
+                        <a:t>B_PDATE</a:t>
+                      </a:r>
+                      <a:endParaRPr lang="en-US" sz="1100" b="0" i="0" u="none" strike="noStrike">
+                        <a:solidFill>
+                          <a:srgbClr val="000000"/>
+                        </a:solidFill>
+                        <a:effectLst/>
+                        <a:latin typeface="맑은 고딕" panose="020B0503020000020004" pitchFamily="50" charset="-127"/>
+                        <a:ea typeface="맑은 고딕" panose="020B0503020000020004" pitchFamily="50" charset="-127"/>
+                      </a:endParaRPr>
+                    </a:p>
+                  </a:txBody>
+                  <a:tcPr marL="9525" marR="9525" marT="9525" marB="0" anchor="ctr"/>
+                </a:tc>
+                <a:tc>
+                  <a:txBody>
+                    <a:bodyPr/>
+                    <a:lstStyle/>
+                    <a:p>
+                      <a:pPr algn="l" fontAlgn="ctr"/>
+                      <a:r>
+                        <a:rPr lang="ko-KR" altLang="en-US" sz="1100" u="none" strike="noStrike">
+                          <a:effectLst/>
+                        </a:rPr>
+                        <a:t>　</a:t>
+                      </a:r>
+                      <a:endParaRPr lang="ko-KR" altLang="en-US" sz="1100" b="0" i="0" u="none" strike="noStrike">
+                        <a:solidFill>
+                          <a:srgbClr val="000000"/>
+                        </a:solidFill>
+                        <a:effectLst/>
+                        <a:latin typeface="맑은 고딕" panose="020B0503020000020004" pitchFamily="50" charset="-127"/>
+                        <a:ea typeface="맑은 고딕" panose="020B0503020000020004" pitchFamily="50" charset="-127"/>
+                      </a:endParaRPr>
+                    </a:p>
+                  </a:txBody>
+                  <a:tcPr marL="9525" marR="9525" marT="9525" marB="0" anchor="ctr"/>
+                </a:tc>
+                <a:tc>
+                  <a:txBody>
+                    <a:bodyPr/>
+                    <a:lstStyle/>
+                    <a:p>
+                      <a:pPr algn="l" fontAlgn="ctr"/>
+                      <a:r>
+                        <a:rPr lang="en-US" sz="1100" u="none" strike="noStrike" dirty="0">
+                          <a:effectLst/>
+                        </a:rPr>
+                        <a:t>date</a:t>
+                      </a:r>
+                      <a:endParaRPr lang="en-US" sz="1100" b="0" i="0" u="none" strike="noStrike" dirty="0">
+                        <a:solidFill>
+                          <a:srgbClr val="000000"/>
+                        </a:solidFill>
+                        <a:effectLst/>
+                        <a:latin typeface="맑은 고딕" panose="020B0503020000020004" pitchFamily="50" charset="-127"/>
+                        <a:ea typeface="맑은 고딕" panose="020B0503020000020004" pitchFamily="50" charset="-127"/>
+                      </a:endParaRPr>
+                    </a:p>
+                  </a:txBody>
+                  <a:tcPr marL="9525" marR="9525" marT="9525" marB="0" anchor="ctr"/>
+                </a:tc>
+              </a:tr>
+            </a:tbl>
+          </a:graphicData>
+        </a:graphic>
+      </p:graphicFrame>
+      <p:graphicFrame>
+        <p:nvGraphicFramePr>
+          <p:cNvPr id="35" name="표 34"/>
+          <p:cNvGraphicFramePr>
+            <a:graphicFrameLocks noGrp="1"/>
+          </p:cNvGraphicFramePr>
+          <p:nvPr>
+            <p:extLst>
+              <p:ext uri="{D42A27DB-BD31-4B8C-83A1-F6EECF244321}">
+                <p14:modId xmlns:p14="http://schemas.microsoft.com/office/powerpoint/2010/main" val="4157954266"/>
+              </p:ext>
+            </p:extLst>
+          </p:nvPr>
+        </p:nvGraphicFramePr>
+        <p:xfrm>
+          <a:off x="3326363" y="2471605"/>
+          <a:ext cx="2374900" cy="1047750"/>
+        </p:xfrm>
+        <a:graphic>
+          <a:graphicData uri="http://schemas.openxmlformats.org/drawingml/2006/table">
+            <a:tbl>
+              <a:tblPr>
+                <a:tableStyleId>{5C22544A-7EE6-4342-B048-85BDC9FD1C3A}</a:tableStyleId>
+              </a:tblPr>
+              <a:tblGrid>
+                <a:gridCol w="1001464"/>
+                <a:gridCol w="686718"/>
+                <a:gridCol w="686718"/>
+              </a:tblGrid>
+              <a:tr h="209550">
+                <a:tc gridSpan="3">
+                  <a:txBody>
+                    <a:bodyPr/>
+                    <a:lstStyle/>
+                    <a:p>
+                      <a:pPr algn="ctr" fontAlgn="ctr"/>
+                      <a:r>
+                        <a:rPr lang="en-US" sz="1100" u="none" strike="noStrike" dirty="0">
+                          <a:effectLst/>
+                        </a:rPr>
+                        <a:t>BOOK_SALE</a:t>
+                      </a:r>
+                      <a:endParaRPr lang="en-US" sz="1100" b="1" i="0" u="none" strike="noStrike" dirty="0">
+                        <a:solidFill>
+                          <a:srgbClr val="FFFFFF"/>
+                        </a:solidFill>
+                        <a:effectLst/>
+                        <a:latin typeface="맑은 고딕" panose="020B0503020000020004" pitchFamily="50" charset="-127"/>
+                        <a:ea typeface="맑은 고딕" panose="020B0503020000020004" pitchFamily="50" charset="-127"/>
+                      </a:endParaRPr>
+                    </a:p>
+                  </a:txBody>
+                  <a:tcPr marL="9525" marR="9525" marT="9525" marB="0" anchor="ctr">
+                    <a:solidFill>
+                      <a:srgbClr val="00B0F0"/>
+                    </a:solidFill>
+                  </a:tcPr>
+                </a:tc>
+                <a:tc hMerge="1">
+                  <a:txBody>
+                    <a:bodyPr/>
+                    <a:lstStyle/>
+                    <a:p>
+                      <a:pPr latinLnBrk="1"/>
+                      <a:endParaRPr lang="ko-KR" altLang="en-US"/>
+                    </a:p>
+                  </a:txBody>
+                  <a:tcPr/>
+                </a:tc>
+                <a:tc hMerge="1">
+                  <a:txBody>
+                    <a:bodyPr/>
+                    <a:lstStyle/>
+                    <a:p>
+                      <a:pPr latinLnBrk="1"/>
+                      <a:endParaRPr lang="ko-KR" altLang="en-US"/>
+                    </a:p>
+                  </a:txBody>
+                  <a:tcPr/>
+                </a:tc>
+              </a:tr>
+              <a:tr h="209550">
+                <a:tc>
+                  <a:txBody>
+                    <a:bodyPr/>
+                    <a:lstStyle/>
+                    <a:p>
+                      <a:pPr algn="l" fontAlgn="ctr"/>
+                      <a:r>
+                        <a:rPr lang="en-US" sz="1100" u="none" strike="noStrike">
+                          <a:effectLst/>
+                        </a:rPr>
+                        <a:t>BS_ID</a:t>
+                      </a:r>
+                      <a:endParaRPr lang="en-US" sz="1100" b="1" i="0" u="none" strike="noStrike">
+                        <a:solidFill>
+                          <a:srgbClr val="000000"/>
+                        </a:solidFill>
+                        <a:effectLst/>
+                        <a:latin typeface="맑은 고딕" panose="020B0503020000020004" pitchFamily="50" charset="-127"/>
+                        <a:ea typeface="맑은 고딕" panose="020B0503020000020004" pitchFamily="50" charset="-127"/>
+                      </a:endParaRPr>
+                    </a:p>
+                  </a:txBody>
+                  <a:tcPr marL="9525" marR="9525" marT="9525" marB="0" anchor="ctr"/>
+                </a:tc>
+                <a:tc>
+                  <a:txBody>
+                    <a:bodyPr/>
+                    <a:lstStyle/>
+                    <a:p>
+                      <a:pPr algn="l" fontAlgn="ctr"/>
+                      <a:r>
+                        <a:rPr lang="en-US" sz="1100" u="none" strike="noStrike" dirty="0">
+                          <a:effectLst/>
+                        </a:rPr>
+                        <a:t>PK</a:t>
+                      </a:r>
+                      <a:endParaRPr lang="en-US" sz="1100" b="1" i="0" u="none" strike="noStrike" dirty="0">
+                        <a:solidFill>
+                          <a:srgbClr val="000000"/>
+                        </a:solidFill>
+                        <a:effectLst/>
+                        <a:latin typeface="맑은 고딕" panose="020B0503020000020004" pitchFamily="50" charset="-127"/>
+                        <a:ea typeface="맑은 고딕" panose="020B0503020000020004" pitchFamily="50" charset="-127"/>
+                      </a:endParaRPr>
+                    </a:p>
+                  </a:txBody>
+                  <a:tcPr marL="9525" marR="9525" marT="9525" marB="0" anchor="ctr"/>
+                </a:tc>
+                <a:tc>
+                  <a:txBody>
+                    <a:bodyPr/>
+                    <a:lstStyle/>
+                    <a:p>
+                      <a:pPr algn="l" fontAlgn="ctr"/>
+                      <a:r>
+                        <a:rPr lang="en-US" sz="1100" u="none" strike="noStrike">
+                          <a:effectLst/>
+                        </a:rPr>
+                        <a:t>varchar2</a:t>
+                      </a:r>
+                      <a:endParaRPr lang="en-US" sz="1100" b="1" i="0" u="none" strike="noStrike">
+                        <a:solidFill>
+                          <a:srgbClr val="000000"/>
+                        </a:solidFill>
+                        <a:effectLst/>
+                        <a:latin typeface="맑은 고딕" panose="020B0503020000020004" pitchFamily="50" charset="-127"/>
+                        <a:ea typeface="맑은 고딕" panose="020B0503020000020004" pitchFamily="50" charset="-127"/>
+                      </a:endParaRPr>
+                    </a:p>
+                  </a:txBody>
+                  <a:tcPr marL="9525" marR="9525" marT="9525" marB="0" anchor="ctr"/>
+                </a:tc>
+              </a:tr>
+              <a:tr h="209550">
+                <a:tc>
+                  <a:txBody>
+                    <a:bodyPr/>
+                    <a:lstStyle/>
+                    <a:p>
+                      <a:pPr algn="l" fontAlgn="ctr"/>
+                      <a:r>
+                        <a:rPr lang="en-US" sz="1100" u="none" strike="noStrike">
+                          <a:effectLst/>
+                        </a:rPr>
+                        <a:t>B_ID</a:t>
+                      </a:r>
+                      <a:endParaRPr lang="en-US" sz="1100" b="1" i="0" u="none" strike="noStrike">
+                        <a:solidFill>
+                          <a:srgbClr val="000000"/>
+                        </a:solidFill>
+                        <a:effectLst/>
+                        <a:latin typeface="맑은 고딕" panose="020B0503020000020004" pitchFamily="50" charset="-127"/>
+                        <a:ea typeface="맑은 고딕" panose="020B0503020000020004" pitchFamily="50" charset="-127"/>
+                      </a:endParaRPr>
+                    </a:p>
+                  </a:txBody>
+                  <a:tcPr marL="9525" marR="9525" marT="9525" marB="0" anchor="ctr"/>
+                </a:tc>
+                <a:tc>
+                  <a:txBody>
+                    <a:bodyPr/>
+                    <a:lstStyle/>
+                    <a:p>
+                      <a:pPr algn="l" fontAlgn="ctr"/>
+                      <a:r>
+                        <a:rPr lang="en-US" sz="1100" u="none" strike="noStrike" dirty="0">
+                          <a:effectLst/>
+                        </a:rPr>
+                        <a:t>FK</a:t>
+                      </a:r>
+                      <a:endParaRPr lang="en-US" sz="1100" b="1" i="0" u="none" strike="noStrike" dirty="0">
+                        <a:solidFill>
+                          <a:srgbClr val="000000"/>
+                        </a:solidFill>
+                        <a:effectLst/>
+                        <a:latin typeface="맑은 고딕" panose="020B0503020000020004" pitchFamily="50" charset="-127"/>
+                        <a:ea typeface="맑은 고딕" panose="020B0503020000020004" pitchFamily="50" charset="-127"/>
+                      </a:endParaRPr>
+                    </a:p>
+                  </a:txBody>
+                  <a:tcPr marL="9525" marR="9525" marT="9525" marB="0" anchor="ctr"/>
+                </a:tc>
+                <a:tc>
+                  <a:txBody>
+                    <a:bodyPr/>
+                    <a:lstStyle/>
+                    <a:p>
+                      <a:pPr algn="l" fontAlgn="ctr"/>
+                      <a:r>
+                        <a:rPr lang="en-US" sz="1100" u="none" strike="noStrike" dirty="0">
+                          <a:effectLst/>
+                        </a:rPr>
+                        <a:t>varchar2</a:t>
+                      </a:r>
+                      <a:endParaRPr lang="en-US" sz="1100" b="1" i="0" u="none" strike="noStrike" dirty="0">
+                        <a:solidFill>
+                          <a:srgbClr val="000000"/>
+                        </a:solidFill>
+                        <a:effectLst/>
+                        <a:latin typeface="맑은 고딕" panose="020B0503020000020004" pitchFamily="50" charset="-127"/>
+                        <a:ea typeface="맑은 고딕" panose="020B0503020000020004" pitchFamily="50" charset="-127"/>
+                      </a:endParaRPr>
+                    </a:p>
+                  </a:txBody>
+                  <a:tcPr marL="9525" marR="9525" marT="9525" marB="0" anchor="ctr"/>
+                </a:tc>
+              </a:tr>
+              <a:tr h="209550">
+                <a:tc>
+                  <a:txBody>
+                    <a:bodyPr/>
+                    <a:lstStyle/>
+                    <a:p>
+                      <a:pPr algn="l" fontAlgn="ctr"/>
+                      <a:r>
+                        <a:rPr lang="en-US" sz="1100" u="none" strike="noStrike">
+                          <a:effectLst/>
+                        </a:rPr>
+                        <a:t>S_ID</a:t>
+                      </a:r>
+                      <a:endParaRPr lang="en-US" sz="1100" b="1" i="0" u="none" strike="noStrike">
+                        <a:solidFill>
+                          <a:srgbClr val="000000"/>
+                        </a:solidFill>
+                        <a:effectLst/>
+                        <a:latin typeface="맑은 고딕" panose="020B0503020000020004" pitchFamily="50" charset="-127"/>
+                        <a:ea typeface="맑은 고딕" panose="020B0503020000020004" pitchFamily="50" charset="-127"/>
+                      </a:endParaRPr>
+                    </a:p>
+                  </a:txBody>
+                  <a:tcPr marL="9525" marR="9525" marT="9525" marB="0" anchor="ctr"/>
+                </a:tc>
+                <a:tc>
+                  <a:txBody>
+                    <a:bodyPr/>
+                    <a:lstStyle/>
+                    <a:p>
+                      <a:pPr algn="l" fontAlgn="ctr"/>
+                      <a:r>
+                        <a:rPr lang="en-US" sz="1100" u="none" strike="noStrike">
+                          <a:effectLst/>
+                        </a:rPr>
+                        <a:t>FK</a:t>
+                      </a:r>
+                      <a:endParaRPr lang="en-US" sz="1100" b="1" i="0" u="none" strike="noStrike">
+                        <a:solidFill>
+                          <a:srgbClr val="000000"/>
+                        </a:solidFill>
+                        <a:effectLst/>
+                        <a:latin typeface="맑은 고딕" panose="020B0503020000020004" pitchFamily="50" charset="-127"/>
+                        <a:ea typeface="맑은 고딕" panose="020B0503020000020004" pitchFamily="50" charset="-127"/>
+                      </a:endParaRPr>
+                    </a:p>
+                  </a:txBody>
+                  <a:tcPr marL="9525" marR="9525" marT="9525" marB="0" anchor="ctr"/>
+                </a:tc>
+                <a:tc>
+                  <a:txBody>
+                    <a:bodyPr/>
+                    <a:lstStyle/>
+                    <a:p>
+                      <a:pPr algn="l" fontAlgn="ctr"/>
+                      <a:r>
+                        <a:rPr lang="en-US" sz="1100" u="none" strike="noStrike">
+                          <a:effectLst/>
+                        </a:rPr>
+                        <a:t>varchar2</a:t>
+                      </a:r>
+                      <a:endParaRPr lang="en-US" sz="1100" b="1" i="0" u="none" strike="noStrike">
+                        <a:solidFill>
+                          <a:srgbClr val="000000"/>
+                        </a:solidFill>
+                        <a:effectLst/>
+                        <a:latin typeface="맑은 고딕" panose="020B0503020000020004" pitchFamily="50" charset="-127"/>
+                        <a:ea typeface="맑은 고딕" panose="020B0503020000020004" pitchFamily="50" charset="-127"/>
+                      </a:endParaRPr>
+                    </a:p>
+                  </a:txBody>
+                  <a:tcPr marL="9525" marR="9525" marT="9525" marB="0" anchor="ctr"/>
+                </a:tc>
+              </a:tr>
+              <a:tr h="209550">
+                <a:tc>
+                  <a:txBody>
+                    <a:bodyPr/>
+                    <a:lstStyle/>
+                    <a:p>
+                      <a:pPr algn="l" fontAlgn="ctr"/>
+                      <a:r>
+                        <a:rPr lang="en-US" sz="1100" u="none" strike="noStrike" dirty="0">
+                          <a:effectLst/>
+                        </a:rPr>
+                        <a:t>BS_PRICE</a:t>
+                      </a:r>
+                      <a:endParaRPr lang="en-US" sz="1100" b="0" i="0" u="none" strike="noStrike" dirty="0">
+                        <a:solidFill>
+                          <a:srgbClr val="000000"/>
+                        </a:solidFill>
+                        <a:effectLst/>
+                        <a:latin typeface="맑은 고딕" panose="020B0503020000020004" pitchFamily="50" charset="-127"/>
+                        <a:ea typeface="맑은 고딕" panose="020B0503020000020004" pitchFamily="50" charset="-127"/>
+                      </a:endParaRPr>
+                    </a:p>
+                  </a:txBody>
+                  <a:tcPr marL="9525" marR="9525" marT="9525" marB="0" anchor="ctr"/>
+                </a:tc>
+                <a:tc>
+                  <a:txBody>
+                    <a:bodyPr/>
+                    <a:lstStyle/>
+                    <a:p>
+                      <a:pPr algn="l" fontAlgn="ctr"/>
+                      <a:r>
+                        <a:rPr lang="ko-KR" altLang="en-US" sz="1100" u="none" strike="noStrike">
+                          <a:effectLst/>
+                        </a:rPr>
+                        <a:t>　</a:t>
+                      </a:r>
+                      <a:endParaRPr lang="ko-KR" altLang="en-US" sz="1100" b="0" i="0" u="none" strike="noStrike">
+                        <a:solidFill>
+                          <a:srgbClr val="000000"/>
+                        </a:solidFill>
+                        <a:effectLst/>
+                        <a:latin typeface="맑은 고딕" panose="020B0503020000020004" pitchFamily="50" charset="-127"/>
+                        <a:ea typeface="맑은 고딕" panose="020B0503020000020004" pitchFamily="50" charset="-127"/>
+                      </a:endParaRPr>
+                    </a:p>
+                  </a:txBody>
+                  <a:tcPr marL="9525" marR="9525" marT="9525" marB="0" anchor="ctr"/>
+                </a:tc>
+                <a:tc>
+                  <a:txBody>
+                    <a:bodyPr/>
+                    <a:lstStyle/>
+                    <a:p>
+                      <a:pPr algn="l" fontAlgn="ctr"/>
+                      <a:r>
+                        <a:rPr lang="en-US" sz="1100" u="none" strike="noStrike" dirty="0">
+                          <a:effectLst/>
+                        </a:rPr>
+                        <a:t>number</a:t>
+                      </a:r>
+                      <a:endParaRPr lang="en-US" sz="1100" b="0" i="0" u="none" strike="noStrike" dirty="0">
+                        <a:solidFill>
+                          <a:srgbClr val="000000"/>
+                        </a:solidFill>
+                        <a:effectLst/>
+                        <a:latin typeface="맑은 고딕" panose="020B0503020000020004" pitchFamily="50" charset="-127"/>
+                        <a:ea typeface="맑은 고딕" panose="020B0503020000020004" pitchFamily="50" charset="-127"/>
+                      </a:endParaRPr>
+                    </a:p>
+                  </a:txBody>
+                  <a:tcPr marL="9525" marR="9525" marT="9525" marB="0" anchor="ctr"/>
+                </a:tc>
+              </a:tr>
+            </a:tbl>
+          </a:graphicData>
+        </a:graphic>
+      </p:graphicFrame>
+      <p:graphicFrame>
+        <p:nvGraphicFramePr>
+          <p:cNvPr id="36" name="표 35"/>
+          <p:cNvGraphicFramePr>
+            <a:graphicFrameLocks noGrp="1"/>
+          </p:cNvGraphicFramePr>
+          <p:nvPr>
+            <p:extLst>
+              <p:ext uri="{D42A27DB-BD31-4B8C-83A1-F6EECF244321}">
+                <p14:modId xmlns:p14="http://schemas.microsoft.com/office/powerpoint/2010/main" val="4007353646"/>
+              </p:ext>
+            </p:extLst>
+          </p:nvPr>
+        </p:nvGraphicFramePr>
+        <p:xfrm>
+          <a:off x="347148" y="3381989"/>
+          <a:ext cx="2374900" cy="1257300"/>
+        </p:xfrm>
+        <a:graphic>
+          <a:graphicData uri="http://schemas.openxmlformats.org/drawingml/2006/table">
+            <a:tbl>
+              <a:tblPr>
+                <a:tableStyleId>{5C22544A-7EE6-4342-B048-85BDC9FD1C3A}</a:tableStyleId>
+              </a:tblPr>
+              <a:tblGrid>
+                <a:gridCol w="1001464"/>
+                <a:gridCol w="686718"/>
+                <a:gridCol w="686718"/>
+              </a:tblGrid>
+              <a:tr h="209550">
+                <a:tc gridSpan="3">
+                  <a:txBody>
+                    <a:bodyPr/>
+                    <a:lstStyle/>
+                    <a:p>
+                      <a:pPr algn="ctr" fontAlgn="ctr"/>
+                      <a:r>
+                        <a:rPr lang="en-US" sz="1100" u="none" strike="noStrike" dirty="0">
+                          <a:effectLst/>
+                        </a:rPr>
+                        <a:t>BOOK_RENT</a:t>
+                      </a:r>
+                      <a:endParaRPr lang="en-US" sz="1100" b="1" i="0" u="none" strike="noStrike" dirty="0">
+                        <a:solidFill>
+                          <a:srgbClr val="FFFFFF"/>
+                        </a:solidFill>
+                        <a:effectLst/>
+                        <a:latin typeface="맑은 고딕" panose="020B0503020000020004" pitchFamily="50" charset="-127"/>
+                        <a:ea typeface="맑은 고딕" panose="020B0503020000020004" pitchFamily="50" charset="-127"/>
+                      </a:endParaRPr>
+                    </a:p>
+                  </a:txBody>
+                  <a:tcPr marL="9525" marR="9525" marT="9525" marB="0" anchor="ctr">
+                    <a:solidFill>
+                      <a:srgbClr val="00B0F0"/>
+                    </a:solidFill>
+                  </a:tcPr>
+                </a:tc>
+                <a:tc hMerge="1">
+                  <a:txBody>
+                    <a:bodyPr/>
+                    <a:lstStyle/>
+                    <a:p>
+                      <a:pPr latinLnBrk="1"/>
+                      <a:endParaRPr lang="ko-KR" altLang="en-US"/>
+                    </a:p>
+                  </a:txBody>
+                  <a:tcPr/>
+                </a:tc>
+                <a:tc hMerge="1">
+                  <a:txBody>
+                    <a:bodyPr/>
+                    <a:lstStyle/>
+                    <a:p>
+                      <a:pPr latinLnBrk="1"/>
+                      <a:endParaRPr lang="ko-KR" altLang="en-US"/>
+                    </a:p>
+                  </a:txBody>
+                  <a:tcPr/>
+                </a:tc>
+              </a:tr>
+              <a:tr h="209550">
+                <a:tc>
+                  <a:txBody>
+                    <a:bodyPr/>
+                    <a:lstStyle/>
+                    <a:p>
+                      <a:pPr algn="l" fontAlgn="ctr"/>
+                      <a:r>
+                        <a:rPr lang="en-US" sz="1100" u="none" strike="noStrike">
+                          <a:effectLst/>
+                        </a:rPr>
+                        <a:t>BR_ID</a:t>
+                      </a:r>
+                      <a:endParaRPr lang="en-US" sz="1100" b="1" i="0" u="none" strike="noStrike">
+                        <a:solidFill>
+                          <a:srgbClr val="000000"/>
+                        </a:solidFill>
+                        <a:effectLst/>
+                        <a:latin typeface="맑은 고딕" panose="020B0503020000020004" pitchFamily="50" charset="-127"/>
+                        <a:ea typeface="맑은 고딕" panose="020B0503020000020004" pitchFamily="50" charset="-127"/>
+                      </a:endParaRPr>
+                    </a:p>
+                  </a:txBody>
+                  <a:tcPr marL="9525" marR="9525" marT="9525" marB="0" anchor="ctr"/>
+                </a:tc>
+                <a:tc>
+                  <a:txBody>
+                    <a:bodyPr/>
+                    <a:lstStyle/>
+                    <a:p>
+                      <a:pPr algn="l" fontAlgn="ctr"/>
+                      <a:r>
+                        <a:rPr lang="en-US" sz="1100" u="none" strike="noStrike" dirty="0">
+                          <a:effectLst/>
+                        </a:rPr>
+                        <a:t>PK</a:t>
+                      </a:r>
+                      <a:endParaRPr lang="en-US" sz="1100" b="1" i="0" u="none" strike="noStrike" dirty="0">
+                        <a:solidFill>
+                          <a:srgbClr val="000000"/>
+                        </a:solidFill>
+                        <a:effectLst/>
+                        <a:latin typeface="맑은 고딕" panose="020B0503020000020004" pitchFamily="50" charset="-127"/>
+                        <a:ea typeface="맑은 고딕" panose="020B0503020000020004" pitchFamily="50" charset="-127"/>
+                      </a:endParaRPr>
+                    </a:p>
+                  </a:txBody>
+                  <a:tcPr marL="9525" marR="9525" marT="9525" marB="0" anchor="ctr"/>
+                </a:tc>
+                <a:tc>
+                  <a:txBody>
+                    <a:bodyPr/>
+                    <a:lstStyle/>
+                    <a:p>
+                      <a:pPr algn="l" fontAlgn="ctr"/>
+                      <a:r>
+                        <a:rPr lang="en-US" sz="1100" u="none" strike="noStrike">
+                          <a:effectLst/>
+                        </a:rPr>
+                        <a:t>varchar2</a:t>
+                      </a:r>
+                      <a:endParaRPr lang="en-US" sz="1100" b="1" i="0" u="none" strike="noStrike">
+                        <a:solidFill>
+                          <a:srgbClr val="000000"/>
+                        </a:solidFill>
+                        <a:effectLst/>
+                        <a:latin typeface="맑은 고딕" panose="020B0503020000020004" pitchFamily="50" charset="-127"/>
+                        <a:ea typeface="맑은 고딕" panose="020B0503020000020004" pitchFamily="50" charset="-127"/>
+                      </a:endParaRPr>
+                    </a:p>
+                  </a:txBody>
+                  <a:tcPr marL="9525" marR="9525" marT="9525" marB="0" anchor="ctr"/>
+                </a:tc>
+              </a:tr>
+              <a:tr h="209550">
+                <a:tc>
+                  <a:txBody>
+                    <a:bodyPr/>
+                    <a:lstStyle/>
+                    <a:p>
+                      <a:pPr algn="l" fontAlgn="ctr"/>
+                      <a:r>
+                        <a:rPr lang="en-US" sz="1100" u="none" strike="noStrike" dirty="0">
+                          <a:effectLst/>
+                        </a:rPr>
+                        <a:t>B_ID</a:t>
+                      </a:r>
+                      <a:endParaRPr lang="en-US" sz="1100" b="1" i="0" u="none" strike="noStrike" dirty="0">
+                        <a:solidFill>
+                          <a:srgbClr val="000000"/>
+                        </a:solidFill>
+                        <a:effectLst/>
+                        <a:latin typeface="맑은 고딕" panose="020B0503020000020004" pitchFamily="50" charset="-127"/>
+                        <a:ea typeface="맑은 고딕" panose="020B0503020000020004" pitchFamily="50" charset="-127"/>
+                      </a:endParaRPr>
+                    </a:p>
+                  </a:txBody>
+                  <a:tcPr marL="9525" marR="9525" marT="9525" marB="0" anchor="ctr"/>
+                </a:tc>
+                <a:tc>
+                  <a:txBody>
+                    <a:bodyPr/>
+                    <a:lstStyle/>
+                    <a:p>
+                      <a:pPr algn="l" fontAlgn="ctr"/>
+                      <a:r>
+                        <a:rPr lang="en-US" sz="1100" u="none" strike="noStrike">
+                          <a:effectLst/>
+                        </a:rPr>
+                        <a:t>FK</a:t>
+                      </a:r>
+                      <a:endParaRPr lang="en-US" sz="1100" b="1" i="0" u="none" strike="noStrike">
+                        <a:solidFill>
+                          <a:srgbClr val="000000"/>
+                        </a:solidFill>
+                        <a:effectLst/>
+                        <a:latin typeface="맑은 고딕" panose="020B0503020000020004" pitchFamily="50" charset="-127"/>
+                        <a:ea typeface="맑은 고딕" panose="020B0503020000020004" pitchFamily="50" charset="-127"/>
+                      </a:endParaRPr>
+                    </a:p>
+                  </a:txBody>
+                  <a:tcPr marL="9525" marR="9525" marT="9525" marB="0" anchor="ctr"/>
+                </a:tc>
+                <a:tc>
+                  <a:txBody>
+                    <a:bodyPr/>
+                    <a:lstStyle/>
+                    <a:p>
+                      <a:pPr algn="l" fontAlgn="ctr"/>
+                      <a:r>
+                        <a:rPr lang="en-US" sz="1100" u="none" strike="noStrike">
+                          <a:effectLst/>
+                        </a:rPr>
+                        <a:t>varchar2</a:t>
+                      </a:r>
+                      <a:endParaRPr lang="en-US" sz="1100" b="1" i="0" u="none" strike="noStrike">
+                        <a:solidFill>
+                          <a:srgbClr val="000000"/>
+                        </a:solidFill>
+                        <a:effectLst/>
+                        <a:latin typeface="맑은 고딕" panose="020B0503020000020004" pitchFamily="50" charset="-127"/>
+                        <a:ea typeface="맑은 고딕" panose="020B0503020000020004" pitchFamily="50" charset="-127"/>
+                      </a:endParaRPr>
+                    </a:p>
+                  </a:txBody>
+                  <a:tcPr marL="9525" marR="9525" marT="9525" marB="0" anchor="ctr"/>
+                </a:tc>
+              </a:tr>
+              <a:tr h="209550">
+                <a:tc>
+                  <a:txBody>
+                    <a:bodyPr/>
+                    <a:lstStyle/>
+                    <a:p>
+                      <a:pPr algn="l" fontAlgn="ctr"/>
+                      <a:r>
+                        <a:rPr lang="en-US" sz="1100" u="none" strike="noStrike">
+                          <a:effectLst/>
+                        </a:rPr>
+                        <a:t>S_ID</a:t>
+                      </a:r>
+                      <a:endParaRPr lang="en-US" sz="1100" b="1" i="0" u="none" strike="noStrike">
+                        <a:solidFill>
+                          <a:srgbClr val="000000"/>
+                        </a:solidFill>
+                        <a:effectLst/>
+                        <a:latin typeface="맑은 고딕" panose="020B0503020000020004" pitchFamily="50" charset="-127"/>
+                        <a:ea typeface="맑은 고딕" panose="020B0503020000020004" pitchFamily="50" charset="-127"/>
+                      </a:endParaRPr>
+                    </a:p>
+                  </a:txBody>
+                  <a:tcPr marL="9525" marR="9525" marT="9525" marB="0" anchor="ctr"/>
+                </a:tc>
+                <a:tc>
+                  <a:txBody>
+                    <a:bodyPr/>
+                    <a:lstStyle/>
+                    <a:p>
+                      <a:pPr algn="l" fontAlgn="ctr"/>
+                      <a:r>
+                        <a:rPr lang="en-US" sz="1100" u="none" strike="noStrike">
+                          <a:effectLst/>
+                        </a:rPr>
+                        <a:t>FK</a:t>
+                      </a:r>
+                      <a:endParaRPr lang="en-US" sz="1100" b="1" i="0" u="none" strike="noStrike">
+                        <a:solidFill>
+                          <a:srgbClr val="000000"/>
+                        </a:solidFill>
+                        <a:effectLst/>
+                        <a:latin typeface="맑은 고딕" panose="020B0503020000020004" pitchFamily="50" charset="-127"/>
+                        <a:ea typeface="맑은 고딕" panose="020B0503020000020004" pitchFamily="50" charset="-127"/>
+                      </a:endParaRPr>
+                    </a:p>
+                  </a:txBody>
+                  <a:tcPr marL="9525" marR="9525" marT="9525" marB="0" anchor="ctr"/>
+                </a:tc>
+                <a:tc>
+                  <a:txBody>
+                    <a:bodyPr/>
+                    <a:lstStyle/>
+                    <a:p>
+                      <a:pPr algn="l" fontAlgn="ctr"/>
+                      <a:r>
+                        <a:rPr lang="en-US" sz="1100" u="none" strike="noStrike">
+                          <a:effectLst/>
+                        </a:rPr>
+                        <a:t>varchar2</a:t>
+                      </a:r>
+                      <a:endParaRPr lang="en-US" sz="1100" b="1" i="0" u="none" strike="noStrike">
+                        <a:solidFill>
+                          <a:srgbClr val="000000"/>
+                        </a:solidFill>
+                        <a:effectLst/>
+                        <a:latin typeface="맑은 고딕" panose="020B0503020000020004" pitchFamily="50" charset="-127"/>
+                        <a:ea typeface="맑은 고딕" panose="020B0503020000020004" pitchFamily="50" charset="-127"/>
+                      </a:endParaRPr>
+                    </a:p>
+                  </a:txBody>
+                  <a:tcPr marL="9525" marR="9525" marT="9525" marB="0" anchor="ctr"/>
+                </a:tc>
+              </a:tr>
+              <a:tr h="209550">
+                <a:tc>
+                  <a:txBody>
+                    <a:bodyPr/>
+                    <a:lstStyle/>
+                    <a:p>
+                      <a:pPr algn="l" fontAlgn="ctr"/>
+                      <a:r>
+                        <a:rPr lang="en-US" sz="1100" u="none" strike="noStrike">
+                          <a:effectLst/>
+                        </a:rPr>
+                        <a:t>BR_PRICE</a:t>
+                      </a:r>
+                      <a:endParaRPr lang="en-US" sz="1100" b="0" i="0" u="none" strike="noStrike">
+                        <a:solidFill>
+                          <a:srgbClr val="000000"/>
+                        </a:solidFill>
+                        <a:effectLst/>
+                        <a:latin typeface="맑은 고딕" panose="020B0503020000020004" pitchFamily="50" charset="-127"/>
+                        <a:ea typeface="맑은 고딕" panose="020B0503020000020004" pitchFamily="50" charset="-127"/>
+                      </a:endParaRPr>
+                    </a:p>
+                  </a:txBody>
+                  <a:tcPr marL="9525" marR="9525" marT="9525" marB="0" anchor="ctr"/>
+                </a:tc>
+                <a:tc>
+                  <a:txBody>
+                    <a:bodyPr/>
+                    <a:lstStyle/>
+                    <a:p>
+                      <a:pPr algn="l" fontAlgn="ctr"/>
+                      <a:r>
+                        <a:rPr lang="ko-KR" altLang="en-US" sz="1100" u="none" strike="noStrike">
+                          <a:effectLst/>
+                        </a:rPr>
+                        <a:t>　</a:t>
+                      </a:r>
+                      <a:endParaRPr lang="ko-KR" altLang="en-US" sz="1100" b="0" i="0" u="none" strike="noStrike">
+                        <a:solidFill>
+                          <a:srgbClr val="000000"/>
+                        </a:solidFill>
+                        <a:effectLst/>
+                        <a:latin typeface="맑은 고딕" panose="020B0503020000020004" pitchFamily="50" charset="-127"/>
+                        <a:ea typeface="맑은 고딕" panose="020B0503020000020004" pitchFamily="50" charset="-127"/>
+                      </a:endParaRPr>
+                    </a:p>
+                  </a:txBody>
+                  <a:tcPr marL="9525" marR="9525" marT="9525" marB="0" anchor="ctr"/>
+                </a:tc>
+                <a:tc>
+                  <a:txBody>
+                    <a:bodyPr/>
+                    <a:lstStyle/>
+                    <a:p>
+                      <a:pPr algn="l" fontAlgn="ctr"/>
+                      <a:r>
+                        <a:rPr lang="en-US" sz="1100" u="none" strike="noStrike">
+                          <a:effectLst/>
+                        </a:rPr>
+                        <a:t>number</a:t>
+                      </a:r>
+                      <a:endParaRPr lang="en-US" sz="1100" b="0" i="0" u="none" strike="noStrike">
+                        <a:solidFill>
+                          <a:srgbClr val="000000"/>
+                        </a:solidFill>
+                        <a:effectLst/>
+                        <a:latin typeface="맑은 고딕" panose="020B0503020000020004" pitchFamily="50" charset="-127"/>
+                        <a:ea typeface="맑은 고딕" panose="020B0503020000020004" pitchFamily="50" charset="-127"/>
+                      </a:endParaRPr>
+                    </a:p>
+                  </a:txBody>
+                  <a:tcPr marL="9525" marR="9525" marT="9525" marB="0" anchor="ctr"/>
+                </a:tc>
+              </a:tr>
+              <a:tr h="209550">
+                <a:tc>
+                  <a:txBody>
+                    <a:bodyPr/>
+                    <a:lstStyle/>
+                    <a:p>
+                      <a:pPr algn="l" fontAlgn="ctr"/>
+                      <a:r>
+                        <a:rPr lang="en-US" sz="1100" u="none" strike="noStrike">
+                          <a:effectLst/>
+                        </a:rPr>
+                        <a:t>BR_STATE</a:t>
+                      </a:r>
+                      <a:endParaRPr lang="en-US" sz="1100" b="0" i="0" u="none" strike="noStrike">
+                        <a:solidFill>
+                          <a:srgbClr val="000000"/>
+                        </a:solidFill>
+                        <a:effectLst/>
+                        <a:latin typeface="맑은 고딕" panose="020B0503020000020004" pitchFamily="50" charset="-127"/>
+                        <a:ea typeface="맑은 고딕" panose="020B0503020000020004" pitchFamily="50" charset="-127"/>
+                      </a:endParaRPr>
+                    </a:p>
+                  </a:txBody>
+                  <a:tcPr marL="9525" marR="9525" marT="9525" marB="0" anchor="ctr"/>
+                </a:tc>
+                <a:tc>
+                  <a:txBody>
+                    <a:bodyPr/>
+                    <a:lstStyle/>
+                    <a:p>
+                      <a:pPr algn="l" fontAlgn="ctr"/>
+                      <a:r>
+                        <a:rPr lang="ko-KR" altLang="en-US" sz="1100" u="none" strike="noStrike">
+                          <a:effectLst/>
+                        </a:rPr>
+                        <a:t>　</a:t>
+                      </a:r>
+                      <a:endParaRPr lang="ko-KR" altLang="en-US" sz="1100" b="0" i="0" u="none" strike="noStrike">
+                        <a:solidFill>
+                          <a:srgbClr val="000000"/>
+                        </a:solidFill>
+                        <a:effectLst/>
+                        <a:latin typeface="맑은 고딕" panose="020B0503020000020004" pitchFamily="50" charset="-127"/>
+                        <a:ea typeface="맑은 고딕" panose="020B0503020000020004" pitchFamily="50" charset="-127"/>
+                      </a:endParaRPr>
+                    </a:p>
+                  </a:txBody>
+                  <a:tcPr marL="9525" marR="9525" marT="9525" marB="0" anchor="ctr"/>
+                </a:tc>
+                <a:tc>
+                  <a:txBody>
+                    <a:bodyPr/>
+                    <a:lstStyle/>
+                    <a:p>
+                      <a:pPr algn="l" fontAlgn="ctr"/>
+                      <a:r>
+                        <a:rPr lang="en-US" sz="1100" u="none" strike="noStrike" dirty="0">
+                          <a:effectLst/>
+                        </a:rPr>
+                        <a:t>number</a:t>
+                      </a:r>
+                      <a:endParaRPr lang="en-US" sz="1100" b="0" i="0" u="none" strike="noStrike" dirty="0">
+                        <a:solidFill>
+                          <a:srgbClr val="000000"/>
+                        </a:solidFill>
+                        <a:effectLst/>
+                        <a:latin typeface="맑은 고딕" panose="020B0503020000020004" pitchFamily="50" charset="-127"/>
+                        <a:ea typeface="맑은 고딕" panose="020B0503020000020004" pitchFamily="50" charset="-127"/>
+                      </a:endParaRPr>
+                    </a:p>
+                  </a:txBody>
+                  <a:tcPr marL="9525" marR="9525" marT="9525" marB="0" anchor="ctr"/>
+                </a:tc>
+              </a:tr>
+            </a:tbl>
+          </a:graphicData>
+        </a:graphic>
+      </p:graphicFrame>
+    </p:spTree>
+    <p:extLst>
+      <p:ext uri="{BB962C8B-B14F-4D97-AF65-F5344CB8AC3E}">
+        <p14:creationId xmlns:p14="http://schemas.microsoft.com/office/powerpoint/2010/main" val="919241156"/>
+      </p:ext>
+    </p:extLst>
+  </p:cSld>
+  <p:clrMapOvr>
+    <a:masterClrMapping/>
+  </p:clrMapOvr>
+</p:sld>
+</file>
+
 <file path=ppt/slides/slide3.xml><?xml version="1.0" encoding="utf-8"?>
 <p:sld xmlns:a="http://schemas.openxmlformats.org/drawingml/2006/main" xmlns:r="http://schemas.openxmlformats.org/officeDocument/2006/relationships" xmlns:p="http://schemas.openxmlformats.org/presentationml/2006/main">
   <p:cSld>
@@ -21074,15 +27565,7 @@
                   <a:srgbClr val="00B0F0"/>
                 </a:solidFill>
               </a:rPr>
-              <a:t>을 이끌기 </a:t>
-            </a:r>
-            <a:r>
-              <a:rPr lang="ko-KR" altLang="en-US" b="1" dirty="0" smtClean="0">
-                <a:solidFill>
-                  <a:srgbClr val="00B0F0"/>
-                </a:solidFill>
-              </a:rPr>
-              <a:t>힘</a:t>
+              <a:t>을 이끌기 힘</a:t>
             </a:r>
             <a:r>
               <a:rPr lang="ko-KR" altLang="en-US" b="1" dirty="0">
